--- a/picture/datastruct/datastruct.pptx
+++ b/picture/datastruct/datastruct.pptx
@@ -5,20 +5,25 @@
     <p:sldMasterId id="2147483648" r:id="rId1"/>
   </p:sldMasterIdLst>
   <p:notesMasterIdLst>
-    <p:notesMasterId r:id="rId8"/>
+    <p:notesMasterId r:id="rId13"/>
   </p:notesMasterIdLst>
   <p:handoutMasterIdLst>
-    <p:handoutMasterId r:id="rId12"/>
+    <p:handoutMasterId r:id="rId17"/>
   </p:handoutMasterIdLst>
   <p:sldIdLst>
     <p:sldId id="256" r:id="rId3"/>
-    <p:sldId id="257" r:id="rId4"/>
-    <p:sldId id="258" r:id="rId5"/>
-    <p:sldId id="259" r:id="rId6"/>
-    <p:sldId id="260" r:id="rId7"/>
-    <p:sldId id="261" r:id="rId9"/>
-    <p:sldId id="262" r:id="rId10"/>
-    <p:sldId id="263" r:id="rId11"/>
+    <p:sldId id="264" r:id="rId4"/>
+    <p:sldId id="272" r:id="rId5"/>
+    <p:sldId id="281" r:id="rId6"/>
+    <p:sldId id="273" r:id="rId7"/>
+    <p:sldId id="282" r:id="rId8"/>
+    <p:sldId id="257" r:id="rId9"/>
+    <p:sldId id="258" r:id="rId10"/>
+    <p:sldId id="259" r:id="rId11"/>
+    <p:sldId id="260" r:id="rId12"/>
+    <p:sldId id="261" r:id="rId14"/>
+    <p:sldId id="262" r:id="rId15"/>
+    <p:sldId id="263" r:id="rId16"/>
   </p:sldIdLst>
   <p:sldSz cx="12192000" cy="6858000"/>
   <p:notesSz cx="7103745" cy="10234295"/>
@@ -3625,7 +3630,2502 @@
 </p:sld>
 </file>
 
+<file path=ppt/slides/slide10.xml><?xml version="1.0" encoding="utf-8"?>
+<p:sld xmlns:a="http://schemas.openxmlformats.org/drawingml/2006/main" xmlns:r="http://schemas.openxmlformats.org/officeDocument/2006/relationships" xmlns:p="http://schemas.openxmlformats.org/presentationml/2006/main">
+  <p:cSld>
+    <p:spTree>
+      <p:nvGrpSpPr>
+        <p:cNvPr id="1" name=""/>
+        <p:cNvGrpSpPr/>
+        <p:nvPr/>
+      </p:nvGrpSpPr>
+      <p:grpSpPr/>
+      <p:sp>
+        <p:nvSpPr>
+          <p:cNvPr id="11" name="Text Box 10"/>
+          <p:cNvSpPr txBox="true"/>
+          <p:nvPr/>
+        </p:nvSpPr>
+        <p:spPr>
+          <a:xfrm>
+            <a:off x="2822575" y="1357630"/>
+            <a:ext cx="3946525" cy="368300"/>
+          </a:xfrm>
+          <a:prstGeom prst="rect">
+            <a:avLst/>
+          </a:prstGeom>
+          <a:noFill/>
+        </p:spPr>
+        <p:txBody>
+          <a:bodyPr wrap="none" rtlCol="0">
+            <a:spAutoFit/>
+          </a:bodyPr>
+          <a:p>
+            <a:r>
+              <a:rPr lang="en-US" altLang="en-US" b="1">
+                <a:solidFill>
+                  <a:srgbClr val="2C3E50"/>
+                </a:solidFill>
+              </a:rPr>
+              <a:t>2</a:t>
+            </a:r>
+            <a:r>
+              <a:rPr lang="en-US" b="1">
+                <a:solidFill>
+                  <a:srgbClr val="2C3E50"/>
+                </a:solidFill>
+              </a:rPr>
+              <a:t>. </a:t>
+            </a:r>
+            <a:r>
+              <a:rPr lang="zh-CN" altLang="en-US" b="1">
+                <a:solidFill>
+                  <a:srgbClr val="2C3E50"/>
+                </a:solidFill>
+              </a:rPr>
+              <a:t>找出大规模的小规模问题转化方程</a:t>
+            </a:r>
+            <a:endParaRPr lang="en-US" altLang="zh-CN" b="1">
+              <a:solidFill>
+                <a:srgbClr val="2C3E50"/>
+              </a:solidFill>
+            </a:endParaRPr>
+          </a:p>
+        </p:txBody>
+      </p:sp>
+      <p:sp>
+        <p:nvSpPr>
+          <p:cNvPr id="12" name="Text Box 11"/>
+          <p:cNvSpPr txBox="true"/>
+          <p:nvPr/>
+        </p:nvSpPr>
+        <p:spPr>
+          <a:xfrm>
+            <a:off x="1416050" y="2646045"/>
+            <a:ext cx="5164455" cy="521970"/>
+          </a:xfrm>
+          <a:prstGeom prst="rect">
+            <a:avLst/>
+          </a:prstGeom>
+          <a:noFill/>
+        </p:spPr>
+        <p:txBody>
+          <a:bodyPr wrap="none" rtlCol="0">
+            <a:spAutoFit/>
+          </a:bodyPr>
+          <a:p>
+            <a:pPr algn="l"/>
+            <a:r>
+              <a:rPr lang="zh-CN" altLang="en-US" sz="1400" b="1">
+                <a:solidFill>
+                  <a:srgbClr val="2C3E50"/>
+                </a:solidFill>
+                <a:sym typeface="+mn-ea"/>
+              </a:rPr>
+              <a:t>对于单点划分：</a:t>
+            </a:r>
+            <a:r>
+              <a:rPr lang="en-US" sz="1400" b="1">
+                <a:solidFill>
+                  <a:srgbClr val="2C3E50"/>
+                </a:solidFill>
+                <a:sym typeface="+mn-ea"/>
+              </a:rPr>
+              <a:t>斐波那契数</a:t>
+            </a:r>
+            <a:r>
+              <a:rPr lang="zh-CN" altLang="en-US" sz="1400" b="1">
+                <a:solidFill>
+                  <a:srgbClr val="2C3E50"/>
+                </a:solidFill>
+                <a:sym typeface="+mn-ea"/>
+              </a:rPr>
+              <a:t>列，</a:t>
+            </a:r>
+            <a:r>
+              <a:rPr lang="en-US" sz="1400" b="1">
+                <a:solidFill>
+                  <a:srgbClr val="2C3E50"/>
+                </a:solidFill>
+                <a:sym typeface="+mn-ea"/>
+              </a:rPr>
+              <a:t>F(N) = F(N - 1) + F(N - 2)</a:t>
+            </a:r>
+            <a:endParaRPr lang="en-US" sz="1400" b="1">
+              <a:solidFill>
+                <a:srgbClr val="2C3E50"/>
+              </a:solidFill>
+              <a:sym typeface="+mn-ea"/>
+            </a:endParaRPr>
+          </a:p>
+          <a:p>
+            <a:pPr algn="l"/>
+            <a:r>
+              <a:rPr lang="en-US" altLang="zh-CN" sz="1400" b="1">
+                <a:solidFill>
+                  <a:srgbClr val="2C3E50"/>
+                </a:solidFill>
+                <a:sym typeface="+mn-ea"/>
+              </a:rPr>
+              <a:t>	     </a:t>
+            </a:r>
+            <a:r>
+              <a:rPr lang="zh-CN" altLang="en-US" sz="1400" b="1">
+                <a:solidFill>
+                  <a:srgbClr val="2C3E50"/>
+                </a:solidFill>
+                <a:sym typeface="+mn-ea"/>
+              </a:rPr>
+              <a:t>代码实现：略</a:t>
+            </a:r>
+            <a:endParaRPr lang="zh-CN" altLang="en-US" sz="1400" b="1">
+              <a:solidFill>
+                <a:srgbClr val="2C3E50"/>
+              </a:solidFill>
+              <a:sym typeface="+mn-ea"/>
+            </a:endParaRPr>
+          </a:p>
+        </p:txBody>
+      </p:sp>
+      <p:sp>
+        <p:nvSpPr>
+          <p:cNvPr id="3" name="Text Box 2"/>
+          <p:cNvSpPr txBox="true"/>
+          <p:nvPr/>
+        </p:nvSpPr>
+        <p:spPr>
+          <a:xfrm>
+            <a:off x="708025" y="1357630"/>
+            <a:ext cx="2016760" cy="368300"/>
+          </a:xfrm>
+          <a:prstGeom prst="rect">
+            <a:avLst/>
+          </a:prstGeom>
+          <a:noFill/>
+        </p:spPr>
+        <p:txBody>
+          <a:bodyPr wrap="none" rtlCol="0">
+            <a:spAutoFit/>
+          </a:bodyPr>
+          <a:p>
+            <a:r>
+              <a:rPr lang="zh-CN" altLang="en-US" b="1">
+                <a:solidFill>
+                  <a:srgbClr val="2C3E50"/>
+                </a:solidFill>
+              </a:rPr>
+              <a:t>解决问题的步骤：</a:t>
+            </a:r>
+            <a:endParaRPr lang="zh-CN" altLang="en-US" b="1">
+              <a:solidFill>
+                <a:srgbClr val="2C3E50"/>
+              </a:solidFill>
+            </a:endParaRPr>
+          </a:p>
+        </p:txBody>
+      </p:sp>
+      <p:sp>
+        <p:nvSpPr>
+          <p:cNvPr id="2" name="Text Box 1"/>
+          <p:cNvSpPr txBox="true"/>
+          <p:nvPr/>
+        </p:nvSpPr>
+        <p:spPr>
+          <a:xfrm>
+            <a:off x="589915" y="429895"/>
+            <a:ext cx="1607820" cy="521970"/>
+          </a:xfrm>
+          <a:prstGeom prst="rect">
+            <a:avLst/>
+          </a:prstGeom>
+          <a:noFill/>
+        </p:spPr>
+        <p:txBody>
+          <a:bodyPr wrap="none" rtlCol="0">
+            <a:spAutoFit/>
+          </a:bodyPr>
+          <a:p>
+            <a:r>
+              <a:rPr lang="zh-CN" altLang="en-US" sz="2800" b="1">
+                <a:solidFill>
+                  <a:srgbClr val="2C3E50"/>
+                </a:solidFill>
+              </a:rPr>
+              <a:t>动态规划</a:t>
+            </a:r>
+            <a:endParaRPr lang="zh-CN" altLang="en-US" sz="2800" b="1">
+              <a:solidFill>
+                <a:srgbClr val="2C3E50"/>
+              </a:solidFill>
+            </a:endParaRPr>
+          </a:p>
+        </p:txBody>
+      </p:sp>
+      <p:sp>
+        <p:nvSpPr>
+          <p:cNvPr id="14" name="Text Box 13"/>
+          <p:cNvSpPr txBox="true"/>
+          <p:nvPr/>
+        </p:nvSpPr>
+        <p:spPr>
+          <a:xfrm>
+            <a:off x="1003935" y="1802130"/>
+            <a:ext cx="6721475" cy="368300"/>
+          </a:xfrm>
+          <a:prstGeom prst="rect">
+            <a:avLst/>
+          </a:prstGeom>
+          <a:noFill/>
+        </p:spPr>
+        <p:txBody>
+          <a:bodyPr wrap="none" rtlCol="0">
+            <a:spAutoFit/>
+          </a:bodyPr>
+          <a:p>
+            <a:pPr algn="l"/>
+            <a:r>
+              <a:rPr lang="en-US" b="1">
+                <a:solidFill>
+                  <a:srgbClr val="2C3E50"/>
+                </a:solidFill>
+              </a:rPr>
+              <a:t>1. </a:t>
+            </a:r>
+            <a:r>
+              <a:rPr lang="zh-CN" altLang="en-US" b="1">
+                <a:solidFill>
+                  <a:srgbClr val="2C3E50"/>
+                </a:solidFill>
+              </a:rPr>
+              <a:t>反向关系</a:t>
+            </a:r>
+            <a:r>
+              <a:rPr lang="en-US" altLang="zh-CN" b="1">
+                <a:solidFill>
+                  <a:srgbClr val="2C3E50"/>
+                </a:solidFill>
+              </a:rPr>
+              <a:t> </a:t>
+            </a:r>
+            <a:r>
+              <a:rPr lang="zh-CN" altLang="en-US" b="1">
+                <a:solidFill>
+                  <a:srgbClr val="2C3E50"/>
+                </a:solidFill>
+              </a:rPr>
+              <a:t>（这种是递归解法</a:t>
+            </a:r>
+            <a:r>
+              <a:rPr lang="en-US" altLang="zh-CN" b="1">
+                <a:solidFill>
+                  <a:srgbClr val="2C3E50"/>
+                </a:solidFill>
+              </a:rPr>
+              <a:t>,</a:t>
+            </a:r>
+            <a:r>
+              <a:rPr lang="zh-CN" altLang="en-US" b="1">
+                <a:solidFill>
+                  <a:srgbClr val="2C3E50"/>
+                </a:solidFill>
+              </a:rPr>
+              <a:t>而非动态规划</a:t>
+            </a:r>
+            <a:r>
+              <a:rPr lang="en-US" altLang="zh-CN" b="1">
+                <a:solidFill>
+                  <a:srgbClr val="2C3E50"/>
+                </a:solidFill>
+              </a:rPr>
+              <a:t>,</a:t>
+            </a:r>
+            <a:r>
+              <a:rPr lang="zh-CN" altLang="en-US" b="1">
+                <a:solidFill>
+                  <a:srgbClr val="2C3E50"/>
+                </a:solidFill>
+              </a:rPr>
+              <a:t>这里做一个对比）</a:t>
+            </a:r>
+            <a:endParaRPr lang="zh-CN" altLang="en-US" b="1">
+              <a:solidFill>
+                <a:srgbClr val="2C3E50"/>
+              </a:solidFill>
+              <a:sym typeface="+mn-ea"/>
+            </a:endParaRPr>
+          </a:p>
+        </p:txBody>
+      </p:sp>
+      <p:sp>
+        <p:nvSpPr>
+          <p:cNvPr id="15" name="Text Box 14"/>
+          <p:cNvSpPr txBox="true"/>
+          <p:nvPr/>
+        </p:nvSpPr>
+        <p:spPr>
+          <a:xfrm>
+            <a:off x="1003935" y="4183380"/>
+            <a:ext cx="1424940" cy="368300"/>
+          </a:xfrm>
+          <a:prstGeom prst="rect">
+            <a:avLst/>
+          </a:prstGeom>
+          <a:noFill/>
+        </p:spPr>
+        <p:txBody>
+          <a:bodyPr wrap="none" rtlCol="0">
+            <a:spAutoFit/>
+          </a:bodyPr>
+          <a:p>
+            <a:r>
+              <a:rPr lang="en-US" b="1">
+                <a:solidFill>
+                  <a:srgbClr val="2C3E50"/>
+                </a:solidFill>
+              </a:rPr>
+              <a:t>2. </a:t>
+            </a:r>
+            <a:r>
+              <a:rPr lang="zh-CN" altLang="en-US" b="1">
+                <a:solidFill>
+                  <a:srgbClr val="2C3E50"/>
+                </a:solidFill>
+              </a:rPr>
+              <a:t>正向关系</a:t>
+            </a:r>
+            <a:endParaRPr lang="en-US" altLang="zh-CN" b="1">
+              <a:solidFill>
+                <a:srgbClr val="2C3E50"/>
+              </a:solidFill>
+            </a:endParaRPr>
+          </a:p>
+        </p:txBody>
+      </p:sp>
+      <p:sp>
+        <p:nvSpPr>
+          <p:cNvPr id="4" name="Text Box 3"/>
+          <p:cNvSpPr txBox="true"/>
+          <p:nvPr/>
+        </p:nvSpPr>
+        <p:spPr>
+          <a:xfrm>
+            <a:off x="1374140" y="4628515"/>
+            <a:ext cx="8146415" cy="521970"/>
+          </a:xfrm>
+          <a:prstGeom prst="rect">
+            <a:avLst/>
+          </a:prstGeom>
+          <a:noFill/>
+        </p:spPr>
+        <p:txBody>
+          <a:bodyPr wrap="none" rtlCol="0">
+            <a:spAutoFit/>
+          </a:bodyPr>
+          <a:p>
+            <a:pPr algn="l"/>
+            <a:r>
+              <a:rPr lang="zh-CN" altLang="en-US" sz="1400" b="1">
+                <a:solidFill>
+                  <a:srgbClr val="2C3E50"/>
+                </a:solidFill>
+                <a:sym typeface="+mn-ea"/>
+              </a:rPr>
+              <a:t>对于单点划分：</a:t>
+            </a:r>
+            <a:r>
+              <a:rPr lang="en-US" sz="1400" b="1">
+                <a:solidFill>
+                  <a:srgbClr val="2C3E50"/>
+                </a:solidFill>
+                <a:sym typeface="+mn-ea"/>
+              </a:rPr>
+              <a:t>斐波那契数</a:t>
+            </a:r>
+            <a:r>
+              <a:rPr lang="zh-CN" altLang="en-US" sz="1400" b="1">
+                <a:solidFill>
+                  <a:srgbClr val="2C3E50"/>
+                </a:solidFill>
+                <a:sym typeface="+mn-ea"/>
+              </a:rPr>
+              <a:t>列，</a:t>
+            </a:r>
+            <a:r>
+              <a:rPr lang="en-US" sz="1400" b="1">
+                <a:solidFill>
+                  <a:srgbClr val="2C3E50"/>
+                </a:solidFill>
+                <a:sym typeface="+mn-ea"/>
+              </a:rPr>
+              <a:t>F(1) + F(2) = F(3)</a:t>
+            </a:r>
+            <a:endParaRPr lang="en-US" sz="1400" b="1">
+              <a:solidFill>
+                <a:srgbClr val="2C3E50"/>
+              </a:solidFill>
+              <a:sym typeface="+mn-ea"/>
+            </a:endParaRPr>
+          </a:p>
+          <a:p>
+            <a:pPr algn="l"/>
+            <a:r>
+              <a:rPr lang="en-US" altLang="zh-CN" sz="1400" b="1">
+                <a:solidFill>
+                  <a:srgbClr val="2C3E50"/>
+                </a:solidFill>
+                <a:sym typeface="+mn-ea"/>
+              </a:rPr>
+              <a:t>                    </a:t>
+            </a:r>
+            <a:r>
+              <a:rPr lang="zh-CN" altLang="en-US" sz="1400" b="1">
+                <a:solidFill>
+                  <a:srgbClr val="2C3E50"/>
+                </a:solidFill>
+                <a:sym typeface="+mn-ea"/>
+              </a:rPr>
+              <a:t>代码实现：</a:t>
+            </a:r>
+            <a:r>
+              <a:rPr lang="zh-CN" altLang="en-US" sz="800" b="1">
+                <a:solidFill>
+                  <a:srgbClr val="2C3E50"/>
+                </a:solidFill>
+                <a:sym typeface="+mn-ea"/>
+              </a:rPr>
+              <a:t>https://leetcode-cn.com/problems/fei-bo-na-qi-shu-lie-lcof/solution/cyu-yan-fei-di-gui-jie-fa-by-ze-hao/</a:t>
+            </a:r>
+            <a:endParaRPr lang="zh-CN" altLang="en-US" sz="800" b="1">
+              <a:solidFill>
+                <a:srgbClr val="2C3E50"/>
+              </a:solidFill>
+              <a:sym typeface="+mn-ea"/>
+            </a:endParaRPr>
+          </a:p>
+        </p:txBody>
+      </p:sp>
+      <p:sp>
+        <p:nvSpPr>
+          <p:cNvPr id="10" name="Text Box 9"/>
+          <p:cNvSpPr txBox="true"/>
+          <p:nvPr/>
+        </p:nvSpPr>
+        <p:spPr>
+          <a:xfrm>
+            <a:off x="1416050" y="2225675"/>
+            <a:ext cx="7320280" cy="306705"/>
+          </a:xfrm>
+          <a:prstGeom prst="rect">
+            <a:avLst/>
+          </a:prstGeom>
+          <a:noFill/>
+        </p:spPr>
+        <p:txBody>
+          <a:bodyPr wrap="none" rtlCol="0">
+            <a:spAutoFit/>
+          </a:bodyPr>
+          <a:p>
+            <a:pPr algn="l"/>
+            <a:r>
+              <a:rPr lang="zh-CN" altLang="en-US" sz="1400" b="1">
+                <a:solidFill>
+                  <a:srgbClr val="3EAF7C"/>
+                </a:solidFill>
+                <a:sym typeface="+mn-ea"/>
+              </a:rPr>
+              <a:t>一般需要配合记忆存储，避免重复计算一个值。这样问题规模不能太大，或者空间复杂度高</a:t>
+            </a:r>
+            <a:endParaRPr lang="zh-CN" altLang="en-US" sz="1400" b="1">
+              <a:solidFill>
+                <a:srgbClr val="3EAF7C"/>
+              </a:solidFill>
+              <a:sym typeface="+mn-ea"/>
+            </a:endParaRPr>
+          </a:p>
+        </p:txBody>
+      </p:sp>
+      <p:sp>
+        <p:nvSpPr>
+          <p:cNvPr id="5" name="Text Box 4"/>
+          <p:cNvSpPr txBox="true"/>
+          <p:nvPr/>
+        </p:nvSpPr>
+        <p:spPr>
+          <a:xfrm>
+            <a:off x="1374140" y="3168015"/>
+            <a:ext cx="9525635" cy="737235"/>
+          </a:xfrm>
+          <a:prstGeom prst="rect">
+            <a:avLst/>
+          </a:prstGeom>
+          <a:noFill/>
+        </p:spPr>
+        <p:txBody>
+          <a:bodyPr wrap="none" rtlCol="0">
+            <a:spAutoFit/>
+          </a:bodyPr>
+          <a:p>
+            <a:pPr algn="l"/>
+            <a:r>
+              <a:rPr lang="zh-CN" altLang="en-US" sz="1400" b="1">
+                <a:solidFill>
+                  <a:srgbClr val="2C3E50"/>
+                </a:solidFill>
+                <a:sym typeface="+mn-ea"/>
+              </a:rPr>
+              <a:t>对于区间划分：合并石头的问题，初始化我们定义数组</a:t>
+            </a:r>
+            <a:r>
+              <a:rPr lang="en-US" altLang="zh-CN" sz="1400" b="1">
+                <a:solidFill>
+                  <a:srgbClr val="2C3E50"/>
+                </a:solidFill>
+                <a:sym typeface="+mn-ea"/>
+              </a:rPr>
+              <a:t>F[n][n](n=</a:t>
+            </a:r>
+            <a:r>
+              <a:rPr lang="zh-CN" altLang="en-US" sz="1400" b="1">
+                <a:solidFill>
+                  <a:srgbClr val="2C3E50"/>
+                </a:solidFill>
+                <a:sym typeface="+mn-ea"/>
+              </a:rPr>
+              <a:t>石头的堆数）并初始化每个元素都为</a:t>
+            </a:r>
+            <a:r>
+              <a:rPr lang="en-US" altLang="zh-CN" sz="1400" b="1">
+                <a:solidFill>
+                  <a:srgbClr val="2C3E50"/>
+                </a:solidFill>
+                <a:sym typeface="+mn-ea"/>
+              </a:rPr>
+              <a:t>1e9,</a:t>
+            </a:r>
+            <a:r>
+              <a:rPr lang="zh-CN" altLang="en-US" sz="1400" b="1">
+                <a:solidFill>
+                  <a:srgbClr val="2C3E50"/>
+                </a:solidFill>
+                <a:sym typeface="+mn-ea"/>
+              </a:rPr>
+              <a:t>那么存在</a:t>
+            </a:r>
+            <a:endParaRPr lang="zh-CN" altLang="en-US" sz="1400" b="1">
+              <a:solidFill>
+                <a:srgbClr val="2C3E50"/>
+              </a:solidFill>
+              <a:sym typeface="+mn-ea"/>
+            </a:endParaRPr>
+          </a:p>
+          <a:p>
+            <a:pPr algn="l"/>
+            <a:r>
+              <a:rPr lang="en-US" altLang="zh-CN" sz="1400" b="1">
+                <a:solidFill>
+                  <a:srgbClr val="2C3E50"/>
+                </a:solidFill>
+                <a:sym typeface="+mn-ea"/>
+              </a:rPr>
+              <a:t>	     </a:t>
+            </a:r>
+            <a:r>
+              <a:rPr lang="en-US" altLang="en-US" sz="1400" b="1">
+                <a:solidFill>
+                  <a:srgbClr val="2C3E50"/>
+                </a:solidFill>
+                <a:sym typeface="+mn-ea"/>
+              </a:rPr>
+              <a:t>F</a:t>
+            </a:r>
+            <a:r>
+              <a:rPr lang="en-US" altLang="zh-CN" sz="1400" b="1">
+                <a:solidFill>
+                  <a:srgbClr val="2C3E50"/>
+                </a:solidFill>
+                <a:sym typeface="+mn-ea"/>
+              </a:rPr>
+              <a:t>[</a:t>
+            </a:r>
+            <a:r>
+              <a:rPr lang="en-US" altLang="en-US" sz="1400" b="1">
+                <a:solidFill>
+                  <a:srgbClr val="2C3E50"/>
+                </a:solidFill>
+                <a:sym typeface="+mn-ea"/>
+              </a:rPr>
+              <a:t>i</a:t>
+            </a:r>
+            <a:r>
+              <a:rPr lang="en-US" altLang="zh-CN" sz="1400" b="1">
+                <a:solidFill>
+                  <a:srgbClr val="2C3E50"/>
+                </a:solidFill>
+                <a:sym typeface="+mn-ea"/>
+              </a:rPr>
+              <a:t>][j]=min(</a:t>
+            </a:r>
+            <a:r>
+              <a:rPr lang="en-US" altLang="en-US" sz="1400" b="1">
+                <a:solidFill>
+                  <a:srgbClr val="2C3E50"/>
+                </a:solidFill>
+                <a:sym typeface="+mn-ea"/>
+              </a:rPr>
+              <a:t>F[i][j], F[i][p]+F[p][j] + sum(j)-sun(i-1))</a:t>
+            </a:r>
+            <a:endParaRPr lang="en-US" altLang="en-US" sz="1400" b="1">
+              <a:solidFill>
+                <a:srgbClr val="2C3E50"/>
+              </a:solidFill>
+              <a:sym typeface="+mn-ea"/>
+            </a:endParaRPr>
+          </a:p>
+          <a:p>
+            <a:pPr algn="l"/>
+            <a:r>
+              <a:rPr lang="en-US" altLang="en-US" sz="1400" b="1">
+                <a:solidFill>
+                  <a:srgbClr val="2C3E50"/>
+                </a:solidFill>
+                <a:sym typeface="+mn-ea"/>
+              </a:rPr>
+              <a:t>	     </a:t>
+            </a:r>
+            <a:r>
+              <a:rPr lang="zh-CN" altLang="en-US" sz="1400" b="1">
+                <a:solidFill>
+                  <a:srgbClr val="2C3E50"/>
+                </a:solidFill>
+                <a:sym typeface="+mn-ea"/>
+              </a:rPr>
+              <a:t>代码实现：略</a:t>
+            </a:r>
+            <a:endParaRPr lang="zh-CN" altLang="en-US" sz="1400" b="1">
+              <a:solidFill>
+                <a:srgbClr val="2C3E50"/>
+              </a:solidFill>
+              <a:sym typeface="+mn-ea"/>
+            </a:endParaRPr>
+          </a:p>
+        </p:txBody>
+      </p:sp>
+      <p:sp>
+        <p:nvSpPr>
+          <p:cNvPr id="6" name="Text Box 5"/>
+          <p:cNvSpPr txBox="true"/>
+          <p:nvPr/>
+        </p:nvSpPr>
+        <p:spPr>
+          <a:xfrm>
+            <a:off x="1374140" y="5243195"/>
+            <a:ext cx="9673590" cy="521970"/>
+          </a:xfrm>
+          <a:prstGeom prst="rect">
+            <a:avLst/>
+          </a:prstGeom>
+          <a:noFill/>
+        </p:spPr>
+        <p:txBody>
+          <a:bodyPr wrap="none" rtlCol="0">
+            <a:spAutoFit/>
+          </a:bodyPr>
+          <a:p>
+            <a:pPr algn="l"/>
+            <a:r>
+              <a:rPr lang="zh-CN" altLang="en-US" sz="1400" b="1">
+                <a:solidFill>
+                  <a:srgbClr val="2C3E50"/>
+                </a:solidFill>
+                <a:sym typeface="+mn-ea"/>
+              </a:rPr>
+              <a:t>对于区间划分：合并石头的问题，那就是从只有两堆石头开始，一直计算到有</a:t>
+            </a:r>
+            <a:r>
+              <a:rPr lang="en-US" altLang="zh-CN" sz="1400" b="1">
+                <a:solidFill>
+                  <a:srgbClr val="2C3E50"/>
+                </a:solidFill>
+                <a:sym typeface="+mn-ea"/>
+              </a:rPr>
+              <a:t>n</a:t>
+            </a:r>
+            <a:r>
+              <a:rPr lang="zh-CN" altLang="en-US" sz="1400" b="1">
+                <a:solidFill>
+                  <a:srgbClr val="2C3E50"/>
+                </a:solidFill>
+                <a:sym typeface="+mn-ea"/>
+              </a:rPr>
+              <a:t>堆石头</a:t>
+            </a:r>
+            <a:endParaRPr lang="zh-CN" altLang="en-US" sz="1400" b="1">
+              <a:solidFill>
+                <a:srgbClr val="2C3E50"/>
+              </a:solidFill>
+              <a:sym typeface="+mn-ea"/>
+            </a:endParaRPr>
+          </a:p>
+          <a:p>
+            <a:pPr algn="l"/>
+            <a:r>
+              <a:rPr lang="en-US" altLang="zh-CN" sz="1400" b="1">
+                <a:solidFill>
+                  <a:srgbClr val="2C3E50"/>
+                </a:solidFill>
+                <a:sym typeface="+mn-ea"/>
+              </a:rPr>
+              <a:t>	      </a:t>
+            </a:r>
+            <a:r>
+              <a:rPr lang="zh-CN" altLang="en-US" sz="1400" b="1">
+                <a:solidFill>
+                  <a:srgbClr val="2C3E50"/>
+                </a:solidFill>
+                <a:sym typeface="+mn-ea"/>
+              </a:rPr>
+              <a:t>代码实现：</a:t>
+            </a:r>
+            <a:r>
+              <a:rPr lang="zh-CN" altLang="en-US" sz="800" b="1">
+                <a:solidFill>
+                  <a:srgbClr val="2C3E50"/>
+                </a:solidFill>
+                <a:sym typeface="+mn-ea"/>
+              </a:rPr>
+              <a:t>https://leetcode-cn.com/problems/minimum-cost-to-merge-stones/solution/yi-dong-you-yi-dao-nan-yi-bu-bu-shuo-ming-si-lu-he/</a:t>
+            </a:r>
+            <a:endParaRPr lang="zh-CN" altLang="en-US" sz="800" b="1">
+              <a:solidFill>
+                <a:srgbClr val="2C3E50"/>
+              </a:solidFill>
+              <a:sym typeface="+mn-ea"/>
+            </a:endParaRPr>
+          </a:p>
+        </p:txBody>
+      </p:sp>
+      <p:sp>
+        <p:nvSpPr>
+          <p:cNvPr id="7" name="Text Box 6"/>
+          <p:cNvSpPr txBox="true"/>
+          <p:nvPr/>
+        </p:nvSpPr>
+        <p:spPr>
+          <a:xfrm>
+            <a:off x="2477135" y="4183380"/>
+            <a:ext cx="2680970" cy="306705"/>
+          </a:xfrm>
+          <a:prstGeom prst="rect">
+            <a:avLst/>
+          </a:prstGeom>
+          <a:noFill/>
+        </p:spPr>
+        <p:txBody>
+          <a:bodyPr wrap="none" rtlCol="0">
+            <a:spAutoFit/>
+          </a:bodyPr>
+          <a:p>
+            <a:pPr algn="l"/>
+            <a:r>
+              <a:rPr lang="zh-CN" altLang="en-US" sz="1400" b="1">
+                <a:solidFill>
+                  <a:srgbClr val="3EAF7C"/>
+                </a:solidFill>
+                <a:sym typeface="+mn-ea"/>
+              </a:rPr>
+              <a:t>一般会使用这个转化方程来求解</a:t>
+            </a:r>
+            <a:endParaRPr lang="zh-CN" altLang="en-US" sz="1400" b="1">
+              <a:solidFill>
+                <a:srgbClr val="3EAF7C"/>
+              </a:solidFill>
+              <a:sym typeface="+mn-ea"/>
+            </a:endParaRPr>
+          </a:p>
+        </p:txBody>
+      </p:sp>
+      <p:sp>
+        <p:nvSpPr>
+          <p:cNvPr id="8" name="Text Box 7"/>
+          <p:cNvSpPr txBox="true"/>
+          <p:nvPr/>
+        </p:nvSpPr>
+        <p:spPr>
+          <a:xfrm>
+            <a:off x="8423275" y="5243195"/>
+            <a:ext cx="1967230" cy="306705"/>
+          </a:xfrm>
+          <a:prstGeom prst="rect">
+            <a:avLst/>
+          </a:prstGeom>
+          <a:noFill/>
+        </p:spPr>
+        <p:txBody>
+          <a:bodyPr wrap="none" rtlCol="0">
+            <a:spAutoFit/>
+          </a:bodyPr>
+          <a:p>
+            <a:pPr algn="l"/>
+            <a:r>
+              <a:rPr lang="zh-CN" altLang="en-US" sz="1400" b="1">
+                <a:solidFill>
+                  <a:srgbClr val="3EAF7C"/>
+                </a:solidFill>
+                <a:sym typeface="+mn-ea"/>
+              </a:rPr>
+              <a:t>这里其实本质上是穷举</a:t>
+            </a:r>
+            <a:endParaRPr lang="zh-CN" altLang="en-US" sz="1400" b="1">
+              <a:solidFill>
+                <a:srgbClr val="3EAF7C"/>
+              </a:solidFill>
+              <a:sym typeface="+mn-ea"/>
+            </a:endParaRPr>
+          </a:p>
+        </p:txBody>
+      </p:sp>
+    </p:spTree>
+  </p:cSld>
+  <p:clrMapOvr>
+    <a:masterClrMapping/>
+  </p:clrMapOvr>
+</p:sld>
+</file>
+
+<file path=ppt/slides/slide11.xml><?xml version="1.0" encoding="utf-8"?>
+<p:sld xmlns:a="http://schemas.openxmlformats.org/drawingml/2006/main" xmlns:r="http://schemas.openxmlformats.org/officeDocument/2006/relationships" xmlns:p="http://schemas.openxmlformats.org/presentationml/2006/main">
+  <p:cSld>
+    <p:spTree>
+      <p:nvGrpSpPr>
+        <p:cNvPr id="1" name=""/>
+        <p:cNvGrpSpPr/>
+        <p:nvPr/>
+      </p:nvGrpSpPr>
+      <p:grpSpPr/>
+      <p:sp>
+        <p:nvSpPr>
+          <p:cNvPr id="2" name="Text Box 1"/>
+          <p:cNvSpPr txBox="true"/>
+          <p:nvPr/>
+        </p:nvSpPr>
+        <p:spPr>
+          <a:xfrm>
+            <a:off x="589915" y="429895"/>
+            <a:ext cx="1607820" cy="521970"/>
+          </a:xfrm>
+          <a:prstGeom prst="rect">
+            <a:avLst/>
+          </a:prstGeom>
+          <a:noFill/>
+        </p:spPr>
+        <p:txBody>
+          <a:bodyPr wrap="none" rtlCol="0">
+            <a:spAutoFit/>
+          </a:bodyPr>
+          <a:p>
+            <a:r>
+              <a:rPr lang="zh-CN" altLang="en-US" sz="2800" b="1">
+                <a:solidFill>
+                  <a:srgbClr val="2C3E50"/>
+                </a:solidFill>
+              </a:rPr>
+              <a:t>回溯算法</a:t>
+            </a:r>
+            <a:endParaRPr lang="zh-CN" altLang="en-US" sz="2800" b="1">
+              <a:solidFill>
+                <a:srgbClr val="2C3E50"/>
+              </a:solidFill>
+            </a:endParaRPr>
+          </a:p>
+        </p:txBody>
+      </p:sp>
+    </p:spTree>
+  </p:cSld>
+  <p:clrMapOvr>
+    <a:masterClrMapping/>
+  </p:clrMapOvr>
+</p:sld>
+</file>
+
+<file path=ppt/slides/slide12.xml><?xml version="1.0" encoding="utf-8"?>
+<p:sld xmlns:a="http://schemas.openxmlformats.org/drawingml/2006/main" xmlns:r="http://schemas.openxmlformats.org/officeDocument/2006/relationships" xmlns:p="http://schemas.openxmlformats.org/presentationml/2006/main">
+  <p:cSld>
+    <p:spTree>
+      <p:nvGrpSpPr>
+        <p:cNvPr id="1" name=""/>
+        <p:cNvGrpSpPr/>
+        <p:nvPr/>
+      </p:nvGrpSpPr>
+      <p:grpSpPr/>
+    </p:spTree>
+  </p:cSld>
+  <p:clrMapOvr>
+    <a:masterClrMapping/>
+  </p:clrMapOvr>
+</p:sld>
+</file>
+
+<file path=ppt/slides/slide13.xml><?xml version="1.0" encoding="utf-8"?>
+<p:sld xmlns:a="http://schemas.openxmlformats.org/drawingml/2006/main" xmlns:r="http://schemas.openxmlformats.org/officeDocument/2006/relationships" xmlns:p="http://schemas.openxmlformats.org/presentationml/2006/main">
+  <p:cSld>
+    <p:spTree>
+      <p:nvGrpSpPr>
+        <p:cNvPr id="1" name=""/>
+        <p:cNvGrpSpPr/>
+        <p:nvPr/>
+      </p:nvGrpSpPr>
+      <p:grpSpPr/>
+    </p:spTree>
+  </p:cSld>
+  <p:clrMapOvr>
+    <a:masterClrMapping/>
+  </p:clrMapOvr>
+</p:sld>
+</file>
+
 <file path=ppt/slides/slide2.xml><?xml version="1.0" encoding="utf-8"?>
+<p:sld xmlns:a="http://schemas.openxmlformats.org/drawingml/2006/main" xmlns:r="http://schemas.openxmlformats.org/officeDocument/2006/relationships" xmlns:p="http://schemas.openxmlformats.org/presentationml/2006/main">
+  <p:cSld>
+    <p:spTree>
+      <p:nvGrpSpPr>
+        <p:cNvPr id="1" name=""/>
+        <p:cNvGrpSpPr/>
+        <p:nvPr/>
+      </p:nvGrpSpPr>
+      <p:grpSpPr/>
+      <p:sp>
+        <p:nvSpPr>
+          <p:cNvPr id="2" name="文本框 1"/>
+          <p:cNvSpPr txBox="true"/>
+          <p:nvPr/>
+        </p:nvSpPr>
+        <p:spPr>
+          <a:xfrm>
+            <a:off x="1692275" y="1708785"/>
+            <a:ext cx="2540000" cy="368300"/>
+          </a:xfrm>
+          <a:prstGeom prst="rect">
+            <a:avLst/>
+          </a:prstGeom>
+          <a:noFill/>
+        </p:spPr>
+        <p:txBody>
+          <a:bodyPr wrap="square" rtlCol="0" anchor="t">
+            <a:spAutoFit/>
+          </a:bodyPr>
+          <a:p>
+            <a:r>
+              <a:rPr lang="zh-CN" altLang="en-US" b="1">
+                <a:solidFill>
+                  <a:srgbClr val="2C3E50"/>
+                </a:solidFill>
+              </a:rPr>
+              <a:t>数据结构的存储方式</a:t>
+            </a:r>
+            <a:endParaRPr lang="zh-CN" altLang="en-US" b="1">
+              <a:solidFill>
+                <a:srgbClr val="2C3E50"/>
+              </a:solidFill>
+            </a:endParaRPr>
+          </a:p>
+        </p:txBody>
+      </p:sp>
+      <p:sp>
+        <p:nvSpPr>
+          <p:cNvPr id="3" name="文本框 2"/>
+          <p:cNvSpPr txBox="true"/>
+          <p:nvPr/>
+        </p:nvSpPr>
+        <p:spPr>
+          <a:xfrm>
+            <a:off x="4692650" y="1025525"/>
+            <a:ext cx="641350" cy="368300"/>
+          </a:xfrm>
+          <a:prstGeom prst="rect">
+            <a:avLst/>
+          </a:prstGeom>
+          <a:noFill/>
+        </p:spPr>
+        <p:txBody>
+          <a:bodyPr wrap="none" rtlCol="0">
+            <a:spAutoFit/>
+          </a:bodyPr>
+          <a:p>
+            <a:r>
+              <a:rPr lang="zh-CN" altLang="en-US" b="1">
+                <a:solidFill>
+                  <a:srgbClr val="2C3E50"/>
+                </a:solidFill>
+              </a:rPr>
+              <a:t>数组</a:t>
+            </a:r>
+            <a:endParaRPr lang="zh-CN" altLang="en-US" b="1">
+              <a:solidFill>
+                <a:srgbClr val="2C3E50"/>
+              </a:solidFill>
+            </a:endParaRPr>
+          </a:p>
+        </p:txBody>
+      </p:sp>
+      <p:sp>
+        <p:nvSpPr>
+          <p:cNvPr id="4" name="文本框 3"/>
+          <p:cNvSpPr txBox="true"/>
+          <p:nvPr/>
+        </p:nvSpPr>
+        <p:spPr>
+          <a:xfrm>
+            <a:off x="4692650" y="2480945"/>
+            <a:ext cx="641350" cy="368300"/>
+          </a:xfrm>
+          <a:prstGeom prst="rect">
+            <a:avLst/>
+          </a:prstGeom>
+          <a:noFill/>
+        </p:spPr>
+        <p:txBody>
+          <a:bodyPr wrap="none" rtlCol="0">
+            <a:spAutoFit/>
+          </a:bodyPr>
+          <a:p>
+            <a:r>
+              <a:rPr lang="zh-CN" altLang="en-US" b="1">
+                <a:solidFill>
+                  <a:srgbClr val="2C3E50"/>
+                </a:solidFill>
+              </a:rPr>
+              <a:t>链表</a:t>
+            </a:r>
+            <a:endParaRPr lang="zh-CN" altLang="en-US" b="1">
+              <a:solidFill>
+                <a:srgbClr val="2C3E50"/>
+              </a:solidFill>
+            </a:endParaRPr>
+          </a:p>
+        </p:txBody>
+      </p:sp>
+      <p:sp>
+        <p:nvSpPr>
+          <p:cNvPr id="5" name="左大括号 4"/>
+          <p:cNvSpPr/>
+          <p:nvPr/>
+        </p:nvSpPr>
+        <p:spPr>
+          <a:xfrm>
+            <a:off x="4232275" y="913765"/>
+            <a:ext cx="335915" cy="1958340"/>
+          </a:xfrm>
+          <a:prstGeom prst="leftBrace">
+            <a:avLst/>
+          </a:prstGeom>
+          <a:ln w="38100">
+            <a:solidFill>
+              <a:srgbClr val="3EAF7C"/>
+            </a:solidFill>
+          </a:ln>
+        </p:spPr>
+        <p:style>
+          <a:lnRef idx="1">
+            <a:schemeClr val="accent1"/>
+          </a:lnRef>
+          <a:fillRef idx="0">
+            <a:schemeClr val="accent1"/>
+          </a:fillRef>
+          <a:effectRef idx="0">
+            <a:schemeClr val="accent1"/>
+          </a:effectRef>
+          <a:fontRef idx="minor">
+            <a:schemeClr val="tx1"/>
+          </a:fontRef>
+        </p:style>
+        <p:txBody>
+          <a:bodyPr rtlCol="0" anchor="ctr"/>
+          <a:p>
+            <a:pPr algn="ctr"/>
+            <a:endParaRPr lang="zh-CN" altLang="en-US"/>
+          </a:p>
+        </p:txBody>
+      </p:sp>
+      <p:sp>
+        <p:nvSpPr>
+          <p:cNvPr id="6" name="圆角矩形标注 5"/>
+          <p:cNvSpPr/>
+          <p:nvPr/>
+        </p:nvSpPr>
+        <p:spPr>
+          <a:xfrm>
+            <a:off x="2291080" y="913765"/>
+            <a:ext cx="1343025" cy="601980"/>
+          </a:xfrm>
+          <a:prstGeom prst="wedgeRoundRectCallout">
+            <a:avLst/>
+          </a:prstGeom>
+          <a:noFill/>
+          <a:ln w="38100">
+            <a:solidFill>
+              <a:srgbClr val="2C3E50"/>
+            </a:solidFill>
+          </a:ln>
+          <a:extLst>
+            <a:ext uri="{909E8E84-426E-40DD-AFC4-6F175D3DCCD1}">
+              <a14:hiddenFill xmlns:a14="http://schemas.microsoft.com/office/drawing/2010/main">
+                <a:solidFill>
+                  <a:schemeClr val="accent1"/>
+                </a:solidFill>
+              </a14:hiddenFill>
+            </a:ext>
+          </a:extLst>
+        </p:spPr>
+        <p:style>
+          <a:lnRef idx="2">
+            <a:schemeClr val="accent1">
+              <a:shade val="50000"/>
+            </a:schemeClr>
+          </a:lnRef>
+          <a:fillRef idx="1">
+            <a:schemeClr val="accent1"/>
+          </a:fillRef>
+          <a:effectRef idx="0">
+            <a:schemeClr val="accent1"/>
+          </a:effectRef>
+          <a:fontRef idx="minor">
+            <a:schemeClr val="lt1"/>
+          </a:fontRef>
+        </p:style>
+        <p:txBody>
+          <a:bodyPr rtlCol="0" anchor="ctr"/>
+          <a:p>
+            <a:pPr algn="ctr"/>
+            <a:r>
+              <a:rPr lang="zh-CN" altLang="en-US" sz="1200" b="1">
+                <a:solidFill>
+                  <a:srgbClr val="2C3E50"/>
+                </a:solidFill>
+              </a:rPr>
+              <a:t>有且只有两种</a:t>
+            </a:r>
+            <a:endParaRPr lang="zh-CN" altLang="en-US" sz="1200" b="1">
+              <a:solidFill>
+                <a:srgbClr val="2C3E50"/>
+              </a:solidFill>
+            </a:endParaRPr>
+          </a:p>
+        </p:txBody>
+      </p:sp>
+      <p:sp>
+        <p:nvSpPr>
+          <p:cNvPr id="7" name="文本框 6"/>
+          <p:cNvSpPr txBox="true"/>
+          <p:nvPr/>
+        </p:nvSpPr>
+        <p:spPr>
+          <a:xfrm>
+            <a:off x="1692910" y="4605655"/>
+            <a:ext cx="2540000" cy="368300"/>
+          </a:xfrm>
+          <a:prstGeom prst="rect">
+            <a:avLst/>
+          </a:prstGeom>
+          <a:noFill/>
+        </p:spPr>
+        <p:txBody>
+          <a:bodyPr wrap="square" rtlCol="0" anchor="t">
+            <a:spAutoFit/>
+          </a:bodyPr>
+          <a:p>
+            <a:r>
+              <a:rPr lang="zh-CN" altLang="en-US" b="1">
+                <a:solidFill>
+                  <a:srgbClr val="2C3E50"/>
+                </a:solidFill>
+              </a:rPr>
+              <a:t>数据结构的操作方式</a:t>
+            </a:r>
+            <a:endParaRPr lang="zh-CN" altLang="en-US" b="1">
+              <a:solidFill>
+                <a:srgbClr val="2C3E50"/>
+              </a:solidFill>
+            </a:endParaRPr>
+          </a:p>
+        </p:txBody>
+      </p:sp>
+      <p:sp>
+        <p:nvSpPr>
+          <p:cNvPr id="8" name="文本框 7"/>
+          <p:cNvSpPr txBox="true"/>
+          <p:nvPr/>
+        </p:nvSpPr>
+        <p:spPr>
+          <a:xfrm>
+            <a:off x="4693285" y="3922395"/>
+            <a:ext cx="641350" cy="368300"/>
+          </a:xfrm>
+          <a:prstGeom prst="rect">
+            <a:avLst/>
+          </a:prstGeom>
+          <a:noFill/>
+        </p:spPr>
+        <p:txBody>
+          <a:bodyPr wrap="none" rtlCol="0">
+            <a:spAutoFit/>
+          </a:bodyPr>
+          <a:p>
+            <a:r>
+              <a:rPr lang="zh-CN" altLang="en-US" b="1">
+                <a:solidFill>
+                  <a:srgbClr val="2C3E50"/>
+                </a:solidFill>
+              </a:rPr>
+              <a:t>遍历</a:t>
+            </a:r>
+            <a:endParaRPr lang="zh-CN" altLang="en-US" b="1">
+              <a:solidFill>
+                <a:srgbClr val="2C3E50"/>
+              </a:solidFill>
+            </a:endParaRPr>
+          </a:p>
+        </p:txBody>
+      </p:sp>
+      <p:sp>
+        <p:nvSpPr>
+          <p:cNvPr id="9" name="文本框 8"/>
+          <p:cNvSpPr txBox="true"/>
+          <p:nvPr/>
+        </p:nvSpPr>
+        <p:spPr>
+          <a:xfrm>
+            <a:off x="4693285" y="5377815"/>
+            <a:ext cx="641350" cy="368300"/>
+          </a:xfrm>
+          <a:prstGeom prst="rect">
+            <a:avLst/>
+          </a:prstGeom>
+          <a:noFill/>
+        </p:spPr>
+        <p:txBody>
+          <a:bodyPr wrap="none" rtlCol="0">
+            <a:spAutoFit/>
+          </a:bodyPr>
+          <a:p>
+            <a:r>
+              <a:rPr lang="zh-CN" altLang="en-US" b="1">
+                <a:solidFill>
+                  <a:srgbClr val="2C3E50"/>
+                </a:solidFill>
+              </a:rPr>
+              <a:t>访问</a:t>
+            </a:r>
+            <a:endParaRPr lang="zh-CN" altLang="en-US" b="1">
+              <a:solidFill>
+                <a:srgbClr val="2C3E50"/>
+              </a:solidFill>
+            </a:endParaRPr>
+          </a:p>
+        </p:txBody>
+      </p:sp>
+      <p:sp>
+        <p:nvSpPr>
+          <p:cNvPr id="10" name="左大括号 9"/>
+          <p:cNvSpPr/>
+          <p:nvPr/>
+        </p:nvSpPr>
+        <p:spPr>
+          <a:xfrm>
+            <a:off x="4232910" y="3810635"/>
+            <a:ext cx="335915" cy="1958340"/>
+          </a:xfrm>
+          <a:prstGeom prst="leftBrace">
+            <a:avLst/>
+          </a:prstGeom>
+          <a:ln w="38100">
+            <a:solidFill>
+              <a:srgbClr val="3EAF7C"/>
+            </a:solidFill>
+          </a:ln>
+        </p:spPr>
+        <p:style>
+          <a:lnRef idx="1">
+            <a:schemeClr val="accent1"/>
+          </a:lnRef>
+          <a:fillRef idx="0">
+            <a:schemeClr val="accent1"/>
+          </a:fillRef>
+          <a:effectRef idx="0">
+            <a:schemeClr val="accent1"/>
+          </a:effectRef>
+          <a:fontRef idx="minor">
+            <a:schemeClr val="tx1"/>
+          </a:fontRef>
+        </p:style>
+        <p:txBody>
+          <a:bodyPr rtlCol="0" anchor="ctr"/>
+          <a:p>
+            <a:pPr algn="ctr"/>
+            <a:endParaRPr lang="zh-CN" altLang="en-US"/>
+          </a:p>
+        </p:txBody>
+      </p:sp>
+      <p:sp>
+        <p:nvSpPr>
+          <p:cNvPr id="11" name="圆角矩形标注 10"/>
+          <p:cNvSpPr/>
+          <p:nvPr/>
+        </p:nvSpPr>
+        <p:spPr>
+          <a:xfrm>
+            <a:off x="2291715" y="3810635"/>
+            <a:ext cx="1343025" cy="601980"/>
+          </a:xfrm>
+          <a:prstGeom prst="wedgeRoundRectCallout">
+            <a:avLst/>
+          </a:prstGeom>
+          <a:noFill/>
+          <a:ln w="38100">
+            <a:solidFill>
+              <a:srgbClr val="2C3E50"/>
+            </a:solidFill>
+          </a:ln>
+          <a:extLst>
+            <a:ext uri="{909E8E84-426E-40DD-AFC4-6F175D3DCCD1}">
+              <a14:hiddenFill xmlns:a14="http://schemas.microsoft.com/office/drawing/2010/main">
+                <a:solidFill>
+                  <a:schemeClr val="accent1"/>
+                </a:solidFill>
+              </a14:hiddenFill>
+            </a:ext>
+          </a:extLst>
+        </p:spPr>
+        <p:style>
+          <a:lnRef idx="2">
+            <a:schemeClr val="accent1">
+              <a:shade val="50000"/>
+            </a:schemeClr>
+          </a:lnRef>
+          <a:fillRef idx="1">
+            <a:schemeClr val="accent1"/>
+          </a:fillRef>
+          <a:effectRef idx="0">
+            <a:schemeClr val="accent1"/>
+          </a:effectRef>
+          <a:fontRef idx="minor">
+            <a:schemeClr val="lt1"/>
+          </a:fontRef>
+        </p:style>
+        <p:txBody>
+          <a:bodyPr rtlCol="0" anchor="ctr"/>
+          <a:p>
+            <a:pPr algn="ctr"/>
+            <a:r>
+              <a:rPr lang="zh-CN" altLang="en-US" sz="1200" b="1">
+                <a:solidFill>
+                  <a:srgbClr val="2C3E50"/>
+                </a:solidFill>
+              </a:rPr>
+              <a:t>有且只有两种</a:t>
+            </a:r>
+            <a:endParaRPr lang="zh-CN" altLang="en-US" sz="1200" b="1">
+              <a:solidFill>
+                <a:srgbClr val="2C3E50"/>
+              </a:solidFill>
+            </a:endParaRPr>
+          </a:p>
+        </p:txBody>
+      </p:sp>
+      <p:sp>
+        <p:nvSpPr>
+          <p:cNvPr id="12" name="文本框 11"/>
+          <p:cNvSpPr txBox="true"/>
+          <p:nvPr/>
+        </p:nvSpPr>
+        <p:spPr>
+          <a:xfrm>
+            <a:off x="6209665" y="3609975"/>
+            <a:ext cx="641350" cy="368300"/>
+          </a:xfrm>
+          <a:prstGeom prst="rect">
+            <a:avLst/>
+          </a:prstGeom>
+          <a:noFill/>
+        </p:spPr>
+        <p:txBody>
+          <a:bodyPr wrap="none" rtlCol="0">
+            <a:spAutoFit/>
+          </a:bodyPr>
+          <a:p>
+            <a:r>
+              <a:rPr lang="zh-CN" altLang="en-US" b="1">
+                <a:solidFill>
+                  <a:srgbClr val="2C3E50"/>
+                </a:solidFill>
+              </a:rPr>
+              <a:t>迭代</a:t>
+            </a:r>
+            <a:endParaRPr lang="zh-CN" altLang="en-US" b="1">
+              <a:solidFill>
+                <a:srgbClr val="2C3E50"/>
+              </a:solidFill>
+            </a:endParaRPr>
+          </a:p>
+        </p:txBody>
+      </p:sp>
+      <p:sp>
+        <p:nvSpPr>
+          <p:cNvPr id="13" name="文本框 12"/>
+          <p:cNvSpPr txBox="true"/>
+          <p:nvPr/>
+        </p:nvSpPr>
+        <p:spPr>
+          <a:xfrm>
+            <a:off x="6209665" y="4237355"/>
+            <a:ext cx="641350" cy="368300"/>
+          </a:xfrm>
+          <a:prstGeom prst="rect">
+            <a:avLst/>
+          </a:prstGeom>
+          <a:noFill/>
+        </p:spPr>
+        <p:txBody>
+          <a:bodyPr wrap="none" rtlCol="0">
+            <a:spAutoFit/>
+          </a:bodyPr>
+          <a:p>
+            <a:r>
+              <a:rPr lang="zh-CN" altLang="en-US" b="1">
+                <a:solidFill>
+                  <a:srgbClr val="2C3E50"/>
+                </a:solidFill>
+              </a:rPr>
+              <a:t>递归</a:t>
+            </a:r>
+            <a:endParaRPr lang="zh-CN" altLang="en-US" b="1">
+              <a:solidFill>
+                <a:srgbClr val="2C3E50"/>
+              </a:solidFill>
+            </a:endParaRPr>
+          </a:p>
+        </p:txBody>
+      </p:sp>
+      <p:sp>
+        <p:nvSpPr>
+          <p:cNvPr id="14" name="左大括号 13"/>
+          <p:cNvSpPr/>
+          <p:nvPr/>
+        </p:nvSpPr>
+        <p:spPr>
+          <a:xfrm>
+            <a:off x="5784850" y="3553460"/>
+            <a:ext cx="228600" cy="1105535"/>
+          </a:xfrm>
+          <a:prstGeom prst="leftBrace">
+            <a:avLst/>
+          </a:prstGeom>
+          <a:ln w="38100">
+            <a:solidFill>
+              <a:srgbClr val="3EAF7C"/>
+            </a:solidFill>
+          </a:ln>
+        </p:spPr>
+        <p:style>
+          <a:lnRef idx="1">
+            <a:schemeClr val="accent1"/>
+          </a:lnRef>
+          <a:fillRef idx="0">
+            <a:schemeClr val="accent1"/>
+          </a:fillRef>
+          <a:effectRef idx="0">
+            <a:schemeClr val="accent1"/>
+          </a:effectRef>
+          <a:fontRef idx="minor">
+            <a:schemeClr val="tx1"/>
+          </a:fontRef>
+        </p:style>
+        <p:txBody>
+          <a:bodyPr rtlCol="0" anchor="ctr"/>
+          <a:p>
+            <a:pPr algn="ctr"/>
+            <a:endParaRPr lang="zh-CN" altLang="en-US"/>
+          </a:p>
+        </p:txBody>
+      </p:sp>
+      <p:sp>
+        <p:nvSpPr>
+          <p:cNvPr id="15" name="文本框 14"/>
+          <p:cNvSpPr txBox="true"/>
+          <p:nvPr/>
+        </p:nvSpPr>
+        <p:spPr>
+          <a:xfrm>
+            <a:off x="6209665" y="4890135"/>
+            <a:ext cx="641350" cy="368300"/>
+          </a:xfrm>
+          <a:prstGeom prst="rect">
+            <a:avLst/>
+          </a:prstGeom>
+          <a:noFill/>
+        </p:spPr>
+        <p:txBody>
+          <a:bodyPr wrap="none" rtlCol="0">
+            <a:spAutoFit/>
+          </a:bodyPr>
+          <a:p>
+            <a:r>
+              <a:rPr lang="zh-CN" altLang="en-US" b="1">
+                <a:solidFill>
+                  <a:srgbClr val="2C3E50"/>
+                </a:solidFill>
+              </a:rPr>
+              <a:t>插入</a:t>
+            </a:r>
+            <a:endParaRPr lang="zh-CN" altLang="en-US" b="1">
+              <a:solidFill>
+                <a:srgbClr val="2C3E50"/>
+              </a:solidFill>
+            </a:endParaRPr>
+          </a:p>
+        </p:txBody>
+      </p:sp>
+      <p:sp>
+        <p:nvSpPr>
+          <p:cNvPr id="16" name="文本框 15"/>
+          <p:cNvSpPr txBox="true"/>
+          <p:nvPr/>
+        </p:nvSpPr>
+        <p:spPr>
+          <a:xfrm>
+            <a:off x="6209665" y="5365750"/>
+            <a:ext cx="641350" cy="368300"/>
+          </a:xfrm>
+          <a:prstGeom prst="rect">
+            <a:avLst/>
+          </a:prstGeom>
+          <a:noFill/>
+        </p:spPr>
+        <p:txBody>
+          <a:bodyPr wrap="none" rtlCol="0">
+            <a:spAutoFit/>
+          </a:bodyPr>
+          <a:p>
+            <a:r>
+              <a:rPr lang="zh-CN" altLang="en-US" b="1">
+                <a:solidFill>
+                  <a:srgbClr val="2C3E50"/>
+                </a:solidFill>
+              </a:rPr>
+              <a:t>修改</a:t>
+            </a:r>
+            <a:endParaRPr lang="zh-CN" altLang="en-US" b="1">
+              <a:solidFill>
+                <a:srgbClr val="2C3E50"/>
+              </a:solidFill>
+            </a:endParaRPr>
+          </a:p>
+        </p:txBody>
+      </p:sp>
+      <p:sp>
+        <p:nvSpPr>
+          <p:cNvPr id="17" name="文本框 16"/>
+          <p:cNvSpPr txBox="true"/>
+          <p:nvPr/>
+        </p:nvSpPr>
+        <p:spPr>
+          <a:xfrm>
+            <a:off x="6209665" y="5841365"/>
+            <a:ext cx="641350" cy="368300"/>
+          </a:xfrm>
+          <a:prstGeom prst="rect">
+            <a:avLst/>
+          </a:prstGeom>
+          <a:noFill/>
+        </p:spPr>
+        <p:txBody>
+          <a:bodyPr wrap="none" rtlCol="0">
+            <a:spAutoFit/>
+          </a:bodyPr>
+          <a:p>
+            <a:r>
+              <a:rPr lang="zh-CN" altLang="en-US" b="1">
+                <a:solidFill>
+                  <a:srgbClr val="2C3E50"/>
+                </a:solidFill>
+              </a:rPr>
+              <a:t>删除</a:t>
+            </a:r>
+            <a:endParaRPr lang="zh-CN" altLang="en-US" b="1">
+              <a:solidFill>
+                <a:srgbClr val="2C3E50"/>
+              </a:solidFill>
+            </a:endParaRPr>
+          </a:p>
+        </p:txBody>
+      </p:sp>
+      <p:sp>
+        <p:nvSpPr>
+          <p:cNvPr id="18" name="左大括号 17"/>
+          <p:cNvSpPr/>
+          <p:nvPr/>
+        </p:nvSpPr>
+        <p:spPr>
+          <a:xfrm>
+            <a:off x="5784850" y="4876165"/>
+            <a:ext cx="228600" cy="1370965"/>
+          </a:xfrm>
+          <a:prstGeom prst="leftBrace">
+            <a:avLst/>
+          </a:prstGeom>
+          <a:ln w="38100">
+            <a:solidFill>
+              <a:srgbClr val="3EAF7C"/>
+            </a:solidFill>
+          </a:ln>
+        </p:spPr>
+        <p:style>
+          <a:lnRef idx="1">
+            <a:schemeClr val="accent1"/>
+          </a:lnRef>
+          <a:fillRef idx="0">
+            <a:schemeClr val="accent1"/>
+          </a:fillRef>
+          <a:effectRef idx="0">
+            <a:schemeClr val="accent1"/>
+          </a:effectRef>
+          <a:fontRef idx="minor">
+            <a:schemeClr val="tx1"/>
+          </a:fontRef>
+        </p:style>
+        <p:txBody>
+          <a:bodyPr rtlCol="0" anchor="ctr"/>
+          <a:p>
+            <a:pPr algn="ctr"/>
+            <a:endParaRPr lang="zh-CN" altLang="en-US"/>
+          </a:p>
+        </p:txBody>
+      </p:sp>
+      <p:sp>
+        <p:nvSpPr>
+          <p:cNvPr id="19" name="矩形 18"/>
+          <p:cNvSpPr/>
+          <p:nvPr/>
+        </p:nvSpPr>
+        <p:spPr>
+          <a:xfrm>
+            <a:off x="8107045" y="4175125"/>
+            <a:ext cx="2026285" cy="489585"/>
+          </a:xfrm>
+          <a:prstGeom prst="rect">
+            <a:avLst/>
+          </a:prstGeom>
+          <a:noFill/>
+          <a:ln w="38100">
+            <a:solidFill>
+              <a:srgbClr val="2C3E50"/>
+            </a:solidFill>
+          </a:ln>
+          <a:extLst>
+            <a:ext uri="{909E8E84-426E-40DD-AFC4-6F175D3DCCD1}">
+              <a14:hiddenFill xmlns:a14="http://schemas.microsoft.com/office/drawing/2010/main">
+                <a:solidFill>
+                  <a:schemeClr val="accent1"/>
+                </a:solidFill>
+              </a14:hiddenFill>
+            </a:ext>
+          </a:extLst>
+        </p:spPr>
+        <p:style>
+          <a:lnRef idx="2">
+            <a:schemeClr val="accent1">
+              <a:shade val="50000"/>
+            </a:schemeClr>
+          </a:lnRef>
+          <a:fillRef idx="1">
+            <a:schemeClr val="accent1"/>
+          </a:fillRef>
+          <a:effectRef idx="0">
+            <a:schemeClr val="accent1"/>
+          </a:effectRef>
+          <a:fontRef idx="minor">
+            <a:schemeClr val="lt1"/>
+          </a:fontRef>
+        </p:style>
+        <p:txBody>
+          <a:bodyPr rtlCol="0" anchor="ctr"/>
+          <a:p>
+            <a:pPr algn="ctr"/>
+            <a:r>
+              <a:rPr lang="zh-CN" altLang="en-US" b="1">
+                <a:solidFill>
+                  <a:srgbClr val="2C3E50"/>
+                </a:solidFill>
+              </a:rPr>
+              <a:t>经常需要配合堆栈</a:t>
+            </a:r>
+            <a:endParaRPr lang="zh-CN" altLang="en-US" b="1">
+              <a:solidFill>
+                <a:srgbClr val="2C3E50"/>
+              </a:solidFill>
+            </a:endParaRPr>
+          </a:p>
+        </p:txBody>
+      </p:sp>
+      <p:cxnSp>
+        <p:nvCxnSpPr>
+          <p:cNvPr id="20" name="直接箭头连接符 19"/>
+          <p:cNvCxnSpPr>
+            <a:stCxn id="19" idx="1"/>
+            <a:endCxn id="13" idx="3"/>
+          </p:cNvCxnSpPr>
+          <p:nvPr/>
+        </p:nvCxnSpPr>
+        <p:spPr>
+          <a:xfrm flipH="true">
+            <a:off x="6851015" y="4420235"/>
+            <a:ext cx="1256030" cy="1270"/>
+          </a:xfrm>
+          <a:prstGeom prst="straightConnector1">
+            <a:avLst/>
+          </a:prstGeom>
+          <a:ln w="38100">
+            <a:solidFill>
+              <a:srgbClr val="C00000"/>
+            </a:solidFill>
+            <a:tailEnd type="arrow"/>
+          </a:ln>
+        </p:spPr>
+        <p:style>
+          <a:lnRef idx="1">
+            <a:schemeClr val="accent1"/>
+          </a:lnRef>
+          <a:fillRef idx="0">
+            <a:schemeClr val="accent1"/>
+          </a:fillRef>
+          <a:effectRef idx="0">
+            <a:schemeClr val="accent1"/>
+          </a:effectRef>
+          <a:fontRef idx="minor">
+            <a:schemeClr val="tx1"/>
+          </a:fontRef>
+        </p:style>
+      </p:cxnSp>
+    </p:spTree>
+  </p:cSld>
+  <p:clrMapOvr>
+    <a:masterClrMapping/>
+  </p:clrMapOvr>
+</p:sld>
+</file>
+
+<file path=ppt/slides/slide3.xml><?xml version="1.0" encoding="utf-8"?>
+<p:sld xmlns:a="http://schemas.openxmlformats.org/drawingml/2006/main" xmlns:r="http://schemas.openxmlformats.org/officeDocument/2006/relationships" xmlns:p="http://schemas.openxmlformats.org/presentationml/2006/main">
+  <p:cSld>
+    <p:spTree>
+      <p:nvGrpSpPr>
+        <p:cNvPr id="1" name=""/>
+        <p:cNvGrpSpPr/>
+        <p:nvPr/>
+      </p:nvGrpSpPr>
+      <p:grpSpPr/>
+      <p:sp>
+        <p:nvSpPr>
+          <p:cNvPr id="2" name="Text Box 1"/>
+          <p:cNvSpPr txBox="true"/>
+          <p:nvPr/>
+        </p:nvSpPr>
+        <p:spPr>
+          <a:xfrm>
+            <a:off x="757555" y="342900"/>
+            <a:ext cx="1607820" cy="521970"/>
+          </a:xfrm>
+          <a:prstGeom prst="rect">
+            <a:avLst/>
+          </a:prstGeom>
+          <a:noFill/>
+        </p:spPr>
+        <p:txBody>
+          <a:bodyPr wrap="none" rtlCol="0">
+            <a:spAutoFit/>
+          </a:bodyPr>
+          <a:p>
+            <a:r>
+              <a:rPr lang="zh-CN" altLang="en-US" sz="2800" b="1">
+                <a:solidFill>
+                  <a:srgbClr val="2C3E50"/>
+                </a:solidFill>
+              </a:rPr>
+              <a:t>递归模型</a:t>
+            </a:r>
+            <a:endParaRPr lang="en-US" altLang="zh-CN" sz="2800" b="1">
+              <a:solidFill>
+                <a:srgbClr val="2C3E50"/>
+              </a:solidFill>
+            </a:endParaRPr>
+          </a:p>
+        </p:txBody>
+      </p:sp>
+      <p:sp>
+        <p:nvSpPr>
+          <p:cNvPr id="19" name="Text Box 1"/>
+          <p:cNvSpPr txBox="true"/>
+          <p:nvPr/>
+        </p:nvSpPr>
+        <p:spPr>
+          <a:xfrm>
+            <a:off x="757555" y="3886835"/>
+            <a:ext cx="1607820" cy="521970"/>
+          </a:xfrm>
+          <a:prstGeom prst="rect">
+            <a:avLst/>
+          </a:prstGeom>
+          <a:noFill/>
+        </p:spPr>
+        <p:txBody>
+          <a:bodyPr wrap="none" rtlCol="0">
+            <a:spAutoFit/>
+          </a:bodyPr>
+          <a:p>
+            <a:r>
+              <a:rPr lang="zh-CN" altLang="en-US" sz="2800" b="1">
+                <a:solidFill>
+                  <a:srgbClr val="2C3E50"/>
+                </a:solidFill>
+              </a:rPr>
+              <a:t>迭代模型</a:t>
+            </a:r>
+            <a:endParaRPr lang="en-US" altLang="zh-CN" sz="2800" b="1">
+              <a:solidFill>
+                <a:srgbClr val="2C3E50"/>
+              </a:solidFill>
+            </a:endParaRPr>
+          </a:p>
+        </p:txBody>
+      </p:sp>
+      <p:pic>
+        <p:nvPicPr>
+          <p:cNvPr id="21" name="图片 20" descr="Screenshot from 2021-03-19 20-29-16"/>
+          <p:cNvPicPr>
+            <a:picLocks noChangeAspect="true"/>
+          </p:cNvPicPr>
+          <p:nvPr/>
+        </p:nvPicPr>
+        <p:blipFill>
+          <a:blip r:embed="rId1"/>
+          <a:stretch>
+            <a:fillRect/>
+          </a:stretch>
+        </p:blipFill>
+        <p:spPr>
+          <a:xfrm>
+            <a:off x="757555" y="4408805"/>
+            <a:ext cx="8829675" cy="2124075"/>
+          </a:xfrm>
+          <a:prstGeom prst="rect">
+            <a:avLst/>
+          </a:prstGeom>
+        </p:spPr>
+      </p:pic>
+      <p:pic>
+        <p:nvPicPr>
+          <p:cNvPr id="22" name="图片 21" descr="Screenshot from 2021-03-19 20-29-39"/>
+          <p:cNvPicPr>
+            <a:picLocks noChangeAspect="true"/>
+          </p:cNvPicPr>
+          <p:nvPr/>
+        </p:nvPicPr>
+        <p:blipFill>
+          <a:blip r:embed="rId2"/>
+          <a:stretch>
+            <a:fillRect/>
+          </a:stretch>
+        </p:blipFill>
+        <p:spPr>
+          <a:xfrm>
+            <a:off x="719455" y="864870"/>
+            <a:ext cx="8867775" cy="2943225"/>
+          </a:xfrm>
+          <a:prstGeom prst="rect">
+            <a:avLst/>
+          </a:prstGeom>
+        </p:spPr>
+      </p:pic>
+    </p:spTree>
+  </p:cSld>
+  <p:clrMapOvr>
+    <a:masterClrMapping/>
+  </p:clrMapOvr>
+</p:sld>
+</file>
+
+<file path=ppt/slides/slide4.xml><?xml version="1.0" encoding="utf-8"?>
+<p:sld xmlns:a="http://schemas.openxmlformats.org/drawingml/2006/main" xmlns:r="http://schemas.openxmlformats.org/officeDocument/2006/relationships" xmlns:p="http://schemas.openxmlformats.org/presentationml/2006/main">
+  <p:cSld>
+    <p:spTree>
+      <p:nvGrpSpPr>
+        <p:cNvPr id="1" name=""/>
+        <p:cNvGrpSpPr/>
+        <p:nvPr/>
+      </p:nvGrpSpPr>
+      <p:grpSpPr/>
+      <p:sp>
+        <p:nvSpPr>
+          <p:cNvPr id="2" name="Text Box 1"/>
+          <p:cNvSpPr txBox="true"/>
+          <p:nvPr/>
+        </p:nvSpPr>
+        <p:spPr>
+          <a:xfrm>
+            <a:off x="757555" y="342900"/>
+            <a:ext cx="1607820" cy="521970"/>
+          </a:xfrm>
+          <a:prstGeom prst="rect">
+            <a:avLst/>
+          </a:prstGeom>
+          <a:noFill/>
+        </p:spPr>
+        <p:txBody>
+          <a:bodyPr wrap="none" rtlCol="0">
+            <a:spAutoFit/>
+          </a:bodyPr>
+          <a:p>
+            <a:r>
+              <a:rPr lang="zh-CN" altLang="en-US" sz="2800" b="1">
+                <a:solidFill>
+                  <a:srgbClr val="2C3E50"/>
+                </a:solidFill>
+              </a:rPr>
+              <a:t>队列模型</a:t>
+            </a:r>
+            <a:endParaRPr lang="en-US" altLang="zh-CN" sz="2800" b="1">
+              <a:solidFill>
+                <a:srgbClr val="2C3E50"/>
+              </a:solidFill>
+            </a:endParaRPr>
+          </a:p>
+        </p:txBody>
+      </p:sp>
+      <p:sp>
+        <p:nvSpPr>
+          <p:cNvPr id="3" name="Text Box 1"/>
+          <p:cNvSpPr txBox="true"/>
+          <p:nvPr/>
+        </p:nvSpPr>
+        <p:spPr>
+          <a:xfrm>
+            <a:off x="701675" y="2665095"/>
+            <a:ext cx="1607820" cy="521970"/>
+          </a:xfrm>
+          <a:prstGeom prst="rect">
+            <a:avLst/>
+          </a:prstGeom>
+          <a:noFill/>
+        </p:spPr>
+        <p:txBody>
+          <a:bodyPr wrap="none" rtlCol="0">
+            <a:spAutoFit/>
+          </a:bodyPr>
+          <a:p>
+            <a:r>
+              <a:rPr lang="zh-CN" altLang="en-US" sz="2800" b="1">
+                <a:solidFill>
+                  <a:srgbClr val="2C3E50"/>
+                </a:solidFill>
+              </a:rPr>
+              <a:t>堆栈模型</a:t>
+            </a:r>
+            <a:endParaRPr lang="en-US" altLang="zh-CN" sz="2800" b="1">
+              <a:solidFill>
+                <a:srgbClr val="2C3E50"/>
+              </a:solidFill>
+            </a:endParaRPr>
+          </a:p>
+        </p:txBody>
+      </p:sp>
+    </p:spTree>
+  </p:cSld>
+  <p:clrMapOvr>
+    <a:masterClrMapping/>
+  </p:clrMapOvr>
+</p:sld>
+</file>
+
+<file path=ppt/slides/slide5.xml><?xml version="1.0" encoding="utf-8"?>
+<p:sld xmlns:a="http://schemas.openxmlformats.org/drawingml/2006/main" xmlns:r="http://schemas.openxmlformats.org/officeDocument/2006/relationships" xmlns:p="http://schemas.openxmlformats.org/presentationml/2006/main">
+  <p:cSld>
+    <p:spTree>
+      <p:nvGrpSpPr>
+        <p:cNvPr id="1" name=""/>
+        <p:cNvGrpSpPr/>
+        <p:nvPr/>
+      </p:nvGrpSpPr>
+      <p:grpSpPr/>
+      <p:sp>
+        <p:nvSpPr>
+          <p:cNvPr id="4" name="Text Box 1"/>
+          <p:cNvSpPr txBox="true"/>
+          <p:nvPr/>
+        </p:nvSpPr>
+        <p:spPr>
+          <a:xfrm>
+            <a:off x="855345" y="4064000"/>
+            <a:ext cx="1607820" cy="521970"/>
+          </a:xfrm>
+          <a:prstGeom prst="rect">
+            <a:avLst/>
+          </a:prstGeom>
+          <a:noFill/>
+        </p:spPr>
+        <p:txBody>
+          <a:bodyPr wrap="none" rtlCol="0">
+            <a:spAutoFit/>
+          </a:bodyPr>
+          <a:p>
+            <a:r>
+              <a:rPr lang="zh-CN" altLang="en-US" sz="2800" b="1">
+                <a:solidFill>
+                  <a:srgbClr val="2C3E50"/>
+                </a:solidFill>
+              </a:rPr>
+              <a:t>迭代模型</a:t>
+            </a:r>
+            <a:endParaRPr lang="en-US" altLang="zh-CN" sz="2800" b="1">
+              <a:solidFill>
+                <a:srgbClr val="2C3E50"/>
+              </a:solidFill>
+            </a:endParaRPr>
+          </a:p>
+        </p:txBody>
+      </p:sp>
+      <p:sp>
+        <p:nvSpPr>
+          <p:cNvPr id="5" name="Text Box 1"/>
+          <p:cNvSpPr txBox="true"/>
+          <p:nvPr/>
+        </p:nvSpPr>
+        <p:spPr>
+          <a:xfrm>
+            <a:off x="5501005" y="1783715"/>
+            <a:ext cx="1607820" cy="521970"/>
+          </a:xfrm>
+          <a:prstGeom prst="rect">
+            <a:avLst/>
+          </a:prstGeom>
+          <a:noFill/>
+        </p:spPr>
+        <p:txBody>
+          <a:bodyPr wrap="none" rtlCol="0">
+            <a:spAutoFit/>
+          </a:bodyPr>
+          <a:p>
+            <a:r>
+              <a:rPr lang="zh-CN" altLang="en-US" sz="2800" b="1">
+                <a:solidFill>
+                  <a:srgbClr val="2C3E50"/>
+                </a:solidFill>
+              </a:rPr>
+              <a:t>堆栈模型</a:t>
+            </a:r>
+            <a:endParaRPr lang="en-US" altLang="zh-CN" sz="2800" b="1">
+              <a:solidFill>
+                <a:srgbClr val="2C3E50"/>
+              </a:solidFill>
+            </a:endParaRPr>
+          </a:p>
+        </p:txBody>
+      </p:sp>
+      <p:sp>
+        <p:nvSpPr>
+          <p:cNvPr id="6" name="Text Box 1"/>
+          <p:cNvSpPr txBox="true"/>
+          <p:nvPr/>
+        </p:nvSpPr>
+        <p:spPr>
+          <a:xfrm>
+            <a:off x="3199765" y="1783715"/>
+            <a:ext cx="1607820" cy="521970"/>
+          </a:xfrm>
+          <a:prstGeom prst="rect">
+            <a:avLst/>
+          </a:prstGeom>
+          <a:noFill/>
+        </p:spPr>
+        <p:txBody>
+          <a:bodyPr wrap="none" rtlCol="0">
+            <a:spAutoFit/>
+          </a:bodyPr>
+          <a:p>
+            <a:r>
+              <a:rPr lang="zh-CN" altLang="en-US" sz="2800" b="1">
+                <a:solidFill>
+                  <a:srgbClr val="2C3E50"/>
+                </a:solidFill>
+              </a:rPr>
+              <a:t>递归模型</a:t>
+            </a:r>
+            <a:endParaRPr lang="en-US" altLang="zh-CN" sz="2800" b="1">
+              <a:solidFill>
+                <a:srgbClr val="2C3E50"/>
+              </a:solidFill>
+            </a:endParaRPr>
+          </a:p>
+        </p:txBody>
+      </p:sp>
+      <p:sp>
+        <p:nvSpPr>
+          <p:cNvPr id="7" name="Text Box 1"/>
+          <p:cNvSpPr txBox="true"/>
+          <p:nvPr/>
+        </p:nvSpPr>
+        <p:spPr>
+          <a:xfrm>
+            <a:off x="3611880" y="4064000"/>
+            <a:ext cx="1607820" cy="521970"/>
+          </a:xfrm>
+          <a:prstGeom prst="rect">
+            <a:avLst/>
+          </a:prstGeom>
+          <a:noFill/>
+        </p:spPr>
+        <p:txBody>
+          <a:bodyPr wrap="none" rtlCol="0">
+            <a:spAutoFit/>
+          </a:bodyPr>
+          <a:p>
+            <a:r>
+              <a:rPr lang="zh-CN" altLang="en-US" sz="2800" b="1">
+                <a:solidFill>
+                  <a:srgbClr val="2C3E50"/>
+                </a:solidFill>
+              </a:rPr>
+              <a:t>队列模型</a:t>
+            </a:r>
+            <a:endParaRPr lang="en-US" altLang="zh-CN" sz="2800" b="1">
+              <a:solidFill>
+                <a:srgbClr val="2C3E50"/>
+              </a:solidFill>
+            </a:endParaRPr>
+          </a:p>
+        </p:txBody>
+      </p:sp>
+      <p:sp>
+        <p:nvSpPr>
+          <p:cNvPr id="8" name="Text Box 1"/>
+          <p:cNvSpPr txBox="true"/>
+          <p:nvPr/>
+        </p:nvSpPr>
+        <p:spPr>
+          <a:xfrm>
+            <a:off x="898525" y="1783715"/>
+            <a:ext cx="1607820" cy="521970"/>
+          </a:xfrm>
+          <a:prstGeom prst="rect">
+            <a:avLst/>
+          </a:prstGeom>
+          <a:noFill/>
+        </p:spPr>
+        <p:txBody>
+          <a:bodyPr wrap="none" rtlCol="0">
+            <a:spAutoFit/>
+          </a:bodyPr>
+          <a:p>
+            <a:r>
+              <a:rPr lang="zh-CN" altLang="en-US" sz="2800" b="1">
+                <a:solidFill>
+                  <a:srgbClr val="2C3E50"/>
+                </a:solidFill>
+              </a:rPr>
+              <a:t>迭代模型</a:t>
+            </a:r>
+            <a:endParaRPr lang="en-US" altLang="zh-CN" sz="2800" b="1">
+              <a:solidFill>
+                <a:srgbClr val="2C3E50"/>
+              </a:solidFill>
+            </a:endParaRPr>
+          </a:p>
+        </p:txBody>
+      </p:sp>
+      <p:sp>
+        <p:nvSpPr>
+          <p:cNvPr id="10" name="文本框 9"/>
+          <p:cNvSpPr txBox="true"/>
+          <p:nvPr/>
+        </p:nvSpPr>
+        <p:spPr>
+          <a:xfrm>
+            <a:off x="2463165" y="1407795"/>
+            <a:ext cx="885190" cy="1106805"/>
+          </a:xfrm>
+          <a:prstGeom prst="rect">
+            <a:avLst/>
+          </a:prstGeom>
+          <a:noFill/>
+        </p:spPr>
+        <p:txBody>
+          <a:bodyPr wrap="none" rtlCol="0">
+            <a:spAutoFit/>
+          </a:bodyPr>
+          <a:p>
+            <a:r>
+              <a:rPr lang="en-US" altLang="zh-CN" sz="6600" b="1">
+                <a:solidFill>
+                  <a:srgbClr val="3EAF7C"/>
+                </a:solidFill>
+              </a:rPr>
+              <a:t>+</a:t>
+            </a:r>
+            <a:endParaRPr lang="en-US" altLang="zh-CN" sz="6600" b="1">
+              <a:solidFill>
+                <a:srgbClr val="3EAF7C"/>
+              </a:solidFill>
+            </a:endParaRPr>
+          </a:p>
+        </p:txBody>
+      </p:sp>
+      <p:sp>
+        <p:nvSpPr>
+          <p:cNvPr id="11" name="文本框 10"/>
+          <p:cNvSpPr txBox="true"/>
+          <p:nvPr/>
+        </p:nvSpPr>
+        <p:spPr>
+          <a:xfrm>
+            <a:off x="4716780" y="1407795"/>
+            <a:ext cx="885190" cy="1106805"/>
+          </a:xfrm>
+          <a:prstGeom prst="rect">
+            <a:avLst/>
+          </a:prstGeom>
+          <a:noFill/>
+        </p:spPr>
+        <p:txBody>
+          <a:bodyPr wrap="none" rtlCol="0">
+            <a:spAutoFit/>
+          </a:bodyPr>
+          <a:p>
+            <a:r>
+              <a:rPr lang="en-US" altLang="zh-CN" sz="6600" b="1">
+                <a:solidFill>
+                  <a:srgbClr val="3EAF7C"/>
+                </a:solidFill>
+              </a:rPr>
+              <a:t>+</a:t>
+            </a:r>
+            <a:endParaRPr lang="en-US" altLang="zh-CN" sz="6600" b="1">
+              <a:solidFill>
+                <a:srgbClr val="3EAF7C"/>
+              </a:solidFill>
+            </a:endParaRPr>
+          </a:p>
+        </p:txBody>
+      </p:sp>
+      <p:sp>
+        <p:nvSpPr>
+          <p:cNvPr id="12" name="文本框 11"/>
+          <p:cNvSpPr txBox="true"/>
+          <p:nvPr/>
+        </p:nvSpPr>
+        <p:spPr>
+          <a:xfrm>
+            <a:off x="2594610" y="3771265"/>
+            <a:ext cx="885190" cy="1106805"/>
+          </a:xfrm>
+          <a:prstGeom prst="rect">
+            <a:avLst/>
+          </a:prstGeom>
+          <a:noFill/>
+        </p:spPr>
+        <p:txBody>
+          <a:bodyPr wrap="none" rtlCol="0">
+            <a:spAutoFit/>
+          </a:bodyPr>
+          <a:p>
+            <a:r>
+              <a:rPr lang="en-US" altLang="zh-CN" sz="6600" b="1">
+                <a:solidFill>
+                  <a:srgbClr val="3EAF7C"/>
+                </a:solidFill>
+              </a:rPr>
+              <a:t>+</a:t>
+            </a:r>
+            <a:endParaRPr lang="en-US" altLang="zh-CN" sz="6600" b="1">
+              <a:solidFill>
+                <a:srgbClr val="3EAF7C"/>
+              </a:solidFill>
+            </a:endParaRPr>
+          </a:p>
+        </p:txBody>
+      </p:sp>
+      <p:sp>
+        <p:nvSpPr>
+          <p:cNvPr id="13" name="文本框 12"/>
+          <p:cNvSpPr txBox="true"/>
+          <p:nvPr/>
+        </p:nvSpPr>
+        <p:spPr>
+          <a:xfrm>
+            <a:off x="5601970" y="3771265"/>
+            <a:ext cx="885190" cy="1106805"/>
+          </a:xfrm>
+          <a:prstGeom prst="rect">
+            <a:avLst/>
+          </a:prstGeom>
+          <a:noFill/>
+        </p:spPr>
+        <p:txBody>
+          <a:bodyPr wrap="none" rtlCol="0">
+            <a:spAutoFit/>
+          </a:bodyPr>
+          <a:p>
+            <a:r>
+              <a:rPr lang="en-US" altLang="zh-CN" sz="6600" b="1">
+                <a:solidFill>
+                  <a:srgbClr val="3EAF7C"/>
+                </a:solidFill>
+              </a:rPr>
+              <a:t>=</a:t>
+            </a:r>
+            <a:endParaRPr lang="en-US" altLang="zh-CN" sz="6600" b="1">
+              <a:solidFill>
+                <a:srgbClr val="3EAF7C"/>
+              </a:solidFill>
+            </a:endParaRPr>
+          </a:p>
+        </p:txBody>
+      </p:sp>
+      <p:sp>
+        <p:nvSpPr>
+          <p:cNvPr id="14" name="文本框 13"/>
+          <p:cNvSpPr txBox="true"/>
+          <p:nvPr/>
+        </p:nvSpPr>
+        <p:spPr>
+          <a:xfrm>
+            <a:off x="7456805" y="1490980"/>
+            <a:ext cx="885190" cy="1106805"/>
+          </a:xfrm>
+          <a:prstGeom prst="rect">
+            <a:avLst/>
+          </a:prstGeom>
+          <a:noFill/>
+        </p:spPr>
+        <p:txBody>
+          <a:bodyPr wrap="none" rtlCol="0">
+            <a:spAutoFit/>
+          </a:bodyPr>
+          <a:p>
+            <a:r>
+              <a:rPr lang="en-US" altLang="zh-CN" sz="6600" b="1">
+                <a:solidFill>
+                  <a:srgbClr val="3EAF7C"/>
+                </a:solidFill>
+              </a:rPr>
+              <a:t>=</a:t>
+            </a:r>
+            <a:endParaRPr lang="en-US" altLang="zh-CN" sz="6600" b="1">
+              <a:solidFill>
+                <a:srgbClr val="3EAF7C"/>
+              </a:solidFill>
+            </a:endParaRPr>
+          </a:p>
+        </p:txBody>
+      </p:sp>
+      <p:sp>
+        <p:nvSpPr>
+          <p:cNvPr id="15" name="文本框 14"/>
+          <p:cNvSpPr txBox="true"/>
+          <p:nvPr/>
+        </p:nvSpPr>
+        <p:spPr>
+          <a:xfrm>
+            <a:off x="8756650" y="1783715"/>
+            <a:ext cx="1090295" cy="583565"/>
+          </a:xfrm>
+          <a:prstGeom prst="rect">
+            <a:avLst/>
+          </a:prstGeom>
+          <a:noFill/>
+        </p:spPr>
+        <p:txBody>
+          <a:bodyPr wrap="none" rtlCol="0">
+            <a:spAutoFit/>
+          </a:bodyPr>
+          <a:p>
+            <a:r>
+              <a:rPr lang="en-US" altLang="zh-CN" sz="3200" b="1">
+                <a:solidFill>
+                  <a:srgbClr val="2C3E50"/>
+                </a:solidFill>
+              </a:rPr>
+              <a:t>DFS</a:t>
+            </a:r>
+            <a:endParaRPr lang="en-US" altLang="zh-CN" sz="3200" b="1">
+              <a:solidFill>
+                <a:srgbClr val="2C3E50"/>
+              </a:solidFill>
+            </a:endParaRPr>
+          </a:p>
+        </p:txBody>
+      </p:sp>
+      <p:sp>
+        <p:nvSpPr>
+          <p:cNvPr id="16" name="文本框 15"/>
+          <p:cNvSpPr txBox="true"/>
+          <p:nvPr/>
+        </p:nvSpPr>
+        <p:spPr>
+          <a:xfrm>
+            <a:off x="6825615" y="4032885"/>
+            <a:ext cx="1062990" cy="583565"/>
+          </a:xfrm>
+          <a:prstGeom prst="rect">
+            <a:avLst/>
+          </a:prstGeom>
+          <a:noFill/>
+        </p:spPr>
+        <p:txBody>
+          <a:bodyPr wrap="none" rtlCol="0">
+            <a:spAutoFit/>
+          </a:bodyPr>
+          <a:p>
+            <a:r>
+              <a:rPr lang="en-US" altLang="zh-CN" sz="3200" b="1">
+                <a:solidFill>
+                  <a:srgbClr val="2C3E50"/>
+                </a:solidFill>
+              </a:rPr>
+              <a:t>BFS</a:t>
+            </a:r>
+            <a:endParaRPr lang="en-US" altLang="zh-CN" sz="3200" b="1">
+              <a:solidFill>
+                <a:srgbClr val="2C3E50"/>
+              </a:solidFill>
+            </a:endParaRPr>
+          </a:p>
+        </p:txBody>
+      </p:sp>
+    </p:spTree>
+  </p:cSld>
+  <p:clrMapOvr>
+    <a:masterClrMapping/>
+  </p:clrMapOvr>
+</p:sld>
+</file>
+
+<file path=ppt/slides/slide6.xml><?xml version="1.0" encoding="utf-8"?>
+<p:sld xmlns:a="http://schemas.openxmlformats.org/drawingml/2006/main" xmlns:r="http://schemas.openxmlformats.org/officeDocument/2006/relationships" xmlns:p="http://schemas.openxmlformats.org/presentationml/2006/main">
+  <p:cSld>
+    <p:spTree>
+      <p:nvGrpSpPr>
+        <p:cNvPr id="1" name=""/>
+        <p:cNvGrpSpPr/>
+        <p:nvPr/>
+      </p:nvGrpSpPr>
+      <p:grpSpPr/>
+    </p:spTree>
+  </p:cSld>
+  <p:clrMapOvr>
+    <a:masterClrMapping/>
+  </p:clrMapOvr>
+</p:sld>
+</file>
+
+<file path=ppt/slides/slide7.xml><?xml version="1.0" encoding="utf-8"?>
 <p:sld xmlns:a="http://schemas.openxmlformats.org/drawingml/2006/main" xmlns:r="http://schemas.openxmlformats.org/officeDocument/2006/relationships" xmlns:p="http://schemas.openxmlformats.org/presentationml/2006/main">
   <p:cSld>
     <p:spTree>
@@ -4803,7 +7303,7 @@
 </p:sld>
 </file>
 
-<file path=ppt/slides/slide3.xml><?xml version="1.0" encoding="utf-8"?>
+<file path=ppt/slides/slide8.xml><?xml version="1.0" encoding="utf-8"?>
 <p:sld xmlns:a="http://schemas.openxmlformats.org/drawingml/2006/main" xmlns:r="http://schemas.openxmlformats.org/officeDocument/2006/relationships" xmlns:p="http://schemas.openxmlformats.org/presentationml/2006/main">
   <p:cSld>
     <p:spTree>
@@ -4835,14 +7335,14 @@
           </a:bodyPr>
           <a:p>
             <a:r>
-              <a:rPr lang="zh-CN" altLang="" sz="2800" b="1">
+              <a:rPr lang="zh-CN" altLang="en-US" sz="2800" b="1">
                 <a:solidFill>
                   <a:srgbClr val="2C3E50"/>
                 </a:solidFill>
               </a:rPr>
               <a:t>动态规划</a:t>
             </a:r>
-            <a:endParaRPr lang="zh-CN" altLang="" sz="2800" b="1">
+            <a:endParaRPr lang="zh-CN" altLang="en-US" sz="2800" b="1">
               <a:solidFill>
                 <a:srgbClr val="2C3E50"/>
               </a:solidFill>
@@ -4880,7 +7380,7 @@
               <a:t>解决的问题：如果给定一个问题规模为</a:t>
             </a:r>
             <a:r>
-              <a:rPr lang="" altLang="zh-CN" b="1">
+              <a:rPr lang="en-US" altLang="zh-CN" b="1">
                 <a:solidFill>
                   <a:srgbClr val="2C3E50"/>
                 </a:solidFill>
@@ -4888,14 +7388,14 @@
               <a:t>n,</a:t>
             </a:r>
             <a:r>
-              <a:rPr lang="zh-CN" altLang="" b="1">
+              <a:rPr lang="zh-CN" altLang="en-US" b="1">
                 <a:solidFill>
                   <a:srgbClr val="2C3E50"/>
                 </a:solidFill>
               </a:rPr>
               <a:t>且具备如下性质：</a:t>
             </a:r>
-            <a:endParaRPr lang="zh-CN" altLang="" b="1">
+            <a:endParaRPr lang="zh-CN" altLang="en-US" b="1">
               <a:solidFill>
                 <a:srgbClr val="2C3E50"/>
               </a:solidFill>
@@ -4939,7 +7439,7 @@
               <a:t>问题规模可以分解，也就是具备</a:t>
             </a:r>
             <a:r>
-              <a:rPr lang="" altLang="zh-CN" sz="1600" b="1">
+              <a:rPr lang="en-US" altLang="zh-CN" sz="1600" b="1">
                 <a:solidFill>
                   <a:srgbClr val="2C3E50"/>
                 </a:solidFill>
@@ -4947,7 +7447,7 @@
               <a:t>f(n)=f(m)+a[n-m]</a:t>
             </a:r>
             <a:r>
-              <a:rPr lang="zh-CN" altLang="" sz="1600" b="1">
+              <a:rPr lang="zh-CN" altLang="en-US" sz="1600" b="1">
                 <a:solidFill>
                   <a:srgbClr val="2C3E50"/>
                 </a:solidFill>
@@ -4955,7 +7455,7 @@
               <a:t>或者</a:t>
             </a:r>
             <a:r>
-              <a:rPr lang="" altLang="zh-CN" sz="1600" b="1">
+              <a:rPr lang="en-US" altLang="zh-CN" sz="1600" b="1">
                 <a:solidFill>
                   <a:srgbClr val="2C3E50"/>
                 </a:solidFill>
@@ -4976,7 +7476,7 @@
               <a:buAutoNum type="arabicPeriod"/>
             </a:pPr>
             <a:r>
-              <a:rPr lang="zh-CN" altLang="" sz="1600" b="1">
+              <a:rPr lang="zh-CN" altLang="en-US" sz="1600" b="1">
                 <a:solidFill>
                   <a:srgbClr val="2C3E50"/>
                 </a:solidFill>
@@ -4984,7 +7484,7 @@
               <a:t>每一个规模为</a:t>
             </a:r>
             <a:r>
-              <a:rPr lang="" altLang="zh-CN" sz="1600" b="1">
+              <a:rPr lang="en-US" altLang="zh-CN" sz="1600" b="1">
                 <a:solidFill>
                   <a:srgbClr val="2C3E50"/>
                 </a:solidFill>
@@ -4992,14 +7492,14 @@
               <a:t>m(m&lt;n)</a:t>
             </a:r>
             <a:r>
-              <a:rPr lang="zh-CN" altLang="" sz="1600" b="1">
+              <a:rPr lang="zh-CN" altLang="en-US" sz="1600" b="1">
                 <a:solidFill>
                   <a:srgbClr val="2C3E50"/>
                 </a:solidFill>
               </a:rPr>
               <a:t>问题都存在最优解</a:t>
             </a:r>
-            <a:endParaRPr lang="zh-CN" altLang="" sz="1600" b="1">
+            <a:endParaRPr lang="zh-CN" altLang="en-US" sz="1600" b="1">
               <a:solidFill>
                 <a:srgbClr val="2C3E50"/>
               </a:solidFill>
@@ -5013,7 +7513,7 @@
               <a:buAutoNum type="arabicPeriod"/>
             </a:pPr>
             <a:r>
-              <a:rPr lang="zh-CN" altLang="" sz="1600" b="1">
+              <a:rPr lang="zh-CN" altLang="en-US" sz="1600" b="1">
                 <a:solidFill>
                   <a:srgbClr val="2C3E50"/>
                 </a:solidFill>
@@ -5021,7 +7521,7 @@
               <a:t>问题规模为</a:t>
             </a:r>
             <a:r>
-              <a:rPr lang="" altLang="zh-CN" sz="1600" b="1">
+              <a:rPr lang="en-US" altLang="zh-CN" sz="1600" b="1">
                 <a:solidFill>
                   <a:srgbClr val="2C3E50"/>
                 </a:solidFill>
@@ -5029,7 +7529,7 @@
               <a:t>n-m</a:t>
             </a:r>
             <a:r>
-              <a:rPr lang="zh-CN" altLang="" sz="1600" b="1">
+              <a:rPr lang="zh-CN" altLang="en-US" sz="1600" b="1">
                 <a:solidFill>
                   <a:srgbClr val="2C3E50"/>
                 </a:solidFill>
@@ -5037,7 +7537,7 @@
               <a:t>时的最优解不会因为规模增加到</a:t>
             </a:r>
             <a:r>
-              <a:rPr lang="" altLang="zh-CN" sz="1600" b="1">
+              <a:rPr lang="en-US" altLang="zh-CN" sz="1600" b="1">
                 <a:solidFill>
                   <a:srgbClr val="2C3E50"/>
                 </a:solidFill>
@@ -5045,14 +7545,14 @@
               <a:t>n</a:t>
             </a:r>
             <a:r>
-              <a:rPr lang="zh-CN" altLang="" sz="1600" b="1">
+              <a:rPr lang="zh-CN" altLang="en-US" sz="1600" b="1">
                 <a:solidFill>
                   <a:srgbClr val="2C3E50"/>
                 </a:solidFill>
               </a:rPr>
               <a:t>时而发生变化</a:t>
             </a:r>
-            <a:endParaRPr lang="zh-CN" altLang="" sz="1600" b="1">
+            <a:endParaRPr lang="zh-CN" altLang="en-US" sz="1600" b="1">
               <a:solidFill>
                 <a:srgbClr val="2C3E50"/>
               </a:solidFill>
@@ -5082,7 +7582,7 @@
           </a:bodyPr>
           <a:p>
             <a:r>
-              <a:rPr lang="zh-CN" altLang="" b="1">
+              <a:rPr lang="zh-CN" altLang="en-US" b="1">
                 <a:solidFill>
                   <a:srgbClr val="2C3E50"/>
                 </a:solidFill>
@@ -5090,7 +7590,7 @@
               <a:t>如果需要求问题规模为</a:t>
             </a:r>
             <a:r>
-              <a:rPr lang="" altLang="zh-CN" b="1">
+              <a:rPr lang="en-US" altLang="zh-CN" b="1">
                 <a:solidFill>
                   <a:srgbClr val="2C3E50"/>
                 </a:solidFill>
@@ -5098,14 +7598,14 @@
               <a:t>n</a:t>
             </a:r>
             <a:r>
-              <a:rPr lang="zh-CN" altLang="" b="1">
+              <a:rPr lang="zh-CN" altLang="en-US" b="1">
                 <a:solidFill>
                   <a:srgbClr val="2C3E50"/>
                 </a:solidFill>
               </a:rPr>
               <a:t>的最优解，那么就可以使用动态规划来解决。</a:t>
             </a:r>
-            <a:endParaRPr lang="zh-CN" altLang="" b="1">
+            <a:endParaRPr lang="zh-CN" altLang="en-US" b="1">
               <a:solidFill>
                 <a:srgbClr val="2C3E50"/>
               </a:solidFill>
@@ -5121,7 +7621,7 @@
 </p:sld>
 </file>
 
-<file path=ppt/slides/slide4.xml><?xml version="1.0" encoding="utf-8"?>
+<file path=ppt/slides/slide9.xml><?xml version="1.0" encoding="utf-8"?>
 <p:sld xmlns:a="http://schemas.openxmlformats.org/drawingml/2006/main" xmlns:r="http://schemas.openxmlformats.org/officeDocument/2006/relationships" xmlns:p="http://schemas.openxmlformats.org/presentationml/2006/main">
   <p:cSld>
     <p:spTree>
@@ -6321,7 +8821,7 @@
               <a:t>为例，如果我们要求</a:t>
             </a:r>
             <a:r>
-              <a:rPr lang="" altLang="zh-CN" sz="1400" b="1">
+              <a:rPr lang="en-US" altLang="zh-CN" sz="1400" b="1">
                 <a:solidFill>
                   <a:srgbClr val="2C3E50"/>
                 </a:solidFill>
@@ -6330,7 +8830,7 @@
               <a:t>f(7), </a:t>
             </a:r>
             <a:r>
-              <a:rPr lang="zh-CN" altLang="" sz="1400" b="1">
+              <a:rPr lang="zh-CN" altLang="en-US" sz="1400" b="1">
                 <a:solidFill>
                   <a:srgbClr val="2C3E50"/>
                 </a:solidFill>
@@ -6338,7 +8838,7 @@
               </a:rPr>
               <a:t>那么我们</a:t>
             </a:r>
-            <a:endParaRPr lang="zh-CN" altLang="" sz="1400" b="1">
+            <a:endParaRPr lang="zh-CN" altLang="en-US" sz="1400" b="1">
               <a:solidFill>
                 <a:srgbClr val="2C3E50"/>
               </a:solidFill>
@@ -6348,7 +8848,7 @@
           <a:p>
             <a:pPr algn="l"/>
             <a:r>
-              <a:rPr lang="zh-CN" altLang="" sz="1400" b="1">
+              <a:rPr lang="zh-CN" altLang="en-US" sz="1400" b="1">
                 <a:solidFill>
                   <a:srgbClr val="2C3E50"/>
                 </a:solidFill>
@@ -6357,7 +8857,7 @@
               <a:t>只要求出</a:t>
             </a:r>
             <a:r>
-              <a:rPr lang="" altLang="zh-CN" sz="1400" b="1">
+              <a:rPr lang="en-US" altLang="zh-CN" sz="1400" b="1">
                 <a:solidFill>
                   <a:srgbClr val="2C3E50"/>
                 </a:solidFill>
@@ -6366,7 +8866,7 @@
               <a:t>f(6)</a:t>
             </a:r>
             <a:r>
-              <a:rPr lang="zh-CN" altLang="" sz="1400" b="1">
+              <a:rPr lang="zh-CN" altLang="en-US" sz="1400" b="1">
                 <a:solidFill>
                   <a:srgbClr val="2C3E50"/>
                 </a:solidFill>
@@ -6375,7 +8875,7 @@
               <a:t>和</a:t>
             </a:r>
             <a:r>
-              <a:rPr lang="" altLang="zh-CN" sz="1400" b="1">
+              <a:rPr lang="en-US" altLang="zh-CN" sz="1400" b="1">
                 <a:solidFill>
                   <a:srgbClr val="2C3E50"/>
                 </a:solidFill>
@@ -6384,7 +8884,7 @@
               <a:t>f(5)</a:t>
             </a:r>
             <a:r>
-              <a:rPr lang="zh-CN" altLang="" sz="1400" b="1">
+              <a:rPr lang="zh-CN" altLang="en-US" sz="1400" b="1">
                 <a:solidFill>
                   <a:srgbClr val="2C3E50"/>
                 </a:solidFill>
@@ -6393,7 +8893,7 @@
               <a:t>即可。同样</a:t>
             </a:r>
             <a:r>
-              <a:rPr lang="" altLang="zh-CN" sz="1400" b="1">
+              <a:rPr lang="en-US" altLang="zh-CN" sz="1400" b="1">
                 <a:solidFill>
                   <a:srgbClr val="2C3E50"/>
                 </a:solidFill>
@@ -6402,7 +8902,7 @@
               <a:t>f(6)</a:t>
             </a:r>
             <a:r>
-              <a:rPr lang="zh-CN" altLang="" sz="1400" b="1">
+              <a:rPr lang="zh-CN" altLang="en-US" sz="1400" b="1">
                 <a:solidFill>
                   <a:srgbClr val="2C3E50"/>
                 </a:solidFill>
@@ -6410,7 +8910,7 @@
               </a:rPr>
               <a:t>也可以继续分解</a:t>
             </a:r>
-            <a:endParaRPr lang="zh-CN" altLang="" sz="1400" b="1">
+            <a:endParaRPr lang="zh-CN" altLang="en-US" sz="1400" b="1">
               <a:solidFill>
                 <a:srgbClr val="2C3E50"/>
               </a:solidFill>
@@ -6420,7 +8920,7 @@
           <a:p>
             <a:pPr algn="l"/>
             <a:r>
-              <a:rPr lang="zh-CN" altLang="" sz="1400" b="1">
+              <a:rPr lang="zh-CN" altLang="en-US" sz="1400" b="1">
                 <a:solidFill>
                   <a:srgbClr val="2C3E50"/>
                 </a:solidFill>
@@ -6429,611 +8929,13 @@
               <a:t>直到最少规模</a:t>
             </a:r>
             <a:r>
-              <a:rPr lang="" altLang="zh-CN" sz="1400" b="1">
+              <a:rPr lang="en-US" altLang="zh-CN" sz="1400" b="1">
                 <a:solidFill>
                   <a:srgbClr val="2C3E50"/>
                 </a:solidFill>
                 <a:sym typeface="+mn-ea"/>
               </a:rPr>
               <a:t>f(0).</a:t>
-            </a:r>
-            <a:endParaRPr lang="" altLang="zh-CN" sz="1400" b="1">
-              <a:solidFill>
-                <a:srgbClr val="2C3E50"/>
-              </a:solidFill>
-              <a:sym typeface="+mn-ea"/>
-            </a:endParaRPr>
-          </a:p>
-        </p:txBody>
-      </p:sp>
-      <p:sp>
-        <p:nvSpPr>
-          <p:cNvPr id="14" name="Text Box 13"/>
-          <p:cNvSpPr txBox="true"/>
-          <p:nvPr/>
-        </p:nvSpPr>
-        <p:spPr>
-          <a:xfrm>
-            <a:off x="897890" y="1887220"/>
-            <a:ext cx="1583690" cy="368300"/>
-          </a:xfrm>
-          <a:prstGeom prst="rect">
-            <a:avLst/>
-          </a:prstGeom>
-          <a:noFill/>
-        </p:spPr>
-        <p:txBody>
-          <a:bodyPr wrap="none" rtlCol="0">
-            <a:spAutoFit/>
-          </a:bodyPr>
-          <a:p>
-            <a:pPr algn="l"/>
-            <a:r>
-              <a:rPr lang="en-US" b="1">
-                <a:solidFill>
-                  <a:srgbClr val="2C3E50"/>
-                </a:solidFill>
-              </a:rPr>
-              <a:t>1.1 </a:t>
-            </a:r>
-            <a:r>
-              <a:rPr lang="zh-CN" altLang="en-US" b="1">
-                <a:solidFill>
-                  <a:srgbClr val="2C3E50"/>
-                </a:solidFill>
-              </a:rPr>
-              <a:t>单点划分</a:t>
-            </a:r>
-            <a:endParaRPr lang="" altLang="zh-CN" b="1">
-              <a:solidFill>
-                <a:srgbClr val="2C3E50"/>
-              </a:solidFill>
-              <a:sym typeface="+mn-ea"/>
-            </a:endParaRPr>
-          </a:p>
-        </p:txBody>
-      </p:sp>
-      <p:sp>
-        <p:nvSpPr>
-          <p:cNvPr id="15" name="Text Box 14"/>
-          <p:cNvSpPr txBox="true"/>
-          <p:nvPr/>
-        </p:nvSpPr>
-        <p:spPr>
-          <a:xfrm>
-            <a:off x="897890" y="4006850"/>
-            <a:ext cx="1583690" cy="368300"/>
-          </a:xfrm>
-          <a:prstGeom prst="rect">
-            <a:avLst/>
-          </a:prstGeom>
-          <a:noFill/>
-        </p:spPr>
-        <p:txBody>
-          <a:bodyPr wrap="none" rtlCol="0">
-            <a:spAutoFit/>
-          </a:bodyPr>
-          <a:p>
-            <a:r>
-              <a:rPr lang="en-US" b="1">
-                <a:solidFill>
-                  <a:srgbClr val="2C3E50"/>
-                </a:solidFill>
-              </a:rPr>
-              <a:t>1.2 </a:t>
-            </a:r>
-            <a:r>
-              <a:rPr lang="zh-CN" altLang="en-US" b="1">
-                <a:solidFill>
-                  <a:srgbClr val="2C3E50"/>
-                </a:solidFill>
-              </a:rPr>
-              <a:t>区间</a:t>
-            </a:r>
-            <a:r>
-              <a:rPr lang="zh-CN" altLang="en-US" b="1">
-                <a:solidFill>
-                  <a:srgbClr val="2C3E50"/>
-                </a:solidFill>
-              </a:rPr>
-              <a:t>划分</a:t>
-            </a:r>
-            <a:endParaRPr lang="zh-CN" altLang="en-US" b="1">
-              <a:solidFill>
-                <a:srgbClr val="2C3E50"/>
-              </a:solidFill>
-            </a:endParaRPr>
-          </a:p>
-        </p:txBody>
-      </p:sp>
-      <p:sp>
-        <p:nvSpPr>
-          <p:cNvPr id="16" name="Text Box 15"/>
-          <p:cNvSpPr txBox="true"/>
-          <p:nvPr/>
-        </p:nvSpPr>
-        <p:spPr>
-          <a:xfrm>
-            <a:off x="6057900" y="4503420"/>
-            <a:ext cx="1788795" cy="306705"/>
-          </a:xfrm>
-          <a:prstGeom prst="rect">
-            <a:avLst/>
-          </a:prstGeom>
-          <a:noFill/>
-        </p:spPr>
-        <p:txBody>
-          <a:bodyPr wrap="none" rtlCol="0">
-            <a:spAutoFit/>
-          </a:bodyPr>
-          <a:p>
-            <a:pPr algn="l"/>
-            <a:r>
-              <a:rPr lang="en-US" sz="1400" b="1">
-                <a:solidFill>
-                  <a:srgbClr val="2C3E50"/>
-                </a:solidFill>
-              </a:rPr>
-              <a:t>合并石头的最低成本</a:t>
-            </a:r>
-            <a:endParaRPr lang="en-US" sz="1400" b="1">
-              <a:solidFill>
-                <a:srgbClr val="2C3E50"/>
-              </a:solidFill>
-            </a:endParaRPr>
-          </a:p>
-        </p:txBody>
-      </p:sp>
-      <p:sp>
-        <p:nvSpPr>
-          <p:cNvPr id="17" name="Text Box 16"/>
-          <p:cNvSpPr txBox="true"/>
-          <p:nvPr/>
-        </p:nvSpPr>
-        <p:spPr>
-          <a:xfrm>
-            <a:off x="6021705" y="1580515"/>
-            <a:ext cx="1253490" cy="306705"/>
-          </a:xfrm>
-          <a:prstGeom prst="rect">
-            <a:avLst/>
-          </a:prstGeom>
-          <a:noFill/>
-        </p:spPr>
-        <p:txBody>
-          <a:bodyPr wrap="none" rtlCol="0">
-            <a:spAutoFit/>
-          </a:bodyPr>
-          <a:p>
-            <a:pPr algn="l"/>
-            <a:r>
-              <a:rPr lang="en-US" sz="1400" b="1">
-                <a:solidFill>
-                  <a:srgbClr val="2C3E50"/>
-                </a:solidFill>
-              </a:rPr>
-              <a:t>斐波那契数列</a:t>
-            </a:r>
-            <a:endParaRPr lang="en-US" sz="1400" b="1">
-              <a:solidFill>
-                <a:srgbClr val="2C3E50"/>
-              </a:solidFill>
-            </a:endParaRPr>
-          </a:p>
-        </p:txBody>
-      </p:sp>
-      <p:sp>
-        <p:nvSpPr>
-          <p:cNvPr id="18" name="Text Box 17"/>
-          <p:cNvSpPr txBox="true"/>
-          <p:nvPr/>
-        </p:nvSpPr>
-        <p:spPr>
-          <a:xfrm>
-            <a:off x="6021705" y="4810125"/>
-            <a:ext cx="4735195" cy="953135"/>
-          </a:xfrm>
-          <a:prstGeom prst="rect">
-            <a:avLst/>
-          </a:prstGeom>
-          <a:noFill/>
-        </p:spPr>
-        <p:txBody>
-          <a:bodyPr wrap="none" rtlCol="0">
-            <a:spAutoFit/>
-          </a:bodyPr>
-          <a:p>
-            <a:pPr algn="l"/>
-            <a:r>
-              <a:rPr lang="en-US" sz="1400" b="1">
-                <a:solidFill>
-                  <a:srgbClr val="2C3E50"/>
-                </a:solidFill>
-              </a:rPr>
-              <a:t>有 N 堆石头排成一排，第 i 堆中有 stones[i] 块石头。</a:t>
-            </a:r>
-            <a:endParaRPr lang="en-US" sz="1400" b="1">
-              <a:solidFill>
-                <a:srgbClr val="2C3E50"/>
-              </a:solidFill>
-            </a:endParaRPr>
-          </a:p>
-          <a:p>
-            <a:pPr algn="l"/>
-            <a:r>
-              <a:rPr lang="en-US" sz="1400" b="1">
-                <a:solidFill>
-                  <a:srgbClr val="2C3E50"/>
-                </a:solidFill>
-              </a:rPr>
-              <a:t>每次移动（move）需要将连续的 K 堆石头合并为一堆，</a:t>
-            </a:r>
-            <a:endParaRPr lang="en-US" sz="1400" b="1">
-              <a:solidFill>
-                <a:srgbClr val="2C3E50"/>
-              </a:solidFill>
-            </a:endParaRPr>
-          </a:p>
-          <a:p>
-            <a:pPr algn="l"/>
-            <a:r>
-              <a:rPr lang="en-US" sz="1400" b="1">
-                <a:solidFill>
-                  <a:srgbClr val="2C3E50"/>
-                </a:solidFill>
-              </a:rPr>
-              <a:t>而这个移动的成本为这 K 堆石头的总数。找出把所有石</a:t>
-            </a:r>
-            <a:endParaRPr lang="en-US" sz="1400" b="1">
-              <a:solidFill>
-                <a:srgbClr val="2C3E50"/>
-              </a:solidFill>
-            </a:endParaRPr>
-          </a:p>
-          <a:p>
-            <a:pPr algn="l"/>
-            <a:r>
-              <a:rPr lang="en-US" sz="1400" b="1">
-                <a:solidFill>
-                  <a:srgbClr val="2C3E50"/>
-                </a:solidFill>
-              </a:rPr>
-              <a:t>头合并成一堆的最低成本。如果不可能，返回 -1</a:t>
-            </a:r>
-            <a:endParaRPr lang="en-US" sz="1400" b="1">
-              <a:solidFill>
-                <a:srgbClr val="2C3E50"/>
-              </a:solidFill>
-            </a:endParaRPr>
-          </a:p>
-        </p:txBody>
-      </p:sp>
-      <p:sp>
-        <p:nvSpPr>
-          <p:cNvPr id="19" name="Text Box 18"/>
-          <p:cNvSpPr txBox="true"/>
-          <p:nvPr/>
-        </p:nvSpPr>
-        <p:spPr>
-          <a:xfrm>
-            <a:off x="6134100" y="5763260"/>
-            <a:ext cx="4566920" cy="306705"/>
-          </a:xfrm>
-          <a:prstGeom prst="rect">
-            <a:avLst/>
-          </a:prstGeom>
-          <a:noFill/>
-        </p:spPr>
-        <p:txBody>
-          <a:bodyPr wrap="none" rtlCol="0">
-            <a:spAutoFit/>
-          </a:bodyPr>
-          <a:p>
-            <a:r>
-              <a:rPr lang="zh-CN" altLang="" sz="1400" b="1">
-                <a:solidFill>
-                  <a:srgbClr val="3EAF7C"/>
-                </a:solidFill>
-              </a:rPr>
-              <a:t>这里为了说明问题我们假设</a:t>
-            </a:r>
-            <a:r>
-              <a:rPr lang="" altLang="zh-CN" sz="1400" b="1">
-                <a:solidFill>
-                  <a:srgbClr val="3EAF7C"/>
-                </a:solidFill>
-              </a:rPr>
-              <a:t>k=2,</a:t>
-            </a:r>
-            <a:r>
-              <a:rPr lang="zh-CN" altLang="" sz="1400" b="1">
-                <a:solidFill>
-                  <a:srgbClr val="3EAF7C"/>
-                </a:solidFill>
-              </a:rPr>
-              <a:t>也就是合并连续的两堆</a:t>
-            </a:r>
-            <a:endParaRPr lang="zh-CN" altLang="" sz="1400" b="1">
-              <a:solidFill>
-                <a:srgbClr val="3EAF7C"/>
-              </a:solidFill>
-            </a:endParaRPr>
-          </a:p>
-        </p:txBody>
-      </p:sp>
-      <p:sp>
-        <p:nvSpPr>
-          <p:cNvPr id="20" name="Text Box 19"/>
-          <p:cNvSpPr txBox="true"/>
-          <p:nvPr/>
-        </p:nvSpPr>
-        <p:spPr>
-          <a:xfrm>
-            <a:off x="897890" y="4568825"/>
-            <a:ext cx="5133975" cy="1168400"/>
-          </a:xfrm>
-          <a:prstGeom prst="rect">
-            <a:avLst/>
-          </a:prstGeom>
-          <a:noFill/>
-        </p:spPr>
-        <p:txBody>
-          <a:bodyPr wrap="none" rtlCol="0">
-            <a:spAutoFit/>
-          </a:bodyPr>
-          <a:p>
-            <a:pPr algn="l"/>
-            <a:r>
-              <a:rPr lang="zh-CN" sz="1400" b="1">
-                <a:solidFill>
-                  <a:srgbClr val="2C3E50"/>
-                </a:solidFill>
-                <a:sym typeface="+mn-ea"/>
-              </a:rPr>
-              <a:t>求</a:t>
-            </a:r>
-            <a:r>
-              <a:rPr lang="en-US" altLang="" sz="1400" b="1">
-                <a:solidFill>
-                  <a:srgbClr val="2C3E50"/>
-                </a:solidFill>
-                <a:sym typeface="+mn-ea"/>
-              </a:rPr>
-              <a:t>F</a:t>
-            </a:r>
-            <a:r>
-              <a:rPr lang="" altLang="zh-CN" sz="1400" b="1">
-                <a:solidFill>
-                  <a:srgbClr val="2C3E50"/>
-                </a:solidFill>
-                <a:sym typeface="+mn-ea"/>
-              </a:rPr>
-              <a:t>[i][j](</a:t>
-            </a:r>
-            <a:r>
-              <a:rPr lang="zh-CN" altLang="" sz="1400" b="1">
-                <a:solidFill>
-                  <a:srgbClr val="2C3E50"/>
-                </a:solidFill>
-                <a:sym typeface="+mn-ea"/>
-              </a:rPr>
-              <a:t>从第</a:t>
-            </a:r>
-            <a:r>
-              <a:rPr lang="" altLang="zh-CN" sz="1400" b="1">
-                <a:solidFill>
-                  <a:srgbClr val="2C3E50"/>
-                </a:solidFill>
-                <a:sym typeface="+mn-ea"/>
-              </a:rPr>
-              <a:t>i</a:t>
-            </a:r>
-            <a:r>
-              <a:rPr lang="zh-CN" altLang="" sz="1400" b="1">
-                <a:solidFill>
-                  <a:srgbClr val="2C3E50"/>
-                </a:solidFill>
-                <a:sym typeface="+mn-ea"/>
-              </a:rPr>
-              <a:t>堆到</a:t>
-            </a:r>
-            <a:r>
-              <a:rPr lang="" altLang="zh-CN" sz="1400" b="1">
-                <a:solidFill>
-                  <a:srgbClr val="2C3E50"/>
-                </a:solidFill>
-                <a:sym typeface="+mn-ea"/>
-              </a:rPr>
-              <a:t>j</a:t>
-            </a:r>
-            <a:r>
-              <a:rPr lang="zh-CN" altLang="" sz="1400" b="1">
-                <a:solidFill>
-                  <a:srgbClr val="2C3E50"/>
-                </a:solidFill>
-                <a:sym typeface="+mn-ea"/>
-              </a:rPr>
-              <a:t>堆</a:t>
-            </a:r>
-            <a:r>
-              <a:rPr lang="" altLang="zh-CN" sz="1400" b="1">
-                <a:solidFill>
-                  <a:srgbClr val="2C3E50"/>
-                </a:solidFill>
-                <a:sym typeface="+mn-ea"/>
-              </a:rPr>
-              <a:t>,</a:t>
-            </a:r>
-            <a:r>
-              <a:rPr lang="zh-CN" altLang="" sz="1400" b="1">
-                <a:solidFill>
-                  <a:srgbClr val="2C3E50"/>
-                </a:solidFill>
-                <a:sym typeface="+mn-ea"/>
-              </a:rPr>
-              <a:t>由于第次合并连续的两堆，</a:t>
-            </a:r>
-            <a:endParaRPr lang="zh-CN" altLang="" sz="1400" b="1">
-              <a:solidFill>
-                <a:srgbClr val="2C3E50"/>
-              </a:solidFill>
-              <a:sym typeface="+mn-ea"/>
-            </a:endParaRPr>
-          </a:p>
-          <a:p>
-            <a:pPr algn="l"/>
-            <a:r>
-              <a:rPr lang="zh-CN" altLang="" sz="1400" b="1">
-                <a:solidFill>
-                  <a:srgbClr val="2C3E50"/>
-                </a:solidFill>
-                <a:sym typeface="+mn-ea"/>
-              </a:rPr>
-              <a:t>那么必然存在一个</a:t>
-            </a:r>
-            <a:r>
-              <a:rPr lang="" altLang="zh-CN" sz="1400" b="1">
-                <a:solidFill>
-                  <a:srgbClr val="2C3E50"/>
-                </a:solidFill>
-                <a:sym typeface="+mn-ea"/>
-              </a:rPr>
-              <a:t>p</a:t>
-            </a:r>
-            <a:r>
-              <a:rPr lang="zh-CN" altLang="" sz="1400" b="1">
-                <a:solidFill>
-                  <a:srgbClr val="2C3E50"/>
-                </a:solidFill>
-                <a:sym typeface="+mn-ea"/>
-              </a:rPr>
-              <a:t>（</a:t>
-            </a:r>
-            <a:r>
-              <a:rPr lang="" altLang="zh-CN" sz="1400" b="1">
-                <a:solidFill>
-                  <a:srgbClr val="2C3E50"/>
-                </a:solidFill>
-                <a:sym typeface="+mn-ea"/>
-              </a:rPr>
-              <a:t>i&lt;p&lt;j</a:t>
-            </a:r>
-            <a:r>
-              <a:rPr lang="zh-CN" altLang="" sz="1400" b="1">
-                <a:solidFill>
-                  <a:srgbClr val="2C3E50"/>
-                </a:solidFill>
-                <a:sym typeface="+mn-ea"/>
-              </a:rPr>
-              <a:t>）使得</a:t>
-            </a:r>
-            <a:r>
-              <a:rPr lang="en-US" altLang="en-US" sz="1400" b="1">
-                <a:solidFill>
-                  <a:srgbClr val="2C3E50"/>
-                </a:solidFill>
-                <a:sym typeface="+mn-ea"/>
-              </a:rPr>
-              <a:t>F</a:t>
-            </a:r>
-            <a:r>
-              <a:rPr lang="en-US" altLang="zh-CN" sz="1400" b="1">
-                <a:solidFill>
-                  <a:srgbClr val="2C3E50"/>
-                </a:solidFill>
-                <a:sym typeface="+mn-ea"/>
-              </a:rPr>
-              <a:t>[i][</a:t>
-            </a:r>
-            <a:r>
-              <a:rPr lang="" altLang="en-US" sz="1400" b="1">
-                <a:solidFill>
-                  <a:srgbClr val="2C3E50"/>
-                </a:solidFill>
-                <a:sym typeface="+mn-ea"/>
-              </a:rPr>
-              <a:t>p</a:t>
-            </a:r>
-            <a:r>
-              <a:rPr lang="en-US" altLang="zh-CN" sz="1400" b="1">
-                <a:solidFill>
-                  <a:srgbClr val="2C3E50"/>
-                </a:solidFill>
-                <a:sym typeface="+mn-ea"/>
-              </a:rPr>
-              <a:t>]</a:t>
-            </a:r>
-            <a:r>
-              <a:rPr lang="" altLang="zh-CN" sz="1400" b="1">
-                <a:solidFill>
-                  <a:srgbClr val="2C3E50"/>
-                </a:solidFill>
-                <a:sym typeface="+mn-ea"/>
-              </a:rPr>
-              <a:t>+</a:t>
-            </a:r>
-            <a:r>
-              <a:rPr lang="en-US" altLang="en-US" sz="1400" b="1">
-                <a:solidFill>
-                  <a:srgbClr val="2C3E50"/>
-                </a:solidFill>
-                <a:sym typeface="+mn-ea"/>
-              </a:rPr>
-              <a:t>F</a:t>
-            </a:r>
-            <a:r>
-              <a:rPr lang="en-US" altLang="zh-CN" sz="1400" b="1">
-                <a:solidFill>
-                  <a:srgbClr val="2C3E50"/>
-                </a:solidFill>
-                <a:sym typeface="+mn-ea"/>
-              </a:rPr>
-              <a:t>[</a:t>
-            </a:r>
-            <a:r>
-              <a:rPr lang="" altLang="en-US" sz="1400" b="1">
-                <a:solidFill>
-                  <a:srgbClr val="2C3E50"/>
-                </a:solidFill>
-                <a:sym typeface="+mn-ea"/>
-              </a:rPr>
-              <a:t>p</a:t>
-            </a:r>
-            <a:r>
-              <a:rPr lang="en-US" altLang="zh-CN" sz="1400" b="1">
-                <a:solidFill>
-                  <a:srgbClr val="2C3E50"/>
-                </a:solidFill>
-                <a:sym typeface="+mn-ea"/>
-              </a:rPr>
-              <a:t>][j]</a:t>
-            </a:r>
-            <a:r>
-              <a:rPr lang="en-US" altLang="" sz="1400" b="1">
-                <a:solidFill>
-                  <a:srgbClr val="2C3E50"/>
-                </a:solidFill>
-                <a:sym typeface="+mn-ea"/>
-              </a:rPr>
-              <a:t>=</a:t>
-            </a:r>
-            <a:r>
-              <a:rPr lang="en-US" altLang="en-US" sz="1400" b="1">
-                <a:solidFill>
-                  <a:srgbClr val="2C3E50"/>
-                </a:solidFill>
-                <a:sym typeface="+mn-ea"/>
-              </a:rPr>
-              <a:t>F</a:t>
-            </a:r>
-            <a:r>
-              <a:rPr lang="en-US" altLang="zh-CN" sz="1400" b="1">
-                <a:solidFill>
-                  <a:srgbClr val="2C3E50"/>
-                </a:solidFill>
-                <a:sym typeface="+mn-ea"/>
-              </a:rPr>
-              <a:t>[i][j]</a:t>
             </a:r>
             <a:endParaRPr lang="en-US" altLang="zh-CN" sz="1400" b="1">
               <a:solidFill>
@@ -7042,198 +8944,65 @@
               <a:sym typeface="+mn-ea"/>
             </a:endParaRPr>
           </a:p>
+        </p:txBody>
+      </p:sp>
+      <p:sp>
+        <p:nvSpPr>
+          <p:cNvPr id="14" name="Text Box 13"/>
+          <p:cNvSpPr txBox="true"/>
+          <p:nvPr/>
+        </p:nvSpPr>
+        <p:spPr>
+          <a:xfrm>
+            <a:off x="897890" y="1887220"/>
+            <a:ext cx="1583690" cy="368300"/>
+          </a:xfrm>
+          <a:prstGeom prst="rect">
+            <a:avLst/>
+          </a:prstGeom>
+          <a:noFill/>
+        </p:spPr>
+        <p:txBody>
+          <a:bodyPr wrap="none" rtlCol="0">
+            <a:spAutoFit/>
+          </a:bodyPr>
           <a:p>
             <a:pPr algn="l"/>
             <a:r>
-              <a:rPr lang="zh-CN" altLang="" sz="1400" b="1">
-                <a:solidFill>
-                  <a:srgbClr val="2C3E50"/>
-                </a:solidFill>
-                <a:sym typeface="+mn-ea"/>
-              </a:rPr>
-              <a:t>成本最低</a:t>
-            </a:r>
-            <a:r>
-              <a:rPr lang="" altLang="zh-CN" sz="1400" b="1">
-                <a:solidFill>
-                  <a:srgbClr val="2C3E50"/>
-                </a:solidFill>
-                <a:sym typeface="+mn-ea"/>
-              </a:rPr>
-              <a:t>.</a:t>
-            </a:r>
-            <a:r>
-              <a:rPr lang="zh-CN" altLang="" sz="1400" b="1">
-                <a:solidFill>
-                  <a:srgbClr val="2C3E50"/>
-                </a:solidFill>
-                <a:sym typeface="+mn-ea"/>
-              </a:rPr>
-              <a:t>这样我们就把问题划分为求</a:t>
-            </a:r>
-            <a:r>
-              <a:rPr lang="en-US" altLang="en-US" sz="1400" b="1">
-                <a:solidFill>
-                  <a:srgbClr val="2C3E50"/>
-                </a:solidFill>
-                <a:sym typeface="+mn-ea"/>
-              </a:rPr>
-              <a:t>F</a:t>
-            </a:r>
-            <a:r>
-              <a:rPr lang="en-US" altLang="zh-CN" sz="1400" b="1">
-                <a:solidFill>
-                  <a:srgbClr val="2C3E50"/>
-                </a:solidFill>
-                <a:sym typeface="+mn-ea"/>
-              </a:rPr>
-              <a:t>[i][</a:t>
-            </a:r>
-            <a:r>
-              <a:rPr lang="en-US" altLang="en-US" sz="1400" b="1">
-                <a:solidFill>
-                  <a:srgbClr val="2C3E50"/>
-                </a:solidFill>
-                <a:sym typeface="+mn-ea"/>
-              </a:rPr>
-              <a:t>p</a:t>
-            </a:r>
-            <a:r>
-              <a:rPr lang="en-US" altLang="zh-CN" sz="1400" b="1">
-                <a:solidFill>
-                  <a:srgbClr val="2C3E50"/>
-                </a:solidFill>
-                <a:sym typeface="+mn-ea"/>
-              </a:rPr>
-              <a:t>]</a:t>
-            </a:r>
-            <a:r>
-              <a:rPr lang="zh-CN" altLang="" sz="1400" b="1">
-                <a:solidFill>
-                  <a:srgbClr val="2C3E50"/>
-                </a:solidFill>
-                <a:sym typeface="+mn-ea"/>
-              </a:rPr>
-              <a:t>和</a:t>
-            </a:r>
-            <a:r>
-              <a:rPr lang="en-US" altLang="en-US" sz="1400" b="1">
-                <a:solidFill>
-                  <a:srgbClr val="2C3E50"/>
-                </a:solidFill>
-                <a:sym typeface="+mn-ea"/>
-              </a:rPr>
-              <a:t>F</a:t>
-            </a:r>
-            <a:r>
-              <a:rPr lang="en-US" altLang="zh-CN" sz="1400" b="1">
-                <a:solidFill>
-                  <a:srgbClr val="2C3E50"/>
-                </a:solidFill>
-                <a:sym typeface="+mn-ea"/>
-              </a:rPr>
-              <a:t>[</a:t>
-            </a:r>
-            <a:r>
-              <a:rPr lang="en-US" altLang="en-US" sz="1400" b="1">
-                <a:solidFill>
-                  <a:srgbClr val="2C3E50"/>
-                </a:solidFill>
-                <a:sym typeface="+mn-ea"/>
-              </a:rPr>
-              <a:t>p</a:t>
-            </a:r>
-            <a:r>
-              <a:rPr lang="en-US" altLang="zh-CN" sz="1400" b="1">
-                <a:solidFill>
-                  <a:srgbClr val="2C3E50"/>
-                </a:solidFill>
-                <a:sym typeface="+mn-ea"/>
-              </a:rPr>
-              <a:t>][j]</a:t>
-            </a:r>
-            <a:r>
-              <a:rPr lang="zh-CN" altLang="" sz="1400" b="1">
-                <a:solidFill>
-                  <a:srgbClr val="2C3E50"/>
-                </a:solidFill>
-                <a:sym typeface="+mn-ea"/>
-              </a:rPr>
-              <a:t>两个</a:t>
-            </a:r>
-            <a:endParaRPr lang="zh-CN" altLang="" sz="1400" b="1">
+              <a:rPr lang="en-US" b="1">
+                <a:solidFill>
+                  <a:srgbClr val="2C3E50"/>
+                </a:solidFill>
+              </a:rPr>
+              <a:t>1.1 </a:t>
+            </a:r>
+            <a:r>
+              <a:rPr lang="zh-CN" altLang="en-US" b="1">
+                <a:solidFill>
+                  <a:srgbClr val="2C3E50"/>
+                </a:solidFill>
+              </a:rPr>
+              <a:t>单点划分</a:t>
+            </a:r>
+            <a:endParaRPr lang="en-US" altLang="zh-CN" b="1">
               <a:solidFill>
                 <a:srgbClr val="2C3E50"/>
               </a:solidFill>
               <a:sym typeface="+mn-ea"/>
             </a:endParaRPr>
           </a:p>
-          <a:p>
-            <a:pPr algn="l"/>
-            <a:r>
-              <a:rPr lang="zh-CN" altLang="" sz="1400" b="1">
-                <a:solidFill>
-                  <a:srgbClr val="2C3E50"/>
-                </a:solidFill>
-                <a:sym typeface="+mn-ea"/>
-              </a:rPr>
-              <a:t>子问题，使用同样的划分方法，来划分子问题，直到只有两堆</a:t>
-            </a:r>
-            <a:endParaRPr lang="zh-CN" altLang="" sz="1400" b="1">
-              <a:solidFill>
-                <a:srgbClr val="2C3E50"/>
-              </a:solidFill>
-              <a:sym typeface="+mn-ea"/>
-            </a:endParaRPr>
-          </a:p>
-          <a:p>
-            <a:pPr algn="l"/>
-            <a:r>
-              <a:rPr lang="zh-CN" altLang="" sz="1400" b="1">
-                <a:solidFill>
-                  <a:srgbClr val="2C3E50"/>
-                </a:solidFill>
-                <a:sym typeface="+mn-ea"/>
-              </a:rPr>
-              <a:t>可以合并</a:t>
-            </a:r>
-            <a:endParaRPr lang="zh-CN" altLang="" sz="1400" b="1">
-              <a:solidFill>
-                <a:srgbClr val="2C3E50"/>
-              </a:solidFill>
-              <a:sym typeface="+mn-ea"/>
-            </a:endParaRPr>
-          </a:p>
-        </p:txBody>
-      </p:sp>
-    </p:spTree>
-  </p:cSld>
-  <p:clrMapOvr>
-    <a:masterClrMapping/>
-  </p:clrMapOvr>
-</p:sld>
-</file>
-
-<file path=ppt/slides/slide5.xml><?xml version="1.0" encoding="utf-8"?>
-<p:sld xmlns:a="http://schemas.openxmlformats.org/drawingml/2006/main" xmlns:r="http://schemas.openxmlformats.org/officeDocument/2006/relationships" xmlns:p="http://schemas.openxmlformats.org/presentationml/2006/main">
-  <p:cSld>
-    <p:spTree>
-      <p:nvGrpSpPr>
-        <p:cNvPr id="1" name=""/>
-        <p:cNvGrpSpPr/>
-        <p:nvPr/>
-      </p:nvGrpSpPr>
-      <p:grpSpPr/>
-      <p:sp>
-        <p:nvSpPr>
-          <p:cNvPr id="11" name="Text Box 10"/>
+        </p:txBody>
+      </p:sp>
+      <p:sp>
+        <p:nvSpPr>
+          <p:cNvPr id="15" name="Text Box 14"/>
           <p:cNvSpPr txBox="true"/>
           <p:nvPr/>
         </p:nvSpPr>
         <p:spPr>
           <a:xfrm>
-            <a:off x="2822575" y="1357630"/>
-            <a:ext cx="3946525" cy="368300"/>
+            <a:off x="897890" y="4006850"/>
+            <a:ext cx="1583690" cy="368300"/>
           </a:xfrm>
           <a:prstGeom prst="rect">
             <a:avLst/>
@@ -7246,20 +9015,12 @@
           </a:bodyPr>
           <a:p>
             <a:r>
-              <a:rPr lang="en-US" altLang="en-US" b="1">
-                <a:solidFill>
-                  <a:srgbClr val="2C3E50"/>
-                </a:solidFill>
-              </a:rPr>
-              <a:t>2</a:t>
-            </a:r>
-            <a:r>
               <a:rPr lang="en-US" b="1">
                 <a:solidFill>
                   <a:srgbClr val="2C3E50"/>
                 </a:solidFill>
               </a:rPr>
-              <a:t>. </a:t>
+              <a:t>1.2 </a:t>
             </a:r>
             <a:r>
               <a:rPr lang="zh-CN" altLang="en-US" b="1">
@@ -7267,9 +9028,9 @@
                   <a:srgbClr val="2C3E50"/>
                 </a:solidFill>
               </a:rPr>
-              <a:t>找出大规模的小规模问题转化方程</a:t>
-            </a:r>
-            <a:endParaRPr lang="en-US" altLang="zh-CN" b="1">
+              <a:t>区间划分</a:t>
+            </a:r>
+            <a:endParaRPr lang="zh-CN" altLang="en-US" b="1">
               <a:solidFill>
                 <a:srgbClr val="2C3E50"/>
               </a:solidFill>
@@ -7279,14 +9040,14 @@
       </p:sp>
       <p:sp>
         <p:nvSpPr>
-          <p:cNvPr id="12" name="Text Box 11"/>
+          <p:cNvPr id="16" name="Text Box 15"/>
           <p:cNvSpPr txBox="true"/>
           <p:nvPr/>
         </p:nvSpPr>
         <p:spPr>
           <a:xfrm>
-            <a:off x="1374140" y="2266950"/>
-            <a:ext cx="5164455" cy="521970"/>
+            <a:off x="6057900" y="4503420"/>
+            <a:ext cx="1788795" cy="306705"/>
           </a:xfrm>
           <a:prstGeom prst="rect">
             <a:avLst/>
@@ -7300,58 +9061,246 @@
           <a:p>
             <a:pPr algn="l"/>
             <a:r>
-              <a:rPr lang="zh-CN" altLang="en-US" sz="1400" b="1">
-                <a:solidFill>
-                  <a:srgbClr val="2C3E50"/>
-                </a:solidFill>
-                <a:sym typeface="+mn-ea"/>
-              </a:rPr>
-              <a:t>对于单点划分：</a:t>
-            </a:r>
-            <a:r>
               <a:rPr lang="en-US" sz="1400" b="1">
                 <a:solidFill>
                   <a:srgbClr val="2C3E50"/>
                 </a:solidFill>
-                <a:sym typeface="+mn-ea"/>
-              </a:rPr>
-              <a:t>斐波那契数</a:t>
-            </a:r>
-            <a:r>
-              <a:rPr lang="zh-CN" altLang="en-US" sz="1400" b="1">
-                <a:solidFill>
-                  <a:srgbClr val="2C3E50"/>
-                </a:solidFill>
-                <a:sym typeface="+mn-ea"/>
-              </a:rPr>
-              <a:t>列，</a:t>
-            </a:r>
-            <a:r>
-              <a:rPr lang="en-US" sz="1400" b="1">
-                <a:solidFill>
-                  <a:srgbClr val="2C3E50"/>
-                </a:solidFill>
-                <a:sym typeface="+mn-ea"/>
-              </a:rPr>
-              <a:t>F(N) = F(N - 1) + F(N - 2)</a:t>
+              </a:rPr>
+              <a:t>合并石头的最低成本</a:t>
             </a:r>
             <a:endParaRPr lang="en-US" sz="1400" b="1">
               <a:solidFill>
                 <a:srgbClr val="2C3E50"/>
               </a:solidFill>
-              <a:sym typeface="+mn-ea"/>
-            </a:endParaRPr>
-          </a:p>
+            </a:endParaRPr>
+          </a:p>
+        </p:txBody>
+      </p:sp>
+      <p:sp>
+        <p:nvSpPr>
+          <p:cNvPr id="17" name="Text Box 16"/>
+          <p:cNvSpPr txBox="true"/>
+          <p:nvPr/>
+        </p:nvSpPr>
+        <p:spPr>
+          <a:xfrm>
+            <a:off x="6021705" y="1580515"/>
+            <a:ext cx="1253490" cy="306705"/>
+          </a:xfrm>
+          <a:prstGeom prst="rect">
+            <a:avLst/>
+          </a:prstGeom>
+          <a:noFill/>
+        </p:spPr>
+        <p:txBody>
+          <a:bodyPr wrap="none" rtlCol="0">
+            <a:spAutoFit/>
+          </a:bodyPr>
           <a:p>
             <a:pPr algn="l"/>
             <a:r>
+              <a:rPr lang="en-US" sz="1400" b="1">
+                <a:solidFill>
+                  <a:srgbClr val="2C3E50"/>
+                </a:solidFill>
+              </a:rPr>
+              <a:t>斐波那契数列</a:t>
+            </a:r>
+            <a:endParaRPr lang="en-US" sz="1400" b="1">
+              <a:solidFill>
+                <a:srgbClr val="2C3E50"/>
+              </a:solidFill>
+            </a:endParaRPr>
+          </a:p>
+        </p:txBody>
+      </p:sp>
+      <p:sp>
+        <p:nvSpPr>
+          <p:cNvPr id="18" name="Text Box 17"/>
+          <p:cNvSpPr txBox="true"/>
+          <p:nvPr/>
+        </p:nvSpPr>
+        <p:spPr>
+          <a:xfrm>
+            <a:off x="6021705" y="4810125"/>
+            <a:ext cx="4735195" cy="953135"/>
+          </a:xfrm>
+          <a:prstGeom prst="rect">
+            <a:avLst/>
+          </a:prstGeom>
+          <a:noFill/>
+        </p:spPr>
+        <p:txBody>
+          <a:bodyPr wrap="none" rtlCol="0">
+            <a:spAutoFit/>
+          </a:bodyPr>
+          <a:p>
+            <a:pPr algn="l"/>
+            <a:r>
+              <a:rPr lang="en-US" sz="1400" b="1">
+                <a:solidFill>
+                  <a:srgbClr val="2C3E50"/>
+                </a:solidFill>
+              </a:rPr>
+              <a:t>有 N 堆石头排成一排，第 i 堆中有 stones[i] 块石头。</a:t>
+            </a:r>
+            <a:endParaRPr lang="en-US" sz="1400" b="1">
+              <a:solidFill>
+                <a:srgbClr val="2C3E50"/>
+              </a:solidFill>
+            </a:endParaRPr>
+          </a:p>
+          <a:p>
+            <a:pPr algn="l"/>
+            <a:r>
+              <a:rPr lang="en-US" sz="1400" b="1">
+                <a:solidFill>
+                  <a:srgbClr val="2C3E50"/>
+                </a:solidFill>
+              </a:rPr>
+              <a:t>每次移动（move）需要将连续的 K 堆石头合并为一堆，</a:t>
+            </a:r>
+            <a:endParaRPr lang="en-US" sz="1400" b="1">
+              <a:solidFill>
+                <a:srgbClr val="2C3E50"/>
+              </a:solidFill>
+            </a:endParaRPr>
+          </a:p>
+          <a:p>
+            <a:pPr algn="l"/>
+            <a:r>
+              <a:rPr lang="en-US" sz="1400" b="1">
+                <a:solidFill>
+                  <a:srgbClr val="2C3E50"/>
+                </a:solidFill>
+              </a:rPr>
+              <a:t>而这个移动的成本为这 K 堆石头的总数。找出把所有石</a:t>
+            </a:r>
+            <a:endParaRPr lang="en-US" sz="1400" b="1">
+              <a:solidFill>
+                <a:srgbClr val="2C3E50"/>
+              </a:solidFill>
+            </a:endParaRPr>
+          </a:p>
+          <a:p>
+            <a:pPr algn="l"/>
+            <a:r>
+              <a:rPr lang="en-US" sz="1400" b="1">
+                <a:solidFill>
+                  <a:srgbClr val="2C3E50"/>
+                </a:solidFill>
+              </a:rPr>
+              <a:t>头合并成一堆的最低成本。如果不可能，返回 -1</a:t>
+            </a:r>
+            <a:endParaRPr lang="en-US" sz="1400" b="1">
+              <a:solidFill>
+                <a:srgbClr val="2C3E50"/>
+              </a:solidFill>
+            </a:endParaRPr>
+          </a:p>
+        </p:txBody>
+      </p:sp>
+      <p:sp>
+        <p:nvSpPr>
+          <p:cNvPr id="19" name="Text Box 18"/>
+          <p:cNvSpPr txBox="true"/>
+          <p:nvPr/>
+        </p:nvSpPr>
+        <p:spPr>
+          <a:xfrm>
+            <a:off x="6134100" y="5763260"/>
+            <a:ext cx="4566920" cy="306705"/>
+          </a:xfrm>
+          <a:prstGeom prst="rect">
+            <a:avLst/>
+          </a:prstGeom>
+          <a:noFill/>
+        </p:spPr>
+        <p:txBody>
+          <a:bodyPr wrap="none" rtlCol="0">
+            <a:spAutoFit/>
+          </a:bodyPr>
+          <a:p>
+            <a:r>
+              <a:rPr lang="zh-CN" altLang="en-US" sz="1400" b="1">
+                <a:solidFill>
+                  <a:srgbClr val="3EAF7C"/>
+                </a:solidFill>
+              </a:rPr>
+              <a:t>这里为了说明问题我们假设</a:t>
+            </a:r>
+            <a:r>
               <a:rPr lang="en-US" altLang="zh-CN" sz="1400" b="1">
                 <a:solidFill>
+                  <a:srgbClr val="3EAF7C"/>
+                </a:solidFill>
+              </a:rPr>
+              <a:t>k=2,</a:t>
+            </a:r>
+            <a:r>
+              <a:rPr lang="zh-CN" altLang="en-US" sz="1400" b="1">
+                <a:solidFill>
+                  <a:srgbClr val="3EAF7C"/>
+                </a:solidFill>
+              </a:rPr>
+              <a:t>也就是合并连续的两堆</a:t>
+            </a:r>
+            <a:endParaRPr lang="zh-CN" altLang="en-US" sz="1400" b="1">
+              <a:solidFill>
+                <a:srgbClr val="3EAF7C"/>
+              </a:solidFill>
+            </a:endParaRPr>
+          </a:p>
+        </p:txBody>
+      </p:sp>
+      <p:sp>
+        <p:nvSpPr>
+          <p:cNvPr id="20" name="Text Box 19"/>
+          <p:cNvSpPr txBox="true"/>
+          <p:nvPr/>
+        </p:nvSpPr>
+        <p:spPr>
+          <a:xfrm>
+            <a:off x="897890" y="4568825"/>
+            <a:ext cx="5133975" cy="1168400"/>
+          </a:xfrm>
+          <a:prstGeom prst="rect">
+            <a:avLst/>
+          </a:prstGeom>
+          <a:noFill/>
+        </p:spPr>
+        <p:txBody>
+          <a:bodyPr wrap="none" rtlCol="0">
+            <a:spAutoFit/>
+          </a:bodyPr>
+          <a:p>
+            <a:pPr algn="l"/>
+            <a:r>
+              <a:rPr lang="zh-CN" sz="1400" b="1">
+                <a:solidFill>
                   <a:srgbClr val="2C3E50"/>
                 </a:solidFill>
                 <a:sym typeface="+mn-ea"/>
               </a:rPr>
-              <a:t>	     </a:t>
+              <a:t>求</a:t>
+            </a:r>
+            <a:r>
+              <a:rPr lang="en-US" altLang="en-US" sz="1400" b="1">
+                <a:solidFill>
+                  <a:srgbClr val="2C3E50"/>
+                </a:solidFill>
+                <a:sym typeface="+mn-ea"/>
+              </a:rPr>
+              <a:t>F</a:t>
+            </a:r>
+            <a:r>
+              <a:rPr lang="en-US" altLang="zh-CN" sz="1400" b="1">
+                <a:solidFill>
+                  <a:srgbClr val="2C3E50"/>
+                </a:solidFill>
+                <a:sym typeface="+mn-ea"/>
+              </a:rPr>
+              <a:t>[i][j](</a:t>
             </a:r>
             <a:r>
               <a:rPr lang="zh-CN" altLang="en-US" sz="1400" b="1">
@@ -7360,7 +9309,61 @@
                 </a:solidFill>
                 <a:sym typeface="+mn-ea"/>
               </a:rPr>
-              <a:t>代码实现：略</a:t>
+              <a:t>从第</a:t>
+            </a:r>
+            <a:r>
+              <a:rPr lang="en-US" altLang="zh-CN" sz="1400" b="1">
+                <a:solidFill>
+                  <a:srgbClr val="2C3E50"/>
+                </a:solidFill>
+                <a:sym typeface="+mn-ea"/>
+              </a:rPr>
+              <a:t>i</a:t>
+            </a:r>
+            <a:r>
+              <a:rPr lang="zh-CN" altLang="en-US" sz="1400" b="1">
+                <a:solidFill>
+                  <a:srgbClr val="2C3E50"/>
+                </a:solidFill>
+                <a:sym typeface="+mn-ea"/>
+              </a:rPr>
+              <a:t>堆到</a:t>
+            </a:r>
+            <a:r>
+              <a:rPr lang="en-US" altLang="zh-CN" sz="1400" b="1">
+                <a:solidFill>
+                  <a:srgbClr val="2C3E50"/>
+                </a:solidFill>
+                <a:sym typeface="+mn-ea"/>
+              </a:rPr>
+              <a:t>j</a:t>
+            </a:r>
+            <a:r>
+              <a:rPr lang="zh-CN" altLang="en-US" sz="1400" b="1">
+                <a:solidFill>
+                  <a:srgbClr val="2C3E50"/>
+                </a:solidFill>
+                <a:sym typeface="+mn-ea"/>
+              </a:rPr>
+              <a:t>堆</a:t>
+            </a:r>
+            <a:r>
+              <a:rPr lang="en-US" altLang="zh-CN" sz="1400" b="1">
+                <a:solidFill>
+                  <a:srgbClr val="2C3E50"/>
+                </a:solidFill>
+                <a:sym typeface="+mn-ea"/>
+              </a:rPr>
+              <a:t>,</a:t>
+            </a:r>
+            <a:r>
+              <a:rPr lang="zh-CN" altLang="en-US" sz="1400" b="1">
+                <a:solidFill>
+                  <a:srgbClr val="2C3E50"/>
+                </a:solidFill>
+                <a:sym typeface="+mn-ea"/>
+              </a:rPr>
+              <a:t>由于第次合并连续的两堆，</a:t>
             </a:r>
             <a:endParaRPr lang="zh-CN" altLang="en-US" sz="1400" b="1">
               <a:solidFill>
@@ -7369,210 +9372,150 @@
               <a:sym typeface="+mn-ea"/>
             </a:endParaRPr>
           </a:p>
-        </p:txBody>
-      </p:sp>
-      <p:sp>
-        <p:nvSpPr>
-          <p:cNvPr id="3" name="Text Box 2"/>
-          <p:cNvSpPr txBox="true"/>
-          <p:nvPr/>
-        </p:nvSpPr>
-        <p:spPr>
-          <a:xfrm>
-            <a:off x="708025" y="1357630"/>
-            <a:ext cx="2016760" cy="368300"/>
-          </a:xfrm>
-          <a:prstGeom prst="rect">
-            <a:avLst/>
-          </a:prstGeom>
-          <a:noFill/>
-        </p:spPr>
-        <p:txBody>
-          <a:bodyPr wrap="none" rtlCol="0">
-            <a:spAutoFit/>
-          </a:bodyPr>
-          <a:p>
-            <a:r>
-              <a:rPr lang="zh-CN" altLang="en-US" b="1">
-                <a:solidFill>
-                  <a:srgbClr val="2C3E50"/>
-                </a:solidFill>
-              </a:rPr>
-              <a:t>解决问题的步骤：</a:t>
-            </a:r>
-            <a:endParaRPr lang="zh-CN" altLang="en-US" b="1">
-              <a:solidFill>
-                <a:srgbClr val="2C3E50"/>
-              </a:solidFill>
-            </a:endParaRPr>
-          </a:p>
-        </p:txBody>
-      </p:sp>
-      <p:sp>
-        <p:nvSpPr>
-          <p:cNvPr id="2" name="Text Box 1"/>
-          <p:cNvSpPr txBox="true"/>
-          <p:nvPr/>
-        </p:nvSpPr>
-        <p:spPr>
-          <a:xfrm>
-            <a:off x="589915" y="429895"/>
-            <a:ext cx="1607820" cy="521970"/>
-          </a:xfrm>
-          <a:prstGeom prst="rect">
-            <a:avLst/>
-          </a:prstGeom>
-          <a:noFill/>
-        </p:spPr>
-        <p:txBody>
-          <a:bodyPr wrap="none" rtlCol="0">
-            <a:spAutoFit/>
-          </a:bodyPr>
-          <a:p>
-            <a:r>
-              <a:rPr lang="zh-CN" altLang="en-US" sz="2800" b="1">
-                <a:solidFill>
-                  <a:srgbClr val="2C3E50"/>
-                </a:solidFill>
-              </a:rPr>
-              <a:t>动态规划</a:t>
-            </a:r>
-            <a:endParaRPr lang="zh-CN" altLang="en-US" sz="2800" b="1">
-              <a:solidFill>
-                <a:srgbClr val="2C3E50"/>
-              </a:solidFill>
-            </a:endParaRPr>
-          </a:p>
-        </p:txBody>
-      </p:sp>
-      <p:sp>
-        <p:nvSpPr>
-          <p:cNvPr id="14" name="Text Box 13"/>
-          <p:cNvSpPr txBox="true"/>
-          <p:nvPr/>
-        </p:nvSpPr>
-        <p:spPr>
-          <a:xfrm>
-            <a:off x="1003935" y="1802130"/>
-            <a:ext cx="2421255" cy="368300"/>
-          </a:xfrm>
-          <a:prstGeom prst="rect">
-            <a:avLst/>
-          </a:prstGeom>
-          <a:noFill/>
-        </p:spPr>
-        <p:txBody>
-          <a:bodyPr wrap="none" rtlCol="0">
-            <a:spAutoFit/>
-          </a:bodyPr>
           <a:p>
             <a:pPr algn="l"/>
             <a:r>
-              <a:rPr lang="en-US" b="1">
-                <a:solidFill>
-                  <a:srgbClr val="2C3E50"/>
-                </a:solidFill>
-              </a:rPr>
-              <a:t>1. </a:t>
-            </a:r>
-            <a:r>
-              <a:rPr lang="zh-CN" altLang="en-US" b="1">
-                <a:solidFill>
-                  <a:srgbClr val="2C3E50"/>
-                </a:solidFill>
-              </a:rPr>
-              <a:t>反向关系</a:t>
-            </a:r>
-            <a:r>
-              <a:rPr lang="en-US" altLang="zh-CN" b="1">
-                <a:solidFill>
-                  <a:srgbClr val="2C3E50"/>
-                </a:solidFill>
-              </a:rPr>
-              <a:t> </a:t>
-            </a:r>
-            <a:r>
-              <a:rPr lang="zh-CN" altLang="en-US" b="1">
-                <a:solidFill>
-                  <a:srgbClr val="2C3E50"/>
-                </a:solidFill>
-              </a:rPr>
-              <a:t>（递归）</a:t>
-            </a:r>
-            <a:endParaRPr lang="zh-CN" altLang="en-US" b="1">
+              <a:rPr lang="zh-CN" altLang="en-US" sz="1400" b="1">
+                <a:solidFill>
+                  <a:srgbClr val="2C3E50"/>
+                </a:solidFill>
+                <a:sym typeface="+mn-ea"/>
+              </a:rPr>
+              <a:t>那么必然存在一个</a:t>
+            </a:r>
+            <a:r>
+              <a:rPr lang="en-US" altLang="zh-CN" sz="1400" b="1">
+                <a:solidFill>
+                  <a:srgbClr val="2C3E50"/>
+                </a:solidFill>
+                <a:sym typeface="+mn-ea"/>
+              </a:rPr>
+              <a:t>p</a:t>
+            </a:r>
+            <a:r>
+              <a:rPr lang="zh-CN" altLang="en-US" sz="1400" b="1">
+                <a:solidFill>
+                  <a:srgbClr val="2C3E50"/>
+                </a:solidFill>
+                <a:sym typeface="+mn-ea"/>
+              </a:rPr>
+              <a:t>（</a:t>
+            </a:r>
+            <a:r>
+              <a:rPr lang="en-US" altLang="zh-CN" sz="1400" b="1">
+                <a:solidFill>
+                  <a:srgbClr val="2C3E50"/>
+                </a:solidFill>
+                <a:sym typeface="+mn-ea"/>
+              </a:rPr>
+              <a:t>i&lt;p&lt;j</a:t>
+            </a:r>
+            <a:r>
+              <a:rPr lang="zh-CN" altLang="en-US" sz="1400" b="1">
+                <a:solidFill>
+                  <a:srgbClr val="2C3E50"/>
+                </a:solidFill>
+                <a:sym typeface="+mn-ea"/>
+              </a:rPr>
+              <a:t>）使得</a:t>
+            </a:r>
+            <a:r>
+              <a:rPr lang="en-US" altLang="en-US" sz="1400" b="1">
+                <a:solidFill>
+                  <a:srgbClr val="2C3E50"/>
+                </a:solidFill>
+                <a:sym typeface="+mn-ea"/>
+              </a:rPr>
+              <a:t>F</a:t>
+            </a:r>
+            <a:r>
+              <a:rPr lang="en-US" altLang="zh-CN" sz="1400" b="1">
+                <a:solidFill>
+                  <a:srgbClr val="2C3E50"/>
+                </a:solidFill>
+                <a:sym typeface="+mn-ea"/>
+              </a:rPr>
+              <a:t>[i][</a:t>
+            </a:r>
+            <a:r>
+              <a:rPr lang="en-US" altLang="en-US" sz="1400" b="1">
+                <a:solidFill>
+                  <a:srgbClr val="2C3E50"/>
+                </a:solidFill>
+                <a:sym typeface="+mn-ea"/>
+              </a:rPr>
+              <a:t>p</a:t>
+            </a:r>
+            <a:r>
+              <a:rPr lang="en-US" altLang="zh-CN" sz="1400" b="1">
+                <a:solidFill>
+                  <a:srgbClr val="2C3E50"/>
+                </a:solidFill>
+                <a:sym typeface="+mn-ea"/>
+              </a:rPr>
+              <a:t>]+</a:t>
+            </a:r>
+            <a:r>
+              <a:rPr lang="en-US" altLang="en-US" sz="1400" b="1">
+                <a:solidFill>
+                  <a:srgbClr val="2C3E50"/>
+                </a:solidFill>
+                <a:sym typeface="+mn-ea"/>
+              </a:rPr>
+              <a:t>F</a:t>
+            </a:r>
+            <a:r>
+              <a:rPr lang="en-US" altLang="zh-CN" sz="1400" b="1">
+                <a:solidFill>
+                  <a:srgbClr val="2C3E50"/>
+                </a:solidFill>
+                <a:sym typeface="+mn-ea"/>
+              </a:rPr>
+              <a:t>[</a:t>
+            </a:r>
+            <a:r>
+              <a:rPr lang="en-US" altLang="en-US" sz="1400" b="1">
+                <a:solidFill>
+                  <a:srgbClr val="2C3E50"/>
+                </a:solidFill>
+                <a:sym typeface="+mn-ea"/>
+              </a:rPr>
+              <a:t>p</a:t>
+            </a:r>
+            <a:r>
+              <a:rPr lang="en-US" altLang="zh-CN" sz="1400" b="1">
+                <a:solidFill>
+                  <a:srgbClr val="2C3E50"/>
+                </a:solidFill>
+                <a:sym typeface="+mn-ea"/>
+              </a:rPr>
+              <a:t>][j]</a:t>
+            </a:r>
+            <a:r>
+              <a:rPr lang="en-US" altLang="en-US" sz="1400" b="1">
+                <a:solidFill>
+                  <a:srgbClr val="2C3E50"/>
+                </a:solidFill>
+                <a:sym typeface="+mn-ea"/>
+              </a:rPr>
+              <a:t>=F</a:t>
+            </a:r>
+            <a:r>
+              <a:rPr lang="en-US" altLang="zh-CN" sz="1400" b="1">
+                <a:solidFill>
+                  <a:srgbClr val="2C3E50"/>
+                </a:solidFill>
+                <a:sym typeface="+mn-ea"/>
+              </a:rPr>
+              <a:t>[i][j]</a:t>
+            </a:r>
+            <a:endParaRPr lang="en-US" altLang="zh-CN" sz="1400" b="1">
               <a:solidFill>
                 <a:srgbClr val="2C3E50"/>
               </a:solidFill>
               <a:sym typeface="+mn-ea"/>
             </a:endParaRPr>
           </a:p>
-        </p:txBody>
-      </p:sp>
-      <p:sp>
-        <p:nvSpPr>
-          <p:cNvPr id="15" name="Text Box 14"/>
-          <p:cNvSpPr txBox="true"/>
-          <p:nvPr/>
-        </p:nvSpPr>
-        <p:spPr>
-          <a:xfrm>
-            <a:off x="1003935" y="4183380"/>
-            <a:ext cx="1424940" cy="368300"/>
-          </a:xfrm>
-          <a:prstGeom prst="rect">
-            <a:avLst/>
-          </a:prstGeom>
-          <a:noFill/>
-        </p:spPr>
-        <p:txBody>
-          <a:bodyPr wrap="none" rtlCol="0">
-            <a:spAutoFit/>
-          </a:bodyPr>
-          <a:p>
-            <a:r>
-              <a:rPr lang="en-US" b="1">
-                <a:solidFill>
-                  <a:srgbClr val="2C3E50"/>
-                </a:solidFill>
-              </a:rPr>
-              <a:t>2. </a:t>
-            </a:r>
-            <a:r>
-              <a:rPr lang="zh-CN" altLang="en-US" b="1">
-                <a:solidFill>
-                  <a:srgbClr val="2C3E50"/>
-                </a:solidFill>
-              </a:rPr>
-              <a:t>正向关系</a:t>
-            </a:r>
-            <a:endParaRPr lang="en-US" altLang="zh-CN" b="1">
-              <a:solidFill>
-                <a:srgbClr val="2C3E50"/>
-              </a:solidFill>
-            </a:endParaRPr>
-          </a:p>
-        </p:txBody>
-      </p:sp>
-      <p:sp>
-        <p:nvSpPr>
-          <p:cNvPr id="4" name="Text Box 3"/>
-          <p:cNvSpPr txBox="true"/>
-          <p:nvPr/>
-        </p:nvSpPr>
-        <p:spPr>
-          <a:xfrm>
-            <a:off x="1374140" y="4628515"/>
-            <a:ext cx="12517120" cy="521970"/>
-          </a:xfrm>
-          <a:prstGeom prst="rect">
-            <a:avLst/>
-          </a:prstGeom>
-          <a:noFill/>
-        </p:spPr>
-        <p:txBody>
-          <a:bodyPr wrap="none" rtlCol="0">
-            <a:spAutoFit/>
-          </a:bodyPr>
           <a:p>
             <a:pPr algn="l"/>
             <a:r>
@@ -7582,16 +9525,16 @@
                 </a:solidFill>
                 <a:sym typeface="+mn-ea"/>
               </a:rPr>
-              <a:t>对于单点划分：</a:t>
-            </a:r>
-            <a:r>
-              <a:rPr lang="en-US" sz="1400" b="1">
+              <a:t>成本最低</a:t>
+            </a:r>
+            <a:r>
+              <a:rPr lang="en-US" altLang="zh-CN" sz="1400" b="1">
                 <a:solidFill>
                   <a:srgbClr val="2C3E50"/>
                 </a:solidFill>
                 <a:sym typeface="+mn-ea"/>
               </a:rPr>
-              <a:t>斐波那契数</a:t>
+              <a:t>.</a:t>
             </a:r>
             <a:r>
               <a:rPr lang="zh-CN" altLang="en-US" sz="1400" b="1">
@@ -7600,7 +9543,43 @@
                 </a:solidFill>
                 <a:sym typeface="+mn-ea"/>
               </a:rPr>
-              <a:t>列</a:t>
+              <a:t>这样我们就把问题划分为求</a:t>
+            </a:r>
+            <a:r>
+              <a:rPr lang="en-US" altLang="en-US" sz="1400" b="1">
+                <a:solidFill>
+                  <a:srgbClr val="2C3E50"/>
+                </a:solidFill>
+                <a:sym typeface="+mn-ea"/>
+              </a:rPr>
+              <a:t>F</a:t>
+            </a:r>
+            <a:r>
+              <a:rPr lang="en-US" altLang="zh-CN" sz="1400" b="1">
+                <a:solidFill>
+                  <a:srgbClr val="2C3E50"/>
+                </a:solidFill>
+                <a:sym typeface="+mn-ea"/>
+              </a:rPr>
+              <a:t>[i][</a:t>
+            </a:r>
+            <a:r>
+              <a:rPr lang="en-US" altLang="en-US" sz="1400" b="1">
+                <a:solidFill>
+                  <a:srgbClr val="2C3E50"/>
+                </a:solidFill>
+                <a:sym typeface="+mn-ea"/>
+              </a:rPr>
+              <a:t>p</a:t>
+            </a:r>
+            <a:r>
+              <a:rPr lang="en-US" altLang="zh-CN" sz="1400" b="1">
+                <a:solidFill>
+                  <a:srgbClr val="2C3E50"/>
+                </a:solidFill>
+                <a:sym typeface="+mn-ea"/>
+              </a:rPr>
+              <a:t>]</a:t>
             </a:r>
             <a:r>
               <a:rPr lang="zh-CN" altLang="en-US" sz="1400" b="1">
@@ -7609,26 +9588,17 @@
                 </a:solidFill>
                 <a:sym typeface="+mn-ea"/>
               </a:rPr>
-              <a:t>，</a:t>
-            </a:r>
-            <a:r>
-              <a:rPr lang="en-US" sz="1400" b="1">
+              <a:t>和</a:t>
+            </a:r>
+            <a:r>
+              <a:rPr lang="en-US" altLang="en-US" sz="1400" b="1">
                 <a:solidFill>
                   <a:srgbClr val="2C3E50"/>
                 </a:solidFill>
                 <a:sym typeface="+mn-ea"/>
               </a:rPr>
-              <a:t>F(1) + F(2) = F(3)</a:t>
-            </a:r>
-            <a:endParaRPr lang="en-US" sz="1400" b="1">
-              <a:solidFill>
-                <a:srgbClr val="2C3E50"/>
-              </a:solidFill>
-              <a:sym typeface="+mn-ea"/>
-            </a:endParaRPr>
-          </a:p>
-          <a:p>
-            <a:pPr algn="l"/>
+              <a:t>F</a:t>
+            </a:r>
             <a:r>
               <a:rPr lang="en-US" altLang="zh-CN" sz="1400" b="1">
                 <a:solidFill>
@@ -7636,7 +9606,25 @@
                 </a:solidFill>
                 <a:sym typeface="+mn-ea"/>
               </a:rPr>
-              <a:t>                    </a:t>
+              <a:t>[</a:t>
+            </a:r>
+            <a:r>
+              <a:rPr lang="en-US" altLang="en-US" sz="1400" b="1">
+                <a:solidFill>
+                  <a:srgbClr val="2C3E50"/>
+                </a:solidFill>
+                <a:sym typeface="+mn-ea"/>
+              </a:rPr>
+              <a:t>p</a:t>
+            </a:r>
+            <a:r>
+              <a:rPr lang="en-US" altLang="zh-CN" sz="1400" b="1">
+                <a:solidFill>
+                  <a:srgbClr val="2C3E50"/>
+                </a:solidFill>
+                <a:sym typeface="+mn-ea"/>
+              </a:rPr>
+              <a:t>][j]</a:t>
             </a:r>
             <a:r>
               <a:rPr lang="zh-CN" altLang="en-US" sz="1400" b="1">
@@ -7645,7 +9633,7 @@
                 </a:solidFill>
                 <a:sym typeface="+mn-ea"/>
               </a:rPr>
-              <a:t>代码实现：https://leetcode-cn.com/problems/fei-bo-na-qi-shu-lie-lcof/solution/cyu-yan-fei-di-gui-jie-fa-by-ze-hao/</a:t>
+              <a:t>两个</a:t>
             </a:r>
             <a:endParaRPr lang="zh-CN" altLang="en-US" sz="1400" b="1">
               <a:solidFill>
@@ -7654,240 +9642,16 @@
               <a:sym typeface="+mn-ea"/>
             </a:endParaRPr>
           </a:p>
-        </p:txBody>
-      </p:sp>
-      <p:sp>
-        <p:nvSpPr>
-          <p:cNvPr id="10" name="Text Box 9"/>
-          <p:cNvSpPr txBox="true"/>
-          <p:nvPr/>
-        </p:nvSpPr>
-        <p:spPr>
-          <a:xfrm>
-            <a:off x="3322955" y="1832610"/>
-            <a:ext cx="7320280" cy="306705"/>
-          </a:xfrm>
-          <a:prstGeom prst="rect">
-            <a:avLst/>
-          </a:prstGeom>
-          <a:noFill/>
-        </p:spPr>
-        <p:txBody>
-          <a:bodyPr wrap="none" rtlCol="0">
-            <a:spAutoFit/>
-          </a:bodyPr>
           <a:p>
             <a:pPr algn="l"/>
             <a:r>
               <a:rPr lang="zh-CN" altLang="en-US" sz="1400" b="1">
                 <a:solidFill>
-                  <a:srgbClr val="3EAF7C"/>
+                  <a:srgbClr val="2C3E50"/>
                 </a:solidFill>
                 <a:sym typeface="+mn-ea"/>
               </a:rPr>
-              <a:t>一般需要配合记忆存储，避免重复计算一个值。这样问题规模不能太大，或者空间复杂度高</a:t>
-            </a:r>
-            <a:endParaRPr lang="zh-CN" altLang="en-US" sz="1400" b="1">
-              <a:solidFill>
-                <a:srgbClr val="3EAF7C"/>
-              </a:solidFill>
-              <a:sym typeface="+mn-ea"/>
-            </a:endParaRPr>
-          </a:p>
-        </p:txBody>
-      </p:sp>
-      <p:sp>
-        <p:nvSpPr>
-          <p:cNvPr id="5" name="Text Box 4"/>
-          <p:cNvSpPr txBox="true"/>
-          <p:nvPr/>
-        </p:nvSpPr>
-        <p:spPr>
-          <a:xfrm>
-            <a:off x="1374140" y="3168015"/>
-            <a:ext cx="9525635" cy="737235"/>
-          </a:xfrm>
-          <a:prstGeom prst="rect">
-            <a:avLst/>
-          </a:prstGeom>
-          <a:noFill/>
-        </p:spPr>
-        <p:txBody>
-          <a:bodyPr wrap="none" rtlCol="0">
-            <a:spAutoFit/>
-          </a:bodyPr>
-          <a:p>
-            <a:pPr algn="l"/>
-            <a:r>
-              <a:rPr lang="zh-CN" altLang="en-US" sz="1400" b="1">
-                <a:solidFill>
-                  <a:srgbClr val="2C3E50"/>
-                </a:solidFill>
-                <a:sym typeface="+mn-ea"/>
-              </a:rPr>
-              <a:t>对于区间划分：</a:t>
-            </a:r>
-            <a:r>
-              <a:rPr lang="zh-CN" altLang="en-US" sz="1400" b="1">
-                <a:solidFill>
-                  <a:srgbClr val="2C3E50"/>
-                </a:solidFill>
-                <a:sym typeface="+mn-ea"/>
-              </a:rPr>
-              <a:t>合并石头的问题，</a:t>
-            </a:r>
-            <a:r>
-              <a:rPr lang="zh-CN" altLang="en-US" sz="1400" b="1">
-                <a:solidFill>
-                  <a:srgbClr val="2C3E50"/>
-                </a:solidFill>
-                <a:sym typeface="+mn-ea"/>
-              </a:rPr>
-              <a:t>初始化我们定义数组</a:t>
-            </a:r>
-            <a:r>
-              <a:rPr lang="" altLang="zh-CN" sz="1400" b="1">
-                <a:solidFill>
-                  <a:srgbClr val="2C3E50"/>
-                </a:solidFill>
-                <a:sym typeface="+mn-ea"/>
-              </a:rPr>
-              <a:t>F[n][n](n=</a:t>
-            </a:r>
-            <a:r>
-              <a:rPr lang="zh-CN" altLang="" sz="1400" b="1">
-                <a:solidFill>
-                  <a:srgbClr val="2C3E50"/>
-                </a:solidFill>
-                <a:sym typeface="+mn-ea"/>
-              </a:rPr>
-              <a:t>石头的堆数）并初始化每个元素都为</a:t>
-            </a:r>
-            <a:r>
-              <a:rPr lang="" altLang="zh-CN" sz="1400" b="1">
-                <a:solidFill>
-                  <a:srgbClr val="2C3E50"/>
-                </a:solidFill>
-                <a:sym typeface="+mn-ea"/>
-              </a:rPr>
-              <a:t>1e9,</a:t>
-            </a:r>
-            <a:r>
-              <a:rPr lang="zh-CN" altLang="" sz="1400" b="1">
-                <a:solidFill>
-                  <a:srgbClr val="2C3E50"/>
-                </a:solidFill>
-                <a:sym typeface="+mn-ea"/>
-              </a:rPr>
-              <a:t>那么存在</a:t>
-            </a:r>
-            <a:endParaRPr lang="zh-CN" altLang="" sz="1400" b="1">
-              <a:solidFill>
-                <a:srgbClr val="2C3E50"/>
-              </a:solidFill>
-              <a:sym typeface="+mn-ea"/>
-            </a:endParaRPr>
-          </a:p>
-          <a:p>
-            <a:pPr algn="l"/>
-            <a:r>
-              <a:rPr lang="en-US" altLang="zh-CN" sz="1400" b="1">
-                <a:solidFill>
-                  <a:srgbClr val="2C3E50"/>
-                </a:solidFill>
-                <a:sym typeface="+mn-ea"/>
-              </a:rPr>
-              <a:t>	     </a:t>
-            </a:r>
-            <a:r>
-              <a:rPr lang="en-US" altLang="en-US" sz="1400" b="1">
-                <a:solidFill>
-                  <a:srgbClr val="2C3E50"/>
-                </a:solidFill>
-                <a:sym typeface="+mn-ea"/>
-              </a:rPr>
-              <a:t>F</a:t>
-            </a:r>
-            <a:r>
-              <a:rPr lang="en-US" altLang="zh-CN" sz="1400" b="1">
-                <a:solidFill>
-                  <a:srgbClr val="2C3E50"/>
-                </a:solidFill>
-                <a:sym typeface="+mn-ea"/>
-              </a:rPr>
-              <a:t>[</a:t>
-            </a:r>
-            <a:r>
-              <a:rPr lang="" altLang="en-US" sz="1400" b="1">
-                <a:solidFill>
-                  <a:srgbClr val="2C3E50"/>
-                </a:solidFill>
-                <a:sym typeface="+mn-ea"/>
-              </a:rPr>
-              <a:t>i</a:t>
-            </a:r>
-            <a:r>
-              <a:rPr lang="en-US" altLang="zh-CN" sz="1400" b="1">
-                <a:solidFill>
-                  <a:srgbClr val="2C3E50"/>
-                </a:solidFill>
-                <a:sym typeface="+mn-ea"/>
-              </a:rPr>
-              <a:t>][j]</a:t>
-            </a:r>
-            <a:r>
-              <a:rPr lang="" altLang="zh-CN" sz="1400" b="1">
-                <a:solidFill>
-                  <a:srgbClr val="2C3E50"/>
-                </a:solidFill>
-                <a:sym typeface="+mn-ea"/>
-              </a:rPr>
-              <a:t>=min(</a:t>
-            </a:r>
-            <a:r>
-              <a:rPr lang="en-US" altLang="" sz="1400" b="1">
-                <a:solidFill>
-                  <a:srgbClr val="2C3E50"/>
-                </a:solidFill>
-                <a:sym typeface="+mn-ea"/>
-              </a:rPr>
-              <a:t>F</a:t>
-            </a:r>
-            <a:r>
-              <a:rPr lang="" altLang="en-US" sz="1400" b="1">
-                <a:solidFill>
-                  <a:srgbClr val="2C3E50"/>
-                </a:solidFill>
-                <a:sym typeface="+mn-ea"/>
-              </a:rPr>
-              <a:t>[i][j], F[i][p]+F[p][j] + sum(j)-sun(i-1))</a:t>
-            </a:r>
-            <a:endParaRPr lang="" altLang="en-US" sz="1400" b="1">
-              <a:solidFill>
-                <a:srgbClr val="2C3E50"/>
-              </a:solidFill>
-              <a:sym typeface="+mn-ea"/>
-            </a:endParaRPr>
-          </a:p>
-          <a:p>
-            <a:pPr algn="l"/>
-            <a:r>
-              <a:rPr lang="en-US" altLang="" sz="1400" b="1">
-                <a:solidFill>
-                  <a:srgbClr val="2C3E50"/>
-                </a:solidFill>
-                <a:sym typeface="+mn-ea"/>
-              </a:rPr>
-              <a:t>	     </a:t>
-            </a:r>
-            <a:r>
-              <a:rPr lang="zh-CN" altLang="en-US" sz="1400" b="1">
-                <a:solidFill>
-                  <a:srgbClr val="2C3E50"/>
-                </a:solidFill>
-                <a:sym typeface="+mn-ea"/>
-              </a:rPr>
-              <a:t>代码实现：略</a:t>
+              <a:t>子问题，使用同样的划分方法，来划分子问题，直到只有两堆</a:t>
             </a:r>
             <a:endParaRPr lang="zh-CN" altLang="en-US" sz="1400" b="1">
               <a:solidFill>
@@ -7896,28 +9660,6 @@
               <a:sym typeface="+mn-ea"/>
             </a:endParaRPr>
           </a:p>
-        </p:txBody>
-      </p:sp>
-      <p:sp>
-        <p:nvSpPr>
-          <p:cNvPr id="6" name="Text Box 5"/>
-          <p:cNvSpPr txBox="true"/>
-          <p:nvPr/>
-        </p:nvSpPr>
-        <p:spPr>
-          <a:xfrm>
-            <a:off x="1374140" y="5243195"/>
-            <a:ext cx="15151735" cy="521970"/>
-          </a:xfrm>
-          <a:prstGeom prst="rect">
-            <a:avLst/>
-          </a:prstGeom>
-          <a:noFill/>
-        </p:spPr>
-        <p:txBody>
-          <a:bodyPr wrap="none" rtlCol="0">
-            <a:spAutoFit/>
-          </a:bodyPr>
           <a:p>
             <a:pPr algn="l"/>
             <a:r>
@@ -7927,52 +9669,7 @@
                 </a:solidFill>
                 <a:sym typeface="+mn-ea"/>
               </a:rPr>
-              <a:t>对于区间划分：合并石头的问题，那就是从只有两堆石头开始，一直计算到有</a:t>
-            </a:r>
-            <a:r>
-              <a:rPr lang="" altLang="zh-CN" sz="1400" b="1">
-                <a:solidFill>
-                  <a:srgbClr val="2C3E50"/>
-                </a:solidFill>
-                <a:sym typeface="+mn-ea"/>
-              </a:rPr>
-              <a:t>n</a:t>
-            </a:r>
-            <a:r>
-              <a:rPr lang="zh-CN" altLang="" sz="1400" b="1">
-                <a:solidFill>
-                  <a:srgbClr val="2C3E50"/>
-                </a:solidFill>
-                <a:sym typeface="+mn-ea"/>
-              </a:rPr>
-              <a:t>堆石头</a:t>
-            </a:r>
-            <a:endParaRPr lang="zh-CN" altLang="" sz="1400" b="1">
-              <a:solidFill>
-                <a:srgbClr val="2C3E50"/>
-              </a:solidFill>
-              <a:sym typeface="+mn-ea"/>
-            </a:endParaRPr>
-          </a:p>
-          <a:p>
-            <a:pPr algn="l"/>
-            <a:r>
-              <a:rPr lang="en-US" altLang="zh-CN" sz="1400" b="1">
-                <a:solidFill>
-                  <a:srgbClr val="2C3E50"/>
-                </a:solidFill>
-                <a:sym typeface="+mn-ea"/>
-              </a:rPr>
-              <a:t>	      </a:t>
-            </a:r>
-            <a:r>
-              <a:rPr lang="zh-CN" altLang="en-US" sz="1400" b="1">
-                <a:solidFill>
-                  <a:srgbClr val="2C3E50"/>
-                </a:solidFill>
-                <a:sym typeface="+mn-ea"/>
-              </a:rPr>
-              <a:t>代码实现：https://leetcode-cn.com/problems/minimum-cost-to-merge-stones/solution/yi-dong-you-yi-dao-nan-yi-bu-bu-shuo-ming-si-lu-he/</a:t>
+              <a:t>可以合并</a:t>
             </a:r>
             <a:endParaRPr lang="zh-CN" altLang="en-US" sz="1400" b="1">
               <a:solidFill>
@@ -7983,140 +9680,6 @@
           </a:p>
         </p:txBody>
       </p:sp>
-      <p:sp>
-        <p:nvSpPr>
-          <p:cNvPr id="7" name="Text Box 6"/>
-          <p:cNvSpPr txBox="true"/>
-          <p:nvPr/>
-        </p:nvSpPr>
-        <p:spPr>
-          <a:xfrm>
-            <a:off x="2477135" y="4183380"/>
-            <a:ext cx="2680970" cy="306705"/>
-          </a:xfrm>
-          <a:prstGeom prst="rect">
-            <a:avLst/>
-          </a:prstGeom>
-          <a:noFill/>
-        </p:spPr>
-        <p:txBody>
-          <a:bodyPr wrap="none" rtlCol="0">
-            <a:spAutoFit/>
-          </a:bodyPr>
-          <a:p>
-            <a:pPr algn="l"/>
-            <a:r>
-              <a:rPr lang="zh-CN" altLang="en-US" sz="1400" b="1">
-                <a:solidFill>
-                  <a:srgbClr val="3EAF7C"/>
-                </a:solidFill>
-                <a:sym typeface="+mn-ea"/>
-              </a:rPr>
-              <a:t>一般会使用这个转化方程来求解</a:t>
-            </a:r>
-            <a:endParaRPr lang="zh-CN" altLang="en-US" sz="1400" b="1">
-              <a:solidFill>
-                <a:srgbClr val="3EAF7C"/>
-              </a:solidFill>
-              <a:sym typeface="+mn-ea"/>
-            </a:endParaRPr>
-          </a:p>
-        </p:txBody>
-      </p:sp>
-      <p:sp>
-        <p:nvSpPr>
-          <p:cNvPr id="8" name="Text Box 7"/>
-          <p:cNvSpPr txBox="true"/>
-          <p:nvPr/>
-        </p:nvSpPr>
-        <p:spPr>
-          <a:xfrm>
-            <a:off x="8423275" y="5243195"/>
-            <a:ext cx="1967230" cy="306705"/>
-          </a:xfrm>
-          <a:prstGeom prst="rect">
-            <a:avLst/>
-          </a:prstGeom>
-          <a:noFill/>
-        </p:spPr>
-        <p:txBody>
-          <a:bodyPr wrap="none" rtlCol="0">
-            <a:spAutoFit/>
-          </a:bodyPr>
-          <a:p>
-            <a:pPr algn="l"/>
-            <a:r>
-              <a:rPr lang="zh-CN" altLang="en-US" sz="1400" b="1">
-                <a:solidFill>
-                  <a:srgbClr val="3EAF7C"/>
-                </a:solidFill>
-                <a:sym typeface="+mn-ea"/>
-              </a:rPr>
-              <a:t>这里其实本质上是穷举</a:t>
-            </a:r>
-            <a:endParaRPr lang="zh-CN" altLang="en-US" sz="1400" b="1">
-              <a:solidFill>
-                <a:srgbClr val="3EAF7C"/>
-              </a:solidFill>
-              <a:sym typeface="+mn-ea"/>
-            </a:endParaRPr>
-          </a:p>
-        </p:txBody>
-      </p:sp>
-    </p:spTree>
-  </p:cSld>
-  <p:clrMapOvr>
-    <a:masterClrMapping/>
-  </p:clrMapOvr>
-</p:sld>
-</file>
-
-<file path=ppt/slides/slide6.xml><?xml version="1.0" encoding="utf-8"?>
-<p:sld xmlns:a="http://schemas.openxmlformats.org/drawingml/2006/main" xmlns:r="http://schemas.openxmlformats.org/officeDocument/2006/relationships" xmlns:p="http://schemas.openxmlformats.org/presentationml/2006/main">
-  <p:cSld>
-    <p:spTree>
-      <p:nvGrpSpPr>
-        <p:cNvPr id="1" name=""/>
-        <p:cNvGrpSpPr/>
-        <p:nvPr/>
-      </p:nvGrpSpPr>
-      <p:grpSpPr/>
-    </p:spTree>
-  </p:cSld>
-  <p:clrMapOvr>
-    <a:masterClrMapping/>
-  </p:clrMapOvr>
-</p:sld>
-</file>
-
-<file path=ppt/slides/slide7.xml><?xml version="1.0" encoding="utf-8"?>
-<p:sld xmlns:a="http://schemas.openxmlformats.org/drawingml/2006/main" xmlns:r="http://schemas.openxmlformats.org/officeDocument/2006/relationships" xmlns:p="http://schemas.openxmlformats.org/presentationml/2006/main">
-  <p:cSld>
-    <p:spTree>
-      <p:nvGrpSpPr>
-        <p:cNvPr id="1" name=""/>
-        <p:cNvGrpSpPr/>
-        <p:nvPr/>
-      </p:nvGrpSpPr>
-      <p:grpSpPr/>
-    </p:spTree>
-  </p:cSld>
-  <p:clrMapOvr>
-    <a:masterClrMapping/>
-  </p:clrMapOvr>
-</p:sld>
-</file>
-
-<file path=ppt/slides/slide8.xml><?xml version="1.0" encoding="utf-8"?>
-<p:sld xmlns:a="http://schemas.openxmlformats.org/drawingml/2006/main" xmlns:r="http://schemas.openxmlformats.org/officeDocument/2006/relationships" xmlns:p="http://schemas.openxmlformats.org/presentationml/2006/main">
-  <p:cSld>
-    <p:spTree>
-      <p:nvGrpSpPr>
-        <p:cNvPr id="1" name=""/>
-        <p:cNvGrpSpPr/>
-        <p:nvPr/>
-      </p:nvGrpSpPr>
-      <p:grpSpPr/>
     </p:spTree>
   </p:cSld>
   <p:clrMapOvr>

--- a/picture/datastruct/datastruct.pptx
+++ b/picture/datastruct/datastruct.pptx
@@ -5,10 +5,10 @@
     <p:sldMasterId id="2147483648" r:id="rId1"/>
   </p:sldMasterIdLst>
   <p:notesMasterIdLst>
-    <p:notesMasterId r:id="rId13"/>
+    <p:notesMasterId r:id="rId15"/>
   </p:notesMasterIdLst>
   <p:handoutMasterIdLst>
-    <p:handoutMasterId r:id="rId17"/>
+    <p:handoutMasterId r:id="rId19"/>
   </p:handoutMasterIdLst>
   <p:sldIdLst>
     <p:sldId id="256" r:id="rId3"/>
@@ -18,12 +18,14 @@
     <p:sldId id="273" r:id="rId7"/>
     <p:sldId id="282" r:id="rId8"/>
     <p:sldId id="257" r:id="rId9"/>
-    <p:sldId id="258" r:id="rId10"/>
-    <p:sldId id="259" r:id="rId11"/>
-    <p:sldId id="260" r:id="rId12"/>
-    <p:sldId id="261" r:id="rId14"/>
-    <p:sldId id="262" r:id="rId15"/>
-    <p:sldId id="263" r:id="rId16"/>
+    <p:sldId id="292" r:id="rId10"/>
+    <p:sldId id="293" r:id="rId11"/>
+    <p:sldId id="258" r:id="rId12"/>
+    <p:sldId id="259" r:id="rId13"/>
+    <p:sldId id="260" r:id="rId14"/>
+    <p:sldId id="261" r:id="rId16"/>
+    <p:sldId id="262" r:id="rId17"/>
+    <p:sldId id="263" r:id="rId18"/>
   </p:sldIdLst>
   <p:sldSz cx="12192000" cy="6858000"/>
   <p:notesSz cx="7103745" cy="10234295"/>
@@ -3642,14 +3644,14 @@
       <p:grpSpPr/>
       <p:sp>
         <p:nvSpPr>
-          <p:cNvPr id="11" name="Text Box 10"/>
+          <p:cNvPr id="2" name="Text Box 1"/>
           <p:cNvSpPr txBox="true"/>
           <p:nvPr/>
         </p:nvSpPr>
         <p:spPr>
           <a:xfrm>
-            <a:off x="2822575" y="1357630"/>
-            <a:ext cx="3946525" cy="368300"/>
+            <a:off x="589915" y="429895"/>
+            <a:ext cx="1607820" cy="521970"/>
           </a:xfrm>
           <a:prstGeom prst="rect">
             <a:avLst/>
@@ -3662,30 +3664,14 @@
           </a:bodyPr>
           <a:p>
             <a:r>
-              <a:rPr lang="en-US" altLang="en-US" b="1">
-                <a:solidFill>
-                  <a:srgbClr val="2C3E50"/>
-                </a:solidFill>
-              </a:rPr>
-              <a:t>2</a:t>
-            </a:r>
-            <a:r>
-              <a:rPr lang="en-US" b="1">
-                <a:solidFill>
-                  <a:srgbClr val="2C3E50"/>
-                </a:solidFill>
-              </a:rPr>
-              <a:t>. </a:t>
-            </a:r>
-            <a:r>
-              <a:rPr lang="zh-CN" altLang="en-US" b="1">
-                <a:solidFill>
-                  <a:srgbClr val="2C3E50"/>
-                </a:solidFill>
-              </a:rPr>
-              <a:t>找出大规模的小规模问题转化方程</a:t>
-            </a:r>
-            <a:endParaRPr lang="en-US" altLang="zh-CN" b="1">
+              <a:rPr lang="zh-CN" altLang="en-US" sz="2800" b="1">
+                <a:solidFill>
+                  <a:srgbClr val="2C3E50"/>
+                </a:solidFill>
+              </a:rPr>
+              <a:t>动态规划</a:t>
+            </a:r>
+            <a:endParaRPr lang="zh-CN" altLang="en-US" sz="2800" b="1">
               <a:solidFill>
                 <a:srgbClr val="2C3E50"/>
               </a:solidFill>
@@ -3695,14 +3681,14 @@
       </p:sp>
       <p:sp>
         <p:nvSpPr>
-          <p:cNvPr id="12" name="Text Box 11"/>
+          <p:cNvPr id="3" name="Text Box 2"/>
           <p:cNvSpPr txBox="true"/>
           <p:nvPr/>
         </p:nvSpPr>
         <p:spPr>
           <a:xfrm>
-            <a:off x="1416050" y="2646045"/>
-            <a:ext cx="5164455" cy="521970"/>
+            <a:off x="708025" y="1409065"/>
+            <a:ext cx="6163310" cy="368300"/>
           </a:xfrm>
           <a:prstGeom prst="rect">
             <a:avLst/>
@@ -3714,89 +3700,48 @@
             <a:spAutoFit/>
           </a:bodyPr>
           <a:p>
-            <a:pPr algn="l"/>
-            <a:r>
-              <a:rPr lang="zh-CN" altLang="en-US" sz="1400" b="1">
-                <a:solidFill>
-                  <a:srgbClr val="2C3E50"/>
-                </a:solidFill>
-                <a:sym typeface="+mn-ea"/>
-              </a:rPr>
-              <a:t>对于单点划分：</a:t>
-            </a:r>
-            <a:r>
-              <a:rPr lang="en-US" sz="1400" b="1">
-                <a:solidFill>
-                  <a:srgbClr val="2C3E50"/>
-                </a:solidFill>
-                <a:sym typeface="+mn-ea"/>
-              </a:rPr>
-              <a:t>斐波那契数</a:t>
-            </a:r>
-            <a:r>
-              <a:rPr lang="zh-CN" altLang="en-US" sz="1400" b="1">
-                <a:solidFill>
-                  <a:srgbClr val="2C3E50"/>
-                </a:solidFill>
-                <a:sym typeface="+mn-ea"/>
-              </a:rPr>
-              <a:t>列，</a:t>
-            </a:r>
-            <a:r>
-              <a:rPr lang="en-US" sz="1400" b="1">
-                <a:solidFill>
-                  <a:srgbClr val="2C3E50"/>
-                </a:solidFill>
-                <a:sym typeface="+mn-ea"/>
-              </a:rPr>
-              <a:t>F(N) = F(N - 1) + F(N - 2)</a:t>
-            </a:r>
-            <a:endParaRPr lang="en-US" sz="1400" b="1">
+            <a:r>
+              <a:rPr lang="zh-CN" altLang="en-US" b="1">
+                <a:solidFill>
+                  <a:srgbClr val="2C3E50"/>
+                </a:solidFill>
+              </a:rPr>
+              <a:t>解决的问题：如果给定一个问题规模为</a:t>
+            </a:r>
+            <a:r>
+              <a:rPr lang="en-US" altLang="zh-CN" b="1">
+                <a:solidFill>
+                  <a:srgbClr val="2C3E50"/>
+                </a:solidFill>
+              </a:rPr>
+              <a:t>n,</a:t>
+            </a:r>
+            <a:r>
+              <a:rPr lang="zh-CN" altLang="en-US" b="1">
+                <a:solidFill>
+                  <a:srgbClr val="2C3E50"/>
+                </a:solidFill>
+              </a:rPr>
+              <a:t>且具备如下性质：</a:t>
+            </a:r>
+            <a:endParaRPr lang="zh-CN" altLang="en-US" b="1">
               <a:solidFill>
                 <a:srgbClr val="2C3E50"/>
               </a:solidFill>
-              <a:sym typeface="+mn-ea"/>
-            </a:endParaRPr>
-          </a:p>
-          <a:p>
-            <a:pPr algn="l"/>
-            <a:r>
-              <a:rPr lang="en-US" altLang="zh-CN" sz="1400" b="1">
-                <a:solidFill>
-                  <a:srgbClr val="2C3E50"/>
-                </a:solidFill>
-                <a:sym typeface="+mn-ea"/>
-              </a:rPr>
-              <a:t>	     </a:t>
-            </a:r>
-            <a:r>
-              <a:rPr lang="zh-CN" altLang="en-US" sz="1400" b="1">
-                <a:solidFill>
-                  <a:srgbClr val="2C3E50"/>
-                </a:solidFill>
-                <a:sym typeface="+mn-ea"/>
-              </a:rPr>
-              <a:t>代码实现：略</a:t>
-            </a:r>
-            <a:endParaRPr lang="zh-CN" altLang="en-US" sz="1400" b="1">
-              <a:solidFill>
-                <a:srgbClr val="2C3E50"/>
-              </a:solidFill>
-              <a:sym typeface="+mn-ea"/>
-            </a:endParaRPr>
-          </a:p>
-        </p:txBody>
-      </p:sp>
-      <p:sp>
-        <p:nvSpPr>
-          <p:cNvPr id="3" name="Text Box 2"/>
+            </a:endParaRPr>
+          </a:p>
+        </p:txBody>
+      </p:sp>
+      <p:sp>
+        <p:nvSpPr>
+          <p:cNvPr id="5" name="Text Box 4"/>
           <p:cNvSpPr txBox="true"/>
           <p:nvPr/>
         </p:nvSpPr>
         <p:spPr>
           <a:xfrm>
-            <a:off x="708025" y="1357630"/>
-            <a:ext cx="2016760" cy="368300"/>
+            <a:off x="2128520" y="2006600"/>
+            <a:ext cx="6868160" cy="1123950"/>
           </a:xfrm>
           <a:prstGeom prst="rect">
             <a:avLst/>
@@ -3808,678 +3753,191 @@
             <a:spAutoFit/>
           </a:bodyPr>
           <a:p>
+            <a:pPr marL="342900" indent="-342900">
+              <a:lnSpc>
+                <a:spcPct val="140000"/>
+              </a:lnSpc>
+              <a:buAutoNum type="arabicPeriod"/>
+            </a:pPr>
+            <a:r>
+              <a:rPr lang="zh-CN" altLang="en-US" sz="1600" b="1">
+                <a:solidFill>
+                  <a:srgbClr val="2C3E50"/>
+                </a:solidFill>
+              </a:rPr>
+              <a:t>问题规模可以分解，也就是具备</a:t>
+            </a:r>
+            <a:r>
+              <a:rPr lang="en-US" altLang="zh-CN" sz="1600" b="1">
+                <a:solidFill>
+                  <a:srgbClr val="2C3E50"/>
+                </a:solidFill>
+              </a:rPr>
+              <a:t>f(n)=f(m)+a[n-m]</a:t>
+            </a:r>
+            <a:r>
+              <a:rPr lang="zh-CN" altLang="en-US" sz="1600" b="1">
+                <a:solidFill>
+                  <a:srgbClr val="2C3E50"/>
+                </a:solidFill>
+              </a:rPr>
+              <a:t>或者</a:t>
+            </a:r>
+            <a:r>
+              <a:rPr lang="en-US" altLang="zh-CN" sz="1600" b="1">
+                <a:solidFill>
+                  <a:srgbClr val="2C3E50"/>
+                </a:solidFill>
+              </a:rPr>
+              <a:t>f(n)=f(m)</a:t>
+            </a:r>
+            <a:endParaRPr lang="zh-CN" altLang="en-US" sz="1600" b="1">
+              <a:solidFill>
+                <a:srgbClr val="2C3E50"/>
+              </a:solidFill>
+            </a:endParaRPr>
+          </a:p>
+          <a:p>
+            <a:pPr marL="342900" indent="-342900">
+              <a:lnSpc>
+                <a:spcPct val="140000"/>
+              </a:lnSpc>
+              <a:buAutoNum type="arabicPeriod"/>
+            </a:pPr>
+            <a:r>
+              <a:rPr lang="zh-CN" altLang="en-US" sz="1600" b="1">
+                <a:solidFill>
+                  <a:srgbClr val="2C3E50"/>
+                </a:solidFill>
+              </a:rPr>
+              <a:t>每一个规模为</a:t>
+            </a:r>
+            <a:r>
+              <a:rPr lang="en-US" altLang="zh-CN" sz="1600" b="1">
+                <a:solidFill>
+                  <a:srgbClr val="2C3E50"/>
+                </a:solidFill>
+              </a:rPr>
+              <a:t>m(m&lt;n)</a:t>
+            </a:r>
+            <a:r>
+              <a:rPr lang="zh-CN" altLang="en-US" sz="1600" b="1">
+                <a:solidFill>
+                  <a:srgbClr val="2C3E50"/>
+                </a:solidFill>
+              </a:rPr>
+              <a:t>问题都存在最优解</a:t>
+            </a:r>
+            <a:endParaRPr lang="zh-CN" altLang="en-US" sz="1600" b="1">
+              <a:solidFill>
+                <a:srgbClr val="2C3E50"/>
+              </a:solidFill>
+            </a:endParaRPr>
+          </a:p>
+          <a:p>
+            <a:pPr marL="342900" indent="-342900">
+              <a:lnSpc>
+                <a:spcPct val="140000"/>
+              </a:lnSpc>
+              <a:buAutoNum type="arabicPeriod"/>
+            </a:pPr>
+            <a:r>
+              <a:rPr lang="zh-CN" altLang="en-US" sz="1600" b="1">
+                <a:solidFill>
+                  <a:srgbClr val="2C3E50"/>
+                </a:solidFill>
+              </a:rPr>
+              <a:t>问题规模为</a:t>
+            </a:r>
+            <a:r>
+              <a:rPr lang="en-US" altLang="zh-CN" sz="1600" b="1">
+                <a:solidFill>
+                  <a:srgbClr val="2C3E50"/>
+                </a:solidFill>
+              </a:rPr>
+              <a:t>n-m</a:t>
+            </a:r>
+            <a:r>
+              <a:rPr lang="zh-CN" altLang="en-US" sz="1600" b="1">
+                <a:solidFill>
+                  <a:srgbClr val="2C3E50"/>
+                </a:solidFill>
+              </a:rPr>
+              <a:t>时的最优解不会因为规模增加到</a:t>
+            </a:r>
+            <a:r>
+              <a:rPr lang="en-US" altLang="zh-CN" sz="1600" b="1">
+                <a:solidFill>
+                  <a:srgbClr val="2C3E50"/>
+                </a:solidFill>
+              </a:rPr>
+              <a:t>n</a:t>
+            </a:r>
+            <a:r>
+              <a:rPr lang="zh-CN" altLang="en-US" sz="1600" b="1">
+                <a:solidFill>
+                  <a:srgbClr val="2C3E50"/>
+                </a:solidFill>
+              </a:rPr>
+              <a:t>时而发生变化</a:t>
+            </a:r>
+            <a:endParaRPr lang="zh-CN" altLang="en-US" sz="1600" b="1">
+              <a:solidFill>
+                <a:srgbClr val="2C3E50"/>
+              </a:solidFill>
+            </a:endParaRPr>
+          </a:p>
+        </p:txBody>
+      </p:sp>
+      <p:sp>
+        <p:nvSpPr>
+          <p:cNvPr id="6" name="Text Box 5"/>
+          <p:cNvSpPr txBox="true"/>
+          <p:nvPr/>
+        </p:nvSpPr>
+        <p:spPr>
+          <a:xfrm>
+            <a:off x="2197735" y="3355340"/>
+            <a:ext cx="7222490" cy="368300"/>
+          </a:xfrm>
+          <a:prstGeom prst="rect">
+            <a:avLst/>
+          </a:prstGeom>
+          <a:noFill/>
+        </p:spPr>
+        <p:txBody>
+          <a:bodyPr wrap="none" rtlCol="0">
+            <a:spAutoFit/>
+          </a:bodyPr>
+          <a:p>
             <a:r>
               <a:rPr lang="zh-CN" altLang="en-US" b="1">
                 <a:solidFill>
                   <a:srgbClr val="2C3E50"/>
                 </a:solidFill>
               </a:rPr>
-              <a:t>解决问题的步骤：</a:t>
+              <a:t>如果需要求问题规模为</a:t>
+            </a:r>
+            <a:r>
+              <a:rPr lang="en-US" altLang="zh-CN" b="1">
+                <a:solidFill>
+                  <a:srgbClr val="2C3E50"/>
+                </a:solidFill>
+              </a:rPr>
+              <a:t>n</a:t>
+            </a:r>
+            <a:r>
+              <a:rPr lang="zh-CN" altLang="en-US" b="1">
+                <a:solidFill>
+                  <a:srgbClr val="2C3E50"/>
+                </a:solidFill>
+              </a:rPr>
+              <a:t>的最优解，那么就可以使用动态规划来解决。</a:t>
             </a:r>
             <a:endParaRPr lang="zh-CN" altLang="en-US" b="1">
               <a:solidFill>
                 <a:srgbClr val="2C3E50"/>
               </a:solidFill>
-            </a:endParaRPr>
-          </a:p>
-        </p:txBody>
-      </p:sp>
-      <p:sp>
-        <p:nvSpPr>
-          <p:cNvPr id="2" name="Text Box 1"/>
-          <p:cNvSpPr txBox="true"/>
-          <p:nvPr/>
-        </p:nvSpPr>
-        <p:spPr>
-          <a:xfrm>
-            <a:off x="589915" y="429895"/>
-            <a:ext cx="1607820" cy="521970"/>
-          </a:xfrm>
-          <a:prstGeom prst="rect">
-            <a:avLst/>
-          </a:prstGeom>
-          <a:noFill/>
-        </p:spPr>
-        <p:txBody>
-          <a:bodyPr wrap="none" rtlCol="0">
-            <a:spAutoFit/>
-          </a:bodyPr>
-          <a:p>
-            <a:r>
-              <a:rPr lang="zh-CN" altLang="en-US" sz="2800" b="1">
-                <a:solidFill>
-                  <a:srgbClr val="2C3E50"/>
-                </a:solidFill>
-              </a:rPr>
-              <a:t>动态规划</a:t>
-            </a:r>
-            <a:endParaRPr lang="zh-CN" altLang="en-US" sz="2800" b="1">
-              <a:solidFill>
-                <a:srgbClr val="2C3E50"/>
-              </a:solidFill>
-            </a:endParaRPr>
-          </a:p>
-        </p:txBody>
-      </p:sp>
-      <p:sp>
-        <p:nvSpPr>
-          <p:cNvPr id="14" name="Text Box 13"/>
-          <p:cNvSpPr txBox="true"/>
-          <p:nvPr/>
-        </p:nvSpPr>
-        <p:spPr>
-          <a:xfrm>
-            <a:off x="1003935" y="1802130"/>
-            <a:ext cx="6721475" cy="368300"/>
-          </a:xfrm>
-          <a:prstGeom prst="rect">
-            <a:avLst/>
-          </a:prstGeom>
-          <a:noFill/>
-        </p:spPr>
-        <p:txBody>
-          <a:bodyPr wrap="none" rtlCol="0">
-            <a:spAutoFit/>
-          </a:bodyPr>
-          <a:p>
-            <a:pPr algn="l"/>
-            <a:r>
-              <a:rPr lang="en-US" b="1">
-                <a:solidFill>
-                  <a:srgbClr val="2C3E50"/>
-                </a:solidFill>
-              </a:rPr>
-              <a:t>1. </a:t>
-            </a:r>
-            <a:r>
-              <a:rPr lang="zh-CN" altLang="en-US" b="1">
-                <a:solidFill>
-                  <a:srgbClr val="2C3E50"/>
-                </a:solidFill>
-              </a:rPr>
-              <a:t>反向关系</a:t>
-            </a:r>
-            <a:r>
-              <a:rPr lang="en-US" altLang="zh-CN" b="1">
-                <a:solidFill>
-                  <a:srgbClr val="2C3E50"/>
-                </a:solidFill>
-              </a:rPr>
-              <a:t> </a:t>
-            </a:r>
-            <a:r>
-              <a:rPr lang="zh-CN" altLang="en-US" b="1">
-                <a:solidFill>
-                  <a:srgbClr val="2C3E50"/>
-                </a:solidFill>
-              </a:rPr>
-              <a:t>（这种是递归解法</a:t>
-            </a:r>
-            <a:r>
-              <a:rPr lang="en-US" altLang="zh-CN" b="1">
-                <a:solidFill>
-                  <a:srgbClr val="2C3E50"/>
-                </a:solidFill>
-              </a:rPr>
-              <a:t>,</a:t>
-            </a:r>
-            <a:r>
-              <a:rPr lang="zh-CN" altLang="en-US" b="1">
-                <a:solidFill>
-                  <a:srgbClr val="2C3E50"/>
-                </a:solidFill>
-              </a:rPr>
-              <a:t>而非动态规划</a:t>
-            </a:r>
-            <a:r>
-              <a:rPr lang="en-US" altLang="zh-CN" b="1">
-                <a:solidFill>
-                  <a:srgbClr val="2C3E50"/>
-                </a:solidFill>
-              </a:rPr>
-              <a:t>,</a:t>
-            </a:r>
-            <a:r>
-              <a:rPr lang="zh-CN" altLang="en-US" b="1">
-                <a:solidFill>
-                  <a:srgbClr val="2C3E50"/>
-                </a:solidFill>
-              </a:rPr>
-              <a:t>这里做一个对比）</a:t>
-            </a:r>
-            <a:endParaRPr lang="zh-CN" altLang="en-US" b="1">
-              <a:solidFill>
-                <a:srgbClr val="2C3E50"/>
-              </a:solidFill>
-              <a:sym typeface="+mn-ea"/>
-            </a:endParaRPr>
-          </a:p>
-        </p:txBody>
-      </p:sp>
-      <p:sp>
-        <p:nvSpPr>
-          <p:cNvPr id="15" name="Text Box 14"/>
-          <p:cNvSpPr txBox="true"/>
-          <p:nvPr/>
-        </p:nvSpPr>
-        <p:spPr>
-          <a:xfrm>
-            <a:off x="1003935" y="4183380"/>
-            <a:ext cx="1424940" cy="368300"/>
-          </a:xfrm>
-          <a:prstGeom prst="rect">
-            <a:avLst/>
-          </a:prstGeom>
-          <a:noFill/>
-        </p:spPr>
-        <p:txBody>
-          <a:bodyPr wrap="none" rtlCol="0">
-            <a:spAutoFit/>
-          </a:bodyPr>
-          <a:p>
-            <a:r>
-              <a:rPr lang="en-US" b="1">
-                <a:solidFill>
-                  <a:srgbClr val="2C3E50"/>
-                </a:solidFill>
-              </a:rPr>
-              <a:t>2. </a:t>
-            </a:r>
-            <a:r>
-              <a:rPr lang="zh-CN" altLang="en-US" b="1">
-                <a:solidFill>
-                  <a:srgbClr val="2C3E50"/>
-                </a:solidFill>
-              </a:rPr>
-              <a:t>正向关系</a:t>
-            </a:r>
-            <a:endParaRPr lang="en-US" altLang="zh-CN" b="1">
-              <a:solidFill>
-                <a:srgbClr val="2C3E50"/>
-              </a:solidFill>
-            </a:endParaRPr>
-          </a:p>
-        </p:txBody>
-      </p:sp>
-      <p:sp>
-        <p:nvSpPr>
-          <p:cNvPr id="4" name="Text Box 3"/>
-          <p:cNvSpPr txBox="true"/>
-          <p:nvPr/>
-        </p:nvSpPr>
-        <p:spPr>
-          <a:xfrm>
-            <a:off x="1374140" y="4628515"/>
-            <a:ext cx="8146415" cy="521970"/>
-          </a:xfrm>
-          <a:prstGeom prst="rect">
-            <a:avLst/>
-          </a:prstGeom>
-          <a:noFill/>
-        </p:spPr>
-        <p:txBody>
-          <a:bodyPr wrap="none" rtlCol="0">
-            <a:spAutoFit/>
-          </a:bodyPr>
-          <a:p>
-            <a:pPr algn="l"/>
-            <a:r>
-              <a:rPr lang="zh-CN" altLang="en-US" sz="1400" b="1">
-                <a:solidFill>
-                  <a:srgbClr val="2C3E50"/>
-                </a:solidFill>
-                <a:sym typeface="+mn-ea"/>
-              </a:rPr>
-              <a:t>对于单点划分：</a:t>
-            </a:r>
-            <a:r>
-              <a:rPr lang="en-US" sz="1400" b="1">
-                <a:solidFill>
-                  <a:srgbClr val="2C3E50"/>
-                </a:solidFill>
-                <a:sym typeface="+mn-ea"/>
-              </a:rPr>
-              <a:t>斐波那契数</a:t>
-            </a:r>
-            <a:r>
-              <a:rPr lang="zh-CN" altLang="en-US" sz="1400" b="1">
-                <a:solidFill>
-                  <a:srgbClr val="2C3E50"/>
-                </a:solidFill>
-                <a:sym typeface="+mn-ea"/>
-              </a:rPr>
-              <a:t>列，</a:t>
-            </a:r>
-            <a:r>
-              <a:rPr lang="en-US" sz="1400" b="1">
-                <a:solidFill>
-                  <a:srgbClr val="2C3E50"/>
-                </a:solidFill>
-                <a:sym typeface="+mn-ea"/>
-              </a:rPr>
-              <a:t>F(1) + F(2) = F(3)</a:t>
-            </a:r>
-            <a:endParaRPr lang="en-US" sz="1400" b="1">
-              <a:solidFill>
-                <a:srgbClr val="2C3E50"/>
-              </a:solidFill>
-              <a:sym typeface="+mn-ea"/>
-            </a:endParaRPr>
-          </a:p>
-          <a:p>
-            <a:pPr algn="l"/>
-            <a:r>
-              <a:rPr lang="en-US" altLang="zh-CN" sz="1400" b="1">
-                <a:solidFill>
-                  <a:srgbClr val="2C3E50"/>
-                </a:solidFill>
-                <a:sym typeface="+mn-ea"/>
-              </a:rPr>
-              <a:t>                    </a:t>
-            </a:r>
-            <a:r>
-              <a:rPr lang="zh-CN" altLang="en-US" sz="1400" b="1">
-                <a:solidFill>
-                  <a:srgbClr val="2C3E50"/>
-                </a:solidFill>
-                <a:sym typeface="+mn-ea"/>
-              </a:rPr>
-              <a:t>代码实现：</a:t>
-            </a:r>
-            <a:r>
-              <a:rPr lang="zh-CN" altLang="en-US" sz="800" b="1">
-                <a:solidFill>
-                  <a:srgbClr val="2C3E50"/>
-                </a:solidFill>
-                <a:sym typeface="+mn-ea"/>
-              </a:rPr>
-              <a:t>https://leetcode-cn.com/problems/fei-bo-na-qi-shu-lie-lcof/solution/cyu-yan-fei-di-gui-jie-fa-by-ze-hao/</a:t>
-            </a:r>
-            <a:endParaRPr lang="zh-CN" altLang="en-US" sz="800" b="1">
-              <a:solidFill>
-                <a:srgbClr val="2C3E50"/>
-              </a:solidFill>
-              <a:sym typeface="+mn-ea"/>
-            </a:endParaRPr>
-          </a:p>
-        </p:txBody>
-      </p:sp>
-      <p:sp>
-        <p:nvSpPr>
-          <p:cNvPr id="10" name="Text Box 9"/>
-          <p:cNvSpPr txBox="true"/>
-          <p:nvPr/>
-        </p:nvSpPr>
-        <p:spPr>
-          <a:xfrm>
-            <a:off x="1416050" y="2225675"/>
-            <a:ext cx="7320280" cy="306705"/>
-          </a:xfrm>
-          <a:prstGeom prst="rect">
-            <a:avLst/>
-          </a:prstGeom>
-          <a:noFill/>
-        </p:spPr>
-        <p:txBody>
-          <a:bodyPr wrap="none" rtlCol="0">
-            <a:spAutoFit/>
-          </a:bodyPr>
-          <a:p>
-            <a:pPr algn="l"/>
-            <a:r>
-              <a:rPr lang="zh-CN" altLang="en-US" sz="1400" b="1">
-                <a:solidFill>
-                  <a:srgbClr val="3EAF7C"/>
-                </a:solidFill>
-                <a:sym typeface="+mn-ea"/>
-              </a:rPr>
-              <a:t>一般需要配合记忆存储，避免重复计算一个值。这样问题规模不能太大，或者空间复杂度高</a:t>
-            </a:r>
-            <a:endParaRPr lang="zh-CN" altLang="en-US" sz="1400" b="1">
-              <a:solidFill>
-                <a:srgbClr val="3EAF7C"/>
-              </a:solidFill>
-              <a:sym typeface="+mn-ea"/>
-            </a:endParaRPr>
-          </a:p>
-        </p:txBody>
-      </p:sp>
-      <p:sp>
-        <p:nvSpPr>
-          <p:cNvPr id="5" name="Text Box 4"/>
-          <p:cNvSpPr txBox="true"/>
-          <p:nvPr/>
-        </p:nvSpPr>
-        <p:spPr>
-          <a:xfrm>
-            <a:off x="1374140" y="3168015"/>
-            <a:ext cx="9525635" cy="737235"/>
-          </a:xfrm>
-          <a:prstGeom prst="rect">
-            <a:avLst/>
-          </a:prstGeom>
-          <a:noFill/>
-        </p:spPr>
-        <p:txBody>
-          <a:bodyPr wrap="none" rtlCol="0">
-            <a:spAutoFit/>
-          </a:bodyPr>
-          <a:p>
-            <a:pPr algn="l"/>
-            <a:r>
-              <a:rPr lang="zh-CN" altLang="en-US" sz="1400" b="1">
-                <a:solidFill>
-                  <a:srgbClr val="2C3E50"/>
-                </a:solidFill>
-                <a:sym typeface="+mn-ea"/>
-              </a:rPr>
-              <a:t>对于区间划分：合并石头的问题，初始化我们定义数组</a:t>
-            </a:r>
-            <a:r>
-              <a:rPr lang="en-US" altLang="zh-CN" sz="1400" b="1">
-                <a:solidFill>
-                  <a:srgbClr val="2C3E50"/>
-                </a:solidFill>
-                <a:sym typeface="+mn-ea"/>
-              </a:rPr>
-              <a:t>F[n][n](n=</a:t>
-            </a:r>
-            <a:r>
-              <a:rPr lang="zh-CN" altLang="en-US" sz="1400" b="1">
-                <a:solidFill>
-                  <a:srgbClr val="2C3E50"/>
-                </a:solidFill>
-                <a:sym typeface="+mn-ea"/>
-              </a:rPr>
-              <a:t>石头的堆数）并初始化每个元素都为</a:t>
-            </a:r>
-            <a:r>
-              <a:rPr lang="en-US" altLang="zh-CN" sz="1400" b="1">
-                <a:solidFill>
-                  <a:srgbClr val="2C3E50"/>
-                </a:solidFill>
-                <a:sym typeface="+mn-ea"/>
-              </a:rPr>
-              <a:t>1e9,</a:t>
-            </a:r>
-            <a:r>
-              <a:rPr lang="zh-CN" altLang="en-US" sz="1400" b="1">
-                <a:solidFill>
-                  <a:srgbClr val="2C3E50"/>
-                </a:solidFill>
-                <a:sym typeface="+mn-ea"/>
-              </a:rPr>
-              <a:t>那么存在</a:t>
-            </a:r>
-            <a:endParaRPr lang="zh-CN" altLang="en-US" sz="1400" b="1">
-              <a:solidFill>
-                <a:srgbClr val="2C3E50"/>
-              </a:solidFill>
-              <a:sym typeface="+mn-ea"/>
-            </a:endParaRPr>
-          </a:p>
-          <a:p>
-            <a:pPr algn="l"/>
-            <a:r>
-              <a:rPr lang="en-US" altLang="zh-CN" sz="1400" b="1">
-                <a:solidFill>
-                  <a:srgbClr val="2C3E50"/>
-                </a:solidFill>
-                <a:sym typeface="+mn-ea"/>
-              </a:rPr>
-              <a:t>	     </a:t>
-            </a:r>
-            <a:r>
-              <a:rPr lang="en-US" altLang="en-US" sz="1400" b="1">
-                <a:solidFill>
-                  <a:srgbClr val="2C3E50"/>
-                </a:solidFill>
-                <a:sym typeface="+mn-ea"/>
-              </a:rPr>
-              <a:t>F</a:t>
-            </a:r>
-            <a:r>
-              <a:rPr lang="en-US" altLang="zh-CN" sz="1400" b="1">
-                <a:solidFill>
-                  <a:srgbClr val="2C3E50"/>
-                </a:solidFill>
-                <a:sym typeface="+mn-ea"/>
-              </a:rPr>
-              <a:t>[</a:t>
-            </a:r>
-            <a:r>
-              <a:rPr lang="en-US" altLang="en-US" sz="1400" b="1">
-                <a:solidFill>
-                  <a:srgbClr val="2C3E50"/>
-                </a:solidFill>
-                <a:sym typeface="+mn-ea"/>
-              </a:rPr>
-              <a:t>i</a:t>
-            </a:r>
-            <a:r>
-              <a:rPr lang="en-US" altLang="zh-CN" sz="1400" b="1">
-                <a:solidFill>
-                  <a:srgbClr val="2C3E50"/>
-                </a:solidFill>
-                <a:sym typeface="+mn-ea"/>
-              </a:rPr>
-              <a:t>][j]=min(</a:t>
-            </a:r>
-            <a:r>
-              <a:rPr lang="en-US" altLang="en-US" sz="1400" b="1">
-                <a:solidFill>
-                  <a:srgbClr val="2C3E50"/>
-                </a:solidFill>
-                <a:sym typeface="+mn-ea"/>
-              </a:rPr>
-              <a:t>F[i][j], F[i][p]+F[p][j] + sum(j)-sun(i-1))</a:t>
-            </a:r>
-            <a:endParaRPr lang="en-US" altLang="en-US" sz="1400" b="1">
-              <a:solidFill>
-                <a:srgbClr val="2C3E50"/>
-              </a:solidFill>
-              <a:sym typeface="+mn-ea"/>
-            </a:endParaRPr>
-          </a:p>
-          <a:p>
-            <a:pPr algn="l"/>
-            <a:r>
-              <a:rPr lang="en-US" altLang="en-US" sz="1400" b="1">
-                <a:solidFill>
-                  <a:srgbClr val="2C3E50"/>
-                </a:solidFill>
-                <a:sym typeface="+mn-ea"/>
-              </a:rPr>
-              <a:t>	     </a:t>
-            </a:r>
-            <a:r>
-              <a:rPr lang="zh-CN" altLang="en-US" sz="1400" b="1">
-                <a:solidFill>
-                  <a:srgbClr val="2C3E50"/>
-                </a:solidFill>
-                <a:sym typeface="+mn-ea"/>
-              </a:rPr>
-              <a:t>代码实现：略</a:t>
-            </a:r>
-            <a:endParaRPr lang="zh-CN" altLang="en-US" sz="1400" b="1">
-              <a:solidFill>
-                <a:srgbClr val="2C3E50"/>
-              </a:solidFill>
-              <a:sym typeface="+mn-ea"/>
-            </a:endParaRPr>
-          </a:p>
-        </p:txBody>
-      </p:sp>
-      <p:sp>
-        <p:nvSpPr>
-          <p:cNvPr id="6" name="Text Box 5"/>
-          <p:cNvSpPr txBox="true"/>
-          <p:nvPr/>
-        </p:nvSpPr>
-        <p:spPr>
-          <a:xfrm>
-            <a:off x="1374140" y="5243195"/>
-            <a:ext cx="9673590" cy="521970"/>
-          </a:xfrm>
-          <a:prstGeom prst="rect">
-            <a:avLst/>
-          </a:prstGeom>
-          <a:noFill/>
-        </p:spPr>
-        <p:txBody>
-          <a:bodyPr wrap="none" rtlCol="0">
-            <a:spAutoFit/>
-          </a:bodyPr>
-          <a:p>
-            <a:pPr algn="l"/>
-            <a:r>
-              <a:rPr lang="zh-CN" altLang="en-US" sz="1400" b="1">
-                <a:solidFill>
-                  <a:srgbClr val="2C3E50"/>
-                </a:solidFill>
-                <a:sym typeface="+mn-ea"/>
-              </a:rPr>
-              <a:t>对于区间划分：合并石头的问题，那就是从只有两堆石头开始，一直计算到有</a:t>
-            </a:r>
-            <a:r>
-              <a:rPr lang="en-US" altLang="zh-CN" sz="1400" b="1">
-                <a:solidFill>
-                  <a:srgbClr val="2C3E50"/>
-                </a:solidFill>
-                <a:sym typeface="+mn-ea"/>
-              </a:rPr>
-              <a:t>n</a:t>
-            </a:r>
-            <a:r>
-              <a:rPr lang="zh-CN" altLang="en-US" sz="1400" b="1">
-                <a:solidFill>
-                  <a:srgbClr val="2C3E50"/>
-                </a:solidFill>
-                <a:sym typeface="+mn-ea"/>
-              </a:rPr>
-              <a:t>堆石头</a:t>
-            </a:r>
-            <a:endParaRPr lang="zh-CN" altLang="en-US" sz="1400" b="1">
-              <a:solidFill>
-                <a:srgbClr val="2C3E50"/>
-              </a:solidFill>
-              <a:sym typeface="+mn-ea"/>
-            </a:endParaRPr>
-          </a:p>
-          <a:p>
-            <a:pPr algn="l"/>
-            <a:r>
-              <a:rPr lang="en-US" altLang="zh-CN" sz="1400" b="1">
-                <a:solidFill>
-                  <a:srgbClr val="2C3E50"/>
-                </a:solidFill>
-                <a:sym typeface="+mn-ea"/>
-              </a:rPr>
-              <a:t>	      </a:t>
-            </a:r>
-            <a:r>
-              <a:rPr lang="zh-CN" altLang="en-US" sz="1400" b="1">
-                <a:solidFill>
-                  <a:srgbClr val="2C3E50"/>
-                </a:solidFill>
-                <a:sym typeface="+mn-ea"/>
-              </a:rPr>
-              <a:t>代码实现：</a:t>
-            </a:r>
-            <a:r>
-              <a:rPr lang="zh-CN" altLang="en-US" sz="800" b="1">
-                <a:solidFill>
-                  <a:srgbClr val="2C3E50"/>
-                </a:solidFill>
-                <a:sym typeface="+mn-ea"/>
-              </a:rPr>
-              <a:t>https://leetcode-cn.com/problems/minimum-cost-to-merge-stones/solution/yi-dong-you-yi-dao-nan-yi-bu-bu-shuo-ming-si-lu-he/</a:t>
-            </a:r>
-            <a:endParaRPr lang="zh-CN" altLang="en-US" sz="800" b="1">
-              <a:solidFill>
-                <a:srgbClr val="2C3E50"/>
-              </a:solidFill>
-              <a:sym typeface="+mn-ea"/>
-            </a:endParaRPr>
-          </a:p>
-        </p:txBody>
-      </p:sp>
-      <p:sp>
-        <p:nvSpPr>
-          <p:cNvPr id="7" name="Text Box 6"/>
-          <p:cNvSpPr txBox="true"/>
-          <p:nvPr/>
-        </p:nvSpPr>
-        <p:spPr>
-          <a:xfrm>
-            <a:off x="2477135" y="4183380"/>
-            <a:ext cx="2680970" cy="306705"/>
-          </a:xfrm>
-          <a:prstGeom prst="rect">
-            <a:avLst/>
-          </a:prstGeom>
-          <a:noFill/>
-        </p:spPr>
-        <p:txBody>
-          <a:bodyPr wrap="none" rtlCol="0">
-            <a:spAutoFit/>
-          </a:bodyPr>
-          <a:p>
-            <a:pPr algn="l"/>
-            <a:r>
-              <a:rPr lang="zh-CN" altLang="en-US" sz="1400" b="1">
-                <a:solidFill>
-                  <a:srgbClr val="3EAF7C"/>
-                </a:solidFill>
-                <a:sym typeface="+mn-ea"/>
-              </a:rPr>
-              <a:t>一般会使用这个转化方程来求解</a:t>
-            </a:r>
-            <a:endParaRPr lang="zh-CN" altLang="en-US" sz="1400" b="1">
-              <a:solidFill>
-                <a:srgbClr val="3EAF7C"/>
-              </a:solidFill>
-              <a:sym typeface="+mn-ea"/>
-            </a:endParaRPr>
-          </a:p>
-        </p:txBody>
-      </p:sp>
-      <p:sp>
-        <p:nvSpPr>
-          <p:cNvPr id="8" name="Text Box 7"/>
-          <p:cNvSpPr txBox="true"/>
-          <p:nvPr/>
-        </p:nvSpPr>
-        <p:spPr>
-          <a:xfrm>
-            <a:off x="8423275" y="5243195"/>
-            <a:ext cx="1967230" cy="306705"/>
-          </a:xfrm>
-          <a:prstGeom prst="rect">
-            <a:avLst/>
-          </a:prstGeom>
-          <a:noFill/>
-        </p:spPr>
-        <p:txBody>
-          <a:bodyPr wrap="none" rtlCol="0">
-            <a:spAutoFit/>
-          </a:bodyPr>
-          <a:p>
-            <a:pPr algn="l"/>
-            <a:r>
-              <a:rPr lang="zh-CN" altLang="en-US" sz="1400" b="1">
-                <a:solidFill>
-                  <a:srgbClr val="3EAF7C"/>
-                </a:solidFill>
-                <a:sym typeface="+mn-ea"/>
-              </a:rPr>
-              <a:t>这里其实本质上是穷举</a:t>
-            </a:r>
-            <a:endParaRPr lang="zh-CN" altLang="en-US" sz="1400" b="1">
-              <a:solidFill>
-                <a:srgbClr val="3EAF7C"/>
-              </a:solidFill>
-              <a:sym typeface="+mn-ea"/>
             </a:endParaRPr>
           </a:p>
         </p:txBody>
@@ -4493,3135 +3951,6 @@
 </file>
 
 <file path=ppt/slides/slide11.xml><?xml version="1.0" encoding="utf-8"?>
-<p:sld xmlns:a="http://schemas.openxmlformats.org/drawingml/2006/main" xmlns:r="http://schemas.openxmlformats.org/officeDocument/2006/relationships" xmlns:p="http://schemas.openxmlformats.org/presentationml/2006/main">
-  <p:cSld>
-    <p:spTree>
-      <p:nvGrpSpPr>
-        <p:cNvPr id="1" name=""/>
-        <p:cNvGrpSpPr/>
-        <p:nvPr/>
-      </p:nvGrpSpPr>
-      <p:grpSpPr/>
-      <p:sp>
-        <p:nvSpPr>
-          <p:cNvPr id="2" name="Text Box 1"/>
-          <p:cNvSpPr txBox="true"/>
-          <p:nvPr/>
-        </p:nvSpPr>
-        <p:spPr>
-          <a:xfrm>
-            <a:off x="589915" y="429895"/>
-            <a:ext cx="1607820" cy="521970"/>
-          </a:xfrm>
-          <a:prstGeom prst="rect">
-            <a:avLst/>
-          </a:prstGeom>
-          <a:noFill/>
-        </p:spPr>
-        <p:txBody>
-          <a:bodyPr wrap="none" rtlCol="0">
-            <a:spAutoFit/>
-          </a:bodyPr>
-          <a:p>
-            <a:r>
-              <a:rPr lang="zh-CN" altLang="en-US" sz="2800" b="1">
-                <a:solidFill>
-                  <a:srgbClr val="2C3E50"/>
-                </a:solidFill>
-              </a:rPr>
-              <a:t>回溯算法</a:t>
-            </a:r>
-            <a:endParaRPr lang="zh-CN" altLang="en-US" sz="2800" b="1">
-              <a:solidFill>
-                <a:srgbClr val="2C3E50"/>
-              </a:solidFill>
-            </a:endParaRPr>
-          </a:p>
-        </p:txBody>
-      </p:sp>
-    </p:spTree>
-  </p:cSld>
-  <p:clrMapOvr>
-    <a:masterClrMapping/>
-  </p:clrMapOvr>
-</p:sld>
-</file>
-
-<file path=ppt/slides/slide12.xml><?xml version="1.0" encoding="utf-8"?>
-<p:sld xmlns:a="http://schemas.openxmlformats.org/drawingml/2006/main" xmlns:r="http://schemas.openxmlformats.org/officeDocument/2006/relationships" xmlns:p="http://schemas.openxmlformats.org/presentationml/2006/main">
-  <p:cSld>
-    <p:spTree>
-      <p:nvGrpSpPr>
-        <p:cNvPr id="1" name=""/>
-        <p:cNvGrpSpPr/>
-        <p:nvPr/>
-      </p:nvGrpSpPr>
-      <p:grpSpPr/>
-    </p:spTree>
-  </p:cSld>
-  <p:clrMapOvr>
-    <a:masterClrMapping/>
-  </p:clrMapOvr>
-</p:sld>
-</file>
-
-<file path=ppt/slides/slide13.xml><?xml version="1.0" encoding="utf-8"?>
-<p:sld xmlns:a="http://schemas.openxmlformats.org/drawingml/2006/main" xmlns:r="http://schemas.openxmlformats.org/officeDocument/2006/relationships" xmlns:p="http://schemas.openxmlformats.org/presentationml/2006/main">
-  <p:cSld>
-    <p:spTree>
-      <p:nvGrpSpPr>
-        <p:cNvPr id="1" name=""/>
-        <p:cNvGrpSpPr/>
-        <p:nvPr/>
-      </p:nvGrpSpPr>
-      <p:grpSpPr/>
-    </p:spTree>
-  </p:cSld>
-  <p:clrMapOvr>
-    <a:masterClrMapping/>
-  </p:clrMapOvr>
-</p:sld>
-</file>
-
-<file path=ppt/slides/slide2.xml><?xml version="1.0" encoding="utf-8"?>
-<p:sld xmlns:a="http://schemas.openxmlformats.org/drawingml/2006/main" xmlns:r="http://schemas.openxmlformats.org/officeDocument/2006/relationships" xmlns:p="http://schemas.openxmlformats.org/presentationml/2006/main">
-  <p:cSld>
-    <p:spTree>
-      <p:nvGrpSpPr>
-        <p:cNvPr id="1" name=""/>
-        <p:cNvGrpSpPr/>
-        <p:nvPr/>
-      </p:nvGrpSpPr>
-      <p:grpSpPr/>
-      <p:sp>
-        <p:nvSpPr>
-          <p:cNvPr id="2" name="文本框 1"/>
-          <p:cNvSpPr txBox="true"/>
-          <p:nvPr/>
-        </p:nvSpPr>
-        <p:spPr>
-          <a:xfrm>
-            <a:off x="1692275" y="1708785"/>
-            <a:ext cx="2540000" cy="368300"/>
-          </a:xfrm>
-          <a:prstGeom prst="rect">
-            <a:avLst/>
-          </a:prstGeom>
-          <a:noFill/>
-        </p:spPr>
-        <p:txBody>
-          <a:bodyPr wrap="square" rtlCol="0" anchor="t">
-            <a:spAutoFit/>
-          </a:bodyPr>
-          <a:p>
-            <a:r>
-              <a:rPr lang="zh-CN" altLang="en-US" b="1">
-                <a:solidFill>
-                  <a:srgbClr val="2C3E50"/>
-                </a:solidFill>
-              </a:rPr>
-              <a:t>数据结构的存储方式</a:t>
-            </a:r>
-            <a:endParaRPr lang="zh-CN" altLang="en-US" b="1">
-              <a:solidFill>
-                <a:srgbClr val="2C3E50"/>
-              </a:solidFill>
-            </a:endParaRPr>
-          </a:p>
-        </p:txBody>
-      </p:sp>
-      <p:sp>
-        <p:nvSpPr>
-          <p:cNvPr id="3" name="文本框 2"/>
-          <p:cNvSpPr txBox="true"/>
-          <p:nvPr/>
-        </p:nvSpPr>
-        <p:spPr>
-          <a:xfrm>
-            <a:off x="4692650" y="1025525"/>
-            <a:ext cx="641350" cy="368300"/>
-          </a:xfrm>
-          <a:prstGeom prst="rect">
-            <a:avLst/>
-          </a:prstGeom>
-          <a:noFill/>
-        </p:spPr>
-        <p:txBody>
-          <a:bodyPr wrap="none" rtlCol="0">
-            <a:spAutoFit/>
-          </a:bodyPr>
-          <a:p>
-            <a:r>
-              <a:rPr lang="zh-CN" altLang="en-US" b="1">
-                <a:solidFill>
-                  <a:srgbClr val="2C3E50"/>
-                </a:solidFill>
-              </a:rPr>
-              <a:t>数组</a:t>
-            </a:r>
-            <a:endParaRPr lang="zh-CN" altLang="en-US" b="1">
-              <a:solidFill>
-                <a:srgbClr val="2C3E50"/>
-              </a:solidFill>
-            </a:endParaRPr>
-          </a:p>
-        </p:txBody>
-      </p:sp>
-      <p:sp>
-        <p:nvSpPr>
-          <p:cNvPr id="4" name="文本框 3"/>
-          <p:cNvSpPr txBox="true"/>
-          <p:nvPr/>
-        </p:nvSpPr>
-        <p:spPr>
-          <a:xfrm>
-            <a:off x="4692650" y="2480945"/>
-            <a:ext cx="641350" cy="368300"/>
-          </a:xfrm>
-          <a:prstGeom prst="rect">
-            <a:avLst/>
-          </a:prstGeom>
-          <a:noFill/>
-        </p:spPr>
-        <p:txBody>
-          <a:bodyPr wrap="none" rtlCol="0">
-            <a:spAutoFit/>
-          </a:bodyPr>
-          <a:p>
-            <a:r>
-              <a:rPr lang="zh-CN" altLang="en-US" b="1">
-                <a:solidFill>
-                  <a:srgbClr val="2C3E50"/>
-                </a:solidFill>
-              </a:rPr>
-              <a:t>链表</a:t>
-            </a:r>
-            <a:endParaRPr lang="zh-CN" altLang="en-US" b="1">
-              <a:solidFill>
-                <a:srgbClr val="2C3E50"/>
-              </a:solidFill>
-            </a:endParaRPr>
-          </a:p>
-        </p:txBody>
-      </p:sp>
-      <p:sp>
-        <p:nvSpPr>
-          <p:cNvPr id="5" name="左大括号 4"/>
-          <p:cNvSpPr/>
-          <p:nvPr/>
-        </p:nvSpPr>
-        <p:spPr>
-          <a:xfrm>
-            <a:off x="4232275" y="913765"/>
-            <a:ext cx="335915" cy="1958340"/>
-          </a:xfrm>
-          <a:prstGeom prst="leftBrace">
-            <a:avLst/>
-          </a:prstGeom>
-          <a:ln w="38100">
-            <a:solidFill>
-              <a:srgbClr val="3EAF7C"/>
-            </a:solidFill>
-          </a:ln>
-        </p:spPr>
-        <p:style>
-          <a:lnRef idx="1">
-            <a:schemeClr val="accent1"/>
-          </a:lnRef>
-          <a:fillRef idx="0">
-            <a:schemeClr val="accent1"/>
-          </a:fillRef>
-          <a:effectRef idx="0">
-            <a:schemeClr val="accent1"/>
-          </a:effectRef>
-          <a:fontRef idx="minor">
-            <a:schemeClr val="tx1"/>
-          </a:fontRef>
-        </p:style>
-        <p:txBody>
-          <a:bodyPr rtlCol="0" anchor="ctr"/>
-          <a:p>
-            <a:pPr algn="ctr"/>
-            <a:endParaRPr lang="zh-CN" altLang="en-US"/>
-          </a:p>
-        </p:txBody>
-      </p:sp>
-      <p:sp>
-        <p:nvSpPr>
-          <p:cNvPr id="6" name="圆角矩形标注 5"/>
-          <p:cNvSpPr/>
-          <p:nvPr/>
-        </p:nvSpPr>
-        <p:spPr>
-          <a:xfrm>
-            <a:off x="2291080" y="913765"/>
-            <a:ext cx="1343025" cy="601980"/>
-          </a:xfrm>
-          <a:prstGeom prst="wedgeRoundRectCallout">
-            <a:avLst/>
-          </a:prstGeom>
-          <a:noFill/>
-          <a:ln w="38100">
-            <a:solidFill>
-              <a:srgbClr val="2C3E50"/>
-            </a:solidFill>
-          </a:ln>
-          <a:extLst>
-            <a:ext uri="{909E8E84-426E-40DD-AFC4-6F175D3DCCD1}">
-              <a14:hiddenFill xmlns:a14="http://schemas.microsoft.com/office/drawing/2010/main">
-                <a:solidFill>
-                  <a:schemeClr val="accent1"/>
-                </a:solidFill>
-              </a14:hiddenFill>
-            </a:ext>
-          </a:extLst>
-        </p:spPr>
-        <p:style>
-          <a:lnRef idx="2">
-            <a:schemeClr val="accent1">
-              <a:shade val="50000"/>
-            </a:schemeClr>
-          </a:lnRef>
-          <a:fillRef idx="1">
-            <a:schemeClr val="accent1"/>
-          </a:fillRef>
-          <a:effectRef idx="0">
-            <a:schemeClr val="accent1"/>
-          </a:effectRef>
-          <a:fontRef idx="minor">
-            <a:schemeClr val="lt1"/>
-          </a:fontRef>
-        </p:style>
-        <p:txBody>
-          <a:bodyPr rtlCol="0" anchor="ctr"/>
-          <a:p>
-            <a:pPr algn="ctr"/>
-            <a:r>
-              <a:rPr lang="zh-CN" altLang="en-US" sz="1200" b="1">
-                <a:solidFill>
-                  <a:srgbClr val="2C3E50"/>
-                </a:solidFill>
-              </a:rPr>
-              <a:t>有且只有两种</a:t>
-            </a:r>
-            <a:endParaRPr lang="zh-CN" altLang="en-US" sz="1200" b="1">
-              <a:solidFill>
-                <a:srgbClr val="2C3E50"/>
-              </a:solidFill>
-            </a:endParaRPr>
-          </a:p>
-        </p:txBody>
-      </p:sp>
-      <p:sp>
-        <p:nvSpPr>
-          <p:cNvPr id="7" name="文本框 6"/>
-          <p:cNvSpPr txBox="true"/>
-          <p:nvPr/>
-        </p:nvSpPr>
-        <p:spPr>
-          <a:xfrm>
-            <a:off x="1692910" y="4605655"/>
-            <a:ext cx="2540000" cy="368300"/>
-          </a:xfrm>
-          <a:prstGeom prst="rect">
-            <a:avLst/>
-          </a:prstGeom>
-          <a:noFill/>
-        </p:spPr>
-        <p:txBody>
-          <a:bodyPr wrap="square" rtlCol="0" anchor="t">
-            <a:spAutoFit/>
-          </a:bodyPr>
-          <a:p>
-            <a:r>
-              <a:rPr lang="zh-CN" altLang="en-US" b="1">
-                <a:solidFill>
-                  <a:srgbClr val="2C3E50"/>
-                </a:solidFill>
-              </a:rPr>
-              <a:t>数据结构的操作方式</a:t>
-            </a:r>
-            <a:endParaRPr lang="zh-CN" altLang="en-US" b="1">
-              <a:solidFill>
-                <a:srgbClr val="2C3E50"/>
-              </a:solidFill>
-            </a:endParaRPr>
-          </a:p>
-        </p:txBody>
-      </p:sp>
-      <p:sp>
-        <p:nvSpPr>
-          <p:cNvPr id="8" name="文本框 7"/>
-          <p:cNvSpPr txBox="true"/>
-          <p:nvPr/>
-        </p:nvSpPr>
-        <p:spPr>
-          <a:xfrm>
-            <a:off x="4693285" y="3922395"/>
-            <a:ext cx="641350" cy="368300"/>
-          </a:xfrm>
-          <a:prstGeom prst="rect">
-            <a:avLst/>
-          </a:prstGeom>
-          <a:noFill/>
-        </p:spPr>
-        <p:txBody>
-          <a:bodyPr wrap="none" rtlCol="0">
-            <a:spAutoFit/>
-          </a:bodyPr>
-          <a:p>
-            <a:r>
-              <a:rPr lang="zh-CN" altLang="en-US" b="1">
-                <a:solidFill>
-                  <a:srgbClr val="2C3E50"/>
-                </a:solidFill>
-              </a:rPr>
-              <a:t>遍历</a:t>
-            </a:r>
-            <a:endParaRPr lang="zh-CN" altLang="en-US" b="1">
-              <a:solidFill>
-                <a:srgbClr val="2C3E50"/>
-              </a:solidFill>
-            </a:endParaRPr>
-          </a:p>
-        </p:txBody>
-      </p:sp>
-      <p:sp>
-        <p:nvSpPr>
-          <p:cNvPr id="9" name="文本框 8"/>
-          <p:cNvSpPr txBox="true"/>
-          <p:nvPr/>
-        </p:nvSpPr>
-        <p:spPr>
-          <a:xfrm>
-            <a:off x="4693285" y="5377815"/>
-            <a:ext cx="641350" cy="368300"/>
-          </a:xfrm>
-          <a:prstGeom prst="rect">
-            <a:avLst/>
-          </a:prstGeom>
-          <a:noFill/>
-        </p:spPr>
-        <p:txBody>
-          <a:bodyPr wrap="none" rtlCol="0">
-            <a:spAutoFit/>
-          </a:bodyPr>
-          <a:p>
-            <a:r>
-              <a:rPr lang="zh-CN" altLang="en-US" b="1">
-                <a:solidFill>
-                  <a:srgbClr val="2C3E50"/>
-                </a:solidFill>
-              </a:rPr>
-              <a:t>访问</a:t>
-            </a:r>
-            <a:endParaRPr lang="zh-CN" altLang="en-US" b="1">
-              <a:solidFill>
-                <a:srgbClr val="2C3E50"/>
-              </a:solidFill>
-            </a:endParaRPr>
-          </a:p>
-        </p:txBody>
-      </p:sp>
-      <p:sp>
-        <p:nvSpPr>
-          <p:cNvPr id="10" name="左大括号 9"/>
-          <p:cNvSpPr/>
-          <p:nvPr/>
-        </p:nvSpPr>
-        <p:spPr>
-          <a:xfrm>
-            <a:off x="4232910" y="3810635"/>
-            <a:ext cx="335915" cy="1958340"/>
-          </a:xfrm>
-          <a:prstGeom prst="leftBrace">
-            <a:avLst/>
-          </a:prstGeom>
-          <a:ln w="38100">
-            <a:solidFill>
-              <a:srgbClr val="3EAF7C"/>
-            </a:solidFill>
-          </a:ln>
-        </p:spPr>
-        <p:style>
-          <a:lnRef idx="1">
-            <a:schemeClr val="accent1"/>
-          </a:lnRef>
-          <a:fillRef idx="0">
-            <a:schemeClr val="accent1"/>
-          </a:fillRef>
-          <a:effectRef idx="0">
-            <a:schemeClr val="accent1"/>
-          </a:effectRef>
-          <a:fontRef idx="minor">
-            <a:schemeClr val="tx1"/>
-          </a:fontRef>
-        </p:style>
-        <p:txBody>
-          <a:bodyPr rtlCol="0" anchor="ctr"/>
-          <a:p>
-            <a:pPr algn="ctr"/>
-            <a:endParaRPr lang="zh-CN" altLang="en-US"/>
-          </a:p>
-        </p:txBody>
-      </p:sp>
-      <p:sp>
-        <p:nvSpPr>
-          <p:cNvPr id="11" name="圆角矩形标注 10"/>
-          <p:cNvSpPr/>
-          <p:nvPr/>
-        </p:nvSpPr>
-        <p:spPr>
-          <a:xfrm>
-            <a:off x="2291715" y="3810635"/>
-            <a:ext cx="1343025" cy="601980"/>
-          </a:xfrm>
-          <a:prstGeom prst="wedgeRoundRectCallout">
-            <a:avLst/>
-          </a:prstGeom>
-          <a:noFill/>
-          <a:ln w="38100">
-            <a:solidFill>
-              <a:srgbClr val="2C3E50"/>
-            </a:solidFill>
-          </a:ln>
-          <a:extLst>
-            <a:ext uri="{909E8E84-426E-40DD-AFC4-6F175D3DCCD1}">
-              <a14:hiddenFill xmlns:a14="http://schemas.microsoft.com/office/drawing/2010/main">
-                <a:solidFill>
-                  <a:schemeClr val="accent1"/>
-                </a:solidFill>
-              </a14:hiddenFill>
-            </a:ext>
-          </a:extLst>
-        </p:spPr>
-        <p:style>
-          <a:lnRef idx="2">
-            <a:schemeClr val="accent1">
-              <a:shade val="50000"/>
-            </a:schemeClr>
-          </a:lnRef>
-          <a:fillRef idx="1">
-            <a:schemeClr val="accent1"/>
-          </a:fillRef>
-          <a:effectRef idx="0">
-            <a:schemeClr val="accent1"/>
-          </a:effectRef>
-          <a:fontRef idx="minor">
-            <a:schemeClr val="lt1"/>
-          </a:fontRef>
-        </p:style>
-        <p:txBody>
-          <a:bodyPr rtlCol="0" anchor="ctr"/>
-          <a:p>
-            <a:pPr algn="ctr"/>
-            <a:r>
-              <a:rPr lang="zh-CN" altLang="en-US" sz="1200" b="1">
-                <a:solidFill>
-                  <a:srgbClr val="2C3E50"/>
-                </a:solidFill>
-              </a:rPr>
-              <a:t>有且只有两种</a:t>
-            </a:r>
-            <a:endParaRPr lang="zh-CN" altLang="en-US" sz="1200" b="1">
-              <a:solidFill>
-                <a:srgbClr val="2C3E50"/>
-              </a:solidFill>
-            </a:endParaRPr>
-          </a:p>
-        </p:txBody>
-      </p:sp>
-      <p:sp>
-        <p:nvSpPr>
-          <p:cNvPr id="12" name="文本框 11"/>
-          <p:cNvSpPr txBox="true"/>
-          <p:nvPr/>
-        </p:nvSpPr>
-        <p:spPr>
-          <a:xfrm>
-            <a:off x="6209665" y="3609975"/>
-            <a:ext cx="641350" cy="368300"/>
-          </a:xfrm>
-          <a:prstGeom prst="rect">
-            <a:avLst/>
-          </a:prstGeom>
-          <a:noFill/>
-        </p:spPr>
-        <p:txBody>
-          <a:bodyPr wrap="none" rtlCol="0">
-            <a:spAutoFit/>
-          </a:bodyPr>
-          <a:p>
-            <a:r>
-              <a:rPr lang="zh-CN" altLang="en-US" b="1">
-                <a:solidFill>
-                  <a:srgbClr val="2C3E50"/>
-                </a:solidFill>
-              </a:rPr>
-              <a:t>迭代</a:t>
-            </a:r>
-            <a:endParaRPr lang="zh-CN" altLang="en-US" b="1">
-              <a:solidFill>
-                <a:srgbClr val="2C3E50"/>
-              </a:solidFill>
-            </a:endParaRPr>
-          </a:p>
-        </p:txBody>
-      </p:sp>
-      <p:sp>
-        <p:nvSpPr>
-          <p:cNvPr id="13" name="文本框 12"/>
-          <p:cNvSpPr txBox="true"/>
-          <p:nvPr/>
-        </p:nvSpPr>
-        <p:spPr>
-          <a:xfrm>
-            <a:off x="6209665" y="4237355"/>
-            <a:ext cx="641350" cy="368300"/>
-          </a:xfrm>
-          <a:prstGeom prst="rect">
-            <a:avLst/>
-          </a:prstGeom>
-          <a:noFill/>
-        </p:spPr>
-        <p:txBody>
-          <a:bodyPr wrap="none" rtlCol="0">
-            <a:spAutoFit/>
-          </a:bodyPr>
-          <a:p>
-            <a:r>
-              <a:rPr lang="zh-CN" altLang="en-US" b="1">
-                <a:solidFill>
-                  <a:srgbClr val="2C3E50"/>
-                </a:solidFill>
-              </a:rPr>
-              <a:t>递归</a:t>
-            </a:r>
-            <a:endParaRPr lang="zh-CN" altLang="en-US" b="1">
-              <a:solidFill>
-                <a:srgbClr val="2C3E50"/>
-              </a:solidFill>
-            </a:endParaRPr>
-          </a:p>
-        </p:txBody>
-      </p:sp>
-      <p:sp>
-        <p:nvSpPr>
-          <p:cNvPr id="14" name="左大括号 13"/>
-          <p:cNvSpPr/>
-          <p:nvPr/>
-        </p:nvSpPr>
-        <p:spPr>
-          <a:xfrm>
-            <a:off x="5784850" y="3553460"/>
-            <a:ext cx="228600" cy="1105535"/>
-          </a:xfrm>
-          <a:prstGeom prst="leftBrace">
-            <a:avLst/>
-          </a:prstGeom>
-          <a:ln w="38100">
-            <a:solidFill>
-              <a:srgbClr val="3EAF7C"/>
-            </a:solidFill>
-          </a:ln>
-        </p:spPr>
-        <p:style>
-          <a:lnRef idx="1">
-            <a:schemeClr val="accent1"/>
-          </a:lnRef>
-          <a:fillRef idx="0">
-            <a:schemeClr val="accent1"/>
-          </a:fillRef>
-          <a:effectRef idx="0">
-            <a:schemeClr val="accent1"/>
-          </a:effectRef>
-          <a:fontRef idx="minor">
-            <a:schemeClr val="tx1"/>
-          </a:fontRef>
-        </p:style>
-        <p:txBody>
-          <a:bodyPr rtlCol="0" anchor="ctr"/>
-          <a:p>
-            <a:pPr algn="ctr"/>
-            <a:endParaRPr lang="zh-CN" altLang="en-US"/>
-          </a:p>
-        </p:txBody>
-      </p:sp>
-      <p:sp>
-        <p:nvSpPr>
-          <p:cNvPr id="15" name="文本框 14"/>
-          <p:cNvSpPr txBox="true"/>
-          <p:nvPr/>
-        </p:nvSpPr>
-        <p:spPr>
-          <a:xfrm>
-            <a:off x="6209665" y="4890135"/>
-            <a:ext cx="641350" cy="368300"/>
-          </a:xfrm>
-          <a:prstGeom prst="rect">
-            <a:avLst/>
-          </a:prstGeom>
-          <a:noFill/>
-        </p:spPr>
-        <p:txBody>
-          <a:bodyPr wrap="none" rtlCol="0">
-            <a:spAutoFit/>
-          </a:bodyPr>
-          <a:p>
-            <a:r>
-              <a:rPr lang="zh-CN" altLang="en-US" b="1">
-                <a:solidFill>
-                  <a:srgbClr val="2C3E50"/>
-                </a:solidFill>
-              </a:rPr>
-              <a:t>插入</a:t>
-            </a:r>
-            <a:endParaRPr lang="zh-CN" altLang="en-US" b="1">
-              <a:solidFill>
-                <a:srgbClr val="2C3E50"/>
-              </a:solidFill>
-            </a:endParaRPr>
-          </a:p>
-        </p:txBody>
-      </p:sp>
-      <p:sp>
-        <p:nvSpPr>
-          <p:cNvPr id="16" name="文本框 15"/>
-          <p:cNvSpPr txBox="true"/>
-          <p:nvPr/>
-        </p:nvSpPr>
-        <p:spPr>
-          <a:xfrm>
-            <a:off x="6209665" y="5365750"/>
-            <a:ext cx="641350" cy="368300"/>
-          </a:xfrm>
-          <a:prstGeom prst="rect">
-            <a:avLst/>
-          </a:prstGeom>
-          <a:noFill/>
-        </p:spPr>
-        <p:txBody>
-          <a:bodyPr wrap="none" rtlCol="0">
-            <a:spAutoFit/>
-          </a:bodyPr>
-          <a:p>
-            <a:r>
-              <a:rPr lang="zh-CN" altLang="en-US" b="1">
-                <a:solidFill>
-                  <a:srgbClr val="2C3E50"/>
-                </a:solidFill>
-              </a:rPr>
-              <a:t>修改</a:t>
-            </a:r>
-            <a:endParaRPr lang="zh-CN" altLang="en-US" b="1">
-              <a:solidFill>
-                <a:srgbClr val="2C3E50"/>
-              </a:solidFill>
-            </a:endParaRPr>
-          </a:p>
-        </p:txBody>
-      </p:sp>
-      <p:sp>
-        <p:nvSpPr>
-          <p:cNvPr id="17" name="文本框 16"/>
-          <p:cNvSpPr txBox="true"/>
-          <p:nvPr/>
-        </p:nvSpPr>
-        <p:spPr>
-          <a:xfrm>
-            <a:off x="6209665" y="5841365"/>
-            <a:ext cx="641350" cy="368300"/>
-          </a:xfrm>
-          <a:prstGeom prst="rect">
-            <a:avLst/>
-          </a:prstGeom>
-          <a:noFill/>
-        </p:spPr>
-        <p:txBody>
-          <a:bodyPr wrap="none" rtlCol="0">
-            <a:spAutoFit/>
-          </a:bodyPr>
-          <a:p>
-            <a:r>
-              <a:rPr lang="zh-CN" altLang="en-US" b="1">
-                <a:solidFill>
-                  <a:srgbClr val="2C3E50"/>
-                </a:solidFill>
-              </a:rPr>
-              <a:t>删除</a:t>
-            </a:r>
-            <a:endParaRPr lang="zh-CN" altLang="en-US" b="1">
-              <a:solidFill>
-                <a:srgbClr val="2C3E50"/>
-              </a:solidFill>
-            </a:endParaRPr>
-          </a:p>
-        </p:txBody>
-      </p:sp>
-      <p:sp>
-        <p:nvSpPr>
-          <p:cNvPr id="18" name="左大括号 17"/>
-          <p:cNvSpPr/>
-          <p:nvPr/>
-        </p:nvSpPr>
-        <p:spPr>
-          <a:xfrm>
-            <a:off x="5784850" y="4876165"/>
-            <a:ext cx="228600" cy="1370965"/>
-          </a:xfrm>
-          <a:prstGeom prst="leftBrace">
-            <a:avLst/>
-          </a:prstGeom>
-          <a:ln w="38100">
-            <a:solidFill>
-              <a:srgbClr val="3EAF7C"/>
-            </a:solidFill>
-          </a:ln>
-        </p:spPr>
-        <p:style>
-          <a:lnRef idx="1">
-            <a:schemeClr val="accent1"/>
-          </a:lnRef>
-          <a:fillRef idx="0">
-            <a:schemeClr val="accent1"/>
-          </a:fillRef>
-          <a:effectRef idx="0">
-            <a:schemeClr val="accent1"/>
-          </a:effectRef>
-          <a:fontRef idx="minor">
-            <a:schemeClr val="tx1"/>
-          </a:fontRef>
-        </p:style>
-        <p:txBody>
-          <a:bodyPr rtlCol="0" anchor="ctr"/>
-          <a:p>
-            <a:pPr algn="ctr"/>
-            <a:endParaRPr lang="zh-CN" altLang="en-US"/>
-          </a:p>
-        </p:txBody>
-      </p:sp>
-      <p:sp>
-        <p:nvSpPr>
-          <p:cNvPr id="19" name="矩形 18"/>
-          <p:cNvSpPr/>
-          <p:nvPr/>
-        </p:nvSpPr>
-        <p:spPr>
-          <a:xfrm>
-            <a:off x="8107045" y="4175125"/>
-            <a:ext cx="2026285" cy="489585"/>
-          </a:xfrm>
-          <a:prstGeom prst="rect">
-            <a:avLst/>
-          </a:prstGeom>
-          <a:noFill/>
-          <a:ln w="38100">
-            <a:solidFill>
-              <a:srgbClr val="2C3E50"/>
-            </a:solidFill>
-          </a:ln>
-          <a:extLst>
-            <a:ext uri="{909E8E84-426E-40DD-AFC4-6F175D3DCCD1}">
-              <a14:hiddenFill xmlns:a14="http://schemas.microsoft.com/office/drawing/2010/main">
-                <a:solidFill>
-                  <a:schemeClr val="accent1"/>
-                </a:solidFill>
-              </a14:hiddenFill>
-            </a:ext>
-          </a:extLst>
-        </p:spPr>
-        <p:style>
-          <a:lnRef idx="2">
-            <a:schemeClr val="accent1">
-              <a:shade val="50000"/>
-            </a:schemeClr>
-          </a:lnRef>
-          <a:fillRef idx="1">
-            <a:schemeClr val="accent1"/>
-          </a:fillRef>
-          <a:effectRef idx="0">
-            <a:schemeClr val="accent1"/>
-          </a:effectRef>
-          <a:fontRef idx="minor">
-            <a:schemeClr val="lt1"/>
-          </a:fontRef>
-        </p:style>
-        <p:txBody>
-          <a:bodyPr rtlCol="0" anchor="ctr"/>
-          <a:p>
-            <a:pPr algn="ctr"/>
-            <a:r>
-              <a:rPr lang="zh-CN" altLang="en-US" b="1">
-                <a:solidFill>
-                  <a:srgbClr val="2C3E50"/>
-                </a:solidFill>
-              </a:rPr>
-              <a:t>经常需要配合堆栈</a:t>
-            </a:r>
-            <a:endParaRPr lang="zh-CN" altLang="en-US" b="1">
-              <a:solidFill>
-                <a:srgbClr val="2C3E50"/>
-              </a:solidFill>
-            </a:endParaRPr>
-          </a:p>
-        </p:txBody>
-      </p:sp>
-      <p:cxnSp>
-        <p:nvCxnSpPr>
-          <p:cNvPr id="20" name="直接箭头连接符 19"/>
-          <p:cNvCxnSpPr>
-            <a:stCxn id="19" idx="1"/>
-            <a:endCxn id="13" idx="3"/>
-          </p:cNvCxnSpPr>
-          <p:nvPr/>
-        </p:nvCxnSpPr>
-        <p:spPr>
-          <a:xfrm flipH="true">
-            <a:off x="6851015" y="4420235"/>
-            <a:ext cx="1256030" cy="1270"/>
-          </a:xfrm>
-          <a:prstGeom prst="straightConnector1">
-            <a:avLst/>
-          </a:prstGeom>
-          <a:ln w="38100">
-            <a:solidFill>
-              <a:srgbClr val="C00000"/>
-            </a:solidFill>
-            <a:tailEnd type="arrow"/>
-          </a:ln>
-        </p:spPr>
-        <p:style>
-          <a:lnRef idx="1">
-            <a:schemeClr val="accent1"/>
-          </a:lnRef>
-          <a:fillRef idx="0">
-            <a:schemeClr val="accent1"/>
-          </a:fillRef>
-          <a:effectRef idx="0">
-            <a:schemeClr val="accent1"/>
-          </a:effectRef>
-          <a:fontRef idx="minor">
-            <a:schemeClr val="tx1"/>
-          </a:fontRef>
-        </p:style>
-      </p:cxnSp>
-    </p:spTree>
-  </p:cSld>
-  <p:clrMapOvr>
-    <a:masterClrMapping/>
-  </p:clrMapOvr>
-</p:sld>
-</file>
-
-<file path=ppt/slides/slide3.xml><?xml version="1.0" encoding="utf-8"?>
-<p:sld xmlns:a="http://schemas.openxmlformats.org/drawingml/2006/main" xmlns:r="http://schemas.openxmlformats.org/officeDocument/2006/relationships" xmlns:p="http://schemas.openxmlformats.org/presentationml/2006/main">
-  <p:cSld>
-    <p:spTree>
-      <p:nvGrpSpPr>
-        <p:cNvPr id="1" name=""/>
-        <p:cNvGrpSpPr/>
-        <p:nvPr/>
-      </p:nvGrpSpPr>
-      <p:grpSpPr/>
-      <p:sp>
-        <p:nvSpPr>
-          <p:cNvPr id="2" name="Text Box 1"/>
-          <p:cNvSpPr txBox="true"/>
-          <p:nvPr/>
-        </p:nvSpPr>
-        <p:spPr>
-          <a:xfrm>
-            <a:off x="757555" y="342900"/>
-            <a:ext cx="1607820" cy="521970"/>
-          </a:xfrm>
-          <a:prstGeom prst="rect">
-            <a:avLst/>
-          </a:prstGeom>
-          <a:noFill/>
-        </p:spPr>
-        <p:txBody>
-          <a:bodyPr wrap="none" rtlCol="0">
-            <a:spAutoFit/>
-          </a:bodyPr>
-          <a:p>
-            <a:r>
-              <a:rPr lang="zh-CN" altLang="en-US" sz="2800" b="1">
-                <a:solidFill>
-                  <a:srgbClr val="2C3E50"/>
-                </a:solidFill>
-              </a:rPr>
-              <a:t>递归模型</a:t>
-            </a:r>
-            <a:endParaRPr lang="en-US" altLang="zh-CN" sz="2800" b="1">
-              <a:solidFill>
-                <a:srgbClr val="2C3E50"/>
-              </a:solidFill>
-            </a:endParaRPr>
-          </a:p>
-        </p:txBody>
-      </p:sp>
-      <p:sp>
-        <p:nvSpPr>
-          <p:cNvPr id="19" name="Text Box 1"/>
-          <p:cNvSpPr txBox="true"/>
-          <p:nvPr/>
-        </p:nvSpPr>
-        <p:spPr>
-          <a:xfrm>
-            <a:off x="757555" y="3886835"/>
-            <a:ext cx="1607820" cy="521970"/>
-          </a:xfrm>
-          <a:prstGeom prst="rect">
-            <a:avLst/>
-          </a:prstGeom>
-          <a:noFill/>
-        </p:spPr>
-        <p:txBody>
-          <a:bodyPr wrap="none" rtlCol="0">
-            <a:spAutoFit/>
-          </a:bodyPr>
-          <a:p>
-            <a:r>
-              <a:rPr lang="zh-CN" altLang="en-US" sz="2800" b="1">
-                <a:solidFill>
-                  <a:srgbClr val="2C3E50"/>
-                </a:solidFill>
-              </a:rPr>
-              <a:t>迭代模型</a:t>
-            </a:r>
-            <a:endParaRPr lang="en-US" altLang="zh-CN" sz="2800" b="1">
-              <a:solidFill>
-                <a:srgbClr val="2C3E50"/>
-              </a:solidFill>
-            </a:endParaRPr>
-          </a:p>
-        </p:txBody>
-      </p:sp>
-      <p:pic>
-        <p:nvPicPr>
-          <p:cNvPr id="21" name="图片 20" descr="Screenshot from 2021-03-19 20-29-16"/>
-          <p:cNvPicPr>
-            <a:picLocks noChangeAspect="true"/>
-          </p:cNvPicPr>
-          <p:nvPr/>
-        </p:nvPicPr>
-        <p:blipFill>
-          <a:blip r:embed="rId1"/>
-          <a:stretch>
-            <a:fillRect/>
-          </a:stretch>
-        </p:blipFill>
-        <p:spPr>
-          <a:xfrm>
-            <a:off x="757555" y="4408805"/>
-            <a:ext cx="8829675" cy="2124075"/>
-          </a:xfrm>
-          <a:prstGeom prst="rect">
-            <a:avLst/>
-          </a:prstGeom>
-        </p:spPr>
-      </p:pic>
-      <p:pic>
-        <p:nvPicPr>
-          <p:cNvPr id="22" name="图片 21" descr="Screenshot from 2021-03-19 20-29-39"/>
-          <p:cNvPicPr>
-            <a:picLocks noChangeAspect="true"/>
-          </p:cNvPicPr>
-          <p:nvPr/>
-        </p:nvPicPr>
-        <p:blipFill>
-          <a:blip r:embed="rId2"/>
-          <a:stretch>
-            <a:fillRect/>
-          </a:stretch>
-        </p:blipFill>
-        <p:spPr>
-          <a:xfrm>
-            <a:off x="719455" y="864870"/>
-            <a:ext cx="8867775" cy="2943225"/>
-          </a:xfrm>
-          <a:prstGeom prst="rect">
-            <a:avLst/>
-          </a:prstGeom>
-        </p:spPr>
-      </p:pic>
-    </p:spTree>
-  </p:cSld>
-  <p:clrMapOvr>
-    <a:masterClrMapping/>
-  </p:clrMapOvr>
-</p:sld>
-</file>
-
-<file path=ppt/slides/slide4.xml><?xml version="1.0" encoding="utf-8"?>
-<p:sld xmlns:a="http://schemas.openxmlformats.org/drawingml/2006/main" xmlns:r="http://schemas.openxmlformats.org/officeDocument/2006/relationships" xmlns:p="http://schemas.openxmlformats.org/presentationml/2006/main">
-  <p:cSld>
-    <p:spTree>
-      <p:nvGrpSpPr>
-        <p:cNvPr id="1" name=""/>
-        <p:cNvGrpSpPr/>
-        <p:nvPr/>
-      </p:nvGrpSpPr>
-      <p:grpSpPr/>
-      <p:sp>
-        <p:nvSpPr>
-          <p:cNvPr id="2" name="Text Box 1"/>
-          <p:cNvSpPr txBox="true"/>
-          <p:nvPr/>
-        </p:nvSpPr>
-        <p:spPr>
-          <a:xfrm>
-            <a:off x="757555" y="342900"/>
-            <a:ext cx="1607820" cy="521970"/>
-          </a:xfrm>
-          <a:prstGeom prst="rect">
-            <a:avLst/>
-          </a:prstGeom>
-          <a:noFill/>
-        </p:spPr>
-        <p:txBody>
-          <a:bodyPr wrap="none" rtlCol="0">
-            <a:spAutoFit/>
-          </a:bodyPr>
-          <a:p>
-            <a:r>
-              <a:rPr lang="zh-CN" altLang="en-US" sz="2800" b="1">
-                <a:solidFill>
-                  <a:srgbClr val="2C3E50"/>
-                </a:solidFill>
-              </a:rPr>
-              <a:t>队列模型</a:t>
-            </a:r>
-            <a:endParaRPr lang="en-US" altLang="zh-CN" sz="2800" b="1">
-              <a:solidFill>
-                <a:srgbClr val="2C3E50"/>
-              </a:solidFill>
-            </a:endParaRPr>
-          </a:p>
-        </p:txBody>
-      </p:sp>
-      <p:sp>
-        <p:nvSpPr>
-          <p:cNvPr id="3" name="Text Box 1"/>
-          <p:cNvSpPr txBox="true"/>
-          <p:nvPr/>
-        </p:nvSpPr>
-        <p:spPr>
-          <a:xfrm>
-            <a:off x="701675" y="2665095"/>
-            <a:ext cx="1607820" cy="521970"/>
-          </a:xfrm>
-          <a:prstGeom prst="rect">
-            <a:avLst/>
-          </a:prstGeom>
-          <a:noFill/>
-        </p:spPr>
-        <p:txBody>
-          <a:bodyPr wrap="none" rtlCol="0">
-            <a:spAutoFit/>
-          </a:bodyPr>
-          <a:p>
-            <a:r>
-              <a:rPr lang="zh-CN" altLang="en-US" sz="2800" b="1">
-                <a:solidFill>
-                  <a:srgbClr val="2C3E50"/>
-                </a:solidFill>
-              </a:rPr>
-              <a:t>堆栈模型</a:t>
-            </a:r>
-            <a:endParaRPr lang="en-US" altLang="zh-CN" sz="2800" b="1">
-              <a:solidFill>
-                <a:srgbClr val="2C3E50"/>
-              </a:solidFill>
-            </a:endParaRPr>
-          </a:p>
-        </p:txBody>
-      </p:sp>
-    </p:spTree>
-  </p:cSld>
-  <p:clrMapOvr>
-    <a:masterClrMapping/>
-  </p:clrMapOvr>
-</p:sld>
-</file>
-
-<file path=ppt/slides/slide5.xml><?xml version="1.0" encoding="utf-8"?>
-<p:sld xmlns:a="http://schemas.openxmlformats.org/drawingml/2006/main" xmlns:r="http://schemas.openxmlformats.org/officeDocument/2006/relationships" xmlns:p="http://schemas.openxmlformats.org/presentationml/2006/main">
-  <p:cSld>
-    <p:spTree>
-      <p:nvGrpSpPr>
-        <p:cNvPr id="1" name=""/>
-        <p:cNvGrpSpPr/>
-        <p:nvPr/>
-      </p:nvGrpSpPr>
-      <p:grpSpPr/>
-      <p:sp>
-        <p:nvSpPr>
-          <p:cNvPr id="4" name="Text Box 1"/>
-          <p:cNvSpPr txBox="true"/>
-          <p:nvPr/>
-        </p:nvSpPr>
-        <p:spPr>
-          <a:xfrm>
-            <a:off x="855345" y="4064000"/>
-            <a:ext cx="1607820" cy="521970"/>
-          </a:xfrm>
-          <a:prstGeom prst="rect">
-            <a:avLst/>
-          </a:prstGeom>
-          <a:noFill/>
-        </p:spPr>
-        <p:txBody>
-          <a:bodyPr wrap="none" rtlCol="0">
-            <a:spAutoFit/>
-          </a:bodyPr>
-          <a:p>
-            <a:r>
-              <a:rPr lang="zh-CN" altLang="en-US" sz="2800" b="1">
-                <a:solidFill>
-                  <a:srgbClr val="2C3E50"/>
-                </a:solidFill>
-              </a:rPr>
-              <a:t>迭代模型</a:t>
-            </a:r>
-            <a:endParaRPr lang="en-US" altLang="zh-CN" sz="2800" b="1">
-              <a:solidFill>
-                <a:srgbClr val="2C3E50"/>
-              </a:solidFill>
-            </a:endParaRPr>
-          </a:p>
-        </p:txBody>
-      </p:sp>
-      <p:sp>
-        <p:nvSpPr>
-          <p:cNvPr id="5" name="Text Box 1"/>
-          <p:cNvSpPr txBox="true"/>
-          <p:nvPr/>
-        </p:nvSpPr>
-        <p:spPr>
-          <a:xfrm>
-            <a:off x="5501005" y="1783715"/>
-            <a:ext cx="1607820" cy="521970"/>
-          </a:xfrm>
-          <a:prstGeom prst="rect">
-            <a:avLst/>
-          </a:prstGeom>
-          <a:noFill/>
-        </p:spPr>
-        <p:txBody>
-          <a:bodyPr wrap="none" rtlCol="0">
-            <a:spAutoFit/>
-          </a:bodyPr>
-          <a:p>
-            <a:r>
-              <a:rPr lang="zh-CN" altLang="en-US" sz="2800" b="1">
-                <a:solidFill>
-                  <a:srgbClr val="2C3E50"/>
-                </a:solidFill>
-              </a:rPr>
-              <a:t>堆栈模型</a:t>
-            </a:r>
-            <a:endParaRPr lang="en-US" altLang="zh-CN" sz="2800" b="1">
-              <a:solidFill>
-                <a:srgbClr val="2C3E50"/>
-              </a:solidFill>
-            </a:endParaRPr>
-          </a:p>
-        </p:txBody>
-      </p:sp>
-      <p:sp>
-        <p:nvSpPr>
-          <p:cNvPr id="6" name="Text Box 1"/>
-          <p:cNvSpPr txBox="true"/>
-          <p:nvPr/>
-        </p:nvSpPr>
-        <p:spPr>
-          <a:xfrm>
-            <a:off x="3199765" y="1783715"/>
-            <a:ext cx="1607820" cy="521970"/>
-          </a:xfrm>
-          <a:prstGeom prst="rect">
-            <a:avLst/>
-          </a:prstGeom>
-          <a:noFill/>
-        </p:spPr>
-        <p:txBody>
-          <a:bodyPr wrap="none" rtlCol="0">
-            <a:spAutoFit/>
-          </a:bodyPr>
-          <a:p>
-            <a:r>
-              <a:rPr lang="zh-CN" altLang="en-US" sz="2800" b="1">
-                <a:solidFill>
-                  <a:srgbClr val="2C3E50"/>
-                </a:solidFill>
-              </a:rPr>
-              <a:t>递归模型</a:t>
-            </a:r>
-            <a:endParaRPr lang="en-US" altLang="zh-CN" sz="2800" b="1">
-              <a:solidFill>
-                <a:srgbClr val="2C3E50"/>
-              </a:solidFill>
-            </a:endParaRPr>
-          </a:p>
-        </p:txBody>
-      </p:sp>
-      <p:sp>
-        <p:nvSpPr>
-          <p:cNvPr id="7" name="Text Box 1"/>
-          <p:cNvSpPr txBox="true"/>
-          <p:nvPr/>
-        </p:nvSpPr>
-        <p:spPr>
-          <a:xfrm>
-            <a:off x="3611880" y="4064000"/>
-            <a:ext cx="1607820" cy="521970"/>
-          </a:xfrm>
-          <a:prstGeom prst="rect">
-            <a:avLst/>
-          </a:prstGeom>
-          <a:noFill/>
-        </p:spPr>
-        <p:txBody>
-          <a:bodyPr wrap="none" rtlCol="0">
-            <a:spAutoFit/>
-          </a:bodyPr>
-          <a:p>
-            <a:r>
-              <a:rPr lang="zh-CN" altLang="en-US" sz="2800" b="1">
-                <a:solidFill>
-                  <a:srgbClr val="2C3E50"/>
-                </a:solidFill>
-              </a:rPr>
-              <a:t>队列模型</a:t>
-            </a:r>
-            <a:endParaRPr lang="en-US" altLang="zh-CN" sz="2800" b="1">
-              <a:solidFill>
-                <a:srgbClr val="2C3E50"/>
-              </a:solidFill>
-            </a:endParaRPr>
-          </a:p>
-        </p:txBody>
-      </p:sp>
-      <p:sp>
-        <p:nvSpPr>
-          <p:cNvPr id="8" name="Text Box 1"/>
-          <p:cNvSpPr txBox="true"/>
-          <p:nvPr/>
-        </p:nvSpPr>
-        <p:spPr>
-          <a:xfrm>
-            <a:off x="898525" y="1783715"/>
-            <a:ext cx="1607820" cy="521970"/>
-          </a:xfrm>
-          <a:prstGeom prst="rect">
-            <a:avLst/>
-          </a:prstGeom>
-          <a:noFill/>
-        </p:spPr>
-        <p:txBody>
-          <a:bodyPr wrap="none" rtlCol="0">
-            <a:spAutoFit/>
-          </a:bodyPr>
-          <a:p>
-            <a:r>
-              <a:rPr lang="zh-CN" altLang="en-US" sz="2800" b="1">
-                <a:solidFill>
-                  <a:srgbClr val="2C3E50"/>
-                </a:solidFill>
-              </a:rPr>
-              <a:t>迭代模型</a:t>
-            </a:r>
-            <a:endParaRPr lang="en-US" altLang="zh-CN" sz="2800" b="1">
-              <a:solidFill>
-                <a:srgbClr val="2C3E50"/>
-              </a:solidFill>
-            </a:endParaRPr>
-          </a:p>
-        </p:txBody>
-      </p:sp>
-      <p:sp>
-        <p:nvSpPr>
-          <p:cNvPr id="10" name="文本框 9"/>
-          <p:cNvSpPr txBox="true"/>
-          <p:nvPr/>
-        </p:nvSpPr>
-        <p:spPr>
-          <a:xfrm>
-            <a:off x="2463165" y="1407795"/>
-            <a:ext cx="885190" cy="1106805"/>
-          </a:xfrm>
-          <a:prstGeom prst="rect">
-            <a:avLst/>
-          </a:prstGeom>
-          <a:noFill/>
-        </p:spPr>
-        <p:txBody>
-          <a:bodyPr wrap="none" rtlCol="0">
-            <a:spAutoFit/>
-          </a:bodyPr>
-          <a:p>
-            <a:r>
-              <a:rPr lang="en-US" altLang="zh-CN" sz="6600" b="1">
-                <a:solidFill>
-                  <a:srgbClr val="3EAF7C"/>
-                </a:solidFill>
-              </a:rPr>
-              <a:t>+</a:t>
-            </a:r>
-            <a:endParaRPr lang="en-US" altLang="zh-CN" sz="6600" b="1">
-              <a:solidFill>
-                <a:srgbClr val="3EAF7C"/>
-              </a:solidFill>
-            </a:endParaRPr>
-          </a:p>
-        </p:txBody>
-      </p:sp>
-      <p:sp>
-        <p:nvSpPr>
-          <p:cNvPr id="11" name="文本框 10"/>
-          <p:cNvSpPr txBox="true"/>
-          <p:nvPr/>
-        </p:nvSpPr>
-        <p:spPr>
-          <a:xfrm>
-            <a:off x="4716780" y="1407795"/>
-            <a:ext cx="885190" cy="1106805"/>
-          </a:xfrm>
-          <a:prstGeom prst="rect">
-            <a:avLst/>
-          </a:prstGeom>
-          <a:noFill/>
-        </p:spPr>
-        <p:txBody>
-          <a:bodyPr wrap="none" rtlCol="0">
-            <a:spAutoFit/>
-          </a:bodyPr>
-          <a:p>
-            <a:r>
-              <a:rPr lang="en-US" altLang="zh-CN" sz="6600" b="1">
-                <a:solidFill>
-                  <a:srgbClr val="3EAF7C"/>
-                </a:solidFill>
-              </a:rPr>
-              <a:t>+</a:t>
-            </a:r>
-            <a:endParaRPr lang="en-US" altLang="zh-CN" sz="6600" b="1">
-              <a:solidFill>
-                <a:srgbClr val="3EAF7C"/>
-              </a:solidFill>
-            </a:endParaRPr>
-          </a:p>
-        </p:txBody>
-      </p:sp>
-      <p:sp>
-        <p:nvSpPr>
-          <p:cNvPr id="12" name="文本框 11"/>
-          <p:cNvSpPr txBox="true"/>
-          <p:nvPr/>
-        </p:nvSpPr>
-        <p:spPr>
-          <a:xfrm>
-            <a:off x="2594610" y="3771265"/>
-            <a:ext cx="885190" cy="1106805"/>
-          </a:xfrm>
-          <a:prstGeom prst="rect">
-            <a:avLst/>
-          </a:prstGeom>
-          <a:noFill/>
-        </p:spPr>
-        <p:txBody>
-          <a:bodyPr wrap="none" rtlCol="0">
-            <a:spAutoFit/>
-          </a:bodyPr>
-          <a:p>
-            <a:r>
-              <a:rPr lang="en-US" altLang="zh-CN" sz="6600" b="1">
-                <a:solidFill>
-                  <a:srgbClr val="3EAF7C"/>
-                </a:solidFill>
-              </a:rPr>
-              <a:t>+</a:t>
-            </a:r>
-            <a:endParaRPr lang="en-US" altLang="zh-CN" sz="6600" b="1">
-              <a:solidFill>
-                <a:srgbClr val="3EAF7C"/>
-              </a:solidFill>
-            </a:endParaRPr>
-          </a:p>
-        </p:txBody>
-      </p:sp>
-      <p:sp>
-        <p:nvSpPr>
-          <p:cNvPr id="13" name="文本框 12"/>
-          <p:cNvSpPr txBox="true"/>
-          <p:nvPr/>
-        </p:nvSpPr>
-        <p:spPr>
-          <a:xfrm>
-            <a:off x="5601970" y="3771265"/>
-            <a:ext cx="885190" cy="1106805"/>
-          </a:xfrm>
-          <a:prstGeom prst="rect">
-            <a:avLst/>
-          </a:prstGeom>
-          <a:noFill/>
-        </p:spPr>
-        <p:txBody>
-          <a:bodyPr wrap="none" rtlCol="0">
-            <a:spAutoFit/>
-          </a:bodyPr>
-          <a:p>
-            <a:r>
-              <a:rPr lang="en-US" altLang="zh-CN" sz="6600" b="1">
-                <a:solidFill>
-                  <a:srgbClr val="3EAF7C"/>
-                </a:solidFill>
-              </a:rPr>
-              <a:t>=</a:t>
-            </a:r>
-            <a:endParaRPr lang="en-US" altLang="zh-CN" sz="6600" b="1">
-              <a:solidFill>
-                <a:srgbClr val="3EAF7C"/>
-              </a:solidFill>
-            </a:endParaRPr>
-          </a:p>
-        </p:txBody>
-      </p:sp>
-      <p:sp>
-        <p:nvSpPr>
-          <p:cNvPr id="14" name="文本框 13"/>
-          <p:cNvSpPr txBox="true"/>
-          <p:nvPr/>
-        </p:nvSpPr>
-        <p:spPr>
-          <a:xfrm>
-            <a:off x="7456805" y="1490980"/>
-            <a:ext cx="885190" cy="1106805"/>
-          </a:xfrm>
-          <a:prstGeom prst="rect">
-            <a:avLst/>
-          </a:prstGeom>
-          <a:noFill/>
-        </p:spPr>
-        <p:txBody>
-          <a:bodyPr wrap="none" rtlCol="0">
-            <a:spAutoFit/>
-          </a:bodyPr>
-          <a:p>
-            <a:r>
-              <a:rPr lang="en-US" altLang="zh-CN" sz="6600" b="1">
-                <a:solidFill>
-                  <a:srgbClr val="3EAF7C"/>
-                </a:solidFill>
-              </a:rPr>
-              <a:t>=</a:t>
-            </a:r>
-            <a:endParaRPr lang="en-US" altLang="zh-CN" sz="6600" b="1">
-              <a:solidFill>
-                <a:srgbClr val="3EAF7C"/>
-              </a:solidFill>
-            </a:endParaRPr>
-          </a:p>
-        </p:txBody>
-      </p:sp>
-      <p:sp>
-        <p:nvSpPr>
-          <p:cNvPr id="15" name="文本框 14"/>
-          <p:cNvSpPr txBox="true"/>
-          <p:nvPr/>
-        </p:nvSpPr>
-        <p:spPr>
-          <a:xfrm>
-            <a:off x="8756650" y="1783715"/>
-            <a:ext cx="1090295" cy="583565"/>
-          </a:xfrm>
-          <a:prstGeom prst="rect">
-            <a:avLst/>
-          </a:prstGeom>
-          <a:noFill/>
-        </p:spPr>
-        <p:txBody>
-          <a:bodyPr wrap="none" rtlCol="0">
-            <a:spAutoFit/>
-          </a:bodyPr>
-          <a:p>
-            <a:r>
-              <a:rPr lang="en-US" altLang="zh-CN" sz="3200" b="1">
-                <a:solidFill>
-                  <a:srgbClr val="2C3E50"/>
-                </a:solidFill>
-              </a:rPr>
-              <a:t>DFS</a:t>
-            </a:r>
-            <a:endParaRPr lang="en-US" altLang="zh-CN" sz="3200" b="1">
-              <a:solidFill>
-                <a:srgbClr val="2C3E50"/>
-              </a:solidFill>
-            </a:endParaRPr>
-          </a:p>
-        </p:txBody>
-      </p:sp>
-      <p:sp>
-        <p:nvSpPr>
-          <p:cNvPr id="16" name="文本框 15"/>
-          <p:cNvSpPr txBox="true"/>
-          <p:nvPr/>
-        </p:nvSpPr>
-        <p:spPr>
-          <a:xfrm>
-            <a:off x="6825615" y="4032885"/>
-            <a:ext cx="1062990" cy="583565"/>
-          </a:xfrm>
-          <a:prstGeom prst="rect">
-            <a:avLst/>
-          </a:prstGeom>
-          <a:noFill/>
-        </p:spPr>
-        <p:txBody>
-          <a:bodyPr wrap="none" rtlCol="0">
-            <a:spAutoFit/>
-          </a:bodyPr>
-          <a:p>
-            <a:r>
-              <a:rPr lang="en-US" altLang="zh-CN" sz="3200" b="1">
-                <a:solidFill>
-                  <a:srgbClr val="2C3E50"/>
-                </a:solidFill>
-              </a:rPr>
-              <a:t>BFS</a:t>
-            </a:r>
-            <a:endParaRPr lang="en-US" altLang="zh-CN" sz="3200" b="1">
-              <a:solidFill>
-                <a:srgbClr val="2C3E50"/>
-              </a:solidFill>
-            </a:endParaRPr>
-          </a:p>
-        </p:txBody>
-      </p:sp>
-    </p:spTree>
-  </p:cSld>
-  <p:clrMapOvr>
-    <a:masterClrMapping/>
-  </p:clrMapOvr>
-</p:sld>
-</file>
-
-<file path=ppt/slides/slide6.xml><?xml version="1.0" encoding="utf-8"?>
-<p:sld xmlns:a="http://schemas.openxmlformats.org/drawingml/2006/main" xmlns:r="http://schemas.openxmlformats.org/officeDocument/2006/relationships" xmlns:p="http://schemas.openxmlformats.org/presentationml/2006/main">
-  <p:cSld>
-    <p:spTree>
-      <p:nvGrpSpPr>
-        <p:cNvPr id="1" name=""/>
-        <p:cNvGrpSpPr/>
-        <p:nvPr/>
-      </p:nvGrpSpPr>
-      <p:grpSpPr/>
-    </p:spTree>
-  </p:cSld>
-  <p:clrMapOvr>
-    <a:masterClrMapping/>
-  </p:clrMapOvr>
-</p:sld>
-</file>
-
-<file path=ppt/slides/slide7.xml><?xml version="1.0" encoding="utf-8"?>
-<p:sld xmlns:a="http://schemas.openxmlformats.org/drawingml/2006/main" xmlns:r="http://schemas.openxmlformats.org/officeDocument/2006/relationships" xmlns:p="http://schemas.openxmlformats.org/presentationml/2006/main">
-  <p:cSld>
-    <p:spTree>
-      <p:nvGrpSpPr>
-        <p:cNvPr id="1" name=""/>
-        <p:cNvGrpSpPr/>
-        <p:nvPr/>
-      </p:nvGrpSpPr>
-      <p:grpSpPr/>
-      <p:sp>
-        <p:nvSpPr>
-          <p:cNvPr id="2" name="Text Box 1"/>
-          <p:cNvSpPr txBox="true"/>
-          <p:nvPr/>
-        </p:nvSpPr>
-        <p:spPr>
-          <a:xfrm>
-            <a:off x="589915" y="429895"/>
-            <a:ext cx="1607820" cy="521970"/>
-          </a:xfrm>
-          <a:prstGeom prst="rect">
-            <a:avLst/>
-          </a:prstGeom>
-          <a:noFill/>
-        </p:spPr>
-        <p:txBody>
-          <a:bodyPr wrap="none" rtlCol="0">
-            <a:spAutoFit/>
-          </a:bodyPr>
-          <a:p>
-            <a:r>
-              <a:rPr lang="zh-CN" altLang="en-US" sz="2800" b="1">
-                <a:solidFill>
-                  <a:srgbClr val="2C3E50"/>
-                </a:solidFill>
-              </a:rPr>
-              <a:t>快慢指针</a:t>
-            </a:r>
-            <a:endParaRPr lang="zh-CN" altLang="en-US" sz="2800" b="1">
-              <a:solidFill>
-                <a:srgbClr val="2C3E50"/>
-              </a:solidFill>
-            </a:endParaRPr>
-          </a:p>
-        </p:txBody>
-      </p:sp>
-      <p:grpSp>
-        <p:nvGrpSpPr>
-          <p:cNvPr id="6" name="Group 5"/>
-          <p:cNvGrpSpPr/>
-          <p:nvPr/>
-        </p:nvGrpSpPr>
-        <p:grpSpPr>
-          <a:xfrm>
-            <a:off x="1629410" y="2649855"/>
-            <a:ext cx="3310255" cy="1802765"/>
-            <a:chOff x="1944" y="4297"/>
-            <a:chExt cx="5213" cy="2839"/>
-          </a:xfrm>
-        </p:grpSpPr>
-        <p:cxnSp>
-          <p:nvCxnSpPr>
-            <p:cNvPr id="3" name="Straight Connector 2"/>
-            <p:cNvCxnSpPr/>
-            <p:nvPr/>
-          </p:nvCxnSpPr>
-          <p:spPr>
-            <a:xfrm>
-              <a:off x="1944" y="4297"/>
-              <a:ext cx="3698" cy="11"/>
-            </a:xfrm>
-            <a:prstGeom prst="line">
-              <a:avLst/>
-            </a:prstGeom>
-            <a:ln w="38100">
-              <a:solidFill>
-                <a:srgbClr val="2C3E50"/>
-              </a:solidFill>
-            </a:ln>
-          </p:spPr>
-          <p:style>
-            <a:lnRef idx="1">
-              <a:schemeClr val="accent1"/>
-            </a:lnRef>
-            <a:fillRef idx="0">
-              <a:schemeClr val="accent1"/>
-            </a:fillRef>
-            <a:effectRef idx="0">
-              <a:schemeClr val="accent1"/>
-            </a:effectRef>
-            <a:fontRef idx="minor">
-              <a:schemeClr val="tx1"/>
-            </a:fontRef>
-          </p:style>
-        </p:cxnSp>
-        <p:sp>
-          <p:nvSpPr>
-            <p:cNvPr id="5" name="Oval 4"/>
-            <p:cNvSpPr/>
-            <p:nvPr/>
-          </p:nvSpPr>
-          <p:spPr>
-            <a:xfrm>
-              <a:off x="4307" y="4308"/>
-              <a:ext cx="2850" cy="2828"/>
-            </a:xfrm>
-            <a:prstGeom prst="ellipse">
-              <a:avLst/>
-            </a:prstGeom>
-            <a:noFill/>
-            <a:ln w="38100">
-              <a:solidFill>
-                <a:srgbClr val="2C3E50"/>
-              </a:solidFill>
-            </a:ln>
-            <a:extLst>
-              <a:ext uri="{909E8E84-426E-40DD-AFC4-6F175D3DCCD1}">
-                <a14:hiddenFill xmlns:a14="http://schemas.microsoft.com/office/drawing/2010/main">
-                  <a:solidFill>
-                    <a:schemeClr val="accent1"/>
-                  </a:solidFill>
-                </a14:hiddenFill>
-              </a:ext>
-            </a:extLst>
-          </p:spPr>
-          <p:style>
-            <a:lnRef idx="2">
-              <a:schemeClr val="accent1">
-                <a:shade val="50000"/>
-              </a:schemeClr>
-            </a:lnRef>
-            <a:fillRef idx="1">
-              <a:schemeClr val="accent1"/>
-            </a:fillRef>
-            <a:effectRef idx="0">
-              <a:schemeClr val="accent1"/>
-            </a:effectRef>
-            <a:fontRef idx="minor">
-              <a:schemeClr val="lt1"/>
-            </a:fontRef>
-          </p:style>
-          <p:txBody>
-            <a:bodyPr rtlCol="0" anchor="ctr"/>
-            <a:p>
-              <a:pPr algn="ctr"/>
-              <a:endParaRPr lang="en-US"/>
-            </a:p>
-          </p:txBody>
-        </p:sp>
-      </p:grpSp>
-      <p:sp>
-        <p:nvSpPr>
-          <p:cNvPr id="16" name="Text Box 15"/>
-          <p:cNvSpPr txBox="true"/>
-          <p:nvPr/>
-        </p:nvSpPr>
-        <p:spPr>
-          <a:xfrm>
-            <a:off x="1562735" y="2343150"/>
-            <a:ext cx="320675" cy="306705"/>
-          </a:xfrm>
-          <a:prstGeom prst="rect">
-            <a:avLst/>
-          </a:prstGeom>
-          <a:noFill/>
-        </p:spPr>
-        <p:txBody>
-          <a:bodyPr wrap="none" rtlCol="0">
-            <a:spAutoFit/>
-          </a:bodyPr>
-          <a:p>
-            <a:r>
-              <a:rPr lang="en-US" sz="1400" b="1">
-                <a:solidFill>
-                  <a:srgbClr val="2C3E50"/>
-                </a:solidFill>
-              </a:rPr>
-              <a:t>A</a:t>
-            </a:r>
-            <a:endParaRPr lang="en-US" sz="1400" b="1">
-              <a:solidFill>
-                <a:srgbClr val="2C3E50"/>
-              </a:solidFill>
-            </a:endParaRPr>
-          </a:p>
-        </p:txBody>
-      </p:sp>
-      <p:sp>
-        <p:nvSpPr>
-          <p:cNvPr id="17" name="Text Box 16"/>
-          <p:cNvSpPr txBox="true"/>
-          <p:nvPr/>
-        </p:nvSpPr>
-        <p:spPr>
-          <a:xfrm>
-            <a:off x="3825240" y="2343150"/>
-            <a:ext cx="318135" cy="306705"/>
-          </a:xfrm>
-          <a:prstGeom prst="rect">
-            <a:avLst/>
-          </a:prstGeom>
-          <a:noFill/>
-        </p:spPr>
-        <p:txBody>
-          <a:bodyPr wrap="none" rtlCol="0">
-            <a:spAutoFit/>
-          </a:bodyPr>
-          <a:p>
-            <a:r>
-              <a:rPr lang="en-US" sz="1400" b="1">
-                <a:solidFill>
-                  <a:srgbClr val="2C3E50"/>
-                </a:solidFill>
-              </a:rPr>
-              <a:t>B</a:t>
-            </a:r>
-            <a:endParaRPr lang="en-US" sz="1400" b="1">
-              <a:solidFill>
-                <a:srgbClr val="2C3E50"/>
-              </a:solidFill>
-            </a:endParaRPr>
-          </a:p>
-        </p:txBody>
-      </p:sp>
-      <p:sp>
-        <p:nvSpPr>
-          <p:cNvPr id="18" name="Text Box 17"/>
-          <p:cNvSpPr txBox="true"/>
-          <p:nvPr/>
-        </p:nvSpPr>
-        <p:spPr>
-          <a:xfrm>
-            <a:off x="4863465" y="3110230"/>
-            <a:ext cx="313055" cy="306705"/>
-          </a:xfrm>
-          <a:prstGeom prst="rect">
-            <a:avLst/>
-          </a:prstGeom>
-          <a:noFill/>
-        </p:spPr>
-        <p:txBody>
-          <a:bodyPr wrap="none" rtlCol="0">
-            <a:spAutoFit/>
-          </a:bodyPr>
-          <a:p>
-            <a:r>
-              <a:rPr lang="en-US" sz="1400" b="1">
-                <a:solidFill>
-                  <a:srgbClr val="2C3E50"/>
-                </a:solidFill>
-              </a:rPr>
-              <a:t>C</a:t>
-            </a:r>
-            <a:endParaRPr lang="en-US" sz="1400" b="1">
-              <a:solidFill>
-                <a:srgbClr val="2C3E50"/>
-              </a:solidFill>
-            </a:endParaRPr>
-          </a:p>
-        </p:txBody>
-      </p:sp>
-      <p:sp>
-        <p:nvSpPr>
-          <p:cNvPr id="19" name="Oval 18"/>
-          <p:cNvSpPr/>
-          <p:nvPr/>
-        </p:nvSpPr>
-        <p:spPr>
-          <a:xfrm>
-            <a:off x="1629410" y="2614930"/>
-            <a:ext cx="76200" cy="76200"/>
-          </a:xfrm>
-          <a:prstGeom prst="ellipse">
-            <a:avLst/>
-          </a:prstGeom>
-          <a:solidFill>
-            <a:srgbClr val="3EAF7C"/>
-          </a:solidFill>
-        </p:spPr>
-        <p:style>
-          <a:lnRef idx="2">
-            <a:schemeClr val="accent1">
-              <a:shade val="50000"/>
-            </a:schemeClr>
-          </a:lnRef>
-          <a:fillRef idx="1">
-            <a:schemeClr val="accent1"/>
-          </a:fillRef>
-          <a:effectRef idx="0">
-            <a:schemeClr val="accent1"/>
-          </a:effectRef>
-          <a:fontRef idx="minor">
-            <a:schemeClr val="lt1"/>
-          </a:fontRef>
-        </p:style>
-        <p:txBody>
-          <a:bodyPr rtlCol="0" anchor="ctr"/>
-          <a:p>
-            <a:pPr algn="ctr"/>
-            <a:endParaRPr lang="en-US"/>
-          </a:p>
-        </p:txBody>
-      </p:sp>
-      <p:sp>
-        <p:nvSpPr>
-          <p:cNvPr id="20" name="Oval 19"/>
-          <p:cNvSpPr/>
-          <p:nvPr/>
-        </p:nvSpPr>
-        <p:spPr>
-          <a:xfrm>
-            <a:off x="3945890" y="2614930"/>
-            <a:ext cx="76200" cy="76200"/>
-          </a:xfrm>
-          <a:prstGeom prst="ellipse">
-            <a:avLst/>
-          </a:prstGeom>
-          <a:solidFill>
-            <a:srgbClr val="3EAF7C"/>
-          </a:solidFill>
-        </p:spPr>
-        <p:style>
-          <a:lnRef idx="2">
-            <a:schemeClr val="accent1">
-              <a:shade val="50000"/>
-            </a:schemeClr>
-          </a:lnRef>
-          <a:fillRef idx="1">
-            <a:schemeClr val="accent1"/>
-          </a:fillRef>
-          <a:effectRef idx="0">
-            <a:schemeClr val="accent1"/>
-          </a:effectRef>
-          <a:fontRef idx="minor">
-            <a:schemeClr val="lt1"/>
-          </a:fontRef>
-        </p:style>
-        <p:txBody>
-          <a:bodyPr rtlCol="0" anchor="ctr"/>
-          <a:p>
-            <a:pPr algn="ctr"/>
-            <a:endParaRPr lang="en-US"/>
-          </a:p>
-        </p:txBody>
-      </p:sp>
-      <p:sp>
-        <p:nvSpPr>
-          <p:cNvPr id="21" name="Oval 20"/>
-          <p:cNvSpPr/>
-          <p:nvPr/>
-        </p:nvSpPr>
-        <p:spPr>
-          <a:xfrm>
-            <a:off x="4863465" y="3285490"/>
-            <a:ext cx="76200" cy="76200"/>
-          </a:xfrm>
-          <a:prstGeom prst="ellipse">
-            <a:avLst/>
-          </a:prstGeom>
-          <a:solidFill>
-            <a:srgbClr val="3EAF7C"/>
-          </a:solidFill>
-        </p:spPr>
-        <p:style>
-          <a:lnRef idx="2">
-            <a:schemeClr val="accent1">
-              <a:shade val="50000"/>
-            </a:schemeClr>
-          </a:lnRef>
-          <a:fillRef idx="1">
-            <a:schemeClr val="accent1"/>
-          </a:fillRef>
-          <a:effectRef idx="0">
-            <a:schemeClr val="accent1"/>
-          </a:effectRef>
-          <a:fontRef idx="minor">
-            <a:schemeClr val="lt1"/>
-          </a:fontRef>
-        </p:style>
-        <p:txBody>
-          <a:bodyPr rtlCol="0" anchor="ctr"/>
-          <a:p>
-            <a:pPr algn="ctr"/>
-            <a:endParaRPr lang="en-US"/>
-          </a:p>
-        </p:txBody>
-      </p:sp>
-      <p:sp>
-        <p:nvSpPr>
-          <p:cNvPr id="22" name="Text Box 21"/>
-          <p:cNvSpPr txBox="true"/>
-          <p:nvPr/>
-        </p:nvSpPr>
-        <p:spPr>
-          <a:xfrm>
-            <a:off x="1705610" y="5220335"/>
-            <a:ext cx="2655570" cy="583565"/>
-          </a:xfrm>
-          <a:prstGeom prst="rect">
-            <a:avLst/>
-          </a:prstGeom>
-          <a:noFill/>
-        </p:spPr>
-        <p:txBody>
-          <a:bodyPr wrap="none" rtlCol="0">
-            <a:spAutoFit/>
-          </a:bodyPr>
-          <a:p>
-            <a:r>
-              <a:rPr lang="zh-CN" altLang="en-US" sz="1600" b="1">
-                <a:solidFill>
-                  <a:srgbClr val="2C3E50"/>
-                </a:solidFill>
-              </a:rPr>
-              <a:t>设：</a:t>
-            </a:r>
-            <a:r>
-              <a:rPr lang="en-US" sz="1600" b="1">
-                <a:solidFill>
-                  <a:srgbClr val="2C3E50"/>
-                </a:solidFill>
-              </a:rPr>
-              <a:t>AB=m BC=n CB=k</a:t>
-            </a:r>
-            <a:endParaRPr lang="en-US" sz="1600" b="1">
-              <a:solidFill>
-                <a:srgbClr val="2C3E50"/>
-              </a:solidFill>
-            </a:endParaRPr>
-          </a:p>
-          <a:p>
-            <a:r>
-              <a:rPr lang="en-US" altLang="en-US" sz="1600" b="1">
-                <a:solidFill>
-                  <a:srgbClr val="2C3E50"/>
-                </a:solidFill>
-              </a:rPr>
-              <a:t>      </a:t>
-            </a:r>
-            <a:r>
-              <a:rPr lang="zh-CN" altLang="en-US" sz="1600" b="1">
-                <a:solidFill>
-                  <a:srgbClr val="2C3E50"/>
-                </a:solidFill>
-              </a:rPr>
-              <a:t>环周长为</a:t>
-            </a:r>
-            <a:r>
-              <a:rPr lang="en-US" altLang="zh-CN" sz="1600" b="1">
-                <a:solidFill>
-                  <a:srgbClr val="2C3E50"/>
-                </a:solidFill>
-              </a:rPr>
-              <a:t> R</a:t>
-            </a:r>
-            <a:endParaRPr lang="en-US" altLang="zh-CN" sz="1600" b="1">
-              <a:solidFill>
-                <a:srgbClr val="2C3E50"/>
-              </a:solidFill>
-            </a:endParaRPr>
-          </a:p>
-        </p:txBody>
-      </p:sp>
-      <p:cxnSp>
-        <p:nvCxnSpPr>
-          <p:cNvPr id="23" name="Straight Connector 22"/>
-          <p:cNvCxnSpPr/>
-          <p:nvPr/>
-        </p:nvCxnSpPr>
-        <p:spPr>
-          <a:xfrm>
-            <a:off x="5808345" y="1457325"/>
-            <a:ext cx="29845" cy="4654550"/>
-          </a:xfrm>
-          <a:prstGeom prst="line">
-            <a:avLst/>
-          </a:prstGeom>
-          <a:ln w="28575">
-            <a:solidFill>
-              <a:srgbClr val="3EAF7C"/>
-            </a:solidFill>
-            <a:prstDash val="sysDash"/>
-          </a:ln>
-        </p:spPr>
-        <p:style>
-          <a:lnRef idx="1">
-            <a:schemeClr val="accent1"/>
-          </a:lnRef>
-          <a:fillRef idx="0">
-            <a:schemeClr val="accent1"/>
-          </a:fillRef>
-          <a:effectRef idx="0">
-            <a:schemeClr val="accent1"/>
-          </a:effectRef>
-          <a:fontRef idx="minor">
-            <a:schemeClr val="tx1"/>
-          </a:fontRef>
-        </p:style>
-      </p:cxnSp>
-      <p:sp>
-        <p:nvSpPr>
-          <p:cNvPr id="24" name="Text Box 23"/>
-          <p:cNvSpPr txBox="true"/>
-          <p:nvPr/>
-        </p:nvSpPr>
-        <p:spPr>
-          <a:xfrm>
-            <a:off x="6113780" y="1457325"/>
-            <a:ext cx="3655695" cy="275590"/>
-          </a:xfrm>
-          <a:prstGeom prst="rect">
-            <a:avLst/>
-          </a:prstGeom>
-          <a:noFill/>
-        </p:spPr>
-        <p:txBody>
-          <a:bodyPr wrap="none" rtlCol="0">
-            <a:spAutoFit/>
-          </a:bodyPr>
-          <a:p>
-            <a:r>
-              <a:rPr lang="zh-CN" altLang="en-US" sz="1200" b="1">
-                <a:solidFill>
-                  <a:srgbClr val="2C3E50"/>
-                </a:solidFill>
-              </a:rPr>
-              <a:t>问题</a:t>
-            </a:r>
-            <a:r>
-              <a:rPr lang="en-US" altLang="zh-CN" sz="1200" b="1">
-                <a:solidFill>
-                  <a:srgbClr val="2C3E50"/>
-                </a:solidFill>
-              </a:rPr>
-              <a:t>1</a:t>
-            </a:r>
-            <a:r>
-              <a:rPr lang="zh-CN" altLang="en-US" sz="1200" b="1">
-                <a:solidFill>
-                  <a:srgbClr val="2C3E50"/>
-                </a:solidFill>
-              </a:rPr>
-              <a:t>：证明如果存在环，那么快慢指针一定会相遇</a:t>
-            </a:r>
-            <a:endParaRPr lang="zh-CN" altLang="en-US" sz="1200" b="1">
-              <a:solidFill>
-                <a:srgbClr val="2C3E50"/>
-              </a:solidFill>
-            </a:endParaRPr>
-          </a:p>
-        </p:txBody>
-      </p:sp>
-      <p:sp>
-        <p:nvSpPr>
-          <p:cNvPr id="25" name="Text Box 24"/>
-          <p:cNvSpPr txBox="true"/>
-          <p:nvPr/>
-        </p:nvSpPr>
-        <p:spPr>
-          <a:xfrm>
-            <a:off x="6167755" y="1791970"/>
-            <a:ext cx="5010785" cy="1014730"/>
-          </a:xfrm>
-          <a:prstGeom prst="rect">
-            <a:avLst/>
-          </a:prstGeom>
-          <a:noFill/>
-        </p:spPr>
-        <p:txBody>
-          <a:bodyPr wrap="none" rtlCol="0">
-            <a:spAutoFit/>
-          </a:bodyPr>
-          <a:p>
-            <a:r>
-              <a:rPr lang="en-US" sz="1000" b="1">
-                <a:solidFill>
-                  <a:srgbClr val="2C3E50"/>
-                </a:solidFill>
-              </a:rPr>
-              <a:t>1.</a:t>
-            </a:r>
-            <a:r>
-              <a:rPr lang="zh-CN" altLang="en-US" sz="1000" b="1">
-                <a:solidFill>
-                  <a:srgbClr val="2C3E50"/>
-                </a:solidFill>
-              </a:rPr>
-              <a:t>如果存在环，那么必然当慢指针到达</a:t>
-            </a:r>
-            <a:r>
-              <a:rPr lang="en-US" altLang="zh-CN" sz="1000" b="1">
-                <a:solidFill>
-                  <a:srgbClr val="2C3E50"/>
-                </a:solidFill>
-              </a:rPr>
-              <a:t>B</a:t>
-            </a:r>
-            <a:r>
-              <a:rPr lang="zh-CN" altLang="en-US" sz="1000" b="1">
-                <a:solidFill>
-                  <a:srgbClr val="2C3E50"/>
-                </a:solidFill>
-              </a:rPr>
-              <a:t>点时，会形成快指针追赶慢指针的情况，假设</a:t>
-            </a:r>
-            <a:endParaRPr lang="zh-CN" altLang="en-US" sz="1000" b="1">
-              <a:solidFill>
-                <a:srgbClr val="2C3E50"/>
-              </a:solidFill>
-            </a:endParaRPr>
-          </a:p>
-          <a:p>
-            <a:r>
-              <a:rPr lang="en-US" altLang="zh-CN" sz="1000" b="1">
-                <a:solidFill>
-                  <a:srgbClr val="2C3E50"/>
-                </a:solidFill>
-              </a:rPr>
-              <a:t>   </a:t>
-            </a:r>
-            <a:r>
-              <a:rPr lang="zh-CN" altLang="en-US" sz="1000" b="1">
-                <a:solidFill>
-                  <a:srgbClr val="2C3E50"/>
-                </a:solidFill>
-              </a:rPr>
-              <a:t>此时，快慢指针之间相差</a:t>
-            </a:r>
-            <a:r>
-              <a:rPr lang="en-US" altLang="zh-CN" sz="1000" b="1">
-                <a:solidFill>
-                  <a:srgbClr val="2C3E50"/>
-                </a:solidFill>
-              </a:rPr>
-              <a:t>N</a:t>
-            </a:r>
-            <a:r>
-              <a:rPr lang="zh-CN" altLang="en-US" sz="1000" b="1">
-                <a:solidFill>
-                  <a:srgbClr val="2C3E50"/>
-                </a:solidFill>
-              </a:rPr>
-              <a:t>步</a:t>
-            </a:r>
-            <a:endParaRPr lang="zh-CN" altLang="en-US" sz="1000" b="1">
-              <a:solidFill>
-                <a:srgbClr val="2C3E50"/>
-              </a:solidFill>
-            </a:endParaRPr>
-          </a:p>
-          <a:p>
-            <a:r>
-              <a:rPr lang="en-US" altLang="zh-CN" sz="1000" b="1">
-                <a:solidFill>
-                  <a:srgbClr val="2C3E50"/>
-                </a:solidFill>
-              </a:rPr>
-              <a:t>2.</a:t>
-            </a:r>
-            <a:r>
-              <a:rPr lang="zh-CN" altLang="en-US" sz="1000" b="1">
-                <a:solidFill>
-                  <a:srgbClr val="2C3E50"/>
-                </a:solidFill>
-              </a:rPr>
-              <a:t>在下一次指针移动后，那么快指针之间相差（</a:t>
-            </a:r>
-            <a:r>
-              <a:rPr lang="en-US" altLang="zh-CN" sz="1000" b="1">
-                <a:solidFill>
-                  <a:srgbClr val="2C3E50"/>
-                </a:solidFill>
-              </a:rPr>
-              <a:t>N+1-2</a:t>
-            </a:r>
-            <a:r>
-              <a:rPr lang="zh-CN" altLang="en-US" sz="1000" b="1">
-                <a:solidFill>
-                  <a:srgbClr val="2C3E50"/>
-                </a:solidFill>
-              </a:rPr>
-              <a:t>）</a:t>
-            </a:r>
-            <a:r>
-              <a:rPr lang="en-US" altLang="zh-CN" sz="1000" b="1">
-                <a:solidFill>
-                  <a:srgbClr val="2C3E50"/>
-                </a:solidFill>
-              </a:rPr>
-              <a:t>=N-1</a:t>
-            </a:r>
-            <a:r>
-              <a:rPr lang="zh-CN" altLang="en-US" sz="1000" b="1">
-                <a:solidFill>
-                  <a:srgbClr val="2C3E50"/>
-                </a:solidFill>
-              </a:rPr>
-              <a:t>步</a:t>
-            </a:r>
-            <a:endParaRPr lang="zh-CN" altLang="en-US" sz="1000" b="1">
-              <a:solidFill>
-                <a:srgbClr val="2C3E50"/>
-              </a:solidFill>
-            </a:endParaRPr>
-          </a:p>
-          <a:p>
-            <a:r>
-              <a:rPr lang="en-US" altLang="zh-CN" sz="1000" b="1">
-                <a:solidFill>
-                  <a:srgbClr val="2C3E50"/>
-                </a:solidFill>
-              </a:rPr>
-              <a:t>3.</a:t>
-            </a:r>
-            <a:r>
-              <a:rPr lang="zh-CN" altLang="en-US" sz="1000" b="1">
-                <a:solidFill>
-                  <a:srgbClr val="2C3E50"/>
-                </a:solidFill>
-              </a:rPr>
-              <a:t>最终必然会出现快指针之间相差</a:t>
-            </a:r>
-            <a:r>
-              <a:rPr lang="en-US" altLang="zh-CN" sz="1000" b="1">
-                <a:solidFill>
-                  <a:srgbClr val="2C3E50"/>
-                </a:solidFill>
-              </a:rPr>
-              <a:t>1</a:t>
-            </a:r>
-            <a:r>
-              <a:rPr lang="zh-CN" altLang="en-US" sz="1000" b="1">
-                <a:solidFill>
-                  <a:srgbClr val="2C3E50"/>
-                </a:solidFill>
-              </a:rPr>
-              <a:t>或者</a:t>
-            </a:r>
-            <a:r>
-              <a:rPr lang="en-US" altLang="zh-CN" sz="1000" b="1">
-                <a:solidFill>
-                  <a:srgbClr val="2C3E50"/>
-                </a:solidFill>
-              </a:rPr>
-              <a:t>2</a:t>
-            </a:r>
-            <a:r>
-              <a:rPr lang="zh-CN" altLang="en-US" sz="1000" b="1">
-                <a:solidFill>
-                  <a:srgbClr val="2C3E50"/>
-                </a:solidFill>
-              </a:rPr>
-              <a:t>步</a:t>
-            </a:r>
-            <a:endParaRPr lang="zh-CN" altLang="en-US" sz="1000" b="1">
-              <a:solidFill>
-                <a:srgbClr val="2C3E50"/>
-              </a:solidFill>
-            </a:endParaRPr>
-          </a:p>
-          <a:p>
-            <a:r>
-              <a:rPr lang="en-US" altLang="zh-CN" sz="1000" b="1">
-                <a:solidFill>
-                  <a:srgbClr val="2C3E50"/>
-                </a:solidFill>
-              </a:rPr>
-              <a:t>4.</a:t>
-            </a:r>
-            <a:r>
-              <a:rPr lang="zh-CN" altLang="en-US" sz="1000" b="1">
-                <a:solidFill>
-                  <a:srgbClr val="2C3E50"/>
-                </a:solidFill>
-              </a:rPr>
-              <a:t>如果相差</a:t>
-            </a:r>
-            <a:r>
-              <a:rPr lang="en-US" altLang="zh-CN" sz="1000" b="1">
-                <a:solidFill>
-                  <a:srgbClr val="2C3E50"/>
-                </a:solidFill>
-              </a:rPr>
-              <a:t>1</a:t>
-            </a:r>
-            <a:r>
-              <a:rPr lang="zh-CN" altLang="en-US" sz="1000" b="1">
-                <a:solidFill>
-                  <a:srgbClr val="2C3E50"/>
-                </a:solidFill>
-              </a:rPr>
-              <a:t>步，那会在下一步指针移动时会相遇</a:t>
-            </a:r>
-            <a:endParaRPr lang="zh-CN" altLang="en-US" sz="1000" b="1">
-              <a:solidFill>
-                <a:srgbClr val="2C3E50"/>
-              </a:solidFill>
-            </a:endParaRPr>
-          </a:p>
-          <a:p>
-            <a:r>
-              <a:rPr lang="en-US" altLang="zh-CN" sz="1000" b="1">
-                <a:solidFill>
-                  <a:srgbClr val="2C3E50"/>
-                </a:solidFill>
-              </a:rPr>
-              <a:t>5.</a:t>
-            </a:r>
-            <a:r>
-              <a:rPr lang="zh-CN" altLang="en-US" sz="1000" b="1">
-                <a:solidFill>
-                  <a:srgbClr val="2C3E50"/>
-                </a:solidFill>
-              </a:rPr>
-              <a:t>如果相差</a:t>
-            </a:r>
-            <a:r>
-              <a:rPr lang="en-US" altLang="zh-CN" sz="1000" b="1">
-                <a:solidFill>
-                  <a:srgbClr val="2C3E50"/>
-                </a:solidFill>
-              </a:rPr>
-              <a:t>2</a:t>
-            </a:r>
-            <a:r>
-              <a:rPr lang="zh-CN" altLang="en-US" sz="1000" b="1">
-                <a:solidFill>
-                  <a:srgbClr val="2C3E50"/>
-                </a:solidFill>
-              </a:rPr>
-              <a:t>步，那么下一步指针移动会转化为相差</a:t>
-            </a:r>
-            <a:r>
-              <a:rPr lang="en-US" altLang="zh-CN" sz="1000" b="1">
-                <a:solidFill>
-                  <a:srgbClr val="2C3E50"/>
-                </a:solidFill>
-              </a:rPr>
-              <a:t>1</a:t>
-            </a:r>
-            <a:r>
-              <a:rPr lang="zh-CN" altLang="en-US" sz="1000" b="1">
-                <a:solidFill>
-                  <a:srgbClr val="2C3E50"/>
-                </a:solidFill>
-              </a:rPr>
-              <a:t>步的情况，再移动一次就会相遇</a:t>
-            </a:r>
-            <a:endParaRPr lang="en-US" altLang="zh-CN" sz="1000" b="1">
-              <a:solidFill>
-                <a:srgbClr val="2C3E50"/>
-              </a:solidFill>
-            </a:endParaRPr>
-          </a:p>
-        </p:txBody>
-      </p:sp>
-      <p:sp>
-        <p:nvSpPr>
-          <p:cNvPr id="26" name="Text Box 25"/>
-          <p:cNvSpPr txBox="true"/>
-          <p:nvPr/>
-        </p:nvSpPr>
-        <p:spPr>
-          <a:xfrm>
-            <a:off x="6167755" y="3185795"/>
-            <a:ext cx="2241550" cy="275590"/>
-          </a:xfrm>
-          <a:prstGeom prst="rect">
-            <a:avLst/>
-          </a:prstGeom>
-          <a:noFill/>
-        </p:spPr>
-        <p:txBody>
-          <a:bodyPr wrap="none" rtlCol="0">
-            <a:spAutoFit/>
-          </a:bodyPr>
-          <a:p>
-            <a:r>
-              <a:rPr lang="zh-CN" altLang="en-US" sz="1200" b="1">
-                <a:solidFill>
-                  <a:srgbClr val="2C3E50"/>
-                </a:solidFill>
-              </a:rPr>
-              <a:t>问题</a:t>
-            </a:r>
-            <a:r>
-              <a:rPr lang="en-US" altLang="zh-CN" sz="1200" b="1">
-                <a:solidFill>
-                  <a:srgbClr val="2C3E50"/>
-                </a:solidFill>
-              </a:rPr>
-              <a:t>2</a:t>
-            </a:r>
-            <a:r>
-              <a:rPr lang="zh-CN" altLang="en-US" sz="1200" b="1">
-                <a:solidFill>
-                  <a:srgbClr val="2C3E50"/>
-                </a:solidFill>
-              </a:rPr>
-              <a:t>：找出环的起点</a:t>
-            </a:r>
-            <a:r>
-              <a:rPr lang="en-US" altLang="zh-CN" sz="1200" b="1">
-                <a:solidFill>
-                  <a:srgbClr val="2C3E50"/>
-                </a:solidFill>
-              </a:rPr>
-              <a:t>B</a:t>
-            </a:r>
-            <a:r>
-              <a:rPr lang="zh-CN" altLang="en-US" sz="1200" b="1">
-                <a:solidFill>
-                  <a:srgbClr val="2C3E50"/>
-                </a:solidFill>
-              </a:rPr>
-              <a:t>的位置</a:t>
-            </a:r>
-            <a:endParaRPr lang="zh-CN" altLang="en-US" sz="1200" b="1">
-              <a:solidFill>
-                <a:srgbClr val="2C3E50"/>
-              </a:solidFill>
-            </a:endParaRPr>
-          </a:p>
-        </p:txBody>
-      </p:sp>
-      <p:sp>
-        <p:nvSpPr>
-          <p:cNvPr id="27" name="Text Box 26"/>
-          <p:cNvSpPr txBox="true"/>
-          <p:nvPr/>
-        </p:nvSpPr>
-        <p:spPr>
-          <a:xfrm>
-            <a:off x="6329045" y="3718560"/>
-            <a:ext cx="4623435" cy="1630045"/>
-          </a:xfrm>
-          <a:prstGeom prst="rect">
-            <a:avLst/>
-          </a:prstGeom>
-          <a:noFill/>
-        </p:spPr>
-        <p:txBody>
-          <a:bodyPr wrap="none" rtlCol="0">
-            <a:spAutoFit/>
-          </a:bodyPr>
-          <a:p>
-            <a:r>
-              <a:rPr lang="zh-CN" altLang="en-US" sz="1000" b="1">
-                <a:solidFill>
-                  <a:srgbClr val="2C3E50"/>
-                </a:solidFill>
-              </a:rPr>
-              <a:t>由问题</a:t>
-            </a:r>
-            <a:r>
-              <a:rPr lang="en-US" altLang="zh-CN" sz="1000" b="1">
-                <a:solidFill>
-                  <a:srgbClr val="2C3E50"/>
-                </a:solidFill>
-              </a:rPr>
-              <a:t>1</a:t>
-            </a:r>
-            <a:r>
-              <a:rPr lang="zh-CN" altLang="en-US" sz="1000" b="1">
-                <a:solidFill>
-                  <a:srgbClr val="2C3E50"/>
-                </a:solidFill>
-              </a:rPr>
-              <a:t>可知，如果存在环那么快慢指针必然会相遇，那么就会存在如下等式：</a:t>
-            </a:r>
-            <a:endParaRPr lang="zh-CN" altLang="en-US" sz="1000" b="1">
-              <a:solidFill>
-                <a:srgbClr val="2C3E50"/>
-              </a:solidFill>
-            </a:endParaRPr>
-          </a:p>
-          <a:p>
-            <a:endParaRPr lang="en-US" altLang="zh-CN" sz="1000" b="1">
-              <a:solidFill>
-                <a:srgbClr val="2C3E50"/>
-              </a:solidFill>
-            </a:endParaRPr>
-          </a:p>
-          <a:p>
-            <a:r>
-              <a:rPr lang="en-US" altLang="en-US" sz="1000" b="1">
-                <a:solidFill>
-                  <a:srgbClr val="2C3E50"/>
-                </a:solidFill>
-              </a:rPr>
-              <a:t>2(m+n) = m+n+xR</a:t>
-            </a:r>
-            <a:endParaRPr lang="en-US" altLang="en-US" sz="1000" b="1">
-              <a:solidFill>
-                <a:srgbClr val="2C3E50"/>
-              </a:solidFill>
-            </a:endParaRPr>
-          </a:p>
-          <a:p>
-            <a:endParaRPr lang="en-US" altLang="en-US" sz="1000" b="1">
-              <a:solidFill>
-                <a:srgbClr val="2C3E50"/>
-              </a:solidFill>
-            </a:endParaRPr>
-          </a:p>
-          <a:p>
-            <a:r>
-              <a:rPr lang="zh-CN" altLang="en-US" sz="1000" b="1">
-                <a:solidFill>
-                  <a:srgbClr val="2C3E50"/>
-                </a:solidFill>
-              </a:rPr>
-              <a:t>化简之后如下：</a:t>
-            </a:r>
-            <a:endParaRPr lang="zh-CN" altLang="en-US" sz="1000" b="1">
-              <a:solidFill>
-                <a:srgbClr val="2C3E50"/>
-              </a:solidFill>
-            </a:endParaRPr>
-          </a:p>
-          <a:p>
-            <a:endParaRPr lang="zh-CN" altLang="en-US" sz="1000" b="1">
-              <a:solidFill>
-                <a:srgbClr val="2C3E50"/>
-              </a:solidFill>
-            </a:endParaRPr>
-          </a:p>
-          <a:p>
-            <a:r>
-              <a:rPr lang="en-US" altLang="zh-CN" sz="1000" b="1">
-                <a:solidFill>
-                  <a:srgbClr val="2C3E50"/>
-                </a:solidFill>
-              </a:rPr>
-              <a:t>m=xR-n </a:t>
-            </a:r>
-            <a:endParaRPr lang="en-US" altLang="zh-CN" sz="1000" b="1">
-              <a:solidFill>
-                <a:srgbClr val="2C3E50"/>
-              </a:solidFill>
-            </a:endParaRPr>
-          </a:p>
-          <a:p>
-            <a:endParaRPr lang="en-US" altLang="zh-CN" sz="1000" b="1">
-              <a:solidFill>
-                <a:srgbClr val="2C3E50"/>
-              </a:solidFill>
-            </a:endParaRPr>
-          </a:p>
-          <a:p>
-            <a:r>
-              <a:rPr lang="zh-CN" altLang="en-US" sz="1000" b="1">
-                <a:solidFill>
-                  <a:srgbClr val="2C3E50"/>
-                </a:solidFill>
-              </a:rPr>
-              <a:t>由上面的等式当</a:t>
-            </a:r>
-            <a:r>
-              <a:rPr lang="en-US" altLang="zh-CN" sz="1000" b="1">
-                <a:solidFill>
-                  <a:srgbClr val="2C3E50"/>
-                </a:solidFill>
-              </a:rPr>
-              <a:t>x=1</a:t>
-            </a:r>
-            <a:r>
-              <a:rPr lang="zh-CN" altLang="en-US" sz="1000" b="1">
-                <a:solidFill>
-                  <a:srgbClr val="2C3E50"/>
-                </a:solidFill>
-              </a:rPr>
-              <a:t>时，存在</a:t>
-            </a:r>
-            <a:r>
-              <a:rPr lang="en-US" altLang="zh-CN" sz="1000" b="1">
-                <a:solidFill>
-                  <a:srgbClr val="2C3E50"/>
-                </a:solidFill>
-              </a:rPr>
-              <a:t>AB=CB</a:t>
-            </a:r>
-            <a:r>
-              <a:rPr lang="zh-CN" altLang="en-US" sz="1000" b="1">
-                <a:solidFill>
-                  <a:srgbClr val="2C3E50"/>
-                </a:solidFill>
-              </a:rPr>
-              <a:t>，这时设置慢指针在</a:t>
-            </a:r>
-            <a:r>
-              <a:rPr lang="en-US" altLang="zh-CN" sz="1000" b="1">
-                <a:solidFill>
-                  <a:srgbClr val="2C3E50"/>
-                </a:solidFill>
-              </a:rPr>
-              <a:t>A</a:t>
-            </a:r>
-            <a:r>
-              <a:rPr lang="zh-CN" altLang="en-US" sz="1000" b="1">
-                <a:solidFill>
-                  <a:srgbClr val="2C3E50"/>
-                </a:solidFill>
-              </a:rPr>
-              <a:t>，快指针不变还在</a:t>
-            </a:r>
-            <a:endParaRPr lang="zh-CN" altLang="en-US" sz="1000" b="1">
-              <a:solidFill>
-                <a:srgbClr val="2C3E50"/>
-              </a:solidFill>
-            </a:endParaRPr>
-          </a:p>
-          <a:p>
-            <a:r>
-              <a:rPr lang="zh-CN" altLang="en-US" sz="1000" b="1">
-                <a:solidFill>
-                  <a:srgbClr val="2C3E50"/>
-                </a:solidFill>
-              </a:rPr>
-              <a:t>相遇点</a:t>
-            </a:r>
-            <a:r>
-              <a:rPr lang="en-US" altLang="zh-CN" sz="1000" b="1">
-                <a:solidFill>
-                  <a:srgbClr val="2C3E50"/>
-                </a:solidFill>
-              </a:rPr>
-              <a:t>C</a:t>
-            </a:r>
-            <a:r>
-              <a:rPr lang="zh-CN" altLang="en-US" sz="1000" b="1">
-                <a:solidFill>
-                  <a:srgbClr val="2C3E50"/>
-                </a:solidFill>
-              </a:rPr>
-              <a:t>，而且设置一次移动</a:t>
-            </a:r>
-            <a:r>
-              <a:rPr lang="en-US" altLang="zh-CN" sz="1000" b="1">
-                <a:solidFill>
-                  <a:srgbClr val="2C3E50"/>
-                </a:solidFill>
-              </a:rPr>
-              <a:t>1</a:t>
-            </a:r>
-            <a:r>
-              <a:rPr lang="zh-CN" altLang="en-US" sz="1000" b="1">
-                <a:solidFill>
-                  <a:srgbClr val="2C3E50"/>
-                </a:solidFill>
-              </a:rPr>
-              <a:t>步，那么相遇点就是环的起点</a:t>
-            </a:r>
-            <a:r>
-              <a:rPr lang="en-US" altLang="zh-CN" sz="1000" b="1">
-                <a:solidFill>
-                  <a:srgbClr val="2C3E50"/>
-                </a:solidFill>
-              </a:rPr>
-              <a:t>B</a:t>
-            </a:r>
-            <a:endParaRPr lang="en-US" altLang="zh-CN" sz="1000" b="1">
-              <a:solidFill>
-                <a:srgbClr val="2C3E50"/>
-              </a:solidFill>
-            </a:endParaRPr>
-          </a:p>
-        </p:txBody>
-      </p:sp>
-    </p:spTree>
-  </p:cSld>
-  <p:clrMapOvr>
-    <a:masterClrMapping/>
-  </p:clrMapOvr>
-</p:sld>
-</file>
-
-<file path=ppt/slides/slide8.xml><?xml version="1.0" encoding="utf-8"?>
-<p:sld xmlns:a="http://schemas.openxmlformats.org/drawingml/2006/main" xmlns:r="http://schemas.openxmlformats.org/officeDocument/2006/relationships" xmlns:p="http://schemas.openxmlformats.org/presentationml/2006/main">
-  <p:cSld>
-    <p:spTree>
-      <p:nvGrpSpPr>
-        <p:cNvPr id="1" name=""/>
-        <p:cNvGrpSpPr/>
-        <p:nvPr/>
-      </p:nvGrpSpPr>
-      <p:grpSpPr/>
-      <p:sp>
-        <p:nvSpPr>
-          <p:cNvPr id="2" name="Text Box 1"/>
-          <p:cNvSpPr txBox="true"/>
-          <p:nvPr/>
-        </p:nvSpPr>
-        <p:spPr>
-          <a:xfrm>
-            <a:off x="589915" y="429895"/>
-            <a:ext cx="1607820" cy="521970"/>
-          </a:xfrm>
-          <a:prstGeom prst="rect">
-            <a:avLst/>
-          </a:prstGeom>
-          <a:noFill/>
-        </p:spPr>
-        <p:txBody>
-          <a:bodyPr wrap="none" rtlCol="0">
-            <a:spAutoFit/>
-          </a:bodyPr>
-          <a:p>
-            <a:r>
-              <a:rPr lang="zh-CN" altLang="en-US" sz="2800" b="1">
-                <a:solidFill>
-                  <a:srgbClr val="2C3E50"/>
-                </a:solidFill>
-              </a:rPr>
-              <a:t>动态规划</a:t>
-            </a:r>
-            <a:endParaRPr lang="zh-CN" altLang="en-US" sz="2800" b="1">
-              <a:solidFill>
-                <a:srgbClr val="2C3E50"/>
-              </a:solidFill>
-            </a:endParaRPr>
-          </a:p>
-        </p:txBody>
-      </p:sp>
-      <p:sp>
-        <p:nvSpPr>
-          <p:cNvPr id="3" name="Text Box 2"/>
-          <p:cNvSpPr txBox="true"/>
-          <p:nvPr/>
-        </p:nvSpPr>
-        <p:spPr>
-          <a:xfrm>
-            <a:off x="708025" y="1409065"/>
-            <a:ext cx="6163310" cy="368300"/>
-          </a:xfrm>
-          <a:prstGeom prst="rect">
-            <a:avLst/>
-          </a:prstGeom>
-          <a:noFill/>
-        </p:spPr>
-        <p:txBody>
-          <a:bodyPr wrap="none" rtlCol="0">
-            <a:spAutoFit/>
-          </a:bodyPr>
-          <a:p>
-            <a:r>
-              <a:rPr lang="zh-CN" altLang="en-US" b="1">
-                <a:solidFill>
-                  <a:srgbClr val="2C3E50"/>
-                </a:solidFill>
-              </a:rPr>
-              <a:t>解决的问题：如果给定一个问题规模为</a:t>
-            </a:r>
-            <a:r>
-              <a:rPr lang="en-US" altLang="zh-CN" b="1">
-                <a:solidFill>
-                  <a:srgbClr val="2C3E50"/>
-                </a:solidFill>
-              </a:rPr>
-              <a:t>n,</a:t>
-            </a:r>
-            <a:r>
-              <a:rPr lang="zh-CN" altLang="en-US" b="1">
-                <a:solidFill>
-                  <a:srgbClr val="2C3E50"/>
-                </a:solidFill>
-              </a:rPr>
-              <a:t>且具备如下性质：</a:t>
-            </a:r>
-            <a:endParaRPr lang="zh-CN" altLang="en-US" b="1">
-              <a:solidFill>
-                <a:srgbClr val="2C3E50"/>
-              </a:solidFill>
-            </a:endParaRPr>
-          </a:p>
-        </p:txBody>
-      </p:sp>
-      <p:sp>
-        <p:nvSpPr>
-          <p:cNvPr id="5" name="Text Box 4"/>
-          <p:cNvSpPr txBox="true"/>
-          <p:nvPr/>
-        </p:nvSpPr>
-        <p:spPr>
-          <a:xfrm>
-            <a:off x="2128520" y="2006600"/>
-            <a:ext cx="6868160" cy="1123950"/>
-          </a:xfrm>
-          <a:prstGeom prst="rect">
-            <a:avLst/>
-          </a:prstGeom>
-          <a:noFill/>
-        </p:spPr>
-        <p:txBody>
-          <a:bodyPr wrap="none" rtlCol="0">
-            <a:spAutoFit/>
-          </a:bodyPr>
-          <a:p>
-            <a:pPr marL="342900" indent="-342900">
-              <a:lnSpc>
-                <a:spcPct val="140000"/>
-              </a:lnSpc>
-              <a:buAutoNum type="arabicPeriod"/>
-            </a:pPr>
-            <a:r>
-              <a:rPr lang="zh-CN" altLang="en-US" sz="1600" b="1">
-                <a:solidFill>
-                  <a:srgbClr val="2C3E50"/>
-                </a:solidFill>
-              </a:rPr>
-              <a:t>问题规模可以分解，也就是具备</a:t>
-            </a:r>
-            <a:r>
-              <a:rPr lang="en-US" altLang="zh-CN" sz="1600" b="1">
-                <a:solidFill>
-                  <a:srgbClr val="2C3E50"/>
-                </a:solidFill>
-              </a:rPr>
-              <a:t>f(n)=f(m)+a[n-m]</a:t>
-            </a:r>
-            <a:r>
-              <a:rPr lang="zh-CN" altLang="en-US" sz="1600" b="1">
-                <a:solidFill>
-                  <a:srgbClr val="2C3E50"/>
-                </a:solidFill>
-              </a:rPr>
-              <a:t>或者</a:t>
-            </a:r>
-            <a:r>
-              <a:rPr lang="en-US" altLang="zh-CN" sz="1600" b="1">
-                <a:solidFill>
-                  <a:srgbClr val="2C3E50"/>
-                </a:solidFill>
-              </a:rPr>
-              <a:t>f(n)=f(m)</a:t>
-            </a:r>
-            <a:endParaRPr lang="zh-CN" altLang="en-US" sz="1600" b="1">
-              <a:solidFill>
-                <a:srgbClr val="2C3E50"/>
-              </a:solidFill>
-            </a:endParaRPr>
-          </a:p>
-          <a:p>
-            <a:pPr marL="342900" indent="-342900">
-              <a:lnSpc>
-                <a:spcPct val="140000"/>
-              </a:lnSpc>
-              <a:buAutoNum type="arabicPeriod"/>
-            </a:pPr>
-            <a:r>
-              <a:rPr lang="zh-CN" altLang="en-US" sz="1600" b="1">
-                <a:solidFill>
-                  <a:srgbClr val="2C3E50"/>
-                </a:solidFill>
-              </a:rPr>
-              <a:t>每一个规模为</a:t>
-            </a:r>
-            <a:r>
-              <a:rPr lang="en-US" altLang="zh-CN" sz="1600" b="1">
-                <a:solidFill>
-                  <a:srgbClr val="2C3E50"/>
-                </a:solidFill>
-              </a:rPr>
-              <a:t>m(m&lt;n)</a:t>
-            </a:r>
-            <a:r>
-              <a:rPr lang="zh-CN" altLang="en-US" sz="1600" b="1">
-                <a:solidFill>
-                  <a:srgbClr val="2C3E50"/>
-                </a:solidFill>
-              </a:rPr>
-              <a:t>问题都存在最优解</a:t>
-            </a:r>
-            <a:endParaRPr lang="zh-CN" altLang="en-US" sz="1600" b="1">
-              <a:solidFill>
-                <a:srgbClr val="2C3E50"/>
-              </a:solidFill>
-            </a:endParaRPr>
-          </a:p>
-          <a:p>
-            <a:pPr marL="342900" indent="-342900">
-              <a:lnSpc>
-                <a:spcPct val="140000"/>
-              </a:lnSpc>
-              <a:buAutoNum type="arabicPeriod"/>
-            </a:pPr>
-            <a:r>
-              <a:rPr lang="zh-CN" altLang="en-US" sz="1600" b="1">
-                <a:solidFill>
-                  <a:srgbClr val="2C3E50"/>
-                </a:solidFill>
-              </a:rPr>
-              <a:t>问题规模为</a:t>
-            </a:r>
-            <a:r>
-              <a:rPr lang="en-US" altLang="zh-CN" sz="1600" b="1">
-                <a:solidFill>
-                  <a:srgbClr val="2C3E50"/>
-                </a:solidFill>
-              </a:rPr>
-              <a:t>n-m</a:t>
-            </a:r>
-            <a:r>
-              <a:rPr lang="zh-CN" altLang="en-US" sz="1600" b="1">
-                <a:solidFill>
-                  <a:srgbClr val="2C3E50"/>
-                </a:solidFill>
-              </a:rPr>
-              <a:t>时的最优解不会因为规模增加到</a:t>
-            </a:r>
-            <a:r>
-              <a:rPr lang="en-US" altLang="zh-CN" sz="1600" b="1">
-                <a:solidFill>
-                  <a:srgbClr val="2C3E50"/>
-                </a:solidFill>
-              </a:rPr>
-              <a:t>n</a:t>
-            </a:r>
-            <a:r>
-              <a:rPr lang="zh-CN" altLang="en-US" sz="1600" b="1">
-                <a:solidFill>
-                  <a:srgbClr val="2C3E50"/>
-                </a:solidFill>
-              </a:rPr>
-              <a:t>时而发生变化</a:t>
-            </a:r>
-            <a:endParaRPr lang="zh-CN" altLang="en-US" sz="1600" b="1">
-              <a:solidFill>
-                <a:srgbClr val="2C3E50"/>
-              </a:solidFill>
-            </a:endParaRPr>
-          </a:p>
-        </p:txBody>
-      </p:sp>
-      <p:sp>
-        <p:nvSpPr>
-          <p:cNvPr id="6" name="Text Box 5"/>
-          <p:cNvSpPr txBox="true"/>
-          <p:nvPr/>
-        </p:nvSpPr>
-        <p:spPr>
-          <a:xfrm>
-            <a:off x="2197735" y="3355340"/>
-            <a:ext cx="7222490" cy="368300"/>
-          </a:xfrm>
-          <a:prstGeom prst="rect">
-            <a:avLst/>
-          </a:prstGeom>
-          <a:noFill/>
-        </p:spPr>
-        <p:txBody>
-          <a:bodyPr wrap="none" rtlCol="0">
-            <a:spAutoFit/>
-          </a:bodyPr>
-          <a:p>
-            <a:r>
-              <a:rPr lang="zh-CN" altLang="en-US" b="1">
-                <a:solidFill>
-                  <a:srgbClr val="2C3E50"/>
-                </a:solidFill>
-              </a:rPr>
-              <a:t>如果需要求问题规模为</a:t>
-            </a:r>
-            <a:r>
-              <a:rPr lang="en-US" altLang="zh-CN" b="1">
-                <a:solidFill>
-                  <a:srgbClr val="2C3E50"/>
-                </a:solidFill>
-              </a:rPr>
-              <a:t>n</a:t>
-            </a:r>
-            <a:r>
-              <a:rPr lang="zh-CN" altLang="en-US" b="1">
-                <a:solidFill>
-                  <a:srgbClr val="2C3E50"/>
-                </a:solidFill>
-              </a:rPr>
-              <a:t>的最优解，那么就可以使用动态规划来解决。</a:t>
-            </a:r>
-            <a:endParaRPr lang="zh-CN" altLang="en-US" b="1">
-              <a:solidFill>
-                <a:srgbClr val="2C3E50"/>
-              </a:solidFill>
-            </a:endParaRPr>
-          </a:p>
-        </p:txBody>
-      </p:sp>
-    </p:spTree>
-  </p:cSld>
-  <p:clrMapOvr>
-    <a:masterClrMapping/>
-  </p:clrMapOvr>
-</p:sld>
-</file>
-
-<file path=ppt/slides/slide9.xml><?xml version="1.0" encoding="utf-8"?>
 <p:sld xmlns:a="http://schemas.openxmlformats.org/drawingml/2006/main" xmlns:r="http://schemas.openxmlformats.org/officeDocument/2006/relationships" xmlns:p="http://schemas.openxmlformats.org/presentationml/2006/main">
   <p:cSld>
     <p:spTree>
@@ -9688,6 +6017,3889 @@
 </p:sld>
 </file>
 
+<file path=ppt/slides/slide12.xml><?xml version="1.0" encoding="utf-8"?>
+<p:sld xmlns:a="http://schemas.openxmlformats.org/drawingml/2006/main" xmlns:r="http://schemas.openxmlformats.org/officeDocument/2006/relationships" xmlns:p="http://schemas.openxmlformats.org/presentationml/2006/main">
+  <p:cSld>
+    <p:spTree>
+      <p:nvGrpSpPr>
+        <p:cNvPr id="1" name=""/>
+        <p:cNvGrpSpPr/>
+        <p:nvPr/>
+      </p:nvGrpSpPr>
+      <p:grpSpPr/>
+      <p:sp>
+        <p:nvSpPr>
+          <p:cNvPr id="11" name="Text Box 10"/>
+          <p:cNvSpPr txBox="true"/>
+          <p:nvPr/>
+        </p:nvSpPr>
+        <p:spPr>
+          <a:xfrm>
+            <a:off x="2822575" y="1357630"/>
+            <a:ext cx="3946525" cy="368300"/>
+          </a:xfrm>
+          <a:prstGeom prst="rect">
+            <a:avLst/>
+          </a:prstGeom>
+          <a:noFill/>
+        </p:spPr>
+        <p:txBody>
+          <a:bodyPr wrap="none" rtlCol="0">
+            <a:spAutoFit/>
+          </a:bodyPr>
+          <a:p>
+            <a:r>
+              <a:rPr lang="en-US" altLang="en-US" b="1">
+                <a:solidFill>
+                  <a:srgbClr val="2C3E50"/>
+                </a:solidFill>
+              </a:rPr>
+              <a:t>2</a:t>
+            </a:r>
+            <a:r>
+              <a:rPr lang="en-US" b="1">
+                <a:solidFill>
+                  <a:srgbClr val="2C3E50"/>
+                </a:solidFill>
+              </a:rPr>
+              <a:t>. </a:t>
+            </a:r>
+            <a:r>
+              <a:rPr lang="zh-CN" altLang="en-US" b="1">
+                <a:solidFill>
+                  <a:srgbClr val="2C3E50"/>
+                </a:solidFill>
+              </a:rPr>
+              <a:t>找出大规模的小规模问题转化方程</a:t>
+            </a:r>
+            <a:endParaRPr lang="en-US" altLang="zh-CN" b="1">
+              <a:solidFill>
+                <a:srgbClr val="2C3E50"/>
+              </a:solidFill>
+            </a:endParaRPr>
+          </a:p>
+        </p:txBody>
+      </p:sp>
+      <p:sp>
+        <p:nvSpPr>
+          <p:cNvPr id="12" name="Text Box 11"/>
+          <p:cNvSpPr txBox="true"/>
+          <p:nvPr/>
+        </p:nvSpPr>
+        <p:spPr>
+          <a:xfrm>
+            <a:off x="1416050" y="2646045"/>
+            <a:ext cx="5164455" cy="521970"/>
+          </a:xfrm>
+          <a:prstGeom prst="rect">
+            <a:avLst/>
+          </a:prstGeom>
+          <a:noFill/>
+        </p:spPr>
+        <p:txBody>
+          <a:bodyPr wrap="none" rtlCol="0">
+            <a:spAutoFit/>
+          </a:bodyPr>
+          <a:p>
+            <a:pPr algn="l"/>
+            <a:r>
+              <a:rPr lang="zh-CN" altLang="en-US" sz="1400" b="1">
+                <a:solidFill>
+                  <a:srgbClr val="2C3E50"/>
+                </a:solidFill>
+                <a:sym typeface="+mn-ea"/>
+              </a:rPr>
+              <a:t>对于单点划分：</a:t>
+            </a:r>
+            <a:r>
+              <a:rPr lang="en-US" sz="1400" b="1">
+                <a:solidFill>
+                  <a:srgbClr val="2C3E50"/>
+                </a:solidFill>
+                <a:sym typeface="+mn-ea"/>
+              </a:rPr>
+              <a:t>斐波那契数</a:t>
+            </a:r>
+            <a:r>
+              <a:rPr lang="zh-CN" altLang="en-US" sz="1400" b="1">
+                <a:solidFill>
+                  <a:srgbClr val="2C3E50"/>
+                </a:solidFill>
+                <a:sym typeface="+mn-ea"/>
+              </a:rPr>
+              <a:t>列，</a:t>
+            </a:r>
+            <a:r>
+              <a:rPr lang="en-US" sz="1400" b="1">
+                <a:solidFill>
+                  <a:srgbClr val="2C3E50"/>
+                </a:solidFill>
+                <a:sym typeface="+mn-ea"/>
+              </a:rPr>
+              <a:t>F(N) = F(N - 1) + F(N - 2)</a:t>
+            </a:r>
+            <a:endParaRPr lang="en-US" sz="1400" b="1">
+              <a:solidFill>
+                <a:srgbClr val="2C3E50"/>
+              </a:solidFill>
+              <a:sym typeface="+mn-ea"/>
+            </a:endParaRPr>
+          </a:p>
+          <a:p>
+            <a:pPr algn="l"/>
+            <a:r>
+              <a:rPr lang="en-US" altLang="zh-CN" sz="1400" b="1">
+                <a:solidFill>
+                  <a:srgbClr val="2C3E50"/>
+                </a:solidFill>
+                <a:sym typeface="+mn-ea"/>
+              </a:rPr>
+              <a:t>	     </a:t>
+            </a:r>
+            <a:r>
+              <a:rPr lang="zh-CN" altLang="en-US" sz="1400" b="1">
+                <a:solidFill>
+                  <a:srgbClr val="2C3E50"/>
+                </a:solidFill>
+                <a:sym typeface="+mn-ea"/>
+              </a:rPr>
+              <a:t>代码实现：略</a:t>
+            </a:r>
+            <a:endParaRPr lang="zh-CN" altLang="en-US" sz="1400" b="1">
+              <a:solidFill>
+                <a:srgbClr val="2C3E50"/>
+              </a:solidFill>
+              <a:sym typeface="+mn-ea"/>
+            </a:endParaRPr>
+          </a:p>
+        </p:txBody>
+      </p:sp>
+      <p:sp>
+        <p:nvSpPr>
+          <p:cNvPr id="3" name="Text Box 2"/>
+          <p:cNvSpPr txBox="true"/>
+          <p:nvPr/>
+        </p:nvSpPr>
+        <p:spPr>
+          <a:xfrm>
+            <a:off x="708025" y="1357630"/>
+            <a:ext cx="2016760" cy="368300"/>
+          </a:xfrm>
+          <a:prstGeom prst="rect">
+            <a:avLst/>
+          </a:prstGeom>
+          <a:noFill/>
+        </p:spPr>
+        <p:txBody>
+          <a:bodyPr wrap="none" rtlCol="0">
+            <a:spAutoFit/>
+          </a:bodyPr>
+          <a:p>
+            <a:r>
+              <a:rPr lang="zh-CN" altLang="en-US" b="1">
+                <a:solidFill>
+                  <a:srgbClr val="2C3E50"/>
+                </a:solidFill>
+              </a:rPr>
+              <a:t>解决问题的步骤：</a:t>
+            </a:r>
+            <a:endParaRPr lang="zh-CN" altLang="en-US" b="1">
+              <a:solidFill>
+                <a:srgbClr val="2C3E50"/>
+              </a:solidFill>
+            </a:endParaRPr>
+          </a:p>
+        </p:txBody>
+      </p:sp>
+      <p:sp>
+        <p:nvSpPr>
+          <p:cNvPr id="2" name="Text Box 1"/>
+          <p:cNvSpPr txBox="true"/>
+          <p:nvPr/>
+        </p:nvSpPr>
+        <p:spPr>
+          <a:xfrm>
+            <a:off x="589915" y="429895"/>
+            <a:ext cx="1607820" cy="521970"/>
+          </a:xfrm>
+          <a:prstGeom prst="rect">
+            <a:avLst/>
+          </a:prstGeom>
+          <a:noFill/>
+        </p:spPr>
+        <p:txBody>
+          <a:bodyPr wrap="none" rtlCol="0">
+            <a:spAutoFit/>
+          </a:bodyPr>
+          <a:p>
+            <a:r>
+              <a:rPr lang="zh-CN" altLang="en-US" sz="2800" b="1">
+                <a:solidFill>
+                  <a:srgbClr val="2C3E50"/>
+                </a:solidFill>
+              </a:rPr>
+              <a:t>动态规划</a:t>
+            </a:r>
+            <a:endParaRPr lang="zh-CN" altLang="en-US" sz="2800" b="1">
+              <a:solidFill>
+                <a:srgbClr val="2C3E50"/>
+              </a:solidFill>
+            </a:endParaRPr>
+          </a:p>
+        </p:txBody>
+      </p:sp>
+      <p:sp>
+        <p:nvSpPr>
+          <p:cNvPr id="14" name="Text Box 13"/>
+          <p:cNvSpPr txBox="true"/>
+          <p:nvPr/>
+        </p:nvSpPr>
+        <p:spPr>
+          <a:xfrm>
+            <a:off x="1003935" y="1802130"/>
+            <a:ext cx="6721475" cy="368300"/>
+          </a:xfrm>
+          <a:prstGeom prst="rect">
+            <a:avLst/>
+          </a:prstGeom>
+          <a:noFill/>
+        </p:spPr>
+        <p:txBody>
+          <a:bodyPr wrap="none" rtlCol="0">
+            <a:spAutoFit/>
+          </a:bodyPr>
+          <a:p>
+            <a:pPr algn="l"/>
+            <a:r>
+              <a:rPr lang="en-US" b="1">
+                <a:solidFill>
+                  <a:srgbClr val="2C3E50"/>
+                </a:solidFill>
+              </a:rPr>
+              <a:t>1. </a:t>
+            </a:r>
+            <a:r>
+              <a:rPr lang="zh-CN" altLang="en-US" b="1">
+                <a:solidFill>
+                  <a:srgbClr val="2C3E50"/>
+                </a:solidFill>
+              </a:rPr>
+              <a:t>反向关系</a:t>
+            </a:r>
+            <a:r>
+              <a:rPr lang="en-US" altLang="zh-CN" b="1">
+                <a:solidFill>
+                  <a:srgbClr val="2C3E50"/>
+                </a:solidFill>
+              </a:rPr>
+              <a:t> </a:t>
+            </a:r>
+            <a:r>
+              <a:rPr lang="zh-CN" altLang="en-US" b="1">
+                <a:solidFill>
+                  <a:srgbClr val="2C3E50"/>
+                </a:solidFill>
+              </a:rPr>
+              <a:t>（这种是递归解法</a:t>
+            </a:r>
+            <a:r>
+              <a:rPr lang="en-US" altLang="zh-CN" b="1">
+                <a:solidFill>
+                  <a:srgbClr val="2C3E50"/>
+                </a:solidFill>
+              </a:rPr>
+              <a:t>,</a:t>
+            </a:r>
+            <a:r>
+              <a:rPr lang="zh-CN" altLang="en-US" b="1">
+                <a:solidFill>
+                  <a:srgbClr val="2C3E50"/>
+                </a:solidFill>
+              </a:rPr>
+              <a:t>而非动态规划</a:t>
+            </a:r>
+            <a:r>
+              <a:rPr lang="en-US" altLang="zh-CN" b="1">
+                <a:solidFill>
+                  <a:srgbClr val="2C3E50"/>
+                </a:solidFill>
+              </a:rPr>
+              <a:t>,</a:t>
+            </a:r>
+            <a:r>
+              <a:rPr lang="zh-CN" altLang="en-US" b="1">
+                <a:solidFill>
+                  <a:srgbClr val="2C3E50"/>
+                </a:solidFill>
+              </a:rPr>
+              <a:t>这里做一个对比）</a:t>
+            </a:r>
+            <a:endParaRPr lang="zh-CN" altLang="en-US" b="1">
+              <a:solidFill>
+                <a:srgbClr val="2C3E50"/>
+              </a:solidFill>
+              <a:sym typeface="+mn-ea"/>
+            </a:endParaRPr>
+          </a:p>
+        </p:txBody>
+      </p:sp>
+      <p:sp>
+        <p:nvSpPr>
+          <p:cNvPr id="15" name="Text Box 14"/>
+          <p:cNvSpPr txBox="true"/>
+          <p:nvPr/>
+        </p:nvSpPr>
+        <p:spPr>
+          <a:xfrm>
+            <a:off x="1003935" y="4183380"/>
+            <a:ext cx="1424940" cy="368300"/>
+          </a:xfrm>
+          <a:prstGeom prst="rect">
+            <a:avLst/>
+          </a:prstGeom>
+          <a:noFill/>
+        </p:spPr>
+        <p:txBody>
+          <a:bodyPr wrap="none" rtlCol="0">
+            <a:spAutoFit/>
+          </a:bodyPr>
+          <a:p>
+            <a:r>
+              <a:rPr lang="en-US" b="1">
+                <a:solidFill>
+                  <a:srgbClr val="2C3E50"/>
+                </a:solidFill>
+              </a:rPr>
+              <a:t>2. </a:t>
+            </a:r>
+            <a:r>
+              <a:rPr lang="zh-CN" altLang="en-US" b="1">
+                <a:solidFill>
+                  <a:srgbClr val="2C3E50"/>
+                </a:solidFill>
+              </a:rPr>
+              <a:t>正向关系</a:t>
+            </a:r>
+            <a:endParaRPr lang="en-US" altLang="zh-CN" b="1">
+              <a:solidFill>
+                <a:srgbClr val="2C3E50"/>
+              </a:solidFill>
+            </a:endParaRPr>
+          </a:p>
+        </p:txBody>
+      </p:sp>
+      <p:sp>
+        <p:nvSpPr>
+          <p:cNvPr id="4" name="Text Box 3"/>
+          <p:cNvSpPr txBox="true"/>
+          <p:nvPr/>
+        </p:nvSpPr>
+        <p:spPr>
+          <a:xfrm>
+            <a:off x="1374140" y="4628515"/>
+            <a:ext cx="8146415" cy="521970"/>
+          </a:xfrm>
+          <a:prstGeom prst="rect">
+            <a:avLst/>
+          </a:prstGeom>
+          <a:noFill/>
+        </p:spPr>
+        <p:txBody>
+          <a:bodyPr wrap="none" rtlCol="0">
+            <a:spAutoFit/>
+          </a:bodyPr>
+          <a:p>
+            <a:pPr algn="l"/>
+            <a:r>
+              <a:rPr lang="zh-CN" altLang="en-US" sz="1400" b="1">
+                <a:solidFill>
+                  <a:srgbClr val="2C3E50"/>
+                </a:solidFill>
+                <a:sym typeface="+mn-ea"/>
+              </a:rPr>
+              <a:t>对于单点划分：</a:t>
+            </a:r>
+            <a:r>
+              <a:rPr lang="en-US" sz="1400" b="1">
+                <a:solidFill>
+                  <a:srgbClr val="2C3E50"/>
+                </a:solidFill>
+                <a:sym typeface="+mn-ea"/>
+              </a:rPr>
+              <a:t>斐波那契数</a:t>
+            </a:r>
+            <a:r>
+              <a:rPr lang="zh-CN" altLang="en-US" sz="1400" b="1">
+                <a:solidFill>
+                  <a:srgbClr val="2C3E50"/>
+                </a:solidFill>
+                <a:sym typeface="+mn-ea"/>
+              </a:rPr>
+              <a:t>列，</a:t>
+            </a:r>
+            <a:r>
+              <a:rPr lang="en-US" sz="1400" b="1">
+                <a:solidFill>
+                  <a:srgbClr val="2C3E50"/>
+                </a:solidFill>
+                <a:sym typeface="+mn-ea"/>
+              </a:rPr>
+              <a:t>F(1) + F(2) = F(3)</a:t>
+            </a:r>
+            <a:endParaRPr lang="en-US" sz="1400" b="1">
+              <a:solidFill>
+                <a:srgbClr val="2C3E50"/>
+              </a:solidFill>
+              <a:sym typeface="+mn-ea"/>
+            </a:endParaRPr>
+          </a:p>
+          <a:p>
+            <a:pPr algn="l"/>
+            <a:r>
+              <a:rPr lang="en-US" altLang="zh-CN" sz="1400" b="1">
+                <a:solidFill>
+                  <a:srgbClr val="2C3E50"/>
+                </a:solidFill>
+                <a:sym typeface="+mn-ea"/>
+              </a:rPr>
+              <a:t>                    </a:t>
+            </a:r>
+            <a:r>
+              <a:rPr lang="zh-CN" altLang="en-US" sz="1400" b="1">
+                <a:solidFill>
+                  <a:srgbClr val="2C3E50"/>
+                </a:solidFill>
+                <a:sym typeface="+mn-ea"/>
+              </a:rPr>
+              <a:t>代码实现：</a:t>
+            </a:r>
+            <a:r>
+              <a:rPr lang="zh-CN" altLang="en-US" sz="800" b="1">
+                <a:solidFill>
+                  <a:srgbClr val="2C3E50"/>
+                </a:solidFill>
+                <a:sym typeface="+mn-ea"/>
+              </a:rPr>
+              <a:t>https://leetcode-cn.com/problems/fei-bo-na-qi-shu-lie-lcof/solution/cyu-yan-fei-di-gui-jie-fa-by-ze-hao/</a:t>
+            </a:r>
+            <a:endParaRPr lang="zh-CN" altLang="en-US" sz="800" b="1">
+              <a:solidFill>
+                <a:srgbClr val="2C3E50"/>
+              </a:solidFill>
+              <a:sym typeface="+mn-ea"/>
+            </a:endParaRPr>
+          </a:p>
+        </p:txBody>
+      </p:sp>
+      <p:sp>
+        <p:nvSpPr>
+          <p:cNvPr id="10" name="Text Box 9"/>
+          <p:cNvSpPr txBox="true"/>
+          <p:nvPr/>
+        </p:nvSpPr>
+        <p:spPr>
+          <a:xfrm>
+            <a:off x="1416050" y="2225675"/>
+            <a:ext cx="7320280" cy="306705"/>
+          </a:xfrm>
+          <a:prstGeom prst="rect">
+            <a:avLst/>
+          </a:prstGeom>
+          <a:noFill/>
+        </p:spPr>
+        <p:txBody>
+          <a:bodyPr wrap="none" rtlCol="0">
+            <a:spAutoFit/>
+          </a:bodyPr>
+          <a:p>
+            <a:pPr algn="l"/>
+            <a:r>
+              <a:rPr lang="zh-CN" altLang="en-US" sz="1400" b="1">
+                <a:solidFill>
+                  <a:srgbClr val="3EAF7C"/>
+                </a:solidFill>
+                <a:sym typeface="+mn-ea"/>
+              </a:rPr>
+              <a:t>一般需要配合记忆存储，避免重复计算一个值。这样问题规模不能太大，或者空间复杂度高</a:t>
+            </a:r>
+            <a:endParaRPr lang="zh-CN" altLang="en-US" sz="1400" b="1">
+              <a:solidFill>
+                <a:srgbClr val="3EAF7C"/>
+              </a:solidFill>
+              <a:sym typeface="+mn-ea"/>
+            </a:endParaRPr>
+          </a:p>
+        </p:txBody>
+      </p:sp>
+      <p:sp>
+        <p:nvSpPr>
+          <p:cNvPr id="5" name="Text Box 4"/>
+          <p:cNvSpPr txBox="true"/>
+          <p:nvPr/>
+        </p:nvSpPr>
+        <p:spPr>
+          <a:xfrm>
+            <a:off x="1374140" y="3168015"/>
+            <a:ext cx="9525635" cy="737235"/>
+          </a:xfrm>
+          <a:prstGeom prst="rect">
+            <a:avLst/>
+          </a:prstGeom>
+          <a:noFill/>
+        </p:spPr>
+        <p:txBody>
+          <a:bodyPr wrap="none" rtlCol="0">
+            <a:spAutoFit/>
+          </a:bodyPr>
+          <a:p>
+            <a:pPr algn="l"/>
+            <a:r>
+              <a:rPr lang="zh-CN" altLang="en-US" sz="1400" b="1">
+                <a:solidFill>
+                  <a:srgbClr val="2C3E50"/>
+                </a:solidFill>
+                <a:sym typeface="+mn-ea"/>
+              </a:rPr>
+              <a:t>对于区间划分：合并石头的问题，初始化我们定义数组</a:t>
+            </a:r>
+            <a:r>
+              <a:rPr lang="en-US" altLang="zh-CN" sz="1400" b="1">
+                <a:solidFill>
+                  <a:srgbClr val="2C3E50"/>
+                </a:solidFill>
+                <a:sym typeface="+mn-ea"/>
+              </a:rPr>
+              <a:t>F[n][n](n=</a:t>
+            </a:r>
+            <a:r>
+              <a:rPr lang="zh-CN" altLang="en-US" sz="1400" b="1">
+                <a:solidFill>
+                  <a:srgbClr val="2C3E50"/>
+                </a:solidFill>
+                <a:sym typeface="+mn-ea"/>
+              </a:rPr>
+              <a:t>石头的堆数）并初始化每个元素都为</a:t>
+            </a:r>
+            <a:r>
+              <a:rPr lang="en-US" altLang="zh-CN" sz="1400" b="1">
+                <a:solidFill>
+                  <a:srgbClr val="2C3E50"/>
+                </a:solidFill>
+                <a:sym typeface="+mn-ea"/>
+              </a:rPr>
+              <a:t>1e9,</a:t>
+            </a:r>
+            <a:r>
+              <a:rPr lang="zh-CN" altLang="en-US" sz="1400" b="1">
+                <a:solidFill>
+                  <a:srgbClr val="2C3E50"/>
+                </a:solidFill>
+                <a:sym typeface="+mn-ea"/>
+              </a:rPr>
+              <a:t>那么存在</a:t>
+            </a:r>
+            <a:endParaRPr lang="zh-CN" altLang="en-US" sz="1400" b="1">
+              <a:solidFill>
+                <a:srgbClr val="2C3E50"/>
+              </a:solidFill>
+              <a:sym typeface="+mn-ea"/>
+            </a:endParaRPr>
+          </a:p>
+          <a:p>
+            <a:pPr algn="l"/>
+            <a:r>
+              <a:rPr lang="en-US" altLang="zh-CN" sz="1400" b="1">
+                <a:solidFill>
+                  <a:srgbClr val="2C3E50"/>
+                </a:solidFill>
+                <a:sym typeface="+mn-ea"/>
+              </a:rPr>
+              <a:t>	     </a:t>
+            </a:r>
+            <a:r>
+              <a:rPr lang="en-US" altLang="en-US" sz="1400" b="1">
+                <a:solidFill>
+                  <a:srgbClr val="2C3E50"/>
+                </a:solidFill>
+                <a:sym typeface="+mn-ea"/>
+              </a:rPr>
+              <a:t>F</a:t>
+            </a:r>
+            <a:r>
+              <a:rPr lang="en-US" altLang="zh-CN" sz="1400" b="1">
+                <a:solidFill>
+                  <a:srgbClr val="2C3E50"/>
+                </a:solidFill>
+                <a:sym typeface="+mn-ea"/>
+              </a:rPr>
+              <a:t>[</a:t>
+            </a:r>
+            <a:r>
+              <a:rPr lang="en-US" altLang="en-US" sz="1400" b="1">
+                <a:solidFill>
+                  <a:srgbClr val="2C3E50"/>
+                </a:solidFill>
+                <a:sym typeface="+mn-ea"/>
+              </a:rPr>
+              <a:t>i</a:t>
+            </a:r>
+            <a:r>
+              <a:rPr lang="en-US" altLang="zh-CN" sz="1400" b="1">
+                <a:solidFill>
+                  <a:srgbClr val="2C3E50"/>
+                </a:solidFill>
+                <a:sym typeface="+mn-ea"/>
+              </a:rPr>
+              <a:t>][j]=min(</a:t>
+            </a:r>
+            <a:r>
+              <a:rPr lang="en-US" altLang="en-US" sz="1400" b="1">
+                <a:solidFill>
+                  <a:srgbClr val="2C3E50"/>
+                </a:solidFill>
+                <a:sym typeface="+mn-ea"/>
+              </a:rPr>
+              <a:t>F[i][j], F[i][p]+F[p][j] + sum(j)-sun(i-1))</a:t>
+            </a:r>
+            <a:endParaRPr lang="en-US" altLang="en-US" sz="1400" b="1">
+              <a:solidFill>
+                <a:srgbClr val="2C3E50"/>
+              </a:solidFill>
+              <a:sym typeface="+mn-ea"/>
+            </a:endParaRPr>
+          </a:p>
+          <a:p>
+            <a:pPr algn="l"/>
+            <a:r>
+              <a:rPr lang="en-US" altLang="en-US" sz="1400" b="1">
+                <a:solidFill>
+                  <a:srgbClr val="2C3E50"/>
+                </a:solidFill>
+                <a:sym typeface="+mn-ea"/>
+              </a:rPr>
+              <a:t>	     </a:t>
+            </a:r>
+            <a:r>
+              <a:rPr lang="zh-CN" altLang="en-US" sz="1400" b="1">
+                <a:solidFill>
+                  <a:srgbClr val="2C3E50"/>
+                </a:solidFill>
+                <a:sym typeface="+mn-ea"/>
+              </a:rPr>
+              <a:t>代码实现：略</a:t>
+            </a:r>
+            <a:endParaRPr lang="zh-CN" altLang="en-US" sz="1400" b="1">
+              <a:solidFill>
+                <a:srgbClr val="2C3E50"/>
+              </a:solidFill>
+              <a:sym typeface="+mn-ea"/>
+            </a:endParaRPr>
+          </a:p>
+        </p:txBody>
+      </p:sp>
+      <p:sp>
+        <p:nvSpPr>
+          <p:cNvPr id="6" name="Text Box 5"/>
+          <p:cNvSpPr txBox="true"/>
+          <p:nvPr/>
+        </p:nvSpPr>
+        <p:spPr>
+          <a:xfrm>
+            <a:off x="1374140" y="5243195"/>
+            <a:ext cx="9673590" cy="521970"/>
+          </a:xfrm>
+          <a:prstGeom prst="rect">
+            <a:avLst/>
+          </a:prstGeom>
+          <a:noFill/>
+        </p:spPr>
+        <p:txBody>
+          <a:bodyPr wrap="none" rtlCol="0">
+            <a:spAutoFit/>
+          </a:bodyPr>
+          <a:p>
+            <a:pPr algn="l"/>
+            <a:r>
+              <a:rPr lang="zh-CN" altLang="en-US" sz="1400" b="1">
+                <a:solidFill>
+                  <a:srgbClr val="2C3E50"/>
+                </a:solidFill>
+                <a:sym typeface="+mn-ea"/>
+              </a:rPr>
+              <a:t>对于区间划分：合并石头的问题，那就是从只有两堆石头开始，一直计算到有</a:t>
+            </a:r>
+            <a:r>
+              <a:rPr lang="en-US" altLang="zh-CN" sz="1400" b="1">
+                <a:solidFill>
+                  <a:srgbClr val="2C3E50"/>
+                </a:solidFill>
+                <a:sym typeface="+mn-ea"/>
+              </a:rPr>
+              <a:t>n</a:t>
+            </a:r>
+            <a:r>
+              <a:rPr lang="zh-CN" altLang="en-US" sz="1400" b="1">
+                <a:solidFill>
+                  <a:srgbClr val="2C3E50"/>
+                </a:solidFill>
+                <a:sym typeface="+mn-ea"/>
+              </a:rPr>
+              <a:t>堆石头</a:t>
+            </a:r>
+            <a:endParaRPr lang="zh-CN" altLang="en-US" sz="1400" b="1">
+              <a:solidFill>
+                <a:srgbClr val="2C3E50"/>
+              </a:solidFill>
+              <a:sym typeface="+mn-ea"/>
+            </a:endParaRPr>
+          </a:p>
+          <a:p>
+            <a:pPr algn="l"/>
+            <a:r>
+              <a:rPr lang="en-US" altLang="zh-CN" sz="1400" b="1">
+                <a:solidFill>
+                  <a:srgbClr val="2C3E50"/>
+                </a:solidFill>
+                <a:sym typeface="+mn-ea"/>
+              </a:rPr>
+              <a:t>	      </a:t>
+            </a:r>
+            <a:r>
+              <a:rPr lang="zh-CN" altLang="en-US" sz="1400" b="1">
+                <a:solidFill>
+                  <a:srgbClr val="2C3E50"/>
+                </a:solidFill>
+                <a:sym typeface="+mn-ea"/>
+              </a:rPr>
+              <a:t>代码实现：</a:t>
+            </a:r>
+            <a:r>
+              <a:rPr lang="zh-CN" altLang="en-US" sz="800" b="1">
+                <a:solidFill>
+                  <a:srgbClr val="2C3E50"/>
+                </a:solidFill>
+                <a:sym typeface="+mn-ea"/>
+              </a:rPr>
+              <a:t>https://leetcode-cn.com/problems/minimum-cost-to-merge-stones/solution/yi-dong-you-yi-dao-nan-yi-bu-bu-shuo-ming-si-lu-he/</a:t>
+            </a:r>
+            <a:endParaRPr lang="zh-CN" altLang="en-US" sz="800" b="1">
+              <a:solidFill>
+                <a:srgbClr val="2C3E50"/>
+              </a:solidFill>
+              <a:sym typeface="+mn-ea"/>
+            </a:endParaRPr>
+          </a:p>
+        </p:txBody>
+      </p:sp>
+      <p:sp>
+        <p:nvSpPr>
+          <p:cNvPr id="7" name="Text Box 6"/>
+          <p:cNvSpPr txBox="true"/>
+          <p:nvPr/>
+        </p:nvSpPr>
+        <p:spPr>
+          <a:xfrm>
+            <a:off x="2477135" y="4183380"/>
+            <a:ext cx="2680970" cy="306705"/>
+          </a:xfrm>
+          <a:prstGeom prst="rect">
+            <a:avLst/>
+          </a:prstGeom>
+          <a:noFill/>
+        </p:spPr>
+        <p:txBody>
+          <a:bodyPr wrap="none" rtlCol="0">
+            <a:spAutoFit/>
+          </a:bodyPr>
+          <a:p>
+            <a:pPr algn="l"/>
+            <a:r>
+              <a:rPr lang="zh-CN" altLang="en-US" sz="1400" b="1">
+                <a:solidFill>
+                  <a:srgbClr val="3EAF7C"/>
+                </a:solidFill>
+                <a:sym typeface="+mn-ea"/>
+              </a:rPr>
+              <a:t>一般会使用这个转化方程来求解</a:t>
+            </a:r>
+            <a:endParaRPr lang="zh-CN" altLang="en-US" sz="1400" b="1">
+              <a:solidFill>
+                <a:srgbClr val="3EAF7C"/>
+              </a:solidFill>
+              <a:sym typeface="+mn-ea"/>
+            </a:endParaRPr>
+          </a:p>
+        </p:txBody>
+      </p:sp>
+      <p:sp>
+        <p:nvSpPr>
+          <p:cNvPr id="8" name="Text Box 7"/>
+          <p:cNvSpPr txBox="true"/>
+          <p:nvPr/>
+        </p:nvSpPr>
+        <p:spPr>
+          <a:xfrm>
+            <a:off x="8423275" y="5243195"/>
+            <a:ext cx="1967230" cy="306705"/>
+          </a:xfrm>
+          <a:prstGeom prst="rect">
+            <a:avLst/>
+          </a:prstGeom>
+          <a:noFill/>
+        </p:spPr>
+        <p:txBody>
+          <a:bodyPr wrap="none" rtlCol="0">
+            <a:spAutoFit/>
+          </a:bodyPr>
+          <a:p>
+            <a:pPr algn="l"/>
+            <a:r>
+              <a:rPr lang="zh-CN" altLang="en-US" sz="1400" b="1">
+                <a:solidFill>
+                  <a:srgbClr val="3EAF7C"/>
+                </a:solidFill>
+                <a:sym typeface="+mn-ea"/>
+              </a:rPr>
+              <a:t>这里其实本质上是穷举</a:t>
+            </a:r>
+            <a:endParaRPr lang="zh-CN" altLang="en-US" sz="1400" b="1">
+              <a:solidFill>
+                <a:srgbClr val="3EAF7C"/>
+              </a:solidFill>
+              <a:sym typeface="+mn-ea"/>
+            </a:endParaRPr>
+          </a:p>
+        </p:txBody>
+      </p:sp>
+    </p:spTree>
+  </p:cSld>
+  <p:clrMapOvr>
+    <a:masterClrMapping/>
+  </p:clrMapOvr>
+</p:sld>
+</file>
+
+<file path=ppt/slides/slide13.xml><?xml version="1.0" encoding="utf-8"?>
+<p:sld xmlns:a="http://schemas.openxmlformats.org/drawingml/2006/main" xmlns:r="http://schemas.openxmlformats.org/officeDocument/2006/relationships" xmlns:p="http://schemas.openxmlformats.org/presentationml/2006/main">
+  <p:cSld>
+    <p:spTree>
+      <p:nvGrpSpPr>
+        <p:cNvPr id="1" name=""/>
+        <p:cNvGrpSpPr/>
+        <p:nvPr/>
+      </p:nvGrpSpPr>
+      <p:grpSpPr/>
+      <p:sp>
+        <p:nvSpPr>
+          <p:cNvPr id="2" name="Text Box 1"/>
+          <p:cNvSpPr txBox="true"/>
+          <p:nvPr/>
+        </p:nvSpPr>
+        <p:spPr>
+          <a:xfrm>
+            <a:off x="589915" y="429895"/>
+            <a:ext cx="1607820" cy="521970"/>
+          </a:xfrm>
+          <a:prstGeom prst="rect">
+            <a:avLst/>
+          </a:prstGeom>
+          <a:noFill/>
+        </p:spPr>
+        <p:txBody>
+          <a:bodyPr wrap="none" rtlCol="0">
+            <a:spAutoFit/>
+          </a:bodyPr>
+          <a:p>
+            <a:r>
+              <a:rPr lang="zh-CN" altLang="en-US" sz="2800" b="1">
+                <a:solidFill>
+                  <a:srgbClr val="2C3E50"/>
+                </a:solidFill>
+              </a:rPr>
+              <a:t>回溯算法</a:t>
+            </a:r>
+            <a:endParaRPr lang="zh-CN" altLang="en-US" sz="2800" b="1">
+              <a:solidFill>
+                <a:srgbClr val="2C3E50"/>
+              </a:solidFill>
+            </a:endParaRPr>
+          </a:p>
+        </p:txBody>
+      </p:sp>
+    </p:spTree>
+  </p:cSld>
+  <p:clrMapOvr>
+    <a:masterClrMapping/>
+  </p:clrMapOvr>
+</p:sld>
+</file>
+
+<file path=ppt/slides/slide14.xml><?xml version="1.0" encoding="utf-8"?>
+<p:sld xmlns:a="http://schemas.openxmlformats.org/drawingml/2006/main" xmlns:r="http://schemas.openxmlformats.org/officeDocument/2006/relationships" xmlns:p="http://schemas.openxmlformats.org/presentationml/2006/main">
+  <p:cSld>
+    <p:spTree>
+      <p:nvGrpSpPr>
+        <p:cNvPr id="1" name=""/>
+        <p:cNvGrpSpPr/>
+        <p:nvPr/>
+      </p:nvGrpSpPr>
+      <p:grpSpPr/>
+    </p:spTree>
+  </p:cSld>
+  <p:clrMapOvr>
+    <a:masterClrMapping/>
+  </p:clrMapOvr>
+</p:sld>
+</file>
+
+<file path=ppt/slides/slide15.xml><?xml version="1.0" encoding="utf-8"?>
+<p:sld xmlns:a="http://schemas.openxmlformats.org/drawingml/2006/main" xmlns:r="http://schemas.openxmlformats.org/officeDocument/2006/relationships" xmlns:p="http://schemas.openxmlformats.org/presentationml/2006/main">
+  <p:cSld>
+    <p:spTree>
+      <p:nvGrpSpPr>
+        <p:cNvPr id="1" name=""/>
+        <p:cNvGrpSpPr/>
+        <p:nvPr/>
+      </p:nvGrpSpPr>
+      <p:grpSpPr/>
+    </p:spTree>
+  </p:cSld>
+  <p:clrMapOvr>
+    <a:masterClrMapping/>
+  </p:clrMapOvr>
+</p:sld>
+</file>
+
+<file path=ppt/slides/slide2.xml><?xml version="1.0" encoding="utf-8"?>
+<p:sld xmlns:a="http://schemas.openxmlformats.org/drawingml/2006/main" xmlns:r="http://schemas.openxmlformats.org/officeDocument/2006/relationships" xmlns:p="http://schemas.openxmlformats.org/presentationml/2006/main">
+  <p:cSld>
+    <p:spTree>
+      <p:nvGrpSpPr>
+        <p:cNvPr id="1" name=""/>
+        <p:cNvGrpSpPr/>
+        <p:nvPr/>
+      </p:nvGrpSpPr>
+      <p:grpSpPr/>
+      <p:sp>
+        <p:nvSpPr>
+          <p:cNvPr id="2" name="文本框 1"/>
+          <p:cNvSpPr txBox="true"/>
+          <p:nvPr/>
+        </p:nvSpPr>
+        <p:spPr>
+          <a:xfrm>
+            <a:off x="1692275" y="1708785"/>
+            <a:ext cx="2540000" cy="368300"/>
+          </a:xfrm>
+          <a:prstGeom prst="rect">
+            <a:avLst/>
+          </a:prstGeom>
+          <a:noFill/>
+        </p:spPr>
+        <p:txBody>
+          <a:bodyPr wrap="square" rtlCol="0" anchor="t">
+            <a:spAutoFit/>
+          </a:bodyPr>
+          <a:p>
+            <a:r>
+              <a:rPr lang="zh-CN" altLang="en-US" b="1">
+                <a:solidFill>
+                  <a:srgbClr val="2C3E50"/>
+                </a:solidFill>
+              </a:rPr>
+              <a:t>数据结构的存储方式</a:t>
+            </a:r>
+            <a:endParaRPr lang="zh-CN" altLang="en-US" b="1">
+              <a:solidFill>
+                <a:srgbClr val="2C3E50"/>
+              </a:solidFill>
+            </a:endParaRPr>
+          </a:p>
+        </p:txBody>
+      </p:sp>
+      <p:sp>
+        <p:nvSpPr>
+          <p:cNvPr id="3" name="文本框 2"/>
+          <p:cNvSpPr txBox="true"/>
+          <p:nvPr/>
+        </p:nvSpPr>
+        <p:spPr>
+          <a:xfrm>
+            <a:off x="4692650" y="1025525"/>
+            <a:ext cx="641350" cy="368300"/>
+          </a:xfrm>
+          <a:prstGeom prst="rect">
+            <a:avLst/>
+          </a:prstGeom>
+          <a:noFill/>
+        </p:spPr>
+        <p:txBody>
+          <a:bodyPr wrap="none" rtlCol="0">
+            <a:spAutoFit/>
+          </a:bodyPr>
+          <a:p>
+            <a:r>
+              <a:rPr lang="zh-CN" altLang="en-US" b="1">
+                <a:solidFill>
+                  <a:srgbClr val="2C3E50"/>
+                </a:solidFill>
+              </a:rPr>
+              <a:t>数组</a:t>
+            </a:r>
+            <a:endParaRPr lang="zh-CN" altLang="en-US" b="1">
+              <a:solidFill>
+                <a:srgbClr val="2C3E50"/>
+              </a:solidFill>
+            </a:endParaRPr>
+          </a:p>
+        </p:txBody>
+      </p:sp>
+      <p:sp>
+        <p:nvSpPr>
+          <p:cNvPr id="4" name="文本框 3"/>
+          <p:cNvSpPr txBox="true"/>
+          <p:nvPr/>
+        </p:nvSpPr>
+        <p:spPr>
+          <a:xfrm>
+            <a:off x="4692650" y="2480945"/>
+            <a:ext cx="641350" cy="368300"/>
+          </a:xfrm>
+          <a:prstGeom prst="rect">
+            <a:avLst/>
+          </a:prstGeom>
+          <a:noFill/>
+        </p:spPr>
+        <p:txBody>
+          <a:bodyPr wrap="none" rtlCol="0">
+            <a:spAutoFit/>
+          </a:bodyPr>
+          <a:p>
+            <a:r>
+              <a:rPr lang="zh-CN" altLang="en-US" b="1">
+                <a:solidFill>
+                  <a:srgbClr val="2C3E50"/>
+                </a:solidFill>
+              </a:rPr>
+              <a:t>链表</a:t>
+            </a:r>
+            <a:endParaRPr lang="zh-CN" altLang="en-US" b="1">
+              <a:solidFill>
+                <a:srgbClr val="2C3E50"/>
+              </a:solidFill>
+            </a:endParaRPr>
+          </a:p>
+        </p:txBody>
+      </p:sp>
+      <p:sp>
+        <p:nvSpPr>
+          <p:cNvPr id="5" name="左大括号 4"/>
+          <p:cNvSpPr/>
+          <p:nvPr/>
+        </p:nvSpPr>
+        <p:spPr>
+          <a:xfrm>
+            <a:off x="4232275" y="913765"/>
+            <a:ext cx="335915" cy="1958340"/>
+          </a:xfrm>
+          <a:prstGeom prst="leftBrace">
+            <a:avLst/>
+          </a:prstGeom>
+          <a:ln w="38100">
+            <a:solidFill>
+              <a:srgbClr val="3EAF7C"/>
+            </a:solidFill>
+          </a:ln>
+        </p:spPr>
+        <p:style>
+          <a:lnRef idx="1">
+            <a:schemeClr val="accent1"/>
+          </a:lnRef>
+          <a:fillRef idx="0">
+            <a:schemeClr val="accent1"/>
+          </a:fillRef>
+          <a:effectRef idx="0">
+            <a:schemeClr val="accent1"/>
+          </a:effectRef>
+          <a:fontRef idx="minor">
+            <a:schemeClr val="tx1"/>
+          </a:fontRef>
+        </p:style>
+        <p:txBody>
+          <a:bodyPr rtlCol="0" anchor="ctr"/>
+          <a:p>
+            <a:pPr algn="ctr"/>
+            <a:endParaRPr lang="zh-CN" altLang="en-US"/>
+          </a:p>
+        </p:txBody>
+      </p:sp>
+      <p:sp>
+        <p:nvSpPr>
+          <p:cNvPr id="6" name="圆角矩形标注 5"/>
+          <p:cNvSpPr/>
+          <p:nvPr/>
+        </p:nvSpPr>
+        <p:spPr>
+          <a:xfrm>
+            <a:off x="2291080" y="913765"/>
+            <a:ext cx="1343025" cy="601980"/>
+          </a:xfrm>
+          <a:prstGeom prst="wedgeRoundRectCallout">
+            <a:avLst/>
+          </a:prstGeom>
+          <a:noFill/>
+          <a:ln w="38100">
+            <a:solidFill>
+              <a:srgbClr val="2C3E50"/>
+            </a:solidFill>
+          </a:ln>
+          <a:extLst>
+            <a:ext uri="{909E8E84-426E-40DD-AFC4-6F175D3DCCD1}">
+              <a14:hiddenFill xmlns:a14="http://schemas.microsoft.com/office/drawing/2010/main">
+                <a:solidFill>
+                  <a:schemeClr val="accent1"/>
+                </a:solidFill>
+              </a14:hiddenFill>
+            </a:ext>
+          </a:extLst>
+        </p:spPr>
+        <p:style>
+          <a:lnRef idx="2">
+            <a:schemeClr val="accent1">
+              <a:shade val="50000"/>
+            </a:schemeClr>
+          </a:lnRef>
+          <a:fillRef idx="1">
+            <a:schemeClr val="accent1"/>
+          </a:fillRef>
+          <a:effectRef idx="0">
+            <a:schemeClr val="accent1"/>
+          </a:effectRef>
+          <a:fontRef idx="minor">
+            <a:schemeClr val="lt1"/>
+          </a:fontRef>
+        </p:style>
+        <p:txBody>
+          <a:bodyPr rtlCol="0" anchor="ctr"/>
+          <a:p>
+            <a:pPr algn="ctr"/>
+            <a:r>
+              <a:rPr lang="zh-CN" altLang="en-US" sz="1200" b="1">
+                <a:solidFill>
+                  <a:srgbClr val="2C3E50"/>
+                </a:solidFill>
+              </a:rPr>
+              <a:t>有且只有两种</a:t>
+            </a:r>
+            <a:endParaRPr lang="zh-CN" altLang="en-US" sz="1200" b="1">
+              <a:solidFill>
+                <a:srgbClr val="2C3E50"/>
+              </a:solidFill>
+            </a:endParaRPr>
+          </a:p>
+        </p:txBody>
+      </p:sp>
+      <p:sp>
+        <p:nvSpPr>
+          <p:cNvPr id="7" name="文本框 6"/>
+          <p:cNvSpPr txBox="true"/>
+          <p:nvPr/>
+        </p:nvSpPr>
+        <p:spPr>
+          <a:xfrm>
+            <a:off x="1692910" y="4605655"/>
+            <a:ext cx="2540000" cy="368300"/>
+          </a:xfrm>
+          <a:prstGeom prst="rect">
+            <a:avLst/>
+          </a:prstGeom>
+          <a:noFill/>
+        </p:spPr>
+        <p:txBody>
+          <a:bodyPr wrap="square" rtlCol="0" anchor="t">
+            <a:spAutoFit/>
+          </a:bodyPr>
+          <a:p>
+            <a:r>
+              <a:rPr lang="zh-CN" altLang="en-US" b="1">
+                <a:solidFill>
+                  <a:srgbClr val="2C3E50"/>
+                </a:solidFill>
+              </a:rPr>
+              <a:t>数据结构的操作方式</a:t>
+            </a:r>
+            <a:endParaRPr lang="zh-CN" altLang="en-US" b="1">
+              <a:solidFill>
+                <a:srgbClr val="2C3E50"/>
+              </a:solidFill>
+            </a:endParaRPr>
+          </a:p>
+        </p:txBody>
+      </p:sp>
+      <p:sp>
+        <p:nvSpPr>
+          <p:cNvPr id="8" name="文本框 7"/>
+          <p:cNvSpPr txBox="true"/>
+          <p:nvPr/>
+        </p:nvSpPr>
+        <p:spPr>
+          <a:xfrm>
+            <a:off x="4693285" y="3922395"/>
+            <a:ext cx="641350" cy="368300"/>
+          </a:xfrm>
+          <a:prstGeom prst="rect">
+            <a:avLst/>
+          </a:prstGeom>
+          <a:noFill/>
+        </p:spPr>
+        <p:txBody>
+          <a:bodyPr wrap="none" rtlCol="0">
+            <a:spAutoFit/>
+          </a:bodyPr>
+          <a:p>
+            <a:r>
+              <a:rPr lang="zh-CN" altLang="en-US" b="1">
+                <a:solidFill>
+                  <a:srgbClr val="2C3E50"/>
+                </a:solidFill>
+              </a:rPr>
+              <a:t>遍历</a:t>
+            </a:r>
+            <a:endParaRPr lang="zh-CN" altLang="en-US" b="1">
+              <a:solidFill>
+                <a:srgbClr val="2C3E50"/>
+              </a:solidFill>
+            </a:endParaRPr>
+          </a:p>
+        </p:txBody>
+      </p:sp>
+      <p:sp>
+        <p:nvSpPr>
+          <p:cNvPr id="9" name="文本框 8"/>
+          <p:cNvSpPr txBox="true"/>
+          <p:nvPr/>
+        </p:nvSpPr>
+        <p:spPr>
+          <a:xfrm>
+            <a:off x="4693285" y="5377815"/>
+            <a:ext cx="641350" cy="368300"/>
+          </a:xfrm>
+          <a:prstGeom prst="rect">
+            <a:avLst/>
+          </a:prstGeom>
+          <a:noFill/>
+        </p:spPr>
+        <p:txBody>
+          <a:bodyPr wrap="none" rtlCol="0">
+            <a:spAutoFit/>
+          </a:bodyPr>
+          <a:p>
+            <a:r>
+              <a:rPr lang="zh-CN" altLang="en-US" b="1">
+                <a:solidFill>
+                  <a:srgbClr val="2C3E50"/>
+                </a:solidFill>
+              </a:rPr>
+              <a:t>访问</a:t>
+            </a:r>
+            <a:endParaRPr lang="zh-CN" altLang="en-US" b="1">
+              <a:solidFill>
+                <a:srgbClr val="2C3E50"/>
+              </a:solidFill>
+            </a:endParaRPr>
+          </a:p>
+        </p:txBody>
+      </p:sp>
+      <p:sp>
+        <p:nvSpPr>
+          <p:cNvPr id="10" name="左大括号 9"/>
+          <p:cNvSpPr/>
+          <p:nvPr/>
+        </p:nvSpPr>
+        <p:spPr>
+          <a:xfrm>
+            <a:off x="4232910" y="3810635"/>
+            <a:ext cx="335915" cy="1958340"/>
+          </a:xfrm>
+          <a:prstGeom prst="leftBrace">
+            <a:avLst/>
+          </a:prstGeom>
+          <a:ln w="38100">
+            <a:solidFill>
+              <a:srgbClr val="3EAF7C"/>
+            </a:solidFill>
+          </a:ln>
+        </p:spPr>
+        <p:style>
+          <a:lnRef idx="1">
+            <a:schemeClr val="accent1"/>
+          </a:lnRef>
+          <a:fillRef idx="0">
+            <a:schemeClr val="accent1"/>
+          </a:fillRef>
+          <a:effectRef idx="0">
+            <a:schemeClr val="accent1"/>
+          </a:effectRef>
+          <a:fontRef idx="minor">
+            <a:schemeClr val="tx1"/>
+          </a:fontRef>
+        </p:style>
+        <p:txBody>
+          <a:bodyPr rtlCol="0" anchor="ctr"/>
+          <a:p>
+            <a:pPr algn="ctr"/>
+            <a:endParaRPr lang="zh-CN" altLang="en-US"/>
+          </a:p>
+        </p:txBody>
+      </p:sp>
+      <p:sp>
+        <p:nvSpPr>
+          <p:cNvPr id="11" name="圆角矩形标注 10"/>
+          <p:cNvSpPr/>
+          <p:nvPr/>
+        </p:nvSpPr>
+        <p:spPr>
+          <a:xfrm>
+            <a:off x="2291715" y="3810635"/>
+            <a:ext cx="1343025" cy="601980"/>
+          </a:xfrm>
+          <a:prstGeom prst="wedgeRoundRectCallout">
+            <a:avLst/>
+          </a:prstGeom>
+          <a:noFill/>
+          <a:ln w="38100">
+            <a:solidFill>
+              <a:srgbClr val="2C3E50"/>
+            </a:solidFill>
+          </a:ln>
+          <a:extLst>
+            <a:ext uri="{909E8E84-426E-40DD-AFC4-6F175D3DCCD1}">
+              <a14:hiddenFill xmlns:a14="http://schemas.microsoft.com/office/drawing/2010/main">
+                <a:solidFill>
+                  <a:schemeClr val="accent1"/>
+                </a:solidFill>
+              </a14:hiddenFill>
+            </a:ext>
+          </a:extLst>
+        </p:spPr>
+        <p:style>
+          <a:lnRef idx="2">
+            <a:schemeClr val="accent1">
+              <a:shade val="50000"/>
+            </a:schemeClr>
+          </a:lnRef>
+          <a:fillRef idx="1">
+            <a:schemeClr val="accent1"/>
+          </a:fillRef>
+          <a:effectRef idx="0">
+            <a:schemeClr val="accent1"/>
+          </a:effectRef>
+          <a:fontRef idx="minor">
+            <a:schemeClr val="lt1"/>
+          </a:fontRef>
+        </p:style>
+        <p:txBody>
+          <a:bodyPr rtlCol="0" anchor="ctr"/>
+          <a:p>
+            <a:pPr algn="ctr"/>
+            <a:r>
+              <a:rPr lang="zh-CN" altLang="en-US" sz="1200" b="1">
+                <a:solidFill>
+                  <a:srgbClr val="2C3E50"/>
+                </a:solidFill>
+              </a:rPr>
+              <a:t>有且只有两种</a:t>
+            </a:r>
+            <a:endParaRPr lang="zh-CN" altLang="en-US" sz="1200" b="1">
+              <a:solidFill>
+                <a:srgbClr val="2C3E50"/>
+              </a:solidFill>
+            </a:endParaRPr>
+          </a:p>
+        </p:txBody>
+      </p:sp>
+      <p:sp>
+        <p:nvSpPr>
+          <p:cNvPr id="12" name="文本框 11"/>
+          <p:cNvSpPr txBox="true"/>
+          <p:nvPr/>
+        </p:nvSpPr>
+        <p:spPr>
+          <a:xfrm>
+            <a:off x="6209665" y="3609975"/>
+            <a:ext cx="641350" cy="368300"/>
+          </a:xfrm>
+          <a:prstGeom prst="rect">
+            <a:avLst/>
+          </a:prstGeom>
+          <a:noFill/>
+        </p:spPr>
+        <p:txBody>
+          <a:bodyPr wrap="none" rtlCol="0">
+            <a:spAutoFit/>
+          </a:bodyPr>
+          <a:p>
+            <a:r>
+              <a:rPr lang="zh-CN" altLang="en-US" b="1">
+                <a:solidFill>
+                  <a:srgbClr val="2C3E50"/>
+                </a:solidFill>
+              </a:rPr>
+              <a:t>迭代</a:t>
+            </a:r>
+            <a:endParaRPr lang="zh-CN" altLang="en-US" b="1">
+              <a:solidFill>
+                <a:srgbClr val="2C3E50"/>
+              </a:solidFill>
+            </a:endParaRPr>
+          </a:p>
+        </p:txBody>
+      </p:sp>
+      <p:sp>
+        <p:nvSpPr>
+          <p:cNvPr id="13" name="文本框 12"/>
+          <p:cNvSpPr txBox="true"/>
+          <p:nvPr/>
+        </p:nvSpPr>
+        <p:spPr>
+          <a:xfrm>
+            <a:off x="6209665" y="4237355"/>
+            <a:ext cx="641350" cy="368300"/>
+          </a:xfrm>
+          <a:prstGeom prst="rect">
+            <a:avLst/>
+          </a:prstGeom>
+          <a:noFill/>
+        </p:spPr>
+        <p:txBody>
+          <a:bodyPr wrap="none" rtlCol="0">
+            <a:spAutoFit/>
+          </a:bodyPr>
+          <a:p>
+            <a:r>
+              <a:rPr lang="zh-CN" altLang="en-US" b="1">
+                <a:solidFill>
+                  <a:srgbClr val="2C3E50"/>
+                </a:solidFill>
+              </a:rPr>
+              <a:t>递归</a:t>
+            </a:r>
+            <a:endParaRPr lang="zh-CN" altLang="en-US" b="1">
+              <a:solidFill>
+                <a:srgbClr val="2C3E50"/>
+              </a:solidFill>
+            </a:endParaRPr>
+          </a:p>
+        </p:txBody>
+      </p:sp>
+      <p:sp>
+        <p:nvSpPr>
+          <p:cNvPr id="14" name="左大括号 13"/>
+          <p:cNvSpPr/>
+          <p:nvPr/>
+        </p:nvSpPr>
+        <p:spPr>
+          <a:xfrm>
+            <a:off x="5784850" y="3553460"/>
+            <a:ext cx="228600" cy="1105535"/>
+          </a:xfrm>
+          <a:prstGeom prst="leftBrace">
+            <a:avLst/>
+          </a:prstGeom>
+          <a:ln w="38100">
+            <a:solidFill>
+              <a:srgbClr val="3EAF7C"/>
+            </a:solidFill>
+          </a:ln>
+        </p:spPr>
+        <p:style>
+          <a:lnRef idx="1">
+            <a:schemeClr val="accent1"/>
+          </a:lnRef>
+          <a:fillRef idx="0">
+            <a:schemeClr val="accent1"/>
+          </a:fillRef>
+          <a:effectRef idx="0">
+            <a:schemeClr val="accent1"/>
+          </a:effectRef>
+          <a:fontRef idx="minor">
+            <a:schemeClr val="tx1"/>
+          </a:fontRef>
+        </p:style>
+        <p:txBody>
+          <a:bodyPr rtlCol="0" anchor="ctr"/>
+          <a:p>
+            <a:pPr algn="ctr"/>
+            <a:endParaRPr lang="zh-CN" altLang="en-US"/>
+          </a:p>
+        </p:txBody>
+      </p:sp>
+      <p:sp>
+        <p:nvSpPr>
+          <p:cNvPr id="15" name="文本框 14"/>
+          <p:cNvSpPr txBox="true"/>
+          <p:nvPr/>
+        </p:nvSpPr>
+        <p:spPr>
+          <a:xfrm>
+            <a:off x="6209665" y="4890135"/>
+            <a:ext cx="641350" cy="368300"/>
+          </a:xfrm>
+          <a:prstGeom prst="rect">
+            <a:avLst/>
+          </a:prstGeom>
+          <a:noFill/>
+        </p:spPr>
+        <p:txBody>
+          <a:bodyPr wrap="none" rtlCol="0">
+            <a:spAutoFit/>
+          </a:bodyPr>
+          <a:p>
+            <a:r>
+              <a:rPr lang="zh-CN" altLang="en-US" b="1">
+                <a:solidFill>
+                  <a:srgbClr val="2C3E50"/>
+                </a:solidFill>
+              </a:rPr>
+              <a:t>插入</a:t>
+            </a:r>
+            <a:endParaRPr lang="zh-CN" altLang="en-US" b="1">
+              <a:solidFill>
+                <a:srgbClr val="2C3E50"/>
+              </a:solidFill>
+            </a:endParaRPr>
+          </a:p>
+        </p:txBody>
+      </p:sp>
+      <p:sp>
+        <p:nvSpPr>
+          <p:cNvPr id="16" name="文本框 15"/>
+          <p:cNvSpPr txBox="true"/>
+          <p:nvPr/>
+        </p:nvSpPr>
+        <p:spPr>
+          <a:xfrm>
+            <a:off x="6209665" y="5365750"/>
+            <a:ext cx="641350" cy="368300"/>
+          </a:xfrm>
+          <a:prstGeom prst="rect">
+            <a:avLst/>
+          </a:prstGeom>
+          <a:noFill/>
+        </p:spPr>
+        <p:txBody>
+          <a:bodyPr wrap="none" rtlCol="0">
+            <a:spAutoFit/>
+          </a:bodyPr>
+          <a:p>
+            <a:r>
+              <a:rPr lang="zh-CN" altLang="en-US" b="1">
+                <a:solidFill>
+                  <a:srgbClr val="2C3E50"/>
+                </a:solidFill>
+              </a:rPr>
+              <a:t>修改</a:t>
+            </a:r>
+            <a:endParaRPr lang="zh-CN" altLang="en-US" b="1">
+              <a:solidFill>
+                <a:srgbClr val="2C3E50"/>
+              </a:solidFill>
+            </a:endParaRPr>
+          </a:p>
+        </p:txBody>
+      </p:sp>
+      <p:sp>
+        <p:nvSpPr>
+          <p:cNvPr id="17" name="文本框 16"/>
+          <p:cNvSpPr txBox="true"/>
+          <p:nvPr/>
+        </p:nvSpPr>
+        <p:spPr>
+          <a:xfrm>
+            <a:off x="6209665" y="5841365"/>
+            <a:ext cx="641350" cy="368300"/>
+          </a:xfrm>
+          <a:prstGeom prst="rect">
+            <a:avLst/>
+          </a:prstGeom>
+          <a:noFill/>
+        </p:spPr>
+        <p:txBody>
+          <a:bodyPr wrap="none" rtlCol="0">
+            <a:spAutoFit/>
+          </a:bodyPr>
+          <a:p>
+            <a:r>
+              <a:rPr lang="zh-CN" altLang="en-US" b="1">
+                <a:solidFill>
+                  <a:srgbClr val="2C3E50"/>
+                </a:solidFill>
+              </a:rPr>
+              <a:t>删除</a:t>
+            </a:r>
+            <a:endParaRPr lang="zh-CN" altLang="en-US" b="1">
+              <a:solidFill>
+                <a:srgbClr val="2C3E50"/>
+              </a:solidFill>
+            </a:endParaRPr>
+          </a:p>
+        </p:txBody>
+      </p:sp>
+      <p:sp>
+        <p:nvSpPr>
+          <p:cNvPr id="18" name="左大括号 17"/>
+          <p:cNvSpPr/>
+          <p:nvPr/>
+        </p:nvSpPr>
+        <p:spPr>
+          <a:xfrm>
+            <a:off x="5784850" y="4876165"/>
+            <a:ext cx="228600" cy="1370965"/>
+          </a:xfrm>
+          <a:prstGeom prst="leftBrace">
+            <a:avLst/>
+          </a:prstGeom>
+          <a:ln w="38100">
+            <a:solidFill>
+              <a:srgbClr val="3EAF7C"/>
+            </a:solidFill>
+          </a:ln>
+        </p:spPr>
+        <p:style>
+          <a:lnRef idx="1">
+            <a:schemeClr val="accent1"/>
+          </a:lnRef>
+          <a:fillRef idx="0">
+            <a:schemeClr val="accent1"/>
+          </a:fillRef>
+          <a:effectRef idx="0">
+            <a:schemeClr val="accent1"/>
+          </a:effectRef>
+          <a:fontRef idx="minor">
+            <a:schemeClr val="tx1"/>
+          </a:fontRef>
+        </p:style>
+        <p:txBody>
+          <a:bodyPr rtlCol="0" anchor="ctr"/>
+          <a:p>
+            <a:pPr algn="ctr"/>
+            <a:endParaRPr lang="zh-CN" altLang="en-US"/>
+          </a:p>
+        </p:txBody>
+      </p:sp>
+      <p:sp>
+        <p:nvSpPr>
+          <p:cNvPr id="19" name="矩形 18"/>
+          <p:cNvSpPr/>
+          <p:nvPr/>
+        </p:nvSpPr>
+        <p:spPr>
+          <a:xfrm>
+            <a:off x="8107045" y="4175125"/>
+            <a:ext cx="2026285" cy="489585"/>
+          </a:xfrm>
+          <a:prstGeom prst="rect">
+            <a:avLst/>
+          </a:prstGeom>
+          <a:noFill/>
+          <a:ln w="38100">
+            <a:solidFill>
+              <a:srgbClr val="2C3E50"/>
+            </a:solidFill>
+          </a:ln>
+          <a:extLst>
+            <a:ext uri="{909E8E84-426E-40DD-AFC4-6F175D3DCCD1}">
+              <a14:hiddenFill xmlns:a14="http://schemas.microsoft.com/office/drawing/2010/main">
+                <a:solidFill>
+                  <a:schemeClr val="accent1"/>
+                </a:solidFill>
+              </a14:hiddenFill>
+            </a:ext>
+          </a:extLst>
+        </p:spPr>
+        <p:style>
+          <a:lnRef idx="2">
+            <a:schemeClr val="accent1">
+              <a:shade val="50000"/>
+            </a:schemeClr>
+          </a:lnRef>
+          <a:fillRef idx="1">
+            <a:schemeClr val="accent1"/>
+          </a:fillRef>
+          <a:effectRef idx="0">
+            <a:schemeClr val="accent1"/>
+          </a:effectRef>
+          <a:fontRef idx="minor">
+            <a:schemeClr val="lt1"/>
+          </a:fontRef>
+        </p:style>
+        <p:txBody>
+          <a:bodyPr rtlCol="0" anchor="ctr"/>
+          <a:p>
+            <a:pPr algn="ctr"/>
+            <a:r>
+              <a:rPr lang="zh-CN" altLang="en-US" b="1">
+                <a:solidFill>
+                  <a:srgbClr val="2C3E50"/>
+                </a:solidFill>
+              </a:rPr>
+              <a:t>经常需要配合堆栈</a:t>
+            </a:r>
+            <a:endParaRPr lang="zh-CN" altLang="en-US" b="1">
+              <a:solidFill>
+                <a:srgbClr val="2C3E50"/>
+              </a:solidFill>
+            </a:endParaRPr>
+          </a:p>
+        </p:txBody>
+      </p:sp>
+      <p:cxnSp>
+        <p:nvCxnSpPr>
+          <p:cNvPr id="20" name="直接箭头连接符 19"/>
+          <p:cNvCxnSpPr>
+            <a:stCxn id="19" idx="1"/>
+            <a:endCxn id="13" idx="3"/>
+          </p:cNvCxnSpPr>
+          <p:nvPr/>
+        </p:nvCxnSpPr>
+        <p:spPr>
+          <a:xfrm flipH="true">
+            <a:off x="6851015" y="4420235"/>
+            <a:ext cx="1256030" cy="1270"/>
+          </a:xfrm>
+          <a:prstGeom prst="straightConnector1">
+            <a:avLst/>
+          </a:prstGeom>
+          <a:ln w="38100">
+            <a:solidFill>
+              <a:srgbClr val="C00000"/>
+            </a:solidFill>
+            <a:tailEnd type="arrow"/>
+          </a:ln>
+        </p:spPr>
+        <p:style>
+          <a:lnRef idx="1">
+            <a:schemeClr val="accent1"/>
+          </a:lnRef>
+          <a:fillRef idx="0">
+            <a:schemeClr val="accent1"/>
+          </a:fillRef>
+          <a:effectRef idx="0">
+            <a:schemeClr val="accent1"/>
+          </a:effectRef>
+          <a:fontRef idx="minor">
+            <a:schemeClr val="tx1"/>
+          </a:fontRef>
+        </p:style>
+      </p:cxnSp>
+    </p:spTree>
+  </p:cSld>
+  <p:clrMapOvr>
+    <a:masterClrMapping/>
+  </p:clrMapOvr>
+</p:sld>
+</file>
+
+<file path=ppt/slides/slide3.xml><?xml version="1.0" encoding="utf-8"?>
+<p:sld xmlns:a="http://schemas.openxmlformats.org/drawingml/2006/main" xmlns:r="http://schemas.openxmlformats.org/officeDocument/2006/relationships" xmlns:p="http://schemas.openxmlformats.org/presentationml/2006/main">
+  <p:cSld>
+    <p:spTree>
+      <p:nvGrpSpPr>
+        <p:cNvPr id="1" name=""/>
+        <p:cNvGrpSpPr/>
+        <p:nvPr/>
+      </p:nvGrpSpPr>
+      <p:grpSpPr/>
+      <p:sp>
+        <p:nvSpPr>
+          <p:cNvPr id="2" name="Text Box 1"/>
+          <p:cNvSpPr txBox="true"/>
+          <p:nvPr/>
+        </p:nvSpPr>
+        <p:spPr>
+          <a:xfrm>
+            <a:off x="757555" y="342900"/>
+            <a:ext cx="1607820" cy="521970"/>
+          </a:xfrm>
+          <a:prstGeom prst="rect">
+            <a:avLst/>
+          </a:prstGeom>
+          <a:noFill/>
+        </p:spPr>
+        <p:txBody>
+          <a:bodyPr wrap="none" rtlCol="0">
+            <a:spAutoFit/>
+          </a:bodyPr>
+          <a:p>
+            <a:r>
+              <a:rPr lang="zh-CN" altLang="en-US" sz="2800" b="1">
+                <a:solidFill>
+                  <a:srgbClr val="2C3E50"/>
+                </a:solidFill>
+              </a:rPr>
+              <a:t>递归模型</a:t>
+            </a:r>
+            <a:endParaRPr lang="en-US" altLang="zh-CN" sz="2800" b="1">
+              <a:solidFill>
+                <a:srgbClr val="2C3E50"/>
+              </a:solidFill>
+            </a:endParaRPr>
+          </a:p>
+        </p:txBody>
+      </p:sp>
+      <p:sp>
+        <p:nvSpPr>
+          <p:cNvPr id="19" name="Text Box 1"/>
+          <p:cNvSpPr txBox="true"/>
+          <p:nvPr/>
+        </p:nvSpPr>
+        <p:spPr>
+          <a:xfrm>
+            <a:off x="757555" y="3886835"/>
+            <a:ext cx="1607820" cy="521970"/>
+          </a:xfrm>
+          <a:prstGeom prst="rect">
+            <a:avLst/>
+          </a:prstGeom>
+          <a:noFill/>
+        </p:spPr>
+        <p:txBody>
+          <a:bodyPr wrap="none" rtlCol="0">
+            <a:spAutoFit/>
+          </a:bodyPr>
+          <a:p>
+            <a:r>
+              <a:rPr lang="zh-CN" altLang="en-US" sz="2800" b="1">
+                <a:solidFill>
+                  <a:srgbClr val="2C3E50"/>
+                </a:solidFill>
+              </a:rPr>
+              <a:t>迭代模型</a:t>
+            </a:r>
+            <a:endParaRPr lang="en-US" altLang="zh-CN" sz="2800" b="1">
+              <a:solidFill>
+                <a:srgbClr val="2C3E50"/>
+              </a:solidFill>
+            </a:endParaRPr>
+          </a:p>
+        </p:txBody>
+      </p:sp>
+      <p:pic>
+        <p:nvPicPr>
+          <p:cNvPr id="21" name="图片 20" descr="Screenshot from 2021-03-19 20-29-16"/>
+          <p:cNvPicPr>
+            <a:picLocks noChangeAspect="true"/>
+          </p:cNvPicPr>
+          <p:nvPr/>
+        </p:nvPicPr>
+        <p:blipFill>
+          <a:blip r:embed="rId1"/>
+          <a:stretch>
+            <a:fillRect/>
+          </a:stretch>
+        </p:blipFill>
+        <p:spPr>
+          <a:xfrm>
+            <a:off x="757555" y="4408805"/>
+            <a:ext cx="8829675" cy="2124075"/>
+          </a:xfrm>
+          <a:prstGeom prst="rect">
+            <a:avLst/>
+          </a:prstGeom>
+        </p:spPr>
+      </p:pic>
+      <p:pic>
+        <p:nvPicPr>
+          <p:cNvPr id="22" name="图片 21" descr="Screenshot from 2021-03-19 20-29-39"/>
+          <p:cNvPicPr>
+            <a:picLocks noChangeAspect="true"/>
+          </p:cNvPicPr>
+          <p:nvPr/>
+        </p:nvPicPr>
+        <p:blipFill>
+          <a:blip r:embed="rId2"/>
+          <a:stretch>
+            <a:fillRect/>
+          </a:stretch>
+        </p:blipFill>
+        <p:spPr>
+          <a:xfrm>
+            <a:off x="719455" y="864870"/>
+            <a:ext cx="8867775" cy="2943225"/>
+          </a:xfrm>
+          <a:prstGeom prst="rect">
+            <a:avLst/>
+          </a:prstGeom>
+        </p:spPr>
+      </p:pic>
+    </p:spTree>
+  </p:cSld>
+  <p:clrMapOvr>
+    <a:masterClrMapping/>
+  </p:clrMapOvr>
+</p:sld>
+</file>
+
+<file path=ppt/slides/slide4.xml><?xml version="1.0" encoding="utf-8"?>
+<p:sld xmlns:a="http://schemas.openxmlformats.org/drawingml/2006/main" xmlns:r="http://schemas.openxmlformats.org/officeDocument/2006/relationships" xmlns:p="http://schemas.openxmlformats.org/presentationml/2006/main">
+  <p:cSld>
+    <p:spTree>
+      <p:nvGrpSpPr>
+        <p:cNvPr id="1" name=""/>
+        <p:cNvGrpSpPr/>
+        <p:nvPr/>
+      </p:nvGrpSpPr>
+      <p:grpSpPr/>
+      <p:sp>
+        <p:nvSpPr>
+          <p:cNvPr id="2" name="Text Box 1"/>
+          <p:cNvSpPr txBox="true"/>
+          <p:nvPr/>
+        </p:nvSpPr>
+        <p:spPr>
+          <a:xfrm>
+            <a:off x="757555" y="342900"/>
+            <a:ext cx="1607820" cy="521970"/>
+          </a:xfrm>
+          <a:prstGeom prst="rect">
+            <a:avLst/>
+          </a:prstGeom>
+          <a:noFill/>
+        </p:spPr>
+        <p:txBody>
+          <a:bodyPr wrap="none" rtlCol="0">
+            <a:spAutoFit/>
+          </a:bodyPr>
+          <a:p>
+            <a:r>
+              <a:rPr lang="zh-CN" altLang="en-US" sz="2800" b="1">
+                <a:solidFill>
+                  <a:srgbClr val="2C3E50"/>
+                </a:solidFill>
+              </a:rPr>
+              <a:t>队列模型</a:t>
+            </a:r>
+            <a:endParaRPr lang="en-US" altLang="zh-CN" sz="2800" b="1">
+              <a:solidFill>
+                <a:srgbClr val="2C3E50"/>
+              </a:solidFill>
+            </a:endParaRPr>
+          </a:p>
+        </p:txBody>
+      </p:sp>
+      <p:sp>
+        <p:nvSpPr>
+          <p:cNvPr id="3" name="Text Box 1"/>
+          <p:cNvSpPr txBox="true"/>
+          <p:nvPr/>
+        </p:nvSpPr>
+        <p:spPr>
+          <a:xfrm>
+            <a:off x="5720715" y="287020"/>
+            <a:ext cx="1607820" cy="521970"/>
+          </a:xfrm>
+          <a:prstGeom prst="rect">
+            <a:avLst/>
+          </a:prstGeom>
+          <a:noFill/>
+        </p:spPr>
+        <p:txBody>
+          <a:bodyPr wrap="none" rtlCol="0">
+            <a:spAutoFit/>
+          </a:bodyPr>
+          <a:p>
+            <a:r>
+              <a:rPr lang="zh-CN" altLang="en-US" sz="2800" b="1">
+                <a:solidFill>
+                  <a:srgbClr val="2C3E50"/>
+                </a:solidFill>
+              </a:rPr>
+              <a:t>堆栈模型</a:t>
+            </a:r>
+            <a:endParaRPr lang="en-US" altLang="zh-CN" sz="2800" b="1">
+              <a:solidFill>
+                <a:srgbClr val="2C3E50"/>
+              </a:solidFill>
+            </a:endParaRPr>
+          </a:p>
+        </p:txBody>
+      </p:sp>
+      <p:pic>
+        <p:nvPicPr>
+          <p:cNvPr id="4" name="图片 3" descr="Screenshot from 2021-03-25 21-09-45"/>
+          <p:cNvPicPr>
+            <a:picLocks noChangeAspect="true"/>
+          </p:cNvPicPr>
+          <p:nvPr/>
+        </p:nvPicPr>
+        <p:blipFill>
+          <a:blip r:embed="rId1"/>
+          <a:stretch>
+            <a:fillRect/>
+          </a:stretch>
+        </p:blipFill>
+        <p:spPr>
+          <a:xfrm>
+            <a:off x="757555" y="1268730"/>
+            <a:ext cx="3800475" cy="4600575"/>
+          </a:xfrm>
+          <a:prstGeom prst="rect">
+            <a:avLst/>
+          </a:prstGeom>
+        </p:spPr>
+      </p:pic>
+      <p:pic>
+        <p:nvPicPr>
+          <p:cNvPr id="7" name="图片 6" descr="Screenshot from 2021-03-25 21-11-51"/>
+          <p:cNvPicPr>
+            <a:picLocks noChangeAspect="true"/>
+          </p:cNvPicPr>
+          <p:nvPr/>
+        </p:nvPicPr>
+        <p:blipFill>
+          <a:blip r:embed="rId2"/>
+          <a:stretch>
+            <a:fillRect/>
+          </a:stretch>
+        </p:blipFill>
+        <p:spPr>
+          <a:xfrm>
+            <a:off x="5720715" y="1268730"/>
+            <a:ext cx="3876675" cy="4619625"/>
+          </a:xfrm>
+          <a:prstGeom prst="rect">
+            <a:avLst/>
+          </a:prstGeom>
+        </p:spPr>
+      </p:pic>
+    </p:spTree>
+  </p:cSld>
+  <p:clrMapOvr>
+    <a:masterClrMapping/>
+  </p:clrMapOvr>
+</p:sld>
+</file>
+
+<file path=ppt/slides/slide5.xml><?xml version="1.0" encoding="utf-8"?>
+<p:sld xmlns:a="http://schemas.openxmlformats.org/drawingml/2006/main" xmlns:r="http://schemas.openxmlformats.org/officeDocument/2006/relationships" xmlns:p="http://schemas.openxmlformats.org/presentationml/2006/main">
+  <p:cSld>
+    <p:spTree>
+      <p:nvGrpSpPr>
+        <p:cNvPr id="1" name=""/>
+        <p:cNvGrpSpPr/>
+        <p:nvPr/>
+      </p:nvGrpSpPr>
+      <p:grpSpPr/>
+      <p:sp>
+        <p:nvSpPr>
+          <p:cNvPr id="4" name="Text Box 1"/>
+          <p:cNvSpPr txBox="true"/>
+          <p:nvPr/>
+        </p:nvSpPr>
+        <p:spPr>
+          <a:xfrm>
+            <a:off x="855345" y="4064000"/>
+            <a:ext cx="1607820" cy="521970"/>
+          </a:xfrm>
+          <a:prstGeom prst="rect">
+            <a:avLst/>
+          </a:prstGeom>
+          <a:noFill/>
+        </p:spPr>
+        <p:txBody>
+          <a:bodyPr wrap="none" rtlCol="0">
+            <a:spAutoFit/>
+          </a:bodyPr>
+          <a:p>
+            <a:r>
+              <a:rPr lang="zh-CN" altLang="en-US" sz="2800" b="1">
+                <a:solidFill>
+                  <a:srgbClr val="2C3E50"/>
+                </a:solidFill>
+              </a:rPr>
+              <a:t>迭代模型</a:t>
+            </a:r>
+            <a:endParaRPr lang="en-US" altLang="zh-CN" sz="2800" b="1">
+              <a:solidFill>
+                <a:srgbClr val="2C3E50"/>
+              </a:solidFill>
+            </a:endParaRPr>
+          </a:p>
+        </p:txBody>
+      </p:sp>
+      <p:sp>
+        <p:nvSpPr>
+          <p:cNvPr id="5" name="Text Box 1"/>
+          <p:cNvSpPr txBox="true"/>
+          <p:nvPr/>
+        </p:nvSpPr>
+        <p:spPr>
+          <a:xfrm>
+            <a:off x="5501005" y="1783715"/>
+            <a:ext cx="1607820" cy="521970"/>
+          </a:xfrm>
+          <a:prstGeom prst="rect">
+            <a:avLst/>
+          </a:prstGeom>
+          <a:noFill/>
+        </p:spPr>
+        <p:txBody>
+          <a:bodyPr wrap="none" rtlCol="0">
+            <a:spAutoFit/>
+          </a:bodyPr>
+          <a:p>
+            <a:r>
+              <a:rPr lang="zh-CN" altLang="en-US" sz="2800" b="1">
+                <a:solidFill>
+                  <a:srgbClr val="2C3E50"/>
+                </a:solidFill>
+              </a:rPr>
+              <a:t>堆栈模型</a:t>
+            </a:r>
+            <a:endParaRPr lang="en-US" altLang="zh-CN" sz="2800" b="1">
+              <a:solidFill>
+                <a:srgbClr val="2C3E50"/>
+              </a:solidFill>
+            </a:endParaRPr>
+          </a:p>
+        </p:txBody>
+      </p:sp>
+      <p:sp>
+        <p:nvSpPr>
+          <p:cNvPr id="6" name="Text Box 1"/>
+          <p:cNvSpPr txBox="true"/>
+          <p:nvPr/>
+        </p:nvSpPr>
+        <p:spPr>
+          <a:xfrm>
+            <a:off x="3199765" y="1783715"/>
+            <a:ext cx="1607820" cy="521970"/>
+          </a:xfrm>
+          <a:prstGeom prst="rect">
+            <a:avLst/>
+          </a:prstGeom>
+          <a:noFill/>
+        </p:spPr>
+        <p:txBody>
+          <a:bodyPr wrap="none" rtlCol="0">
+            <a:spAutoFit/>
+          </a:bodyPr>
+          <a:p>
+            <a:r>
+              <a:rPr lang="zh-CN" altLang="en-US" sz="2800" b="1">
+                <a:solidFill>
+                  <a:srgbClr val="2C3E50"/>
+                </a:solidFill>
+              </a:rPr>
+              <a:t>递归模型</a:t>
+            </a:r>
+            <a:endParaRPr lang="en-US" altLang="zh-CN" sz="2800" b="1">
+              <a:solidFill>
+                <a:srgbClr val="2C3E50"/>
+              </a:solidFill>
+            </a:endParaRPr>
+          </a:p>
+        </p:txBody>
+      </p:sp>
+      <p:sp>
+        <p:nvSpPr>
+          <p:cNvPr id="7" name="Text Box 1"/>
+          <p:cNvSpPr txBox="true"/>
+          <p:nvPr/>
+        </p:nvSpPr>
+        <p:spPr>
+          <a:xfrm>
+            <a:off x="3611880" y="4064000"/>
+            <a:ext cx="1607820" cy="521970"/>
+          </a:xfrm>
+          <a:prstGeom prst="rect">
+            <a:avLst/>
+          </a:prstGeom>
+          <a:noFill/>
+        </p:spPr>
+        <p:txBody>
+          <a:bodyPr wrap="none" rtlCol="0">
+            <a:spAutoFit/>
+          </a:bodyPr>
+          <a:p>
+            <a:r>
+              <a:rPr lang="zh-CN" altLang="en-US" sz="2800" b="1">
+                <a:solidFill>
+                  <a:srgbClr val="2C3E50"/>
+                </a:solidFill>
+              </a:rPr>
+              <a:t>队列模型</a:t>
+            </a:r>
+            <a:endParaRPr lang="en-US" altLang="zh-CN" sz="2800" b="1">
+              <a:solidFill>
+                <a:srgbClr val="2C3E50"/>
+              </a:solidFill>
+            </a:endParaRPr>
+          </a:p>
+        </p:txBody>
+      </p:sp>
+      <p:sp>
+        <p:nvSpPr>
+          <p:cNvPr id="8" name="Text Box 1"/>
+          <p:cNvSpPr txBox="true"/>
+          <p:nvPr/>
+        </p:nvSpPr>
+        <p:spPr>
+          <a:xfrm>
+            <a:off x="898525" y="1783715"/>
+            <a:ext cx="1607820" cy="521970"/>
+          </a:xfrm>
+          <a:prstGeom prst="rect">
+            <a:avLst/>
+          </a:prstGeom>
+          <a:noFill/>
+        </p:spPr>
+        <p:txBody>
+          <a:bodyPr wrap="none" rtlCol="0">
+            <a:spAutoFit/>
+          </a:bodyPr>
+          <a:p>
+            <a:r>
+              <a:rPr lang="zh-CN" altLang="en-US" sz="2800" b="1">
+                <a:solidFill>
+                  <a:srgbClr val="2C3E50"/>
+                </a:solidFill>
+              </a:rPr>
+              <a:t>迭代模型</a:t>
+            </a:r>
+            <a:endParaRPr lang="en-US" altLang="zh-CN" sz="2800" b="1">
+              <a:solidFill>
+                <a:srgbClr val="2C3E50"/>
+              </a:solidFill>
+            </a:endParaRPr>
+          </a:p>
+        </p:txBody>
+      </p:sp>
+      <p:sp>
+        <p:nvSpPr>
+          <p:cNvPr id="10" name="文本框 9"/>
+          <p:cNvSpPr txBox="true"/>
+          <p:nvPr/>
+        </p:nvSpPr>
+        <p:spPr>
+          <a:xfrm>
+            <a:off x="2463165" y="1407795"/>
+            <a:ext cx="885190" cy="1106805"/>
+          </a:xfrm>
+          <a:prstGeom prst="rect">
+            <a:avLst/>
+          </a:prstGeom>
+          <a:noFill/>
+        </p:spPr>
+        <p:txBody>
+          <a:bodyPr wrap="none" rtlCol="0">
+            <a:spAutoFit/>
+          </a:bodyPr>
+          <a:p>
+            <a:r>
+              <a:rPr lang="en-US" altLang="zh-CN" sz="6600" b="1">
+                <a:solidFill>
+                  <a:srgbClr val="3EAF7C"/>
+                </a:solidFill>
+              </a:rPr>
+              <a:t>+</a:t>
+            </a:r>
+            <a:endParaRPr lang="en-US" altLang="zh-CN" sz="6600" b="1">
+              <a:solidFill>
+                <a:srgbClr val="3EAF7C"/>
+              </a:solidFill>
+            </a:endParaRPr>
+          </a:p>
+        </p:txBody>
+      </p:sp>
+      <p:sp>
+        <p:nvSpPr>
+          <p:cNvPr id="11" name="文本框 10"/>
+          <p:cNvSpPr txBox="true"/>
+          <p:nvPr/>
+        </p:nvSpPr>
+        <p:spPr>
+          <a:xfrm>
+            <a:off x="4716780" y="1407795"/>
+            <a:ext cx="885190" cy="1106805"/>
+          </a:xfrm>
+          <a:prstGeom prst="rect">
+            <a:avLst/>
+          </a:prstGeom>
+          <a:noFill/>
+        </p:spPr>
+        <p:txBody>
+          <a:bodyPr wrap="none" rtlCol="0">
+            <a:spAutoFit/>
+          </a:bodyPr>
+          <a:p>
+            <a:r>
+              <a:rPr lang="en-US" altLang="zh-CN" sz="6600" b="1">
+                <a:solidFill>
+                  <a:srgbClr val="3EAF7C"/>
+                </a:solidFill>
+              </a:rPr>
+              <a:t>+</a:t>
+            </a:r>
+            <a:endParaRPr lang="en-US" altLang="zh-CN" sz="6600" b="1">
+              <a:solidFill>
+                <a:srgbClr val="3EAF7C"/>
+              </a:solidFill>
+            </a:endParaRPr>
+          </a:p>
+        </p:txBody>
+      </p:sp>
+      <p:sp>
+        <p:nvSpPr>
+          <p:cNvPr id="12" name="文本框 11"/>
+          <p:cNvSpPr txBox="true"/>
+          <p:nvPr/>
+        </p:nvSpPr>
+        <p:spPr>
+          <a:xfrm>
+            <a:off x="2594610" y="3771265"/>
+            <a:ext cx="885190" cy="1106805"/>
+          </a:xfrm>
+          <a:prstGeom prst="rect">
+            <a:avLst/>
+          </a:prstGeom>
+          <a:noFill/>
+        </p:spPr>
+        <p:txBody>
+          <a:bodyPr wrap="none" rtlCol="0">
+            <a:spAutoFit/>
+          </a:bodyPr>
+          <a:p>
+            <a:r>
+              <a:rPr lang="en-US" altLang="zh-CN" sz="6600" b="1">
+                <a:solidFill>
+                  <a:srgbClr val="3EAF7C"/>
+                </a:solidFill>
+              </a:rPr>
+              <a:t>+</a:t>
+            </a:r>
+            <a:endParaRPr lang="en-US" altLang="zh-CN" sz="6600" b="1">
+              <a:solidFill>
+                <a:srgbClr val="3EAF7C"/>
+              </a:solidFill>
+            </a:endParaRPr>
+          </a:p>
+        </p:txBody>
+      </p:sp>
+      <p:sp>
+        <p:nvSpPr>
+          <p:cNvPr id="13" name="文本框 12"/>
+          <p:cNvSpPr txBox="true"/>
+          <p:nvPr/>
+        </p:nvSpPr>
+        <p:spPr>
+          <a:xfrm>
+            <a:off x="5601970" y="3771265"/>
+            <a:ext cx="885190" cy="1106805"/>
+          </a:xfrm>
+          <a:prstGeom prst="rect">
+            <a:avLst/>
+          </a:prstGeom>
+          <a:noFill/>
+        </p:spPr>
+        <p:txBody>
+          <a:bodyPr wrap="none" rtlCol="0">
+            <a:spAutoFit/>
+          </a:bodyPr>
+          <a:p>
+            <a:r>
+              <a:rPr lang="en-US" altLang="zh-CN" sz="6600" b="1">
+                <a:solidFill>
+                  <a:srgbClr val="3EAF7C"/>
+                </a:solidFill>
+              </a:rPr>
+              <a:t>=</a:t>
+            </a:r>
+            <a:endParaRPr lang="en-US" altLang="zh-CN" sz="6600" b="1">
+              <a:solidFill>
+                <a:srgbClr val="3EAF7C"/>
+              </a:solidFill>
+            </a:endParaRPr>
+          </a:p>
+        </p:txBody>
+      </p:sp>
+      <p:sp>
+        <p:nvSpPr>
+          <p:cNvPr id="14" name="文本框 13"/>
+          <p:cNvSpPr txBox="true"/>
+          <p:nvPr/>
+        </p:nvSpPr>
+        <p:spPr>
+          <a:xfrm>
+            <a:off x="7456805" y="1490980"/>
+            <a:ext cx="885190" cy="1106805"/>
+          </a:xfrm>
+          <a:prstGeom prst="rect">
+            <a:avLst/>
+          </a:prstGeom>
+          <a:noFill/>
+        </p:spPr>
+        <p:txBody>
+          <a:bodyPr wrap="none" rtlCol="0">
+            <a:spAutoFit/>
+          </a:bodyPr>
+          <a:p>
+            <a:r>
+              <a:rPr lang="en-US" altLang="zh-CN" sz="6600" b="1">
+                <a:solidFill>
+                  <a:srgbClr val="3EAF7C"/>
+                </a:solidFill>
+              </a:rPr>
+              <a:t>=</a:t>
+            </a:r>
+            <a:endParaRPr lang="en-US" altLang="zh-CN" sz="6600" b="1">
+              <a:solidFill>
+                <a:srgbClr val="3EAF7C"/>
+              </a:solidFill>
+            </a:endParaRPr>
+          </a:p>
+        </p:txBody>
+      </p:sp>
+      <p:sp>
+        <p:nvSpPr>
+          <p:cNvPr id="15" name="文本框 14"/>
+          <p:cNvSpPr txBox="true"/>
+          <p:nvPr/>
+        </p:nvSpPr>
+        <p:spPr>
+          <a:xfrm>
+            <a:off x="8756650" y="1783715"/>
+            <a:ext cx="1090295" cy="583565"/>
+          </a:xfrm>
+          <a:prstGeom prst="rect">
+            <a:avLst/>
+          </a:prstGeom>
+          <a:noFill/>
+        </p:spPr>
+        <p:txBody>
+          <a:bodyPr wrap="none" rtlCol="0">
+            <a:spAutoFit/>
+          </a:bodyPr>
+          <a:p>
+            <a:r>
+              <a:rPr lang="en-US" altLang="zh-CN" sz="3200" b="1">
+                <a:solidFill>
+                  <a:srgbClr val="2C3E50"/>
+                </a:solidFill>
+              </a:rPr>
+              <a:t>DFS</a:t>
+            </a:r>
+            <a:endParaRPr lang="en-US" altLang="zh-CN" sz="3200" b="1">
+              <a:solidFill>
+                <a:srgbClr val="2C3E50"/>
+              </a:solidFill>
+            </a:endParaRPr>
+          </a:p>
+        </p:txBody>
+      </p:sp>
+      <p:sp>
+        <p:nvSpPr>
+          <p:cNvPr id="16" name="文本框 15"/>
+          <p:cNvSpPr txBox="true"/>
+          <p:nvPr/>
+        </p:nvSpPr>
+        <p:spPr>
+          <a:xfrm>
+            <a:off x="6825615" y="4032885"/>
+            <a:ext cx="1062990" cy="583565"/>
+          </a:xfrm>
+          <a:prstGeom prst="rect">
+            <a:avLst/>
+          </a:prstGeom>
+          <a:noFill/>
+        </p:spPr>
+        <p:txBody>
+          <a:bodyPr wrap="none" rtlCol="0">
+            <a:spAutoFit/>
+          </a:bodyPr>
+          <a:p>
+            <a:r>
+              <a:rPr lang="en-US" altLang="zh-CN" sz="3200" b="1">
+                <a:solidFill>
+                  <a:srgbClr val="2C3E50"/>
+                </a:solidFill>
+              </a:rPr>
+              <a:t>BFS</a:t>
+            </a:r>
+            <a:endParaRPr lang="en-US" altLang="zh-CN" sz="3200" b="1">
+              <a:solidFill>
+                <a:srgbClr val="2C3E50"/>
+              </a:solidFill>
+            </a:endParaRPr>
+          </a:p>
+        </p:txBody>
+      </p:sp>
+    </p:spTree>
+  </p:cSld>
+  <p:clrMapOvr>
+    <a:masterClrMapping/>
+  </p:clrMapOvr>
+</p:sld>
+</file>
+
+<file path=ppt/slides/slide6.xml><?xml version="1.0" encoding="utf-8"?>
+<p:sld xmlns:a="http://schemas.openxmlformats.org/drawingml/2006/main" xmlns:r="http://schemas.openxmlformats.org/officeDocument/2006/relationships" xmlns:p="http://schemas.openxmlformats.org/presentationml/2006/main">
+  <p:cSld>
+    <p:spTree>
+      <p:nvGrpSpPr>
+        <p:cNvPr id="1" name=""/>
+        <p:cNvGrpSpPr/>
+        <p:nvPr/>
+      </p:nvGrpSpPr>
+      <p:grpSpPr/>
+    </p:spTree>
+  </p:cSld>
+  <p:clrMapOvr>
+    <a:masterClrMapping/>
+  </p:clrMapOvr>
+</p:sld>
+</file>
+
+<file path=ppt/slides/slide7.xml><?xml version="1.0" encoding="utf-8"?>
+<p:sld xmlns:a="http://schemas.openxmlformats.org/drawingml/2006/main" xmlns:r="http://schemas.openxmlformats.org/officeDocument/2006/relationships" xmlns:p="http://schemas.openxmlformats.org/presentationml/2006/main">
+  <p:cSld>
+    <p:spTree>
+      <p:nvGrpSpPr>
+        <p:cNvPr id="1" name=""/>
+        <p:cNvGrpSpPr/>
+        <p:nvPr/>
+      </p:nvGrpSpPr>
+      <p:grpSpPr/>
+      <p:sp>
+        <p:nvSpPr>
+          <p:cNvPr id="2" name="Text Box 1"/>
+          <p:cNvSpPr txBox="true"/>
+          <p:nvPr/>
+        </p:nvSpPr>
+        <p:spPr>
+          <a:xfrm>
+            <a:off x="589915" y="429895"/>
+            <a:ext cx="3071495" cy="521970"/>
+          </a:xfrm>
+          <a:prstGeom prst="rect">
+            <a:avLst/>
+          </a:prstGeom>
+          <a:noFill/>
+        </p:spPr>
+        <p:txBody>
+          <a:bodyPr wrap="none" rtlCol="0">
+            <a:spAutoFit/>
+          </a:bodyPr>
+          <a:p>
+            <a:pPr algn="l"/>
+            <a:r>
+              <a:rPr lang="zh-CN" altLang="en-US" sz="2800" b="1">
+                <a:solidFill>
+                  <a:srgbClr val="2C3E50"/>
+                </a:solidFill>
+                <a:sym typeface="+mn-ea"/>
+              </a:rPr>
+              <a:t>双指针</a:t>
+            </a:r>
+            <a:r>
+              <a:rPr lang="en-US" altLang="zh-CN" sz="2800" b="1">
+                <a:solidFill>
+                  <a:srgbClr val="2C3E50"/>
+                </a:solidFill>
+                <a:sym typeface="+mn-ea"/>
+              </a:rPr>
+              <a:t> - </a:t>
+            </a:r>
+            <a:r>
+              <a:rPr lang="zh-CN" altLang="en-US" sz="2800" b="1">
+                <a:solidFill>
+                  <a:srgbClr val="2C3E50"/>
+                </a:solidFill>
+              </a:rPr>
+              <a:t>快慢指针</a:t>
+            </a:r>
+            <a:endParaRPr lang="zh-CN" altLang="en-US" sz="2800" b="1">
+              <a:solidFill>
+                <a:srgbClr val="2C3E50"/>
+              </a:solidFill>
+            </a:endParaRPr>
+          </a:p>
+        </p:txBody>
+      </p:sp>
+      <p:grpSp>
+        <p:nvGrpSpPr>
+          <p:cNvPr id="6" name="Group 5"/>
+          <p:cNvGrpSpPr/>
+          <p:nvPr/>
+        </p:nvGrpSpPr>
+        <p:grpSpPr>
+          <a:xfrm>
+            <a:off x="1629410" y="2649855"/>
+            <a:ext cx="3310255" cy="1802765"/>
+            <a:chOff x="1944" y="4297"/>
+            <a:chExt cx="5213" cy="2839"/>
+          </a:xfrm>
+        </p:grpSpPr>
+        <p:cxnSp>
+          <p:nvCxnSpPr>
+            <p:cNvPr id="3" name="Straight Connector 2"/>
+            <p:cNvCxnSpPr/>
+            <p:nvPr/>
+          </p:nvCxnSpPr>
+          <p:spPr>
+            <a:xfrm>
+              <a:off x="1944" y="4297"/>
+              <a:ext cx="3698" cy="11"/>
+            </a:xfrm>
+            <a:prstGeom prst="line">
+              <a:avLst/>
+            </a:prstGeom>
+            <a:ln w="38100">
+              <a:solidFill>
+                <a:srgbClr val="2C3E50"/>
+              </a:solidFill>
+            </a:ln>
+          </p:spPr>
+          <p:style>
+            <a:lnRef idx="1">
+              <a:schemeClr val="accent1"/>
+            </a:lnRef>
+            <a:fillRef idx="0">
+              <a:schemeClr val="accent1"/>
+            </a:fillRef>
+            <a:effectRef idx="0">
+              <a:schemeClr val="accent1"/>
+            </a:effectRef>
+            <a:fontRef idx="minor">
+              <a:schemeClr val="tx1"/>
+            </a:fontRef>
+          </p:style>
+        </p:cxnSp>
+        <p:sp>
+          <p:nvSpPr>
+            <p:cNvPr id="5" name="Oval 4"/>
+            <p:cNvSpPr/>
+            <p:nvPr/>
+          </p:nvSpPr>
+          <p:spPr>
+            <a:xfrm>
+              <a:off x="4307" y="4308"/>
+              <a:ext cx="2850" cy="2828"/>
+            </a:xfrm>
+            <a:prstGeom prst="ellipse">
+              <a:avLst/>
+            </a:prstGeom>
+            <a:noFill/>
+            <a:ln w="38100">
+              <a:solidFill>
+                <a:srgbClr val="2C3E50"/>
+              </a:solidFill>
+            </a:ln>
+            <a:extLst>
+              <a:ext uri="{909E8E84-426E-40DD-AFC4-6F175D3DCCD1}">
+                <a14:hiddenFill xmlns:a14="http://schemas.microsoft.com/office/drawing/2010/main">
+                  <a:solidFill>
+                    <a:schemeClr val="accent1"/>
+                  </a:solidFill>
+                </a14:hiddenFill>
+              </a:ext>
+            </a:extLst>
+          </p:spPr>
+          <p:style>
+            <a:lnRef idx="2">
+              <a:schemeClr val="accent1">
+                <a:shade val="50000"/>
+              </a:schemeClr>
+            </a:lnRef>
+            <a:fillRef idx="1">
+              <a:schemeClr val="accent1"/>
+            </a:fillRef>
+            <a:effectRef idx="0">
+              <a:schemeClr val="accent1"/>
+            </a:effectRef>
+            <a:fontRef idx="minor">
+              <a:schemeClr val="lt1"/>
+            </a:fontRef>
+          </p:style>
+          <p:txBody>
+            <a:bodyPr rtlCol="0" anchor="ctr"/>
+            <a:p>
+              <a:pPr algn="ctr"/>
+              <a:endParaRPr lang="en-US"/>
+            </a:p>
+          </p:txBody>
+        </p:sp>
+      </p:grpSp>
+      <p:sp>
+        <p:nvSpPr>
+          <p:cNvPr id="16" name="Text Box 15"/>
+          <p:cNvSpPr txBox="true"/>
+          <p:nvPr/>
+        </p:nvSpPr>
+        <p:spPr>
+          <a:xfrm>
+            <a:off x="1562735" y="2343150"/>
+            <a:ext cx="320675" cy="306705"/>
+          </a:xfrm>
+          <a:prstGeom prst="rect">
+            <a:avLst/>
+          </a:prstGeom>
+          <a:noFill/>
+        </p:spPr>
+        <p:txBody>
+          <a:bodyPr wrap="none" rtlCol="0">
+            <a:spAutoFit/>
+          </a:bodyPr>
+          <a:p>
+            <a:r>
+              <a:rPr lang="en-US" sz="1400" b="1">
+                <a:solidFill>
+                  <a:srgbClr val="2C3E50"/>
+                </a:solidFill>
+              </a:rPr>
+              <a:t>A</a:t>
+            </a:r>
+            <a:endParaRPr lang="en-US" sz="1400" b="1">
+              <a:solidFill>
+                <a:srgbClr val="2C3E50"/>
+              </a:solidFill>
+            </a:endParaRPr>
+          </a:p>
+        </p:txBody>
+      </p:sp>
+      <p:sp>
+        <p:nvSpPr>
+          <p:cNvPr id="17" name="Text Box 16"/>
+          <p:cNvSpPr txBox="true"/>
+          <p:nvPr/>
+        </p:nvSpPr>
+        <p:spPr>
+          <a:xfrm>
+            <a:off x="3825240" y="2343150"/>
+            <a:ext cx="318135" cy="306705"/>
+          </a:xfrm>
+          <a:prstGeom prst="rect">
+            <a:avLst/>
+          </a:prstGeom>
+          <a:noFill/>
+        </p:spPr>
+        <p:txBody>
+          <a:bodyPr wrap="none" rtlCol="0">
+            <a:spAutoFit/>
+          </a:bodyPr>
+          <a:p>
+            <a:r>
+              <a:rPr lang="en-US" sz="1400" b="1">
+                <a:solidFill>
+                  <a:srgbClr val="2C3E50"/>
+                </a:solidFill>
+              </a:rPr>
+              <a:t>B</a:t>
+            </a:r>
+            <a:endParaRPr lang="en-US" sz="1400" b="1">
+              <a:solidFill>
+                <a:srgbClr val="2C3E50"/>
+              </a:solidFill>
+            </a:endParaRPr>
+          </a:p>
+        </p:txBody>
+      </p:sp>
+      <p:sp>
+        <p:nvSpPr>
+          <p:cNvPr id="18" name="Text Box 17"/>
+          <p:cNvSpPr txBox="true"/>
+          <p:nvPr/>
+        </p:nvSpPr>
+        <p:spPr>
+          <a:xfrm>
+            <a:off x="4863465" y="3110230"/>
+            <a:ext cx="313055" cy="306705"/>
+          </a:xfrm>
+          <a:prstGeom prst="rect">
+            <a:avLst/>
+          </a:prstGeom>
+          <a:noFill/>
+        </p:spPr>
+        <p:txBody>
+          <a:bodyPr wrap="none" rtlCol="0">
+            <a:spAutoFit/>
+          </a:bodyPr>
+          <a:p>
+            <a:r>
+              <a:rPr lang="en-US" sz="1400" b="1">
+                <a:solidFill>
+                  <a:srgbClr val="2C3E50"/>
+                </a:solidFill>
+              </a:rPr>
+              <a:t>C</a:t>
+            </a:r>
+            <a:endParaRPr lang="en-US" sz="1400" b="1">
+              <a:solidFill>
+                <a:srgbClr val="2C3E50"/>
+              </a:solidFill>
+            </a:endParaRPr>
+          </a:p>
+        </p:txBody>
+      </p:sp>
+      <p:sp>
+        <p:nvSpPr>
+          <p:cNvPr id="19" name="Oval 18"/>
+          <p:cNvSpPr/>
+          <p:nvPr/>
+        </p:nvSpPr>
+        <p:spPr>
+          <a:xfrm>
+            <a:off x="1629410" y="2614930"/>
+            <a:ext cx="76200" cy="76200"/>
+          </a:xfrm>
+          <a:prstGeom prst="ellipse">
+            <a:avLst/>
+          </a:prstGeom>
+          <a:solidFill>
+            <a:srgbClr val="3EAF7C"/>
+          </a:solidFill>
+        </p:spPr>
+        <p:style>
+          <a:lnRef idx="2">
+            <a:schemeClr val="accent1">
+              <a:shade val="50000"/>
+            </a:schemeClr>
+          </a:lnRef>
+          <a:fillRef idx="1">
+            <a:schemeClr val="accent1"/>
+          </a:fillRef>
+          <a:effectRef idx="0">
+            <a:schemeClr val="accent1"/>
+          </a:effectRef>
+          <a:fontRef idx="minor">
+            <a:schemeClr val="lt1"/>
+          </a:fontRef>
+        </p:style>
+        <p:txBody>
+          <a:bodyPr rtlCol="0" anchor="ctr"/>
+          <a:p>
+            <a:pPr algn="ctr"/>
+            <a:endParaRPr lang="en-US"/>
+          </a:p>
+        </p:txBody>
+      </p:sp>
+      <p:sp>
+        <p:nvSpPr>
+          <p:cNvPr id="20" name="Oval 19"/>
+          <p:cNvSpPr/>
+          <p:nvPr/>
+        </p:nvSpPr>
+        <p:spPr>
+          <a:xfrm>
+            <a:off x="3945890" y="2614930"/>
+            <a:ext cx="76200" cy="76200"/>
+          </a:xfrm>
+          <a:prstGeom prst="ellipse">
+            <a:avLst/>
+          </a:prstGeom>
+          <a:solidFill>
+            <a:srgbClr val="3EAF7C"/>
+          </a:solidFill>
+        </p:spPr>
+        <p:style>
+          <a:lnRef idx="2">
+            <a:schemeClr val="accent1">
+              <a:shade val="50000"/>
+            </a:schemeClr>
+          </a:lnRef>
+          <a:fillRef idx="1">
+            <a:schemeClr val="accent1"/>
+          </a:fillRef>
+          <a:effectRef idx="0">
+            <a:schemeClr val="accent1"/>
+          </a:effectRef>
+          <a:fontRef idx="minor">
+            <a:schemeClr val="lt1"/>
+          </a:fontRef>
+        </p:style>
+        <p:txBody>
+          <a:bodyPr rtlCol="0" anchor="ctr"/>
+          <a:p>
+            <a:pPr algn="ctr"/>
+            <a:endParaRPr lang="en-US"/>
+          </a:p>
+        </p:txBody>
+      </p:sp>
+      <p:sp>
+        <p:nvSpPr>
+          <p:cNvPr id="21" name="Oval 20"/>
+          <p:cNvSpPr/>
+          <p:nvPr/>
+        </p:nvSpPr>
+        <p:spPr>
+          <a:xfrm>
+            <a:off x="4863465" y="3285490"/>
+            <a:ext cx="76200" cy="76200"/>
+          </a:xfrm>
+          <a:prstGeom prst="ellipse">
+            <a:avLst/>
+          </a:prstGeom>
+          <a:solidFill>
+            <a:srgbClr val="3EAF7C"/>
+          </a:solidFill>
+        </p:spPr>
+        <p:style>
+          <a:lnRef idx="2">
+            <a:schemeClr val="accent1">
+              <a:shade val="50000"/>
+            </a:schemeClr>
+          </a:lnRef>
+          <a:fillRef idx="1">
+            <a:schemeClr val="accent1"/>
+          </a:fillRef>
+          <a:effectRef idx="0">
+            <a:schemeClr val="accent1"/>
+          </a:effectRef>
+          <a:fontRef idx="minor">
+            <a:schemeClr val="lt1"/>
+          </a:fontRef>
+        </p:style>
+        <p:txBody>
+          <a:bodyPr rtlCol="0" anchor="ctr"/>
+          <a:p>
+            <a:pPr algn="ctr"/>
+            <a:endParaRPr lang="en-US"/>
+          </a:p>
+        </p:txBody>
+      </p:sp>
+      <p:sp>
+        <p:nvSpPr>
+          <p:cNvPr id="22" name="Text Box 21"/>
+          <p:cNvSpPr txBox="true"/>
+          <p:nvPr/>
+        </p:nvSpPr>
+        <p:spPr>
+          <a:xfrm>
+            <a:off x="1705610" y="5220335"/>
+            <a:ext cx="2655570" cy="583565"/>
+          </a:xfrm>
+          <a:prstGeom prst="rect">
+            <a:avLst/>
+          </a:prstGeom>
+          <a:noFill/>
+        </p:spPr>
+        <p:txBody>
+          <a:bodyPr wrap="none" rtlCol="0">
+            <a:spAutoFit/>
+          </a:bodyPr>
+          <a:p>
+            <a:r>
+              <a:rPr lang="zh-CN" altLang="en-US" sz="1600" b="1">
+                <a:solidFill>
+                  <a:srgbClr val="2C3E50"/>
+                </a:solidFill>
+              </a:rPr>
+              <a:t>设：</a:t>
+            </a:r>
+            <a:r>
+              <a:rPr lang="en-US" sz="1600" b="1">
+                <a:solidFill>
+                  <a:srgbClr val="2C3E50"/>
+                </a:solidFill>
+              </a:rPr>
+              <a:t>AB=m BC=n CB=k</a:t>
+            </a:r>
+            <a:endParaRPr lang="en-US" sz="1600" b="1">
+              <a:solidFill>
+                <a:srgbClr val="2C3E50"/>
+              </a:solidFill>
+            </a:endParaRPr>
+          </a:p>
+          <a:p>
+            <a:r>
+              <a:rPr lang="en-US" altLang="en-US" sz="1600" b="1">
+                <a:solidFill>
+                  <a:srgbClr val="2C3E50"/>
+                </a:solidFill>
+              </a:rPr>
+              <a:t>      </a:t>
+            </a:r>
+            <a:r>
+              <a:rPr lang="zh-CN" altLang="en-US" sz="1600" b="1">
+                <a:solidFill>
+                  <a:srgbClr val="2C3E50"/>
+                </a:solidFill>
+              </a:rPr>
+              <a:t>环周长为</a:t>
+            </a:r>
+            <a:r>
+              <a:rPr lang="en-US" altLang="zh-CN" sz="1600" b="1">
+                <a:solidFill>
+                  <a:srgbClr val="2C3E50"/>
+                </a:solidFill>
+              </a:rPr>
+              <a:t> R</a:t>
+            </a:r>
+            <a:endParaRPr lang="en-US" altLang="zh-CN" sz="1600" b="1">
+              <a:solidFill>
+                <a:srgbClr val="2C3E50"/>
+              </a:solidFill>
+            </a:endParaRPr>
+          </a:p>
+        </p:txBody>
+      </p:sp>
+      <p:cxnSp>
+        <p:nvCxnSpPr>
+          <p:cNvPr id="23" name="Straight Connector 22"/>
+          <p:cNvCxnSpPr/>
+          <p:nvPr/>
+        </p:nvCxnSpPr>
+        <p:spPr>
+          <a:xfrm>
+            <a:off x="5808345" y="1457325"/>
+            <a:ext cx="29845" cy="4654550"/>
+          </a:xfrm>
+          <a:prstGeom prst="line">
+            <a:avLst/>
+          </a:prstGeom>
+          <a:ln w="28575">
+            <a:solidFill>
+              <a:srgbClr val="3EAF7C"/>
+            </a:solidFill>
+            <a:prstDash val="sysDash"/>
+          </a:ln>
+        </p:spPr>
+        <p:style>
+          <a:lnRef idx="1">
+            <a:schemeClr val="accent1"/>
+          </a:lnRef>
+          <a:fillRef idx="0">
+            <a:schemeClr val="accent1"/>
+          </a:fillRef>
+          <a:effectRef idx="0">
+            <a:schemeClr val="accent1"/>
+          </a:effectRef>
+          <a:fontRef idx="minor">
+            <a:schemeClr val="tx1"/>
+          </a:fontRef>
+        </p:style>
+      </p:cxnSp>
+      <p:sp>
+        <p:nvSpPr>
+          <p:cNvPr id="24" name="Text Box 23"/>
+          <p:cNvSpPr txBox="true"/>
+          <p:nvPr/>
+        </p:nvSpPr>
+        <p:spPr>
+          <a:xfrm>
+            <a:off x="6113780" y="1457325"/>
+            <a:ext cx="3655695" cy="275590"/>
+          </a:xfrm>
+          <a:prstGeom prst="rect">
+            <a:avLst/>
+          </a:prstGeom>
+          <a:noFill/>
+        </p:spPr>
+        <p:txBody>
+          <a:bodyPr wrap="none" rtlCol="0">
+            <a:spAutoFit/>
+          </a:bodyPr>
+          <a:p>
+            <a:r>
+              <a:rPr lang="zh-CN" altLang="en-US" sz="1200" b="1">
+                <a:solidFill>
+                  <a:srgbClr val="2C3E50"/>
+                </a:solidFill>
+              </a:rPr>
+              <a:t>问题</a:t>
+            </a:r>
+            <a:r>
+              <a:rPr lang="en-US" altLang="zh-CN" sz="1200" b="1">
+                <a:solidFill>
+                  <a:srgbClr val="2C3E50"/>
+                </a:solidFill>
+              </a:rPr>
+              <a:t>1</a:t>
+            </a:r>
+            <a:r>
+              <a:rPr lang="zh-CN" altLang="en-US" sz="1200" b="1">
+                <a:solidFill>
+                  <a:srgbClr val="2C3E50"/>
+                </a:solidFill>
+              </a:rPr>
+              <a:t>：证明如果存在环，那么快慢指针一定会相遇</a:t>
+            </a:r>
+            <a:endParaRPr lang="zh-CN" altLang="en-US" sz="1200" b="1">
+              <a:solidFill>
+                <a:srgbClr val="2C3E50"/>
+              </a:solidFill>
+            </a:endParaRPr>
+          </a:p>
+        </p:txBody>
+      </p:sp>
+      <p:sp>
+        <p:nvSpPr>
+          <p:cNvPr id="25" name="Text Box 24"/>
+          <p:cNvSpPr txBox="true"/>
+          <p:nvPr/>
+        </p:nvSpPr>
+        <p:spPr>
+          <a:xfrm>
+            <a:off x="6167755" y="1791970"/>
+            <a:ext cx="5010785" cy="1014730"/>
+          </a:xfrm>
+          <a:prstGeom prst="rect">
+            <a:avLst/>
+          </a:prstGeom>
+          <a:noFill/>
+        </p:spPr>
+        <p:txBody>
+          <a:bodyPr wrap="none" rtlCol="0">
+            <a:spAutoFit/>
+          </a:bodyPr>
+          <a:p>
+            <a:r>
+              <a:rPr lang="en-US" sz="1000" b="1">
+                <a:solidFill>
+                  <a:srgbClr val="2C3E50"/>
+                </a:solidFill>
+              </a:rPr>
+              <a:t>1.</a:t>
+            </a:r>
+            <a:r>
+              <a:rPr lang="zh-CN" altLang="en-US" sz="1000" b="1">
+                <a:solidFill>
+                  <a:srgbClr val="2C3E50"/>
+                </a:solidFill>
+              </a:rPr>
+              <a:t>如果存在环，那么必然当慢指针到达</a:t>
+            </a:r>
+            <a:r>
+              <a:rPr lang="en-US" altLang="zh-CN" sz="1000" b="1">
+                <a:solidFill>
+                  <a:srgbClr val="2C3E50"/>
+                </a:solidFill>
+              </a:rPr>
+              <a:t>B</a:t>
+            </a:r>
+            <a:r>
+              <a:rPr lang="zh-CN" altLang="en-US" sz="1000" b="1">
+                <a:solidFill>
+                  <a:srgbClr val="2C3E50"/>
+                </a:solidFill>
+              </a:rPr>
+              <a:t>点时，会形成快指针追赶慢指针的情况，假设</a:t>
+            </a:r>
+            <a:endParaRPr lang="zh-CN" altLang="en-US" sz="1000" b="1">
+              <a:solidFill>
+                <a:srgbClr val="2C3E50"/>
+              </a:solidFill>
+            </a:endParaRPr>
+          </a:p>
+          <a:p>
+            <a:r>
+              <a:rPr lang="en-US" altLang="zh-CN" sz="1000" b="1">
+                <a:solidFill>
+                  <a:srgbClr val="2C3E50"/>
+                </a:solidFill>
+              </a:rPr>
+              <a:t>   </a:t>
+            </a:r>
+            <a:r>
+              <a:rPr lang="zh-CN" altLang="en-US" sz="1000" b="1">
+                <a:solidFill>
+                  <a:srgbClr val="2C3E50"/>
+                </a:solidFill>
+              </a:rPr>
+              <a:t>此时，快慢指针之间相差</a:t>
+            </a:r>
+            <a:r>
+              <a:rPr lang="en-US" altLang="zh-CN" sz="1000" b="1">
+                <a:solidFill>
+                  <a:srgbClr val="2C3E50"/>
+                </a:solidFill>
+              </a:rPr>
+              <a:t>N</a:t>
+            </a:r>
+            <a:r>
+              <a:rPr lang="zh-CN" altLang="en-US" sz="1000" b="1">
+                <a:solidFill>
+                  <a:srgbClr val="2C3E50"/>
+                </a:solidFill>
+              </a:rPr>
+              <a:t>步</a:t>
+            </a:r>
+            <a:endParaRPr lang="zh-CN" altLang="en-US" sz="1000" b="1">
+              <a:solidFill>
+                <a:srgbClr val="2C3E50"/>
+              </a:solidFill>
+            </a:endParaRPr>
+          </a:p>
+          <a:p>
+            <a:r>
+              <a:rPr lang="en-US" altLang="zh-CN" sz="1000" b="1">
+                <a:solidFill>
+                  <a:srgbClr val="2C3E50"/>
+                </a:solidFill>
+              </a:rPr>
+              <a:t>2.</a:t>
+            </a:r>
+            <a:r>
+              <a:rPr lang="zh-CN" altLang="en-US" sz="1000" b="1">
+                <a:solidFill>
+                  <a:srgbClr val="2C3E50"/>
+                </a:solidFill>
+              </a:rPr>
+              <a:t>在下一次指针移动后，那么快指针之间相差（</a:t>
+            </a:r>
+            <a:r>
+              <a:rPr lang="en-US" altLang="zh-CN" sz="1000" b="1">
+                <a:solidFill>
+                  <a:srgbClr val="2C3E50"/>
+                </a:solidFill>
+              </a:rPr>
+              <a:t>N+1-2</a:t>
+            </a:r>
+            <a:r>
+              <a:rPr lang="zh-CN" altLang="en-US" sz="1000" b="1">
+                <a:solidFill>
+                  <a:srgbClr val="2C3E50"/>
+                </a:solidFill>
+              </a:rPr>
+              <a:t>）</a:t>
+            </a:r>
+            <a:r>
+              <a:rPr lang="en-US" altLang="zh-CN" sz="1000" b="1">
+                <a:solidFill>
+                  <a:srgbClr val="2C3E50"/>
+                </a:solidFill>
+              </a:rPr>
+              <a:t>=N-1</a:t>
+            </a:r>
+            <a:r>
+              <a:rPr lang="zh-CN" altLang="en-US" sz="1000" b="1">
+                <a:solidFill>
+                  <a:srgbClr val="2C3E50"/>
+                </a:solidFill>
+              </a:rPr>
+              <a:t>步</a:t>
+            </a:r>
+            <a:endParaRPr lang="zh-CN" altLang="en-US" sz="1000" b="1">
+              <a:solidFill>
+                <a:srgbClr val="2C3E50"/>
+              </a:solidFill>
+            </a:endParaRPr>
+          </a:p>
+          <a:p>
+            <a:r>
+              <a:rPr lang="en-US" altLang="zh-CN" sz="1000" b="1">
+                <a:solidFill>
+                  <a:srgbClr val="2C3E50"/>
+                </a:solidFill>
+              </a:rPr>
+              <a:t>3.</a:t>
+            </a:r>
+            <a:r>
+              <a:rPr lang="zh-CN" altLang="en-US" sz="1000" b="1">
+                <a:solidFill>
+                  <a:srgbClr val="2C3E50"/>
+                </a:solidFill>
+              </a:rPr>
+              <a:t>最终必然会出现快指针之间相差</a:t>
+            </a:r>
+            <a:r>
+              <a:rPr lang="en-US" altLang="zh-CN" sz="1000" b="1">
+                <a:solidFill>
+                  <a:srgbClr val="2C3E50"/>
+                </a:solidFill>
+              </a:rPr>
+              <a:t>1</a:t>
+            </a:r>
+            <a:r>
+              <a:rPr lang="zh-CN" altLang="en-US" sz="1000" b="1">
+                <a:solidFill>
+                  <a:srgbClr val="2C3E50"/>
+                </a:solidFill>
+              </a:rPr>
+              <a:t>或者</a:t>
+            </a:r>
+            <a:r>
+              <a:rPr lang="en-US" altLang="zh-CN" sz="1000" b="1">
+                <a:solidFill>
+                  <a:srgbClr val="2C3E50"/>
+                </a:solidFill>
+              </a:rPr>
+              <a:t>2</a:t>
+            </a:r>
+            <a:r>
+              <a:rPr lang="zh-CN" altLang="en-US" sz="1000" b="1">
+                <a:solidFill>
+                  <a:srgbClr val="2C3E50"/>
+                </a:solidFill>
+              </a:rPr>
+              <a:t>步</a:t>
+            </a:r>
+            <a:endParaRPr lang="zh-CN" altLang="en-US" sz="1000" b="1">
+              <a:solidFill>
+                <a:srgbClr val="2C3E50"/>
+              </a:solidFill>
+            </a:endParaRPr>
+          </a:p>
+          <a:p>
+            <a:r>
+              <a:rPr lang="en-US" altLang="zh-CN" sz="1000" b="1">
+                <a:solidFill>
+                  <a:srgbClr val="2C3E50"/>
+                </a:solidFill>
+              </a:rPr>
+              <a:t>4.</a:t>
+            </a:r>
+            <a:r>
+              <a:rPr lang="zh-CN" altLang="en-US" sz="1000" b="1">
+                <a:solidFill>
+                  <a:srgbClr val="2C3E50"/>
+                </a:solidFill>
+              </a:rPr>
+              <a:t>如果相差</a:t>
+            </a:r>
+            <a:r>
+              <a:rPr lang="en-US" altLang="zh-CN" sz="1000" b="1">
+                <a:solidFill>
+                  <a:srgbClr val="2C3E50"/>
+                </a:solidFill>
+              </a:rPr>
+              <a:t>1</a:t>
+            </a:r>
+            <a:r>
+              <a:rPr lang="zh-CN" altLang="en-US" sz="1000" b="1">
+                <a:solidFill>
+                  <a:srgbClr val="2C3E50"/>
+                </a:solidFill>
+              </a:rPr>
+              <a:t>步，那会在下一步指针移动时会相遇</a:t>
+            </a:r>
+            <a:endParaRPr lang="zh-CN" altLang="en-US" sz="1000" b="1">
+              <a:solidFill>
+                <a:srgbClr val="2C3E50"/>
+              </a:solidFill>
+            </a:endParaRPr>
+          </a:p>
+          <a:p>
+            <a:r>
+              <a:rPr lang="en-US" altLang="zh-CN" sz="1000" b="1">
+                <a:solidFill>
+                  <a:srgbClr val="2C3E50"/>
+                </a:solidFill>
+              </a:rPr>
+              <a:t>5.</a:t>
+            </a:r>
+            <a:r>
+              <a:rPr lang="zh-CN" altLang="en-US" sz="1000" b="1">
+                <a:solidFill>
+                  <a:srgbClr val="2C3E50"/>
+                </a:solidFill>
+              </a:rPr>
+              <a:t>如果相差</a:t>
+            </a:r>
+            <a:r>
+              <a:rPr lang="en-US" altLang="zh-CN" sz="1000" b="1">
+                <a:solidFill>
+                  <a:srgbClr val="2C3E50"/>
+                </a:solidFill>
+              </a:rPr>
+              <a:t>2</a:t>
+            </a:r>
+            <a:r>
+              <a:rPr lang="zh-CN" altLang="en-US" sz="1000" b="1">
+                <a:solidFill>
+                  <a:srgbClr val="2C3E50"/>
+                </a:solidFill>
+              </a:rPr>
+              <a:t>步，那么下一步指针移动会转化为相差</a:t>
+            </a:r>
+            <a:r>
+              <a:rPr lang="en-US" altLang="zh-CN" sz="1000" b="1">
+                <a:solidFill>
+                  <a:srgbClr val="2C3E50"/>
+                </a:solidFill>
+              </a:rPr>
+              <a:t>1</a:t>
+            </a:r>
+            <a:r>
+              <a:rPr lang="zh-CN" altLang="en-US" sz="1000" b="1">
+                <a:solidFill>
+                  <a:srgbClr val="2C3E50"/>
+                </a:solidFill>
+              </a:rPr>
+              <a:t>步的情况，再移动一次就会相遇</a:t>
+            </a:r>
+            <a:endParaRPr lang="en-US" altLang="zh-CN" sz="1000" b="1">
+              <a:solidFill>
+                <a:srgbClr val="2C3E50"/>
+              </a:solidFill>
+            </a:endParaRPr>
+          </a:p>
+        </p:txBody>
+      </p:sp>
+      <p:sp>
+        <p:nvSpPr>
+          <p:cNvPr id="26" name="Text Box 25"/>
+          <p:cNvSpPr txBox="true"/>
+          <p:nvPr/>
+        </p:nvSpPr>
+        <p:spPr>
+          <a:xfrm>
+            <a:off x="6167755" y="3185795"/>
+            <a:ext cx="2241550" cy="275590"/>
+          </a:xfrm>
+          <a:prstGeom prst="rect">
+            <a:avLst/>
+          </a:prstGeom>
+          <a:noFill/>
+        </p:spPr>
+        <p:txBody>
+          <a:bodyPr wrap="none" rtlCol="0">
+            <a:spAutoFit/>
+          </a:bodyPr>
+          <a:p>
+            <a:r>
+              <a:rPr lang="zh-CN" altLang="en-US" sz="1200" b="1">
+                <a:solidFill>
+                  <a:srgbClr val="2C3E50"/>
+                </a:solidFill>
+              </a:rPr>
+              <a:t>问题</a:t>
+            </a:r>
+            <a:r>
+              <a:rPr lang="en-US" altLang="zh-CN" sz="1200" b="1">
+                <a:solidFill>
+                  <a:srgbClr val="2C3E50"/>
+                </a:solidFill>
+              </a:rPr>
+              <a:t>2</a:t>
+            </a:r>
+            <a:r>
+              <a:rPr lang="zh-CN" altLang="en-US" sz="1200" b="1">
+                <a:solidFill>
+                  <a:srgbClr val="2C3E50"/>
+                </a:solidFill>
+              </a:rPr>
+              <a:t>：找出环的起点</a:t>
+            </a:r>
+            <a:r>
+              <a:rPr lang="en-US" altLang="zh-CN" sz="1200" b="1">
+                <a:solidFill>
+                  <a:srgbClr val="2C3E50"/>
+                </a:solidFill>
+              </a:rPr>
+              <a:t>B</a:t>
+            </a:r>
+            <a:r>
+              <a:rPr lang="zh-CN" altLang="en-US" sz="1200" b="1">
+                <a:solidFill>
+                  <a:srgbClr val="2C3E50"/>
+                </a:solidFill>
+              </a:rPr>
+              <a:t>的位置</a:t>
+            </a:r>
+            <a:endParaRPr lang="zh-CN" altLang="en-US" sz="1200" b="1">
+              <a:solidFill>
+                <a:srgbClr val="2C3E50"/>
+              </a:solidFill>
+            </a:endParaRPr>
+          </a:p>
+        </p:txBody>
+      </p:sp>
+      <p:sp>
+        <p:nvSpPr>
+          <p:cNvPr id="27" name="Text Box 26"/>
+          <p:cNvSpPr txBox="true"/>
+          <p:nvPr/>
+        </p:nvSpPr>
+        <p:spPr>
+          <a:xfrm>
+            <a:off x="6329045" y="3718560"/>
+            <a:ext cx="4623435" cy="1630045"/>
+          </a:xfrm>
+          <a:prstGeom prst="rect">
+            <a:avLst/>
+          </a:prstGeom>
+          <a:noFill/>
+        </p:spPr>
+        <p:txBody>
+          <a:bodyPr wrap="none" rtlCol="0">
+            <a:spAutoFit/>
+          </a:bodyPr>
+          <a:p>
+            <a:r>
+              <a:rPr lang="zh-CN" altLang="en-US" sz="1000" b="1">
+                <a:solidFill>
+                  <a:srgbClr val="2C3E50"/>
+                </a:solidFill>
+              </a:rPr>
+              <a:t>由问题</a:t>
+            </a:r>
+            <a:r>
+              <a:rPr lang="en-US" altLang="zh-CN" sz="1000" b="1">
+                <a:solidFill>
+                  <a:srgbClr val="2C3E50"/>
+                </a:solidFill>
+              </a:rPr>
+              <a:t>1</a:t>
+            </a:r>
+            <a:r>
+              <a:rPr lang="zh-CN" altLang="en-US" sz="1000" b="1">
+                <a:solidFill>
+                  <a:srgbClr val="2C3E50"/>
+                </a:solidFill>
+              </a:rPr>
+              <a:t>可知，如果存在环那么快慢指针必然会相遇，那么就会存在如下等式：</a:t>
+            </a:r>
+            <a:endParaRPr lang="zh-CN" altLang="en-US" sz="1000" b="1">
+              <a:solidFill>
+                <a:srgbClr val="2C3E50"/>
+              </a:solidFill>
+            </a:endParaRPr>
+          </a:p>
+          <a:p>
+            <a:endParaRPr lang="en-US" altLang="zh-CN" sz="1000" b="1">
+              <a:solidFill>
+                <a:srgbClr val="2C3E50"/>
+              </a:solidFill>
+            </a:endParaRPr>
+          </a:p>
+          <a:p>
+            <a:r>
+              <a:rPr lang="en-US" altLang="en-US" sz="1000" b="1">
+                <a:solidFill>
+                  <a:srgbClr val="2C3E50"/>
+                </a:solidFill>
+              </a:rPr>
+              <a:t>2(m+n) = m+n+xR</a:t>
+            </a:r>
+            <a:endParaRPr lang="en-US" altLang="en-US" sz="1000" b="1">
+              <a:solidFill>
+                <a:srgbClr val="2C3E50"/>
+              </a:solidFill>
+            </a:endParaRPr>
+          </a:p>
+          <a:p>
+            <a:endParaRPr lang="en-US" altLang="en-US" sz="1000" b="1">
+              <a:solidFill>
+                <a:srgbClr val="2C3E50"/>
+              </a:solidFill>
+            </a:endParaRPr>
+          </a:p>
+          <a:p>
+            <a:r>
+              <a:rPr lang="zh-CN" altLang="en-US" sz="1000" b="1">
+                <a:solidFill>
+                  <a:srgbClr val="2C3E50"/>
+                </a:solidFill>
+              </a:rPr>
+              <a:t>化简之后如下：</a:t>
+            </a:r>
+            <a:endParaRPr lang="zh-CN" altLang="en-US" sz="1000" b="1">
+              <a:solidFill>
+                <a:srgbClr val="2C3E50"/>
+              </a:solidFill>
+            </a:endParaRPr>
+          </a:p>
+          <a:p>
+            <a:endParaRPr lang="zh-CN" altLang="en-US" sz="1000" b="1">
+              <a:solidFill>
+                <a:srgbClr val="2C3E50"/>
+              </a:solidFill>
+            </a:endParaRPr>
+          </a:p>
+          <a:p>
+            <a:r>
+              <a:rPr lang="en-US" altLang="zh-CN" sz="1000" b="1">
+                <a:solidFill>
+                  <a:srgbClr val="2C3E50"/>
+                </a:solidFill>
+              </a:rPr>
+              <a:t>m=xR-n </a:t>
+            </a:r>
+            <a:endParaRPr lang="en-US" altLang="zh-CN" sz="1000" b="1">
+              <a:solidFill>
+                <a:srgbClr val="2C3E50"/>
+              </a:solidFill>
+            </a:endParaRPr>
+          </a:p>
+          <a:p>
+            <a:endParaRPr lang="en-US" altLang="zh-CN" sz="1000" b="1">
+              <a:solidFill>
+                <a:srgbClr val="2C3E50"/>
+              </a:solidFill>
+            </a:endParaRPr>
+          </a:p>
+          <a:p>
+            <a:r>
+              <a:rPr lang="zh-CN" altLang="en-US" sz="1000" b="1">
+                <a:solidFill>
+                  <a:srgbClr val="2C3E50"/>
+                </a:solidFill>
+              </a:rPr>
+              <a:t>由上面的等式当</a:t>
+            </a:r>
+            <a:r>
+              <a:rPr lang="en-US" altLang="zh-CN" sz="1000" b="1">
+                <a:solidFill>
+                  <a:srgbClr val="2C3E50"/>
+                </a:solidFill>
+              </a:rPr>
+              <a:t>x=1</a:t>
+            </a:r>
+            <a:r>
+              <a:rPr lang="zh-CN" altLang="en-US" sz="1000" b="1">
+                <a:solidFill>
+                  <a:srgbClr val="2C3E50"/>
+                </a:solidFill>
+              </a:rPr>
+              <a:t>时，存在</a:t>
+            </a:r>
+            <a:r>
+              <a:rPr lang="en-US" altLang="zh-CN" sz="1000" b="1">
+                <a:solidFill>
+                  <a:srgbClr val="2C3E50"/>
+                </a:solidFill>
+              </a:rPr>
+              <a:t>AB=CB</a:t>
+            </a:r>
+            <a:r>
+              <a:rPr lang="zh-CN" altLang="en-US" sz="1000" b="1">
+                <a:solidFill>
+                  <a:srgbClr val="2C3E50"/>
+                </a:solidFill>
+              </a:rPr>
+              <a:t>，这时设置慢指针在</a:t>
+            </a:r>
+            <a:r>
+              <a:rPr lang="en-US" altLang="zh-CN" sz="1000" b="1">
+                <a:solidFill>
+                  <a:srgbClr val="2C3E50"/>
+                </a:solidFill>
+              </a:rPr>
+              <a:t>A</a:t>
+            </a:r>
+            <a:r>
+              <a:rPr lang="zh-CN" altLang="en-US" sz="1000" b="1">
+                <a:solidFill>
+                  <a:srgbClr val="2C3E50"/>
+                </a:solidFill>
+              </a:rPr>
+              <a:t>，快指针不变还在</a:t>
+            </a:r>
+            <a:endParaRPr lang="zh-CN" altLang="en-US" sz="1000" b="1">
+              <a:solidFill>
+                <a:srgbClr val="2C3E50"/>
+              </a:solidFill>
+            </a:endParaRPr>
+          </a:p>
+          <a:p>
+            <a:r>
+              <a:rPr lang="zh-CN" altLang="en-US" sz="1000" b="1">
+                <a:solidFill>
+                  <a:srgbClr val="2C3E50"/>
+                </a:solidFill>
+              </a:rPr>
+              <a:t>相遇点</a:t>
+            </a:r>
+            <a:r>
+              <a:rPr lang="en-US" altLang="zh-CN" sz="1000" b="1">
+                <a:solidFill>
+                  <a:srgbClr val="2C3E50"/>
+                </a:solidFill>
+              </a:rPr>
+              <a:t>C</a:t>
+            </a:r>
+            <a:r>
+              <a:rPr lang="zh-CN" altLang="en-US" sz="1000" b="1">
+                <a:solidFill>
+                  <a:srgbClr val="2C3E50"/>
+                </a:solidFill>
+              </a:rPr>
+              <a:t>，而且设置一次移动</a:t>
+            </a:r>
+            <a:r>
+              <a:rPr lang="en-US" altLang="zh-CN" sz="1000" b="1">
+                <a:solidFill>
+                  <a:srgbClr val="2C3E50"/>
+                </a:solidFill>
+              </a:rPr>
+              <a:t>1</a:t>
+            </a:r>
+            <a:r>
+              <a:rPr lang="zh-CN" altLang="en-US" sz="1000" b="1">
+                <a:solidFill>
+                  <a:srgbClr val="2C3E50"/>
+                </a:solidFill>
+              </a:rPr>
+              <a:t>步，那么相遇点就是环的起点</a:t>
+            </a:r>
+            <a:r>
+              <a:rPr lang="en-US" altLang="zh-CN" sz="1000" b="1">
+                <a:solidFill>
+                  <a:srgbClr val="2C3E50"/>
+                </a:solidFill>
+              </a:rPr>
+              <a:t>B</a:t>
+            </a:r>
+            <a:endParaRPr lang="en-US" altLang="zh-CN" sz="1000" b="1">
+              <a:solidFill>
+                <a:srgbClr val="2C3E50"/>
+              </a:solidFill>
+            </a:endParaRPr>
+          </a:p>
+        </p:txBody>
+      </p:sp>
+    </p:spTree>
+  </p:cSld>
+  <p:clrMapOvr>
+    <a:masterClrMapping/>
+  </p:clrMapOvr>
+</p:sld>
+</file>
+
+<file path=ppt/slides/slide8.xml><?xml version="1.0" encoding="utf-8"?>
+<p:sld xmlns:a="http://schemas.openxmlformats.org/drawingml/2006/main" xmlns:r="http://schemas.openxmlformats.org/officeDocument/2006/relationships" xmlns:p="http://schemas.openxmlformats.org/presentationml/2006/main">
+  <p:cSld>
+    <p:spTree>
+      <p:nvGrpSpPr>
+        <p:cNvPr id="1" name=""/>
+        <p:cNvGrpSpPr/>
+        <p:nvPr/>
+      </p:nvGrpSpPr>
+      <p:grpSpPr/>
+      <p:sp>
+        <p:nvSpPr>
+          <p:cNvPr id="4" name="Text Box 1"/>
+          <p:cNvSpPr txBox="true"/>
+          <p:nvPr/>
+        </p:nvSpPr>
+        <p:spPr>
+          <a:xfrm>
+            <a:off x="589915" y="429895"/>
+            <a:ext cx="3071495" cy="521970"/>
+          </a:xfrm>
+          <a:prstGeom prst="rect">
+            <a:avLst/>
+          </a:prstGeom>
+          <a:noFill/>
+        </p:spPr>
+        <p:txBody>
+          <a:bodyPr wrap="none" rtlCol="0">
+            <a:spAutoFit/>
+          </a:bodyPr>
+          <a:p>
+            <a:r>
+              <a:rPr lang="zh-CN" altLang="en-US" sz="2800" b="1">
+                <a:solidFill>
+                  <a:srgbClr val="2C3E50"/>
+                </a:solidFill>
+              </a:rPr>
+              <a:t>双指针</a:t>
+            </a:r>
+            <a:r>
+              <a:rPr lang="en-US" altLang="zh-CN" sz="2800" b="1">
+                <a:solidFill>
+                  <a:srgbClr val="2C3E50"/>
+                </a:solidFill>
+              </a:rPr>
+              <a:t> - </a:t>
+            </a:r>
+            <a:r>
+              <a:rPr lang="zh-CN" altLang="en-US" sz="2800" b="1">
+                <a:solidFill>
+                  <a:srgbClr val="2C3E50"/>
+                </a:solidFill>
+              </a:rPr>
+              <a:t>滑动窗口</a:t>
+            </a:r>
+            <a:endParaRPr lang="zh-CN" altLang="en-US" sz="2800" b="1">
+              <a:solidFill>
+                <a:srgbClr val="2C3E50"/>
+              </a:solidFill>
+            </a:endParaRPr>
+          </a:p>
+        </p:txBody>
+      </p:sp>
+    </p:spTree>
+  </p:cSld>
+  <p:clrMapOvr>
+    <a:masterClrMapping/>
+  </p:clrMapOvr>
+</p:sld>
+</file>
+
+<file path=ppt/slides/slide9.xml><?xml version="1.0" encoding="utf-8"?>
+<p:sld xmlns:a="http://schemas.openxmlformats.org/drawingml/2006/main" xmlns:r="http://schemas.openxmlformats.org/officeDocument/2006/relationships" xmlns:p="http://schemas.openxmlformats.org/presentationml/2006/main">
+  <p:cSld>
+    <p:spTree>
+      <p:nvGrpSpPr>
+        <p:cNvPr id="1" name=""/>
+        <p:cNvGrpSpPr/>
+        <p:nvPr/>
+      </p:nvGrpSpPr>
+      <p:grpSpPr/>
+      <p:sp>
+        <p:nvSpPr>
+          <p:cNvPr id="4" name="Text Box 1"/>
+          <p:cNvSpPr txBox="true"/>
+          <p:nvPr/>
+        </p:nvSpPr>
+        <p:spPr>
+          <a:xfrm>
+            <a:off x="589915" y="429895"/>
+            <a:ext cx="3071495" cy="521970"/>
+          </a:xfrm>
+          <a:prstGeom prst="rect">
+            <a:avLst/>
+          </a:prstGeom>
+          <a:noFill/>
+        </p:spPr>
+        <p:txBody>
+          <a:bodyPr wrap="none" rtlCol="0">
+            <a:spAutoFit/>
+          </a:bodyPr>
+          <a:p>
+            <a:pPr algn="l"/>
+            <a:r>
+              <a:rPr lang="zh-CN" altLang="en-US" sz="2800" b="1">
+                <a:solidFill>
+                  <a:srgbClr val="2C3E50"/>
+                </a:solidFill>
+              </a:rPr>
+              <a:t>双指针</a:t>
+            </a:r>
+            <a:r>
+              <a:rPr lang="en-US" altLang="zh-CN" sz="2800" b="1">
+                <a:solidFill>
+                  <a:srgbClr val="2C3E50"/>
+                </a:solidFill>
+              </a:rPr>
+              <a:t> - </a:t>
+            </a:r>
+            <a:r>
+              <a:rPr lang="zh-CN" altLang="en-US" sz="2800" b="1">
+                <a:solidFill>
+                  <a:srgbClr val="2C3E50"/>
+                </a:solidFill>
+              </a:rPr>
+              <a:t>左右指针</a:t>
+            </a:r>
+            <a:endParaRPr lang="zh-CN" altLang="en-US" sz="2800" b="1">
+              <a:solidFill>
+                <a:srgbClr val="2C3E50"/>
+              </a:solidFill>
+            </a:endParaRPr>
+          </a:p>
+        </p:txBody>
+      </p:sp>
+    </p:spTree>
+  </p:cSld>
+  <p:clrMapOvr>
+    <a:masterClrMapping/>
+  </p:clrMapOvr>
+</p:sld>
+</file>
+
 <file path=ppt/theme/theme1.xml><?xml version="1.0" encoding="utf-8"?>
 <a:theme xmlns:a="http://schemas.openxmlformats.org/drawingml/2006/main" name="Office Theme">
   <a:themeElements>

--- a/picture/datastruct/datastruct.pptx
+++ b/picture/datastruct/datastruct.pptx
@@ -8098,8 +8098,8 @@
         </p:nvSpPr>
         <p:spPr>
           <a:xfrm>
-            <a:off x="855345" y="4064000"/>
-            <a:ext cx="1607820" cy="521970"/>
+            <a:off x="879475" y="4201795"/>
+            <a:ext cx="1099820" cy="368300"/>
           </a:xfrm>
           <a:prstGeom prst="rect">
             <a:avLst/>
@@ -8112,14 +8112,14 @@
           </a:bodyPr>
           <a:p>
             <a:r>
-              <a:rPr lang="zh-CN" altLang="en-US" sz="2800" b="1">
+              <a:rPr lang="zh-CN" altLang="en-US" b="1">
                 <a:solidFill>
                   <a:srgbClr val="2C3E50"/>
                 </a:solidFill>
               </a:rPr>
               <a:t>迭代模型</a:t>
             </a:r>
-            <a:endParaRPr lang="en-US" altLang="zh-CN" sz="2800" b="1">
+            <a:endParaRPr lang="zh-CN" altLang="en-US" b="1">
               <a:solidFill>
                 <a:srgbClr val="2C3E50"/>
               </a:solidFill>
@@ -8135,8 +8135,8 @@
         </p:nvSpPr>
         <p:spPr>
           <a:xfrm>
-            <a:off x="5501005" y="1783715"/>
-            <a:ext cx="1607820" cy="521970"/>
+            <a:off x="5508625" y="1770380"/>
+            <a:ext cx="1300480" cy="368300"/>
           </a:xfrm>
           <a:prstGeom prst="rect">
             <a:avLst/>
@@ -8144,19 +8144,19 @@
           <a:noFill/>
         </p:spPr>
         <p:txBody>
-          <a:bodyPr wrap="none" rtlCol="0">
+          <a:bodyPr wrap="square" rtlCol="0">
             <a:spAutoFit/>
           </a:bodyPr>
           <a:p>
             <a:r>
-              <a:rPr lang="zh-CN" altLang="en-US" sz="2800" b="1">
+              <a:rPr lang="zh-CN" altLang="en-US" b="1">
                 <a:solidFill>
                   <a:srgbClr val="2C3E50"/>
                 </a:solidFill>
               </a:rPr>
               <a:t>堆栈模型</a:t>
             </a:r>
-            <a:endParaRPr lang="en-US" altLang="zh-CN" sz="2800" b="1">
+            <a:endParaRPr lang="zh-CN" altLang="en-US" b="1">
               <a:solidFill>
                 <a:srgbClr val="2C3E50"/>
               </a:solidFill>
@@ -8172,8 +8172,8 @@
         </p:nvSpPr>
         <p:spPr>
           <a:xfrm>
-            <a:off x="3199765" y="1783715"/>
-            <a:ext cx="1607820" cy="521970"/>
+            <a:off x="3203575" y="1770380"/>
+            <a:ext cx="1300480" cy="368300"/>
           </a:xfrm>
           <a:prstGeom prst="rect">
             <a:avLst/>
@@ -8181,19 +8181,19 @@
           <a:noFill/>
         </p:spPr>
         <p:txBody>
-          <a:bodyPr wrap="none" rtlCol="0">
+          <a:bodyPr wrap="square" rtlCol="0">
             <a:spAutoFit/>
           </a:bodyPr>
           <a:p>
             <a:r>
-              <a:rPr lang="zh-CN" altLang="en-US" sz="2800" b="1">
+              <a:rPr lang="zh-CN" altLang="en-US" b="1">
                 <a:solidFill>
                   <a:srgbClr val="2C3E50"/>
                 </a:solidFill>
               </a:rPr>
               <a:t>递归模型</a:t>
             </a:r>
-            <a:endParaRPr lang="en-US" altLang="zh-CN" sz="2800" b="1">
+            <a:endParaRPr lang="zh-CN" altLang="en-US" b="1">
               <a:solidFill>
                 <a:srgbClr val="2C3E50"/>
               </a:solidFill>
@@ -8209,8 +8209,8 @@
         </p:nvSpPr>
         <p:spPr>
           <a:xfrm>
-            <a:off x="3611880" y="4064000"/>
-            <a:ext cx="1607820" cy="521970"/>
+            <a:off x="3203575" y="4153535"/>
+            <a:ext cx="1099820" cy="368300"/>
           </a:xfrm>
           <a:prstGeom prst="rect">
             <a:avLst/>
@@ -8223,14 +8223,14 @@
           </a:bodyPr>
           <a:p>
             <a:r>
-              <a:rPr lang="zh-CN" altLang="en-US" sz="2800" b="1">
+              <a:rPr lang="zh-CN" altLang="en-US" b="1">
                 <a:solidFill>
                   <a:srgbClr val="2C3E50"/>
                 </a:solidFill>
               </a:rPr>
               <a:t>队列模型</a:t>
             </a:r>
-            <a:endParaRPr lang="en-US" altLang="zh-CN" sz="2800" b="1">
+            <a:endParaRPr lang="zh-CN" altLang="en-US" b="1">
               <a:solidFill>
                 <a:srgbClr val="2C3E50"/>
               </a:solidFill>
@@ -8246,8 +8246,8 @@
         </p:nvSpPr>
         <p:spPr>
           <a:xfrm>
-            <a:off x="898525" y="1783715"/>
-            <a:ext cx="1607820" cy="521970"/>
+            <a:off x="898525" y="1770380"/>
+            <a:ext cx="1300480" cy="368300"/>
           </a:xfrm>
           <a:prstGeom prst="rect">
             <a:avLst/>
@@ -8255,19 +8255,19 @@
           <a:noFill/>
         </p:spPr>
         <p:txBody>
-          <a:bodyPr wrap="none" rtlCol="0">
+          <a:bodyPr wrap="square" rtlCol="0">
             <a:spAutoFit/>
           </a:bodyPr>
           <a:p>
             <a:r>
-              <a:rPr lang="zh-CN" altLang="en-US" sz="2800" b="1">
+              <a:rPr lang="zh-CN" altLang="en-US" b="1">
                 <a:solidFill>
                   <a:srgbClr val="2C3E50"/>
                 </a:solidFill>
               </a:rPr>
               <a:t>迭代模型</a:t>
             </a:r>
-            <a:endParaRPr lang="en-US" altLang="zh-CN" sz="2800" b="1">
+            <a:endParaRPr lang="zh-CN" altLang="en-US" b="1">
               <a:solidFill>
                 <a:srgbClr val="2C3E50"/>
               </a:solidFill>
@@ -8283,8 +8283,8 @@
         </p:nvSpPr>
         <p:spPr>
           <a:xfrm>
-            <a:off x="2463165" y="1407795"/>
-            <a:ext cx="885190" cy="1106805"/>
+            <a:off x="2412365" y="1601470"/>
+            <a:ext cx="577850" cy="706755"/>
           </a:xfrm>
           <a:prstGeom prst="rect">
             <a:avLst/>
@@ -8292,19 +8292,19 @@
           <a:noFill/>
         </p:spPr>
         <p:txBody>
-          <a:bodyPr wrap="none" rtlCol="0">
+          <a:bodyPr wrap="square" rtlCol="0">
             <a:spAutoFit/>
           </a:bodyPr>
           <a:p>
             <a:r>
-              <a:rPr lang="en-US" altLang="zh-CN" sz="6600" b="1">
+              <a:rPr lang="en-US" altLang="zh-CN" sz="4000" b="1">
                 <a:solidFill>
                   <a:srgbClr val="3EAF7C"/>
                 </a:solidFill>
               </a:rPr>
               <a:t>+</a:t>
             </a:r>
-            <a:endParaRPr lang="en-US" altLang="zh-CN" sz="6600" b="1">
+            <a:endParaRPr lang="en-US" altLang="zh-CN" sz="4000" b="1">
               <a:solidFill>
                 <a:srgbClr val="3EAF7C"/>
               </a:solidFill>
@@ -8320,8 +8320,8 @@
         </p:nvSpPr>
         <p:spPr>
           <a:xfrm>
-            <a:off x="4716780" y="1407795"/>
-            <a:ext cx="885190" cy="1106805"/>
+            <a:off x="4717415" y="1601470"/>
+            <a:ext cx="577850" cy="706755"/>
           </a:xfrm>
           <a:prstGeom prst="rect">
             <a:avLst/>
@@ -8329,19 +8329,19 @@
           <a:noFill/>
         </p:spPr>
         <p:txBody>
-          <a:bodyPr wrap="none" rtlCol="0">
+          <a:bodyPr wrap="square" rtlCol="0">
             <a:spAutoFit/>
           </a:bodyPr>
           <a:p>
             <a:r>
-              <a:rPr lang="en-US" altLang="zh-CN" sz="6600" b="1">
+              <a:rPr lang="en-US" altLang="zh-CN" sz="4000" b="1">
                 <a:solidFill>
                   <a:srgbClr val="3EAF7C"/>
                 </a:solidFill>
               </a:rPr>
               <a:t>+</a:t>
             </a:r>
-            <a:endParaRPr lang="en-US" altLang="zh-CN" sz="6600" b="1">
+            <a:endParaRPr lang="en-US" altLang="zh-CN" sz="4000" b="1">
               <a:solidFill>
                 <a:srgbClr val="3EAF7C"/>
               </a:solidFill>
@@ -8357,8 +8357,8 @@
         </p:nvSpPr>
         <p:spPr>
           <a:xfrm>
-            <a:off x="2594610" y="3771265"/>
-            <a:ext cx="885190" cy="1106805"/>
+            <a:off x="2412365" y="3905250"/>
+            <a:ext cx="608330" cy="706755"/>
           </a:xfrm>
           <a:prstGeom prst="rect">
             <a:avLst/>
@@ -8371,14 +8371,14 @@
           </a:bodyPr>
           <a:p>
             <a:r>
-              <a:rPr lang="en-US" altLang="zh-CN" sz="6600" b="1">
+              <a:rPr lang="en-US" altLang="zh-CN" sz="4000" b="1">
                 <a:solidFill>
                   <a:srgbClr val="3EAF7C"/>
                 </a:solidFill>
               </a:rPr>
               <a:t>+</a:t>
             </a:r>
-            <a:endParaRPr lang="en-US" altLang="zh-CN" sz="6600" b="1">
+            <a:endParaRPr lang="en-US" altLang="zh-CN" sz="4000" b="1">
               <a:solidFill>
                 <a:srgbClr val="3EAF7C"/>
               </a:solidFill>
@@ -8394,8 +8394,8 @@
         </p:nvSpPr>
         <p:spPr>
           <a:xfrm>
-            <a:off x="5601970" y="3771265"/>
-            <a:ext cx="885190" cy="1106805"/>
+            <a:off x="4717415" y="3984625"/>
+            <a:ext cx="608330" cy="706755"/>
           </a:xfrm>
           <a:prstGeom prst="rect">
             <a:avLst/>
@@ -8408,14 +8408,14 @@
           </a:bodyPr>
           <a:p>
             <a:r>
-              <a:rPr lang="en-US" altLang="zh-CN" sz="6600" b="1">
+              <a:rPr lang="en-US" altLang="zh-CN" sz="4000" b="1">
                 <a:solidFill>
                   <a:srgbClr val="3EAF7C"/>
                 </a:solidFill>
               </a:rPr>
               <a:t>=</a:t>
             </a:r>
-            <a:endParaRPr lang="en-US" altLang="zh-CN" sz="6600" b="1">
+            <a:endParaRPr lang="en-US" altLang="zh-CN" sz="4000" b="1">
               <a:solidFill>
                 <a:srgbClr val="3EAF7C"/>
               </a:solidFill>
@@ -8431,8 +8431,8 @@
         </p:nvSpPr>
         <p:spPr>
           <a:xfrm>
-            <a:off x="7456805" y="1490980"/>
-            <a:ext cx="885190" cy="1106805"/>
+            <a:off x="7022465" y="1601470"/>
+            <a:ext cx="577850" cy="706755"/>
           </a:xfrm>
           <a:prstGeom prst="rect">
             <a:avLst/>
@@ -8440,19 +8440,19 @@
           <a:noFill/>
         </p:spPr>
         <p:txBody>
-          <a:bodyPr wrap="none" rtlCol="0">
+          <a:bodyPr wrap="square" rtlCol="0">
             <a:spAutoFit/>
           </a:bodyPr>
           <a:p>
             <a:r>
-              <a:rPr lang="en-US" altLang="zh-CN" sz="6600" b="1">
+              <a:rPr lang="en-US" altLang="zh-CN" sz="4000" b="1">
                 <a:solidFill>
                   <a:srgbClr val="3EAF7C"/>
                 </a:solidFill>
               </a:rPr>
               <a:t>=</a:t>
             </a:r>
-            <a:endParaRPr lang="en-US" altLang="zh-CN" sz="6600" b="1">
+            <a:endParaRPr lang="en-US" altLang="zh-CN" sz="4000" b="1">
               <a:solidFill>
                 <a:srgbClr val="3EAF7C"/>
               </a:solidFill>
@@ -8468,8 +8468,8 @@
         </p:nvSpPr>
         <p:spPr>
           <a:xfrm>
-            <a:off x="8756650" y="1783715"/>
-            <a:ext cx="1090295" cy="583565"/>
+            <a:off x="7813675" y="1770380"/>
+            <a:ext cx="881380" cy="368300"/>
           </a:xfrm>
           <a:prstGeom prst="rect">
             <a:avLst/>
@@ -8477,19 +8477,19 @@
           <a:noFill/>
         </p:spPr>
         <p:txBody>
-          <a:bodyPr wrap="none" rtlCol="0">
+          <a:bodyPr wrap="square" rtlCol="0">
             <a:spAutoFit/>
           </a:bodyPr>
           <a:p>
             <a:r>
-              <a:rPr lang="en-US" altLang="zh-CN" sz="3200" b="1">
+              <a:rPr lang="en-US" altLang="zh-CN" b="1">
                 <a:solidFill>
                   <a:srgbClr val="2C3E50"/>
                 </a:solidFill>
               </a:rPr>
               <a:t>DFS</a:t>
             </a:r>
-            <a:endParaRPr lang="en-US" altLang="zh-CN" sz="3200" b="1">
+            <a:endParaRPr lang="en-US" altLang="zh-CN" b="1">
               <a:solidFill>
                 <a:srgbClr val="2C3E50"/>
               </a:solidFill>
@@ -8505,8 +8505,8 @@
         </p:nvSpPr>
         <p:spPr>
           <a:xfrm>
-            <a:off x="6825615" y="4032885"/>
-            <a:ext cx="1062990" cy="583565"/>
+            <a:off x="5671820" y="4153535"/>
+            <a:ext cx="677545" cy="368300"/>
           </a:xfrm>
           <a:prstGeom prst="rect">
             <a:avLst/>
@@ -8519,14 +8519,88 @@
           </a:bodyPr>
           <a:p>
             <a:r>
-              <a:rPr lang="en-US" altLang="zh-CN" sz="3200" b="1">
+              <a:rPr lang="en-US" altLang="zh-CN" b="1">
                 <a:solidFill>
                   <a:srgbClr val="2C3E50"/>
                 </a:solidFill>
               </a:rPr>
               <a:t>BFS</a:t>
             </a:r>
-            <a:endParaRPr lang="en-US" altLang="zh-CN" sz="3200" b="1">
+            <a:endParaRPr lang="en-US" altLang="zh-CN" b="1">
+              <a:solidFill>
+                <a:srgbClr val="2C3E50"/>
+              </a:solidFill>
+            </a:endParaRPr>
+          </a:p>
+        </p:txBody>
+      </p:sp>
+      <p:sp>
+        <p:nvSpPr>
+          <p:cNvPr id="2" name="文本框 1"/>
+          <p:cNvSpPr txBox="true"/>
+          <p:nvPr/>
+        </p:nvSpPr>
+        <p:spPr>
+          <a:xfrm>
+            <a:off x="8908415" y="1601470"/>
+            <a:ext cx="577850" cy="706755"/>
+          </a:xfrm>
+          <a:prstGeom prst="rect">
+            <a:avLst/>
+          </a:prstGeom>
+          <a:noFill/>
+        </p:spPr>
+        <p:txBody>
+          <a:bodyPr wrap="square" rtlCol="0">
+            <a:spAutoFit/>
+          </a:bodyPr>
+          <a:p>
+            <a:r>
+              <a:rPr lang="en-US" altLang="zh-CN" sz="4000" b="1">
+                <a:solidFill>
+                  <a:srgbClr val="3EAF7C"/>
+                </a:solidFill>
+              </a:rPr>
+              <a:t>=</a:t>
+            </a:r>
+            <a:endParaRPr lang="en-US" altLang="zh-CN" sz="4000" b="1">
+              <a:solidFill>
+                <a:srgbClr val="3EAF7C"/>
+              </a:solidFill>
+            </a:endParaRPr>
+          </a:p>
+        </p:txBody>
+      </p:sp>
+      <p:sp>
+        <p:nvSpPr>
+          <p:cNvPr id="9" name="文本框 8"/>
+          <p:cNvSpPr txBox="true"/>
+          <p:nvPr/>
+        </p:nvSpPr>
+        <p:spPr>
+          <a:xfrm>
+            <a:off x="9699625" y="1770380"/>
+            <a:ext cx="1320165" cy="368300"/>
+          </a:xfrm>
+          <a:prstGeom prst="rect">
+            <a:avLst/>
+          </a:prstGeom>
+          <a:noFill/>
+        </p:spPr>
+        <p:txBody>
+          <a:bodyPr wrap="square" rtlCol="0" anchor="t">
+            <a:spAutoFit/>
+          </a:bodyPr>
+          <a:p>
+            <a:r>
+              <a:rPr lang="zh-CN" altLang="en-US" b="1">
+                <a:solidFill>
+                  <a:srgbClr val="2C3E50"/>
+                </a:solidFill>
+              </a:rPr>
+              <a:t>回溯算法</a:t>
+            </a:r>
+            <a:endParaRPr lang="zh-CN" altLang="en-US" b="1">
               <a:solidFill>
                 <a:srgbClr val="2C3E50"/>
               </a:solidFill>

--- a/picture/datastruct/datastruct.pptx
+++ b/picture/datastruct/datastruct.pptx
@@ -8,7 +8,7 @@
     <p:notesMasterId r:id="rId15"/>
   </p:notesMasterIdLst>
   <p:handoutMasterIdLst>
-    <p:handoutMasterId r:id="rId19"/>
+    <p:handoutMasterId r:id="rId21"/>
   </p:handoutMasterIdLst>
   <p:sldIdLst>
     <p:sldId id="256" r:id="rId3"/>
@@ -25,7 +25,9 @@
     <p:sldId id="260" r:id="rId14"/>
     <p:sldId id="261" r:id="rId16"/>
     <p:sldId id="262" r:id="rId17"/>
-    <p:sldId id="263" r:id="rId18"/>
+    <p:sldId id="300" r:id="rId18"/>
+    <p:sldId id="301" r:id="rId19"/>
+    <p:sldId id="263" r:id="rId20"/>
   </p:sldIdLst>
   <p:sldSz cx="12192000" cy="6858000"/>
   <p:notesSz cx="7103745" cy="10234295"/>
@@ -6962,6 +6964,2990 @@
         <p:nvPr/>
       </p:nvGrpSpPr>
       <p:grpSpPr/>
+      <p:sp>
+        <p:nvSpPr>
+          <p:cNvPr id="2" name="Text Box 1"/>
+          <p:cNvSpPr txBox="true"/>
+          <p:nvPr/>
+        </p:nvSpPr>
+        <p:spPr>
+          <a:xfrm>
+            <a:off x="589915" y="429895"/>
+            <a:ext cx="2857500" cy="521970"/>
+          </a:xfrm>
+          <a:prstGeom prst="rect">
+            <a:avLst/>
+          </a:prstGeom>
+          <a:noFill/>
+        </p:spPr>
+        <p:txBody>
+          <a:bodyPr wrap="none" rtlCol="0">
+            <a:spAutoFit/>
+          </a:bodyPr>
+          <a:p>
+            <a:r>
+              <a:rPr lang="" altLang="zh-CN" sz="2800" b="1">
+                <a:solidFill>
+                  <a:srgbClr val="2C3E50"/>
+                </a:solidFill>
+              </a:rPr>
+              <a:t>BST </a:t>
+            </a:r>
+            <a:r>
+              <a:rPr lang="zh-CN" altLang="" sz="2800" b="1">
+                <a:solidFill>
+                  <a:srgbClr val="2C3E50"/>
+                </a:solidFill>
+              </a:rPr>
+              <a:t>二叉搜索树</a:t>
+            </a:r>
+            <a:endParaRPr lang="zh-CN" altLang="" sz="2800" b="1">
+              <a:solidFill>
+                <a:srgbClr val="2C3E50"/>
+              </a:solidFill>
+            </a:endParaRPr>
+          </a:p>
+        </p:txBody>
+      </p:sp>
+      <p:sp>
+        <p:nvSpPr>
+          <p:cNvPr id="3" name="文本框 2"/>
+          <p:cNvSpPr txBox="true"/>
+          <p:nvPr/>
+        </p:nvSpPr>
+        <p:spPr>
+          <a:xfrm>
+            <a:off x="589915" y="1322705"/>
+            <a:ext cx="9212580" cy="737235"/>
+          </a:xfrm>
+          <a:prstGeom prst="rect">
+            <a:avLst/>
+          </a:prstGeom>
+          <a:noFill/>
+        </p:spPr>
+        <p:txBody>
+          <a:bodyPr wrap="none" rtlCol="0">
+            <a:spAutoFit/>
+          </a:bodyPr>
+          <a:p>
+            <a:pPr algn="l"/>
+            <a:r>
+              <a:rPr lang="zh-CN" altLang="en-US" sz="1400" b="1">
+                <a:solidFill>
+                  <a:srgbClr val="2C3E50"/>
+                </a:solidFill>
+              </a:rPr>
+              <a:t>1、对于 BST 的每一个节点 node，左子树节点的值都比 node 的值要小，右子树节点的值都比 node 的值大。</a:t>
+            </a:r>
+            <a:endParaRPr lang="zh-CN" altLang="en-US" sz="1400" b="1">
+              <a:solidFill>
+                <a:srgbClr val="2C3E50"/>
+              </a:solidFill>
+            </a:endParaRPr>
+          </a:p>
+          <a:p>
+            <a:pPr algn="l"/>
+            <a:endParaRPr lang="zh-CN" altLang="en-US" sz="1400" b="1">
+              <a:solidFill>
+                <a:srgbClr val="2C3E50"/>
+              </a:solidFill>
+            </a:endParaRPr>
+          </a:p>
+          <a:p>
+            <a:pPr algn="l"/>
+            <a:r>
+              <a:rPr lang="zh-CN" altLang="en-US" sz="1400" b="1">
+                <a:solidFill>
+                  <a:srgbClr val="2C3E50"/>
+                </a:solidFill>
+              </a:rPr>
+              <a:t>2、对于 BST 的每一个节点 node，它的左侧子树和右侧子树都是 BST。</a:t>
+            </a:r>
+            <a:endParaRPr lang="zh-CN" altLang="en-US" sz="1400" b="1">
+              <a:solidFill>
+                <a:srgbClr val="2C3E50"/>
+              </a:solidFill>
+            </a:endParaRPr>
+          </a:p>
+        </p:txBody>
+      </p:sp>
+      <p:sp>
+        <p:nvSpPr>
+          <p:cNvPr id="5" name="椭圆 4"/>
+          <p:cNvSpPr/>
+          <p:nvPr/>
+        </p:nvSpPr>
+        <p:spPr>
+          <a:xfrm>
+            <a:off x="2449195" y="2553970"/>
+            <a:ext cx="464820" cy="439420"/>
+          </a:xfrm>
+          <a:prstGeom prst="ellipse">
+            <a:avLst/>
+          </a:prstGeom>
+          <a:noFill/>
+          <a:ln w="38100">
+            <a:solidFill>
+              <a:srgbClr val="2C3E50"/>
+            </a:solidFill>
+          </a:ln>
+          <a:extLst>
+            <a:ext uri="{909E8E84-426E-40DD-AFC4-6F175D3DCCD1}">
+              <a14:hiddenFill xmlns:a14="http://schemas.microsoft.com/office/drawing/2010/main">
+                <a:solidFill>
+                  <a:schemeClr val="accent1"/>
+                </a:solidFill>
+              </a14:hiddenFill>
+            </a:ext>
+          </a:extLst>
+        </p:spPr>
+        <p:style>
+          <a:lnRef idx="2">
+            <a:schemeClr val="accent1">
+              <a:shade val="50000"/>
+            </a:schemeClr>
+          </a:lnRef>
+          <a:fillRef idx="1">
+            <a:schemeClr val="accent1"/>
+          </a:fillRef>
+          <a:effectRef idx="0">
+            <a:schemeClr val="accent1"/>
+          </a:effectRef>
+          <a:fontRef idx="minor">
+            <a:schemeClr val="lt1"/>
+          </a:fontRef>
+        </p:style>
+        <p:txBody>
+          <a:bodyPr rtlCol="0" anchor="ctr"/>
+          <a:p>
+            <a:pPr algn="ctr"/>
+            <a:r>
+              <a:rPr lang="en-US" altLang="zh-CN" sz="800" b="1">
+                <a:solidFill>
+                  <a:srgbClr val="2C3E50"/>
+                </a:solidFill>
+              </a:rPr>
+              <a:t>13</a:t>
+            </a:r>
+            <a:endParaRPr lang="en-US" altLang="zh-CN" sz="800" b="1">
+              <a:solidFill>
+                <a:srgbClr val="2C3E50"/>
+              </a:solidFill>
+            </a:endParaRPr>
+          </a:p>
+        </p:txBody>
+      </p:sp>
+      <p:sp>
+        <p:nvSpPr>
+          <p:cNvPr id="6" name="椭圆 5"/>
+          <p:cNvSpPr/>
+          <p:nvPr/>
+        </p:nvSpPr>
+        <p:spPr>
+          <a:xfrm>
+            <a:off x="1929765" y="3363595"/>
+            <a:ext cx="464820" cy="439420"/>
+          </a:xfrm>
+          <a:prstGeom prst="ellipse">
+            <a:avLst/>
+          </a:prstGeom>
+          <a:noFill/>
+          <a:ln w="38100">
+            <a:solidFill>
+              <a:srgbClr val="2C3E50"/>
+            </a:solidFill>
+          </a:ln>
+          <a:extLst>
+            <a:ext uri="{909E8E84-426E-40DD-AFC4-6F175D3DCCD1}">
+              <a14:hiddenFill xmlns:a14="http://schemas.microsoft.com/office/drawing/2010/main">
+                <a:solidFill>
+                  <a:schemeClr val="accent1"/>
+                </a:solidFill>
+              </a14:hiddenFill>
+            </a:ext>
+          </a:extLst>
+        </p:spPr>
+        <p:style>
+          <a:lnRef idx="2">
+            <a:schemeClr val="accent1">
+              <a:shade val="50000"/>
+            </a:schemeClr>
+          </a:lnRef>
+          <a:fillRef idx="1">
+            <a:schemeClr val="accent1"/>
+          </a:fillRef>
+          <a:effectRef idx="0">
+            <a:schemeClr val="accent1"/>
+          </a:effectRef>
+          <a:fontRef idx="minor">
+            <a:schemeClr val="lt1"/>
+          </a:fontRef>
+        </p:style>
+        <p:txBody>
+          <a:bodyPr rtlCol="0" anchor="ctr"/>
+          <a:p>
+            <a:pPr algn="ctr"/>
+            <a:r>
+              <a:rPr lang="en-US" altLang="zh-CN" sz="800" b="1">
+                <a:solidFill>
+                  <a:srgbClr val="2C3E50"/>
+                </a:solidFill>
+              </a:rPr>
+              <a:t>10</a:t>
+            </a:r>
+            <a:endParaRPr lang="en-US" altLang="zh-CN" sz="800" b="1">
+              <a:solidFill>
+                <a:srgbClr val="2C3E50"/>
+              </a:solidFill>
+            </a:endParaRPr>
+          </a:p>
+        </p:txBody>
+      </p:sp>
+      <p:sp>
+        <p:nvSpPr>
+          <p:cNvPr id="7" name="椭圆 6"/>
+          <p:cNvSpPr/>
+          <p:nvPr/>
+        </p:nvSpPr>
+        <p:spPr>
+          <a:xfrm>
+            <a:off x="2974340" y="3303270"/>
+            <a:ext cx="464820" cy="439420"/>
+          </a:xfrm>
+          <a:prstGeom prst="ellipse">
+            <a:avLst/>
+          </a:prstGeom>
+          <a:noFill/>
+          <a:ln w="38100">
+            <a:solidFill>
+              <a:srgbClr val="2C3E50"/>
+            </a:solidFill>
+          </a:ln>
+          <a:extLst>
+            <a:ext uri="{909E8E84-426E-40DD-AFC4-6F175D3DCCD1}">
+              <a14:hiddenFill xmlns:a14="http://schemas.microsoft.com/office/drawing/2010/main">
+                <a:solidFill>
+                  <a:schemeClr val="accent1"/>
+                </a:solidFill>
+              </a14:hiddenFill>
+            </a:ext>
+          </a:extLst>
+        </p:spPr>
+        <p:style>
+          <a:lnRef idx="2">
+            <a:schemeClr val="accent1">
+              <a:shade val="50000"/>
+            </a:schemeClr>
+          </a:lnRef>
+          <a:fillRef idx="1">
+            <a:schemeClr val="accent1"/>
+          </a:fillRef>
+          <a:effectRef idx="0">
+            <a:schemeClr val="accent1"/>
+          </a:effectRef>
+          <a:fontRef idx="minor">
+            <a:schemeClr val="lt1"/>
+          </a:fontRef>
+        </p:style>
+        <p:txBody>
+          <a:bodyPr rtlCol="0" anchor="ctr"/>
+          <a:p>
+            <a:pPr algn="ctr"/>
+            <a:r>
+              <a:rPr lang="en-US" altLang="zh-CN" sz="800" b="1">
+                <a:solidFill>
+                  <a:srgbClr val="2C3E50"/>
+                </a:solidFill>
+              </a:rPr>
+              <a:t>19</a:t>
+            </a:r>
+            <a:endParaRPr lang="en-US" altLang="zh-CN" sz="800" b="1">
+              <a:solidFill>
+                <a:srgbClr val="2C3E50"/>
+              </a:solidFill>
+            </a:endParaRPr>
+          </a:p>
+        </p:txBody>
+      </p:sp>
+      <p:sp>
+        <p:nvSpPr>
+          <p:cNvPr id="8" name="椭圆 7"/>
+          <p:cNvSpPr/>
+          <p:nvPr/>
+        </p:nvSpPr>
+        <p:spPr>
+          <a:xfrm>
+            <a:off x="1288415" y="4387215"/>
+            <a:ext cx="464820" cy="439420"/>
+          </a:xfrm>
+          <a:prstGeom prst="ellipse">
+            <a:avLst/>
+          </a:prstGeom>
+          <a:noFill/>
+          <a:ln w="38100">
+            <a:solidFill>
+              <a:srgbClr val="2C3E50"/>
+            </a:solidFill>
+          </a:ln>
+          <a:extLst>
+            <a:ext uri="{909E8E84-426E-40DD-AFC4-6F175D3DCCD1}">
+              <a14:hiddenFill xmlns:a14="http://schemas.microsoft.com/office/drawing/2010/main">
+                <a:solidFill>
+                  <a:schemeClr val="accent1"/>
+                </a:solidFill>
+              </a14:hiddenFill>
+            </a:ext>
+          </a:extLst>
+        </p:spPr>
+        <p:style>
+          <a:lnRef idx="2">
+            <a:schemeClr val="accent1">
+              <a:shade val="50000"/>
+            </a:schemeClr>
+          </a:lnRef>
+          <a:fillRef idx="1">
+            <a:schemeClr val="accent1"/>
+          </a:fillRef>
+          <a:effectRef idx="0">
+            <a:schemeClr val="accent1"/>
+          </a:effectRef>
+          <a:fontRef idx="minor">
+            <a:schemeClr val="lt1"/>
+          </a:fontRef>
+        </p:style>
+        <p:txBody>
+          <a:bodyPr rtlCol="0" anchor="ctr"/>
+          <a:p>
+            <a:pPr algn="ctr"/>
+            <a:r>
+              <a:rPr lang="en-US" altLang="zh-CN" sz="800" b="1">
+                <a:solidFill>
+                  <a:srgbClr val="2C3E50"/>
+                </a:solidFill>
+              </a:rPr>
+              <a:t>8</a:t>
+            </a:r>
+            <a:endParaRPr lang="en-US" altLang="zh-CN" sz="800" b="1">
+              <a:solidFill>
+                <a:srgbClr val="2C3E50"/>
+              </a:solidFill>
+            </a:endParaRPr>
+          </a:p>
+        </p:txBody>
+      </p:sp>
+      <p:sp>
+        <p:nvSpPr>
+          <p:cNvPr id="9" name="椭圆 8"/>
+          <p:cNvSpPr/>
+          <p:nvPr/>
+        </p:nvSpPr>
+        <p:spPr>
+          <a:xfrm>
+            <a:off x="2015490" y="5334000"/>
+            <a:ext cx="464820" cy="439420"/>
+          </a:xfrm>
+          <a:prstGeom prst="ellipse">
+            <a:avLst/>
+          </a:prstGeom>
+          <a:noFill/>
+          <a:ln w="38100">
+            <a:solidFill>
+              <a:srgbClr val="2C3E50"/>
+            </a:solidFill>
+          </a:ln>
+          <a:extLst>
+            <a:ext uri="{909E8E84-426E-40DD-AFC4-6F175D3DCCD1}">
+              <a14:hiddenFill xmlns:a14="http://schemas.microsoft.com/office/drawing/2010/main">
+                <a:solidFill>
+                  <a:schemeClr val="accent1"/>
+                </a:solidFill>
+              </a14:hiddenFill>
+            </a:ext>
+          </a:extLst>
+        </p:spPr>
+        <p:style>
+          <a:lnRef idx="2">
+            <a:schemeClr val="accent1">
+              <a:shade val="50000"/>
+            </a:schemeClr>
+          </a:lnRef>
+          <a:fillRef idx="1">
+            <a:schemeClr val="accent1"/>
+          </a:fillRef>
+          <a:effectRef idx="0">
+            <a:schemeClr val="accent1"/>
+          </a:effectRef>
+          <a:fontRef idx="minor">
+            <a:schemeClr val="lt1"/>
+          </a:fontRef>
+        </p:style>
+        <p:txBody>
+          <a:bodyPr rtlCol="0" anchor="ctr"/>
+          <a:p>
+            <a:pPr algn="ctr"/>
+            <a:r>
+              <a:rPr lang="en-US" altLang="zh-CN" sz="800" b="1">
+                <a:solidFill>
+                  <a:srgbClr val="2C3E50"/>
+                </a:solidFill>
+              </a:rPr>
+              <a:t>14</a:t>
+            </a:r>
+            <a:endParaRPr lang="en-US" altLang="zh-CN" sz="800" b="1">
+              <a:solidFill>
+                <a:srgbClr val="2C3E50"/>
+              </a:solidFill>
+            </a:endParaRPr>
+          </a:p>
+        </p:txBody>
+      </p:sp>
+      <p:sp>
+        <p:nvSpPr>
+          <p:cNvPr id="10" name="椭圆 9"/>
+          <p:cNvSpPr/>
+          <p:nvPr/>
+        </p:nvSpPr>
+        <p:spPr>
+          <a:xfrm>
+            <a:off x="2857500" y="4417695"/>
+            <a:ext cx="464820" cy="439420"/>
+          </a:xfrm>
+          <a:prstGeom prst="ellipse">
+            <a:avLst/>
+          </a:prstGeom>
+          <a:noFill/>
+          <a:ln w="38100">
+            <a:solidFill>
+              <a:srgbClr val="2C3E50"/>
+            </a:solidFill>
+          </a:ln>
+          <a:extLst>
+            <a:ext uri="{909E8E84-426E-40DD-AFC4-6F175D3DCCD1}">
+              <a14:hiddenFill xmlns:a14="http://schemas.microsoft.com/office/drawing/2010/main">
+                <a:solidFill>
+                  <a:schemeClr val="accent1"/>
+                </a:solidFill>
+              </a14:hiddenFill>
+            </a:ext>
+          </a:extLst>
+        </p:spPr>
+        <p:style>
+          <a:lnRef idx="2">
+            <a:schemeClr val="accent1">
+              <a:shade val="50000"/>
+            </a:schemeClr>
+          </a:lnRef>
+          <a:fillRef idx="1">
+            <a:schemeClr val="accent1"/>
+          </a:fillRef>
+          <a:effectRef idx="0">
+            <a:schemeClr val="accent1"/>
+          </a:effectRef>
+          <a:fontRef idx="minor">
+            <a:schemeClr val="lt1"/>
+          </a:fontRef>
+        </p:style>
+        <p:txBody>
+          <a:bodyPr rtlCol="0" anchor="ctr"/>
+          <a:p>
+            <a:pPr algn="ctr"/>
+            <a:r>
+              <a:rPr lang="en-US" altLang="zh-CN" sz="800" b="1">
+                <a:solidFill>
+                  <a:srgbClr val="2C3E50"/>
+                </a:solidFill>
+              </a:rPr>
+              <a:t>16</a:t>
+            </a:r>
+            <a:endParaRPr lang="en-US" altLang="zh-CN" sz="800" b="1">
+              <a:solidFill>
+                <a:srgbClr val="2C3E50"/>
+              </a:solidFill>
+            </a:endParaRPr>
+          </a:p>
+        </p:txBody>
+      </p:sp>
+      <p:sp>
+        <p:nvSpPr>
+          <p:cNvPr id="11" name="椭圆 10"/>
+          <p:cNvSpPr/>
+          <p:nvPr/>
+        </p:nvSpPr>
+        <p:spPr>
+          <a:xfrm>
+            <a:off x="3804285" y="4417695"/>
+            <a:ext cx="464820" cy="439420"/>
+          </a:xfrm>
+          <a:prstGeom prst="ellipse">
+            <a:avLst/>
+          </a:prstGeom>
+          <a:noFill/>
+          <a:ln w="38100">
+            <a:solidFill>
+              <a:srgbClr val="2C3E50"/>
+            </a:solidFill>
+          </a:ln>
+          <a:extLst>
+            <a:ext uri="{909E8E84-426E-40DD-AFC4-6F175D3DCCD1}">
+              <a14:hiddenFill xmlns:a14="http://schemas.microsoft.com/office/drawing/2010/main">
+                <a:solidFill>
+                  <a:schemeClr val="accent1"/>
+                </a:solidFill>
+              </a14:hiddenFill>
+            </a:ext>
+          </a:extLst>
+        </p:spPr>
+        <p:style>
+          <a:lnRef idx="2">
+            <a:schemeClr val="accent1">
+              <a:shade val="50000"/>
+            </a:schemeClr>
+          </a:lnRef>
+          <a:fillRef idx="1">
+            <a:schemeClr val="accent1"/>
+          </a:fillRef>
+          <a:effectRef idx="0">
+            <a:schemeClr val="accent1"/>
+          </a:effectRef>
+          <a:fontRef idx="minor">
+            <a:schemeClr val="lt1"/>
+          </a:fontRef>
+        </p:style>
+        <p:txBody>
+          <a:bodyPr rtlCol="0" anchor="ctr"/>
+          <a:p>
+            <a:pPr algn="ctr"/>
+            <a:r>
+              <a:rPr lang="en-US" altLang="zh-CN" sz="800" b="1">
+                <a:solidFill>
+                  <a:srgbClr val="2C3E50"/>
+                </a:solidFill>
+              </a:rPr>
+              <a:t>21</a:t>
+            </a:r>
+            <a:endParaRPr lang="en-US" altLang="zh-CN" sz="800" b="1">
+              <a:solidFill>
+                <a:srgbClr val="2C3E50"/>
+              </a:solidFill>
+            </a:endParaRPr>
+          </a:p>
+        </p:txBody>
+      </p:sp>
+      <p:cxnSp>
+        <p:nvCxnSpPr>
+          <p:cNvPr id="12" name="直接连接符 11"/>
+          <p:cNvCxnSpPr>
+            <a:endCxn id="6" idx="7"/>
+          </p:cNvCxnSpPr>
+          <p:nvPr/>
+        </p:nvCxnSpPr>
+        <p:spPr>
+          <a:xfrm flipH="true">
+            <a:off x="2326640" y="2988945"/>
+            <a:ext cx="239395" cy="438785"/>
+          </a:xfrm>
+          <a:prstGeom prst="line">
+            <a:avLst/>
+          </a:prstGeom>
+          <a:ln w="38100">
+            <a:solidFill>
+              <a:srgbClr val="3EAF7C"/>
+            </a:solidFill>
+          </a:ln>
+        </p:spPr>
+        <p:style>
+          <a:lnRef idx="1">
+            <a:schemeClr val="accent1"/>
+          </a:lnRef>
+          <a:fillRef idx="0">
+            <a:schemeClr val="accent1"/>
+          </a:fillRef>
+          <a:effectRef idx="0">
+            <a:schemeClr val="accent1"/>
+          </a:effectRef>
+          <a:fontRef idx="minor">
+            <a:schemeClr val="tx1"/>
+          </a:fontRef>
+        </p:style>
+      </p:cxnSp>
+      <p:cxnSp>
+        <p:nvCxnSpPr>
+          <p:cNvPr id="13" name="直接连接符 12"/>
+          <p:cNvCxnSpPr>
+            <a:stCxn id="6" idx="3"/>
+            <a:endCxn id="8" idx="7"/>
+          </p:cNvCxnSpPr>
+          <p:nvPr/>
+        </p:nvCxnSpPr>
+        <p:spPr>
+          <a:xfrm flipH="true">
+            <a:off x="1685290" y="3738880"/>
+            <a:ext cx="312420" cy="712470"/>
+          </a:xfrm>
+          <a:prstGeom prst="line">
+            <a:avLst/>
+          </a:prstGeom>
+          <a:ln w="38100">
+            <a:solidFill>
+              <a:srgbClr val="3EAF7C"/>
+            </a:solidFill>
+          </a:ln>
+        </p:spPr>
+        <p:style>
+          <a:lnRef idx="1">
+            <a:schemeClr val="accent1"/>
+          </a:lnRef>
+          <a:fillRef idx="0">
+            <a:schemeClr val="accent1"/>
+          </a:fillRef>
+          <a:effectRef idx="0">
+            <a:schemeClr val="accent1"/>
+          </a:effectRef>
+          <a:fontRef idx="minor">
+            <a:schemeClr val="tx1"/>
+          </a:fontRef>
+        </p:style>
+      </p:cxnSp>
+      <p:cxnSp>
+        <p:nvCxnSpPr>
+          <p:cNvPr id="14" name="直接连接符 13"/>
+          <p:cNvCxnSpPr>
+            <a:stCxn id="5" idx="5"/>
+          </p:cNvCxnSpPr>
+          <p:nvPr/>
+        </p:nvCxnSpPr>
+        <p:spPr>
+          <a:xfrm>
+            <a:off x="2846070" y="2929255"/>
+            <a:ext cx="289560" cy="402590"/>
+          </a:xfrm>
+          <a:prstGeom prst="line">
+            <a:avLst/>
+          </a:prstGeom>
+          <a:ln w="38100">
+            <a:solidFill>
+              <a:srgbClr val="3EAF7C"/>
+            </a:solidFill>
+          </a:ln>
+        </p:spPr>
+        <p:style>
+          <a:lnRef idx="1">
+            <a:schemeClr val="accent1"/>
+          </a:lnRef>
+          <a:fillRef idx="0">
+            <a:schemeClr val="accent1"/>
+          </a:fillRef>
+          <a:effectRef idx="0">
+            <a:schemeClr val="accent1"/>
+          </a:effectRef>
+          <a:fontRef idx="minor">
+            <a:schemeClr val="tx1"/>
+          </a:fontRef>
+        </p:style>
+      </p:cxnSp>
+      <p:cxnSp>
+        <p:nvCxnSpPr>
+          <p:cNvPr id="15" name="直接连接符 14"/>
+          <p:cNvCxnSpPr>
+            <a:stCxn id="7" idx="4"/>
+            <a:endCxn id="10" idx="0"/>
+          </p:cNvCxnSpPr>
+          <p:nvPr/>
+        </p:nvCxnSpPr>
+        <p:spPr>
+          <a:xfrm flipH="true">
+            <a:off x="3089910" y="3743325"/>
+            <a:ext cx="116840" cy="675005"/>
+          </a:xfrm>
+          <a:prstGeom prst="line">
+            <a:avLst/>
+          </a:prstGeom>
+          <a:ln w="38100">
+            <a:solidFill>
+              <a:srgbClr val="3EAF7C"/>
+            </a:solidFill>
+          </a:ln>
+        </p:spPr>
+        <p:style>
+          <a:lnRef idx="1">
+            <a:schemeClr val="accent1"/>
+          </a:lnRef>
+          <a:fillRef idx="0">
+            <a:schemeClr val="accent1"/>
+          </a:fillRef>
+          <a:effectRef idx="0">
+            <a:schemeClr val="accent1"/>
+          </a:effectRef>
+          <a:fontRef idx="minor">
+            <a:schemeClr val="tx1"/>
+          </a:fontRef>
+        </p:style>
+      </p:cxnSp>
+      <p:cxnSp>
+        <p:nvCxnSpPr>
+          <p:cNvPr id="16" name="直接连接符 15"/>
+          <p:cNvCxnSpPr>
+            <a:stCxn id="7" idx="5"/>
+          </p:cNvCxnSpPr>
+          <p:nvPr/>
+        </p:nvCxnSpPr>
+        <p:spPr>
+          <a:xfrm>
+            <a:off x="3371215" y="3678555"/>
+            <a:ext cx="593725" cy="777875"/>
+          </a:xfrm>
+          <a:prstGeom prst="line">
+            <a:avLst/>
+          </a:prstGeom>
+          <a:ln w="38100">
+            <a:solidFill>
+              <a:srgbClr val="3EAF7C"/>
+            </a:solidFill>
+          </a:ln>
+        </p:spPr>
+        <p:style>
+          <a:lnRef idx="1">
+            <a:schemeClr val="accent1"/>
+          </a:lnRef>
+          <a:fillRef idx="0">
+            <a:schemeClr val="accent1"/>
+          </a:fillRef>
+          <a:effectRef idx="0">
+            <a:schemeClr val="accent1"/>
+          </a:effectRef>
+          <a:fontRef idx="minor">
+            <a:schemeClr val="tx1"/>
+          </a:fontRef>
+        </p:style>
+      </p:cxnSp>
+      <p:cxnSp>
+        <p:nvCxnSpPr>
+          <p:cNvPr id="17" name="直接连接符 16"/>
+          <p:cNvCxnSpPr>
+            <a:stCxn id="10" idx="3"/>
+            <a:endCxn id="9" idx="7"/>
+          </p:cNvCxnSpPr>
+          <p:nvPr/>
+        </p:nvCxnSpPr>
+        <p:spPr>
+          <a:xfrm flipH="true">
+            <a:off x="2412365" y="4792980"/>
+            <a:ext cx="513715" cy="605155"/>
+          </a:xfrm>
+          <a:prstGeom prst="line">
+            <a:avLst/>
+          </a:prstGeom>
+          <a:ln w="38100">
+            <a:solidFill>
+              <a:srgbClr val="3EAF7C"/>
+            </a:solidFill>
+          </a:ln>
+        </p:spPr>
+        <p:style>
+          <a:lnRef idx="1">
+            <a:schemeClr val="accent1"/>
+          </a:lnRef>
+          <a:fillRef idx="0">
+            <a:schemeClr val="accent1"/>
+          </a:fillRef>
+          <a:effectRef idx="0">
+            <a:schemeClr val="accent1"/>
+          </a:effectRef>
+          <a:fontRef idx="minor">
+            <a:schemeClr val="tx1"/>
+          </a:fontRef>
+        </p:style>
+      </p:cxnSp>
+      <p:sp>
+        <p:nvSpPr>
+          <p:cNvPr id="29" name="椭圆 28"/>
+          <p:cNvSpPr/>
+          <p:nvPr/>
+        </p:nvSpPr>
+        <p:spPr>
+          <a:xfrm>
+            <a:off x="6463030" y="2587625"/>
+            <a:ext cx="464820" cy="439420"/>
+          </a:xfrm>
+          <a:prstGeom prst="ellipse">
+            <a:avLst/>
+          </a:prstGeom>
+          <a:noFill/>
+          <a:ln w="38100">
+            <a:solidFill>
+              <a:srgbClr val="C00000"/>
+            </a:solidFill>
+          </a:ln>
+          <a:extLst>
+            <a:ext uri="{909E8E84-426E-40DD-AFC4-6F175D3DCCD1}">
+              <a14:hiddenFill xmlns:a14="http://schemas.microsoft.com/office/drawing/2010/main">
+                <a:solidFill>
+                  <a:schemeClr val="accent1"/>
+                </a:solidFill>
+              </a14:hiddenFill>
+            </a:ext>
+          </a:extLst>
+        </p:spPr>
+        <p:style>
+          <a:lnRef idx="2">
+            <a:schemeClr val="accent1">
+              <a:shade val="50000"/>
+            </a:schemeClr>
+          </a:lnRef>
+          <a:fillRef idx="1">
+            <a:schemeClr val="accent1"/>
+          </a:fillRef>
+          <a:effectRef idx="0">
+            <a:schemeClr val="accent1"/>
+          </a:effectRef>
+          <a:fontRef idx="minor">
+            <a:schemeClr val="lt1"/>
+          </a:fontRef>
+        </p:style>
+        <p:txBody>
+          <a:bodyPr rtlCol="0" anchor="ctr"/>
+          <a:p>
+            <a:pPr algn="ctr"/>
+            <a:r>
+              <a:rPr lang="en-US" altLang="zh-CN" sz="800" b="1">
+                <a:solidFill>
+                  <a:srgbClr val="2C3E50"/>
+                </a:solidFill>
+              </a:rPr>
+              <a:t>13</a:t>
+            </a:r>
+            <a:endParaRPr lang="en-US" altLang="zh-CN" sz="800" b="1">
+              <a:solidFill>
+                <a:srgbClr val="2C3E50"/>
+              </a:solidFill>
+            </a:endParaRPr>
+          </a:p>
+        </p:txBody>
+      </p:sp>
+      <p:sp>
+        <p:nvSpPr>
+          <p:cNvPr id="30" name="椭圆 29"/>
+          <p:cNvSpPr/>
+          <p:nvPr/>
+        </p:nvSpPr>
+        <p:spPr>
+          <a:xfrm>
+            <a:off x="5942965" y="3396615"/>
+            <a:ext cx="464820" cy="439420"/>
+          </a:xfrm>
+          <a:prstGeom prst="ellipse">
+            <a:avLst/>
+          </a:prstGeom>
+          <a:noFill/>
+          <a:ln w="38100">
+            <a:solidFill>
+              <a:srgbClr val="2C3E50"/>
+            </a:solidFill>
+          </a:ln>
+          <a:extLst>
+            <a:ext uri="{909E8E84-426E-40DD-AFC4-6F175D3DCCD1}">
+              <a14:hiddenFill xmlns:a14="http://schemas.microsoft.com/office/drawing/2010/main">
+                <a:solidFill>
+                  <a:schemeClr val="accent1"/>
+                </a:solidFill>
+              </a14:hiddenFill>
+            </a:ext>
+          </a:extLst>
+        </p:spPr>
+        <p:style>
+          <a:lnRef idx="2">
+            <a:schemeClr val="accent1">
+              <a:shade val="50000"/>
+            </a:schemeClr>
+          </a:lnRef>
+          <a:fillRef idx="1">
+            <a:schemeClr val="accent1"/>
+          </a:fillRef>
+          <a:effectRef idx="0">
+            <a:schemeClr val="accent1"/>
+          </a:effectRef>
+          <a:fontRef idx="minor">
+            <a:schemeClr val="lt1"/>
+          </a:fontRef>
+        </p:style>
+        <p:txBody>
+          <a:bodyPr rtlCol="0" anchor="ctr"/>
+          <a:p>
+            <a:pPr algn="ctr"/>
+            <a:r>
+              <a:rPr lang="en-US" altLang="zh-CN" sz="800" b="1">
+                <a:solidFill>
+                  <a:srgbClr val="2C3E50"/>
+                </a:solidFill>
+              </a:rPr>
+              <a:t>10</a:t>
+            </a:r>
+            <a:endParaRPr lang="en-US" altLang="zh-CN" sz="800" b="1">
+              <a:solidFill>
+                <a:srgbClr val="2C3E50"/>
+              </a:solidFill>
+            </a:endParaRPr>
+          </a:p>
+        </p:txBody>
+      </p:sp>
+      <p:sp>
+        <p:nvSpPr>
+          <p:cNvPr id="31" name="椭圆 30"/>
+          <p:cNvSpPr/>
+          <p:nvPr/>
+        </p:nvSpPr>
+        <p:spPr>
+          <a:xfrm>
+            <a:off x="6988175" y="3336925"/>
+            <a:ext cx="464820" cy="439420"/>
+          </a:xfrm>
+          <a:prstGeom prst="ellipse">
+            <a:avLst/>
+          </a:prstGeom>
+          <a:noFill/>
+          <a:ln w="38100">
+            <a:solidFill>
+              <a:srgbClr val="2C3E50"/>
+            </a:solidFill>
+          </a:ln>
+          <a:extLst>
+            <a:ext uri="{909E8E84-426E-40DD-AFC4-6F175D3DCCD1}">
+              <a14:hiddenFill xmlns:a14="http://schemas.microsoft.com/office/drawing/2010/main">
+                <a:solidFill>
+                  <a:schemeClr val="accent1"/>
+                </a:solidFill>
+              </a14:hiddenFill>
+            </a:ext>
+          </a:extLst>
+        </p:spPr>
+        <p:style>
+          <a:lnRef idx="2">
+            <a:schemeClr val="accent1">
+              <a:shade val="50000"/>
+            </a:schemeClr>
+          </a:lnRef>
+          <a:fillRef idx="1">
+            <a:schemeClr val="accent1"/>
+          </a:fillRef>
+          <a:effectRef idx="0">
+            <a:schemeClr val="accent1"/>
+          </a:effectRef>
+          <a:fontRef idx="minor">
+            <a:schemeClr val="lt1"/>
+          </a:fontRef>
+        </p:style>
+        <p:txBody>
+          <a:bodyPr rtlCol="0" anchor="ctr"/>
+          <a:p>
+            <a:pPr algn="ctr"/>
+            <a:r>
+              <a:rPr lang="en-US" altLang="zh-CN" sz="800" b="1">
+                <a:solidFill>
+                  <a:srgbClr val="2C3E50"/>
+                </a:solidFill>
+              </a:rPr>
+              <a:t>19</a:t>
+            </a:r>
+            <a:endParaRPr lang="en-US" altLang="zh-CN" sz="800" b="1">
+              <a:solidFill>
+                <a:srgbClr val="2C3E50"/>
+              </a:solidFill>
+            </a:endParaRPr>
+          </a:p>
+        </p:txBody>
+      </p:sp>
+      <p:sp>
+        <p:nvSpPr>
+          <p:cNvPr id="32" name="椭圆 31"/>
+          <p:cNvSpPr/>
+          <p:nvPr/>
+        </p:nvSpPr>
+        <p:spPr>
+          <a:xfrm>
+            <a:off x="5427980" y="4451350"/>
+            <a:ext cx="464820" cy="439420"/>
+          </a:xfrm>
+          <a:prstGeom prst="ellipse">
+            <a:avLst/>
+          </a:prstGeom>
+          <a:noFill/>
+          <a:ln w="38100">
+            <a:solidFill>
+              <a:srgbClr val="2C3E50"/>
+            </a:solidFill>
+          </a:ln>
+          <a:extLst>
+            <a:ext uri="{909E8E84-426E-40DD-AFC4-6F175D3DCCD1}">
+              <a14:hiddenFill xmlns:a14="http://schemas.microsoft.com/office/drawing/2010/main">
+                <a:solidFill>
+                  <a:schemeClr val="accent1"/>
+                </a:solidFill>
+              </a14:hiddenFill>
+            </a:ext>
+          </a:extLst>
+        </p:spPr>
+        <p:style>
+          <a:lnRef idx="2">
+            <a:schemeClr val="accent1">
+              <a:shade val="50000"/>
+            </a:schemeClr>
+          </a:lnRef>
+          <a:fillRef idx="1">
+            <a:schemeClr val="accent1"/>
+          </a:fillRef>
+          <a:effectRef idx="0">
+            <a:schemeClr val="accent1"/>
+          </a:effectRef>
+          <a:fontRef idx="minor">
+            <a:schemeClr val="lt1"/>
+          </a:fontRef>
+        </p:style>
+        <p:txBody>
+          <a:bodyPr rtlCol="0" anchor="ctr"/>
+          <a:p>
+            <a:pPr algn="ctr"/>
+            <a:r>
+              <a:rPr lang="en-US" altLang="zh-CN" sz="800" b="1">
+                <a:solidFill>
+                  <a:srgbClr val="2C3E50"/>
+                </a:solidFill>
+              </a:rPr>
+              <a:t>8</a:t>
+            </a:r>
+            <a:endParaRPr lang="en-US" altLang="zh-CN" sz="800" b="1">
+              <a:solidFill>
+                <a:srgbClr val="2C3E50"/>
+              </a:solidFill>
+            </a:endParaRPr>
+          </a:p>
+        </p:txBody>
+      </p:sp>
+      <p:sp>
+        <p:nvSpPr>
+          <p:cNvPr id="33" name="椭圆 32"/>
+          <p:cNvSpPr/>
+          <p:nvPr/>
+        </p:nvSpPr>
+        <p:spPr>
+          <a:xfrm>
+            <a:off x="6028690" y="5367655"/>
+            <a:ext cx="464820" cy="439420"/>
+          </a:xfrm>
+          <a:prstGeom prst="ellipse">
+            <a:avLst/>
+          </a:prstGeom>
+          <a:noFill/>
+          <a:ln w="38100">
+            <a:solidFill>
+              <a:srgbClr val="C00000"/>
+            </a:solidFill>
+          </a:ln>
+          <a:extLst>
+            <a:ext uri="{909E8E84-426E-40DD-AFC4-6F175D3DCCD1}">
+              <a14:hiddenFill xmlns:a14="http://schemas.microsoft.com/office/drawing/2010/main">
+                <a:solidFill>
+                  <a:schemeClr val="accent1"/>
+                </a:solidFill>
+              </a14:hiddenFill>
+            </a:ext>
+          </a:extLst>
+        </p:spPr>
+        <p:style>
+          <a:lnRef idx="2">
+            <a:schemeClr val="accent1">
+              <a:shade val="50000"/>
+            </a:schemeClr>
+          </a:lnRef>
+          <a:fillRef idx="1">
+            <a:schemeClr val="accent1"/>
+          </a:fillRef>
+          <a:effectRef idx="0">
+            <a:schemeClr val="accent1"/>
+          </a:effectRef>
+          <a:fontRef idx="minor">
+            <a:schemeClr val="lt1"/>
+          </a:fontRef>
+        </p:style>
+        <p:txBody>
+          <a:bodyPr rtlCol="0" anchor="ctr"/>
+          <a:p>
+            <a:pPr algn="ctr"/>
+            <a:r>
+              <a:rPr lang="en-US" altLang="zh-CN" sz="800" b="1">
+                <a:solidFill>
+                  <a:srgbClr val="2C3E50"/>
+                </a:solidFill>
+              </a:rPr>
+              <a:t>12</a:t>
+            </a:r>
+            <a:endParaRPr lang="en-US" altLang="zh-CN" sz="800" b="1">
+              <a:solidFill>
+                <a:srgbClr val="2C3E50"/>
+              </a:solidFill>
+            </a:endParaRPr>
+          </a:p>
+        </p:txBody>
+      </p:sp>
+      <p:sp>
+        <p:nvSpPr>
+          <p:cNvPr id="34" name="椭圆 33"/>
+          <p:cNvSpPr/>
+          <p:nvPr/>
+        </p:nvSpPr>
+        <p:spPr>
+          <a:xfrm>
+            <a:off x="6871335" y="4451350"/>
+            <a:ext cx="464820" cy="439420"/>
+          </a:xfrm>
+          <a:prstGeom prst="ellipse">
+            <a:avLst/>
+          </a:prstGeom>
+          <a:noFill/>
+          <a:ln w="38100">
+            <a:solidFill>
+              <a:srgbClr val="2C3E50"/>
+            </a:solidFill>
+          </a:ln>
+          <a:extLst>
+            <a:ext uri="{909E8E84-426E-40DD-AFC4-6F175D3DCCD1}">
+              <a14:hiddenFill xmlns:a14="http://schemas.microsoft.com/office/drawing/2010/main">
+                <a:solidFill>
+                  <a:schemeClr val="accent1"/>
+                </a:solidFill>
+              </a14:hiddenFill>
+            </a:ext>
+          </a:extLst>
+        </p:spPr>
+        <p:style>
+          <a:lnRef idx="2">
+            <a:schemeClr val="accent1">
+              <a:shade val="50000"/>
+            </a:schemeClr>
+          </a:lnRef>
+          <a:fillRef idx="1">
+            <a:schemeClr val="accent1"/>
+          </a:fillRef>
+          <a:effectRef idx="0">
+            <a:schemeClr val="accent1"/>
+          </a:effectRef>
+          <a:fontRef idx="minor">
+            <a:schemeClr val="lt1"/>
+          </a:fontRef>
+        </p:style>
+        <p:txBody>
+          <a:bodyPr rtlCol="0" anchor="ctr"/>
+          <a:p>
+            <a:pPr algn="ctr"/>
+            <a:r>
+              <a:rPr lang="en-US" altLang="zh-CN" sz="800" b="1">
+                <a:solidFill>
+                  <a:srgbClr val="2C3E50"/>
+                </a:solidFill>
+              </a:rPr>
+              <a:t>16</a:t>
+            </a:r>
+            <a:endParaRPr lang="en-US" altLang="zh-CN" sz="800" b="1">
+              <a:solidFill>
+                <a:srgbClr val="2C3E50"/>
+              </a:solidFill>
+            </a:endParaRPr>
+          </a:p>
+        </p:txBody>
+      </p:sp>
+      <p:sp>
+        <p:nvSpPr>
+          <p:cNvPr id="35" name="椭圆 34"/>
+          <p:cNvSpPr/>
+          <p:nvPr/>
+        </p:nvSpPr>
+        <p:spPr>
+          <a:xfrm>
+            <a:off x="7817485" y="4451350"/>
+            <a:ext cx="464820" cy="439420"/>
+          </a:xfrm>
+          <a:prstGeom prst="ellipse">
+            <a:avLst/>
+          </a:prstGeom>
+          <a:noFill/>
+          <a:ln w="38100">
+            <a:solidFill>
+              <a:srgbClr val="2C3E50"/>
+            </a:solidFill>
+          </a:ln>
+          <a:extLst>
+            <a:ext uri="{909E8E84-426E-40DD-AFC4-6F175D3DCCD1}">
+              <a14:hiddenFill xmlns:a14="http://schemas.microsoft.com/office/drawing/2010/main">
+                <a:solidFill>
+                  <a:schemeClr val="accent1"/>
+                </a:solidFill>
+              </a14:hiddenFill>
+            </a:ext>
+          </a:extLst>
+        </p:spPr>
+        <p:style>
+          <a:lnRef idx="2">
+            <a:schemeClr val="accent1">
+              <a:shade val="50000"/>
+            </a:schemeClr>
+          </a:lnRef>
+          <a:fillRef idx="1">
+            <a:schemeClr val="accent1"/>
+          </a:fillRef>
+          <a:effectRef idx="0">
+            <a:schemeClr val="accent1"/>
+          </a:effectRef>
+          <a:fontRef idx="minor">
+            <a:schemeClr val="lt1"/>
+          </a:fontRef>
+        </p:style>
+        <p:txBody>
+          <a:bodyPr rtlCol="0" anchor="ctr"/>
+          <a:p>
+            <a:pPr algn="ctr"/>
+            <a:r>
+              <a:rPr lang="en-US" altLang="zh-CN" sz="800" b="1">
+                <a:solidFill>
+                  <a:srgbClr val="2C3E50"/>
+                </a:solidFill>
+              </a:rPr>
+              <a:t>21</a:t>
+            </a:r>
+            <a:endParaRPr lang="en-US" altLang="zh-CN" sz="800" b="1">
+              <a:solidFill>
+                <a:srgbClr val="2C3E50"/>
+              </a:solidFill>
+            </a:endParaRPr>
+          </a:p>
+        </p:txBody>
+      </p:sp>
+      <p:cxnSp>
+        <p:nvCxnSpPr>
+          <p:cNvPr id="36" name="直接连接符 35"/>
+          <p:cNvCxnSpPr>
+            <a:endCxn id="30" idx="7"/>
+          </p:cNvCxnSpPr>
+          <p:nvPr/>
+        </p:nvCxnSpPr>
+        <p:spPr>
+          <a:xfrm flipH="true">
+            <a:off x="6339205" y="3022600"/>
+            <a:ext cx="240030" cy="438785"/>
+          </a:xfrm>
+          <a:prstGeom prst="line">
+            <a:avLst/>
+          </a:prstGeom>
+          <a:ln w="38100">
+            <a:solidFill>
+              <a:srgbClr val="3EAF7C"/>
+            </a:solidFill>
+          </a:ln>
+        </p:spPr>
+        <p:style>
+          <a:lnRef idx="1">
+            <a:schemeClr val="accent1"/>
+          </a:lnRef>
+          <a:fillRef idx="0">
+            <a:schemeClr val="accent1"/>
+          </a:fillRef>
+          <a:effectRef idx="0">
+            <a:schemeClr val="accent1"/>
+          </a:effectRef>
+          <a:fontRef idx="minor">
+            <a:schemeClr val="tx1"/>
+          </a:fontRef>
+        </p:style>
+      </p:cxnSp>
+      <p:cxnSp>
+        <p:nvCxnSpPr>
+          <p:cNvPr id="37" name="直接连接符 36"/>
+          <p:cNvCxnSpPr>
+            <a:stCxn id="30" idx="3"/>
+          </p:cNvCxnSpPr>
+          <p:nvPr/>
+        </p:nvCxnSpPr>
+        <p:spPr>
+          <a:xfrm flipH="true">
+            <a:off x="5727700" y="3771900"/>
+            <a:ext cx="283210" cy="712470"/>
+          </a:xfrm>
+          <a:prstGeom prst="line">
+            <a:avLst/>
+          </a:prstGeom>
+          <a:ln w="38100">
+            <a:solidFill>
+              <a:srgbClr val="3EAF7C"/>
+            </a:solidFill>
+          </a:ln>
+        </p:spPr>
+        <p:style>
+          <a:lnRef idx="1">
+            <a:schemeClr val="accent1"/>
+          </a:lnRef>
+          <a:fillRef idx="0">
+            <a:schemeClr val="accent1"/>
+          </a:fillRef>
+          <a:effectRef idx="0">
+            <a:schemeClr val="accent1"/>
+          </a:effectRef>
+          <a:fontRef idx="minor">
+            <a:schemeClr val="tx1"/>
+          </a:fontRef>
+        </p:style>
+      </p:cxnSp>
+      <p:cxnSp>
+        <p:nvCxnSpPr>
+          <p:cNvPr id="38" name="直接连接符 37"/>
+          <p:cNvCxnSpPr>
+            <a:stCxn id="29" idx="5"/>
+          </p:cNvCxnSpPr>
+          <p:nvPr/>
+        </p:nvCxnSpPr>
+        <p:spPr>
+          <a:xfrm>
+            <a:off x="6859270" y="2962910"/>
+            <a:ext cx="289560" cy="402590"/>
+          </a:xfrm>
+          <a:prstGeom prst="line">
+            <a:avLst/>
+          </a:prstGeom>
+          <a:ln w="38100">
+            <a:solidFill>
+              <a:srgbClr val="3EAF7C"/>
+            </a:solidFill>
+          </a:ln>
+        </p:spPr>
+        <p:style>
+          <a:lnRef idx="1">
+            <a:schemeClr val="accent1"/>
+          </a:lnRef>
+          <a:fillRef idx="0">
+            <a:schemeClr val="accent1"/>
+          </a:fillRef>
+          <a:effectRef idx="0">
+            <a:schemeClr val="accent1"/>
+          </a:effectRef>
+          <a:fontRef idx="minor">
+            <a:schemeClr val="tx1"/>
+          </a:fontRef>
+        </p:style>
+      </p:cxnSp>
+      <p:cxnSp>
+        <p:nvCxnSpPr>
+          <p:cNvPr id="39" name="直接连接符 38"/>
+          <p:cNvCxnSpPr>
+            <a:stCxn id="31" idx="4"/>
+            <a:endCxn id="34" idx="0"/>
+          </p:cNvCxnSpPr>
+          <p:nvPr/>
+        </p:nvCxnSpPr>
+        <p:spPr>
+          <a:xfrm flipH="true">
+            <a:off x="7103110" y="3776345"/>
+            <a:ext cx="116840" cy="675005"/>
+          </a:xfrm>
+          <a:prstGeom prst="line">
+            <a:avLst/>
+          </a:prstGeom>
+          <a:ln w="38100">
+            <a:solidFill>
+              <a:srgbClr val="3EAF7C"/>
+            </a:solidFill>
+          </a:ln>
+        </p:spPr>
+        <p:style>
+          <a:lnRef idx="1">
+            <a:schemeClr val="accent1"/>
+          </a:lnRef>
+          <a:fillRef idx="0">
+            <a:schemeClr val="accent1"/>
+          </a:fillRef>
+          <a:effectRef idx="0">
+            <a:schemeClr val="accent1"/>
+          </a:effectRef>
+          <a:fontRef idx="minor">
+            <a:schemeClr val="tx1"/>
+          </a:fontRef>
+        </p:style>
+      </p:cxnSp>
+      <p:cxnSp>
+        <p:nvCxnSpPr>
+          <p:cNvPr id="40" name="直接连接符 39"/>
+          <p:cNvCxnSpPr>
+            <a:stCxn id="31" idx="5"/>
+          </p:cNvCxnSpPr>
+          <p:nvPr/>
+        </p:nvCxnSpPr>
+        <p:spPr>
+          <a:xfrm>
+            <a:off x="7384415" y="3712210"/>
+            <a:ext cx="593725" cy="777875"/>
+          </a:xfrm>
+          <a:prstGeom prst="line">
+            <a:avLst/>
+          </a:prstGeom>
+          <a:ln w="38100">
+            <a:solidFill>
+              <a:srgbClr val="3EAF7C"/>
+            </a:solidFill>
+          </a:ln>
+        </p:spPr>
+        <p:style>
+          <a:lnRef idx="1">
+            <a:schemeClr val="accent1"/>
+          </a:lnRef>
+          <a:fillRef idx="0">
+            <a:schemeClr val="accent1"/>
+          </a:fillRef>
+          <a:effectRef idx="0">
+            <a:schemeClr val="accent1"/>
+          </a:effectRef>
+          <a:fontRef idx="minor">
+            <a:schemeClr val="tx1"/>
+          </a:fontRef>
+        </p:style>
+      </p:cxnSp>
+      <p:cxnSp>
+        <p:nvCxnSpPr>
+          <p:cNvPr id="41" name="直接连接符 40"/>
+          <p:cNvCxnSpPr>
+            <a:stCxn id="34" idx="3"/>
+            <a:endCxn id="33" idx="7"/>
+          </p:cNvCxnSpPr>
+          <p:nvPr/>
+        </p:nvCxnSpPr>
+        <p:spPr>
+          <a:xfrm flipH="true">
+            <a:off x="6425565" y="4826635"/>
+            <a:ext cx="513715" cy="605155"/>
+          </a:xfrm>
+          <a:prstGeom prst="line">
+            <a:avLst/>
+          </a:prstGeom>
+          <a:ln w="38100">
+            <a:solidFill>
+              <a:srgbClr val="3EAF7C"/>
+            </a:solidFill>
+          </a:ln>
+        </p:spPr>
+        <p:style>
+          <a:lnRef idx="1">
+            <a:schemeClr val="accent1"/>
+          </a:lnRef>
+          <a:fillRef idx="0">
+            <a:schemeClr val="accent1"/>
+          </a:fillRef>
+          <a:effectRef idx="0">
+            <a:schemeClr val="accent1"/>
+          </a:effectRef>
+          <a:fontRef idx="minor">
+            <a:schemeClr val="tx1"/>
+          </a:fontRef>
+        </p:style>
+      </p:cxnSp>
+      <p:sp>
+        <p:nvSpPr>
+          <p:cNvPr id="19" name="文本框 18"/>
+          <p:cNvSpPr txBox="true"/>
+          <p:nvPr/>
+        </p:nvSpPr>
+        <p:spPr>
+          <a:xfrm>
+            <a:off x="3314065" y="5145405"/>
+            <a:ext cx="708025" cy="521970"/>
+          </a:xfrm>
+          <a:prstGeom prst="rect">
+            <a:avLst/>
+          </a:prstGeom>
+          <a:noFill/>
+        </p:spPr>
+        <p:txBody>
+          <a:bodyPr wrap="square" rtlCol="0">
+            <a:spAutoFit/>
+          </a:bodyPr>
+          <a:p>
+            <a:r>
+              <a:rPr lang="zh-CN" altLang="en-US" sz="2800" b="1">
+                <a:solidFill>
+                  <a:srgbClr val="C00000"/>
+                </a:solidFill>
+                <a:latin typeface="东文宋体" charset="0"/>
+                <a:cs typeface="东文宋体" charset="0"/>
+              </a:rPr>
+              <a:t>√</a:t>
+            </a:r>
+            <a:endParaRPr lang="zh-CN" altLang="en-US" sz="2800" b="1">
+              <a:solidFill>
+                <a:srgbClr val="C00000"/>
+              </a:solidFill>
+              <a:latin typeface="东文宋体" charset="0"/>
+              <a:cs typeface="东文宋体" charset="0"/>
+            </a:endParaRPr>
+          </a:p>
+        </p:txBody>
+      </p:sp>
+      <p:sp>
+        <p:nvSpPr>
+          <p:cNvPr id="20" name="文本框 19"/>
+          <p:cNvSpPr txBox="true"/>
+          <p:nvPr/>
+        </p:nvSpPr>
+        <p:spPr>
+          <a:xfrm>
+            <a:off x="7487285" y="5145405"/>
+            <a:ext cx="490855" cy="768350"/>
+          </a:xfrm>
+          <a:prstGeom prst="rect">
+            <a:avLst/>
+          </a:prstGeom>
+          <a:noFill/>
+        </p:spPr>
+        <p:txBody>
+          <a:bodyPr wrap="none" rtlCol="0">
+            <a:spAutoFit/>
+          </a:bodyPr>
+          <a:p>
+            <a:r>
+              <a:rPr lang="zh-CN" altLang="en-US" sz="4400">
+                <a:solidFill>
+                  <a:srgbClr val="C00000"/>
+                </a:solidFill>
+                <a:latin typeface="汉仪细圆B5" charset="0"/>
+              </a:rPr>
+              <a:t>×</a:t>
+            </a:r>
+            <a:endParaRPr lang="zh-CN" altLang="en-US" sz="4400">
+              <a:solidFill>
+                <a:srgbClr val="C00000"/>
+              </a:solidFill>
+              <a:latin typeface="汉仪细圆B5" charset="0"/>
+            </a:endParaRPr>
+          </a:p>
+        </p:txBody>
+      </p:sp>
+    </p:spTree>
+  </p:cSld>
+  <p:clrMapOvr>
+    <a:masterClrMapping/>
+  </p:clrMapOvr>
+</p:sld>
+</file>
+
+<file path=ppt/slides/slide16.xml><?xml version="1.0" encoding="utf-8"?>
+<p:sld xmlns:a="http://schemas.openxmlformats.org/drawingml/2006/main" xmlns:r="http://schemas.openxmlformats.org/officeDocument/2006/relationships" xmlns:p="http://schemas.openxmlformats.org/presentationml/2006/main">
+  <p:cSld>
+    <p:spTree>
+      <p:nvGrpSpPr>
+        <p:cNvPr id="1" name=""/>
+        <p:cNvGrpSpPr/>
+        <p:nvPr/>
+      </p:nvGrpSpPr>
+      <p:grpSpPr/>
+      <p:grpSp>
+        <p:nvGrpSpPr>
+          <p:cNvPr id="43" name="组合 42"/>
+          <p:cNvGrpSpPr/>
+          <p:nvPr/>
+        </p:nvGrpSpPr>
+        <p:grpSpPr>
+          <a:xfrm>
+            <a:off x="1571625" y="2414905"/>
+            <a:ext cx="6993890" cy="3253105"/>
+            <a:chOff x="2475" y="3803"/>
+            <a:chExt cx="11014" cy="5123"/>
+          </a:xfrm>
+        </p:grpSpPr>
+        <p:sp>
+          <p:nvSpPr>
+            <p:cNvPr id="2" name="椭圆 1"/>
+            <p:cNvSpPr/>
+            <p:nvPr/>
+          </p:nvSpPr>
+          <p:spPr>
+            <a:xfrm>
+              <a:off x="4303" y="3803"/>
+              <a:ext cx="732" cy="692"/>
+            </a:xfrm>
+            <a:prstGeom prst="ellipse">
+              <a:avLst/>
+            </a:prstGeom>
+            <a:noFill/>
+            <a:ln w="38100">
+              <a:solidFill>
+                <a:srgbClr val="2C3E50"/>
+              </a:solidFill>
+            </a:ln>
+            <a:extLst>
+              <a:ext uri="{909E8E84-426E-40DD-AFC4-6F175D3DCCD1}">
+                <a14:hiddenFill xmlns:a14="http://schemas.microsoft.com/office/drawing/2010/main">
+                  <a:solidFill>
+                    <a:schemeClr val="accent1"/>
+                  </a:solidFill>
+                </a14:hiddenFill>
+              </a:ext>
+            </a:extLst>
+          </p:spPr>
+          <p:style>
+            <a:lnRef idx="2">
+              <a:schemeClr val="accent1">
+                <a:shade val="50000"/>
+              </a:schemeClr>
+            </a:lnRef>
+            <a:fillRef idx="1">
+              <a:schemeClr val="accent1"/>
+            </a:fillRef>
+            <a:effectRef idx="0">
+              <a:schemeClr val="accent1"/>
+            </a:effectRef>
+            <a:fontRef idx="minor">
+              <a:schemeClr val="lt1"/>
+            </a:fontRef>
+          </p:style>
+          <p:txBody>
+            <a:bodyPr rtlCol="0" anchor="ctr"/>
+            <a:p>
+              <a:pPr algn="ctr"/>
+              <a:r>
+                <a:rPr lang="en-US" altLang="zh-CN" sz="800" b="1">
+                  <a:solidFill>
+                    <a:srgbClr val="2C3E50"/>
+                  </a:solidFill>
+                </a:rPr>
+                <a:t>13</a:t>
+              </a:r>
+              <a:endParaRPr lang="en-US" altLang="zh-CN" sz="800" b="1">
+                <a:solidFill>
+                  <a:srgbClr val="2C3E50"/>
+                </a:solidFill>
+              </a:endParaRPr>
+            </a:p>
+          </p:txBody>
+        </p:sp>
+        <p:sp>
+          <p:nvSpPr>
+            <p:cNvPr id="3" name="椭圆 2"/>
+            <p:cNvSpPr/>
+            <p:nvPr/>
+          </p:nvSpPr>
+          <p:spPr>
+            <a:xfrm>
+              <a:off x="3485" y="5078"/>
+              <a:ext cx="732" cy="692"/>
+            </a:xfrm>
+            <a:prstGeom prst="ellipse">
+              <a:avLst/>
+            </a:prstGeom>
+            <a:noFill/>
+            <a:ln w="38100">
+              <a:solidFill>
+                <a:srgbClr val="2C3E50"/>
+              </a:solidFill>
+            </a:ln>
+            <a:extLst>
+              <a:ext uri="{909E8E84-426E-40DD-AFC4-6F175D3DCCD1}">
+                <a14:hiddenFill xmlns:a14="http://schemas.microsoft.com/office/drawing/2010/main">
+                  <a:solidFill>
+                    <a:schemeClr val="accent1"/>
+                  </a:solidFill>
+                </a14:hiddenFill>
+              </a:ext>
+            </a:extLst>
+          </p:spPr>
+          <p:style>
+            <a:lnRef idx="2">
+              <a:schemeClr val="accent1">
+                <a:shade val="50000"/>
+              </a:schemeClr>
+            </a:lnRef>
+            <a:fillRef idx="1">
+              <a:schemeClr val="accent1"/>
+            </a:fillRef>
+            <a:effectRef idx="0">
+              <a:schemeClr val="accent1"/>
+            </a:effectRef>
+            <a:fontRef idx="minor">
+              <a:schemeClr val="lt1"/>
+            </a:fontRef>
+          </p:style>
+          <p:txBody>
+            <a:bodyPr rtlCol="0" anchor="ctr"/>
+            <a:p>
+              <a:pPr algn="ctr"/>
+              <a:r>
+                <a:rPr lang="en-US" altLang="zh-CN" sz="800" b="1">
+                  <a:solidFill>
+                    <a:srgbClr val="2C3E50"/>
+                  </a:solidFill>
+                </a:rPr>
+                <a:t>10</a:t>
+              </a:r>
+              <a:endParaRPr lang="en-US" altLang="zh-CN" sz="800" b="1">
+                <a:solidFill>
+                  <a:srgbClr val="2C3E50"/>
+                </a:solidFill>
+              </a:endParaRPr>
+            </a:p>
+          </p:txBody>
+        </p:sp>
+        <p:sp>
+          <p:nvSpPr>
+            <p:cNvPr id="4" name="椭圆 3"/>
+            <p:cNvSpPr/>
+            <p:nvPr/>
+          </p:nvSpPr>
+          <p:spPr>
+            <a:xfrm>
+              <a:off x="5130" y="4983"/>
+              <a:ext cx="732" cy="692"/>
+            </a:xfrm>
+            <a:prstGeom prst="ellipse">
+              <a:avLst/>
+            </a:prstGeom>
+            <a:noFill/>
+            <a:ln w="38100">
+              <a:solidFill>
+                <a:srgbClr val="2C3E50"/>
+              </a:solidFill>
+            </a:ln>
+            <a:extLst>
+              <a:ext uri="{909E8E84-426E-40DD-AFC4-6F175D3DCCD1}">
+                <a14:hiddenFill xmlns:a14="http://schemas.microsoft.com/office/drawing/2010/main">
+                  <a:solidFill>
+                    <a:schemeClr val="accent1"/>
+                  </a:solidFill>
+                </a14:hiddenFill>
+              </a:ext>
+            </a:extLst>
+          </p:spPr>
+          <p:style>
+            <a:lnRef idx="2">
+              <a:schemeClr val="accent1">
+                <a:shade val="50000"/>
+              </a:schemeClr>
+            </a:lnRef>
+            <a:fillRef idx="1">
+              <a:schemeClr val="accent1"/>
+            </a:fillRef>
+            <a:effectRef idx="0">
+              <a:schemeClr val="accent1"/>
+            </a:effectRef>
+            <a:fontRef idx="minor">
+              <a:schemeClr val="lt1"/>
+            </a:fontRef>
+          </p:style>
+          <p:txBody>
+            <a:bodyPr rtlCol="0" anchor="ctr"/>
+            <a:p>
+              <a:pPr algn="ctr"/>
+              <a:r>
+                <a:rPr lang="en-US" altLang="zh-CN" sz="800" b="1">
+                  <a:solidFill>
+                    <a:srgbClr val="2C3E50"/>
+                  </a:solidFill>
+                </a:rPr>
+                <a:t>19</a:t>
+              </a:r>
+              <a:endParaRPr lang="en-US" altLang="zh-CN" sz="800" b="1">
+                <a:solidFill>
+                  <a:srgbClr val="2C3E50"/>
+                </a:solidFill>
+              </a:endParaRPr>
+            </a:p>
+          </p:txBody>
+        </p:sp>
+        <p:sp>
+          <p:nvSpPr>
+            <p:cNvPr id="5" name="椭圆 4"/>
+            <p:cNvSpPr/>
+            <p:nvPr/>
+          </p:nvSpPr>
+          <p:spPr>
+            <a:xfrm>
+              <a:off x="2475" y="6690"/>
+              <a:ext cx="732" cy="692"/>
+            </a:xfrm>
+            <a:prstGeom prst="ellipse">
+              <a:avLst/>
+            </a:prstGeom>
+            <a:noFill/>
+            <a:ln w="38100">
+              <a:solidFill>
+                <a:srgbClr val="2C3E50"/>
+              </a:solidFill>
+            </a:ln>
+            <a:extLst>
+              <a:ext uri="{909E8E84-426E-40DD-AFC4-6F175D3DCCD1}">
+                <a14:hiddenFill xmlns:a14="http://schemas.microsoft.com/office/drawing/2010/main">
+                  <a:solidFill>
+                    <a:schemeClr val="accent1"/>
+                  </a:solidFill>
+                </a14:hiddenFill>
+              </a:ext>
+            </a:extLst>
+          </p:spPr>
+          <p:style>
+            <a:lnRef idx="2">
+              <a:schemeClr val="accent1">
+                <a:shade val="50000"/>
+              </a:schemeClr>
+            </a:lnRef>
+            <a:fillRef idx="1">
+              <a:schemeClr val="accent1"/>
+            </a:fillRef>
+            <a:effectRef idx="0">
+              <a:schemeClr val="accent1"/>
+            </a:effectRef>
+            <a:fontRef idx="minor">
+              <a:schemeClr val="lt1"/>
+            </a:fontRef>
+          </p:style>
+          <p:txBody>
+            <a:bodyPr rtlCol="0" anchor="ctr"/>
+            <a:p>
+              <a:pPr algn="ctr"/>
+              <a:r>
+                <a:rPr lang="en-US" altLang="zh-CN" sz="800" b="1">
+                  <a:solidFill>
+                    <a:srgbClr val="2C3E50"/>
+                  </a:solidFill>
+                </a:rPr>
+                <a:t>8</a:t>
+              </a:r>
+              <a:endParaRPr lang="en-US" altLang="zh-CN" sz="800" b="1">
+                <a:solidFill>
+                  <a:srgbClr val="2C3E50"/>
+                </a:solidFill>
+              </a:endParaRPr>
+            </a:p>
+          </p:txBody>
+        </p:sp>
+        <p:sp>
+          <p:nvSpPr>
+            <p:cNvPr id="6" name="椭圆 5"/>
+            <p:cNvSpPr/>
+            <p:nvPr/>
+          </p:nvSpPr>
+          <p:spPr>
+            <a:xfrm>
+              <a:off x="3620" y="8181"/>
+              <a:ext cx="732" cy="692"/>
+            </a:xfrm>
+            <a:prstGeom prst="ellipse">
+              <a:avLst/>
+            </a:prstGeom>
+            <a:noFill/>
+            <a:ln w="38100">
+              <a:solidFill>
+                <a:srgbClr val="2C3E50"/>
+              </a:solidFill>
+            </a:ln>
+            <a:extLst>
+              <a:ext uri="{909E8E84-426E-40DD-AFC4-6F175D3DCCD1}">
+                <a14:hiddenFill xmlns:a14="http://schemas.microsoft.com/office/drawing/2010/main">
+                  <a:solidFill>
+                    <a:schemeClr val="accent1"/>
+                  </a:solidFill>
+                </a14:hiddenFill>
+              </a:ext>
+            </a:extLst>
+          </p:spPr>
+          <p:style>
+            <a:lnRef idx="2">
+              <a:schemeClr val="accent1">
+                <a:shade val="50000"/>
+              </a:schemeClr>
+            </a:lnRef>
+            <a:fillRef idx="1">
+              <a:schemeClr val="accent1"/>
+            </a:fillRef>
+            <a:effectRef idx="0">
+              <a:schemeClr val="accent1"/>
+            </a:effectRef>
+            <a:fontRef idx="minor">
+              <a:schemeClr val="lt1"/>
+            </a:fontRef>
+          </p:style>
+          <p:txBody>
+            <a:bodyPr rtlCol="0" anchor="ctr"/>
+            <a:p>
+              <a:pPr algn="ctr"/>
+              <a:r>
+                <a:rPr lang="en-US" altLang="zh-CN" sz="800" b="1">
+                  <a:solidFill>
+                    <a:srgbClr val="2C3E50"/>
+                  </a:solidFill>
+                </a:rPr>
+                <a:t>14</a:t>
+              </a:r>
+              <a:endParaRPr lang="en-US" altLang="zh-CN" sz="800" b="1">
+                <a:solidFill>
+                  <a:srgbClr val="2C3E50"/>
+                </a:solidFill>
+              </a:endParaRPr>
+            </a:p>
+          </p:txBody>
+        </p:sp>
+        <p:sp>
+          <p:nvSpPr>
+            <p:cNvPr id="7" name="椭圆 6"/>
+            <p:cNvSpPr/>
+            <p:nvPr/>
+          </p:nvSpPr>
+          <p:spPr>
+            <a:xfrm>
+              <a:off x="4946" y="6738"/>
+              <a:ext cx="732" cy="692"/>
+            </a:xfrm>
+            <a:prstGeom prst="ellipse">
+              <a:avLst/>
+            </a:prstGeom>
+            <a:noFill/>
+            <a:ln w="38100">
+              <a:solidFill>
+                <a:srgbClr val="2C3E50"/>
+              </a:solidFill>
+            </a:ln>
+            <a:extLst>
+              <a:ext uri="{909E8E84-426E-40DD-AFC4-6F175D3DCCD1}">
+                <a14:hiddenFill xmlns:a14="http://schemas.microsoft.com/office/drawing/2010/main">
+                  <a:solidFill>
+                    <a:schemeClr val="accent1"/>
+                  </a:solidFill>
+                </a14:hiddenFill>
+              </a:ext>
+            </a:extLst>
+          </p:spPr>
+          <p:style>
+            <a:lnRef idx="2">
+              <a:schemeClr val="accent1">
+                <a:shade val="50000"/>
+              </a:schemeClr>
+            </a:lnRef>
+            <a:fillRef idx="1">
+              <a:schemeClr val="accent1"/>
+            </a:fillRef>
+            <a:effectRef idx="0">
+              <a:schemeClr val="accent1"/>
+            </a:effectRef>
+            <a:fontRef idx="minor">
+              <a:schemeClr val="lt1"/>
+            </a:fontRef>
+          </p:style>
+          <p:txBody>
+            <a:bodyPr rtlCol="0" anchor="ctr"/>
+            <a:p>
+              <a:pPr algn="ctr"/>
+              <a:r>
+                <a:rPr lang="en-US" altLang="zh-CN" sz="800" b="1">
+                  <a:solidFill>
+                    <a:srgbClr val="2C3E50"/>
+                  </a:solidFill>
+                </a:rPr>
+                <a:t>16</a:t>
+              </a:r>
+              <a:endParaRPr lang="en-US" altLang="zh-CN" sz="800" b="1">
+                <a:solidFill>
+                  <a:srgbClr val="2C3E50"/>
+                </a:solidFill>
+              </a:endParaRPr>
+            </a:p>
+          </p:txBody>
+        </p:sp>
+        <p:sp>
+          <p:nvSpPr>
+            <p:cNvPr id="8" name="椭圆 7"/>
+            <p:cNvSpPr/>
+            <p:nvPr/>
+          </p:nvSpPr>
+          <p:spPr>
+            <a:xfrm>
+              <a:off x="6437" y="6738"/>
+              <a:ext cx="732" cy="692"/>
+            </a:xfrm>
+            <a:prstGeom prst="ellipse">
+              <a:avLst/>
+            </a:prstGeom>
+            <a:noFill/>
+            <a:ln w="38100">
+              <a:solidFill>
+                <a:srgbClr val="2C3E50"/>
+              </a:solidFill>
+            </a:ln>
+            <a:extLst>
+              <a:ext uri="{909E8E84-426E-40DD-AFC4-6F175D3DCCD1}">
+                <a14:hiddenFill xmlns:a14="http://schemas.microsoft.com/office/drawing/2010/main">
+                  <a:solidFill>
+                    <a:schemeClr val="accent1"/>
+                  </a:solidFill>
+                </a14:hiddenFill>
+              </a:ext>
+            </a:extLst>
+          </p:spPr>
+          <p:style>
+            <a:lnRef idx="2">
+              <a:schemeClr val="accent1">
+                <a:shade val="50000"/>
+              </a:schemeClr>
+            </a:lnRef>
+            <a:fillRef idx="1">
+              <a:schemeClr val="accent1"/>
+            </a:fillRef>
+            <a:effectRef idx="0">
+              <a:schemeClr val="accent1"/>
+            </a:effectRef>
+            <a:fontRef idx="minor">
+              <a:schemeClr val="lt1"/>
+            </a:fontRef>
+          </p:style>
+          <p:txBody>
+            <a:bodyPr rtlCol="0" anchor="ctr"/>
+            <a:p>
+              <a:pPr algn="ctr"/>
+              <a:r>
+                <a:rPr lang="en-US" altLang="zh-CN" sz="800" b="1">
+                  <a:solidFill>
+                    <a:srgbClr val="2C3E50"/>
+                  </a:solidFill>
+                </a:rPr>
+                <a:t>21</a:t>
+              </a:r>
+              <a:endParaRPr lang="en-US" altLang="zh-CN" sz="800" b="1">
+                <a:solidFill>
+                  <a:srgbClr val="2C3E50"/>
+                </a:solidFill>
+              </a:endParaRPr>
+            </a:p>
+          </p:txBody>
+        </p:sp>
+        <p:cxnSp>
+          <p:nvCxnSpPr>
+            <p:cNvPr id="10" name="直接连接符 9"/>
+            <p:cNvCxnSpPr>
+              <a:endCxn id="3" idx="7"/>
+            </p:cNvCxnSpPr>
+            <p:nvPr/>
+          </p:nvCxnSpPr>
+          <p:spPr>
+            <a:xfrm flipH="true">
+              <a:off x="4110" y="4488"/>
+              <a:ext cx="377" cy="691"/>
+            </a:xfrm>
+            <a:prstGeom prst="line">
+              <a:avLst/>
+            </a:prstGeom>
+            <a:ln w="38100">
+              <a:solidFill>
+                <a:srgbClr val="3EAF7C"/>
+              </a:solidFill>
+            </a:ln>
+          </p:spPr>
+          <p:style>
+            <a:lnRef idx="1">
+              <a:schemeClr val="accent1"/>
+            </a:lnRef>
+            <a:fillRef idx="0">
+              <a:schemeClr val="accent1"/>
+            </a:fillRef>
+            <a:effectRef idx="0">
+              <a:schemeClr val="accent1"/>
+            </a:effectRef>
+            <a:fontRef idx="minor">
+              <a:schemeClr val="tx1"/>
+            </a:fontRef>
+          </p:style>
+        </p:cxnSp>
+        <p:cxnSp>
+          <p:nvCxnSpPr>
+            <p:cNvPr id="11" name="直接连接符 10"/>
+            <p:cNvCxnSpPr>
+              <a:stCxn id="3" idx="3"/>
+              <a:endCxn id="5" idx="7"/>
+            </p:cNvCxnSpPr>
+            <p:nvPr/>
+          </p:nvCxnSpPr>
+          <p:spPr>
+            <a:xfrm flipH="true">
+              <a:off x="3100" y="5669"/>
+              <a:ext cx="492" cy="1122"/>
+            </a:xfrm>
+            <a:prstGeom prst="line">
+              <a:avLst/>
+            </a:prstGeom>
+            <a:ln w="38100">
+              <a:solidFill>
+                <a:srgbClr val="3EAF7C"/>
+              </a:solidFill>
+            </a:ln>
+          </p:spPr>
+          <p:style>
+            <a:lnRef idx="1">
+              <a:schemeClr val="accent1"/>
+            </a:lnRef>
+            <a:fillRef idx="0">
+              <a:schemeClr val="accent1"/>
+            </a:fillRef>
+            <a:effectRef idx="0">
+              <a:schemeClr val="accent1"/>
+            </a:effectRef>
+            <a:fontRef idx="minor">
+              <a:schemeClr val="tx1"/>
+            </a:fontRef>
+          </p:style>
+        </p:cxnSp>
+        <p:cxnSp>
+          <p:nvCxnSpPr>
+            <p:cNvPr id="12" name="直接连接符 11"/>
+            <p:cNvCxnSpPr>
+              <a:stCxn id="2" idx="5"/>
+            </p:cNvCxnSpPr>
+            <p:nvPr/>
+          </p:nvCxnSpPr>
+          <p:spPr>
+            <a:xfrm>
+              <a:off x="4928" y="4394"/>
+              <a:ext cx="456" cy="634"/>
+            </a:xfrm>
+            <a:prstGeom prst="line">
+              <a:avLst/>
+            </a:prstGeom>
+            <a:ln w="38100">
+              <a:solidFill>
+                <a:srgbClr val="3EAF7C"/>
+              </a:solidFill>
+            </a:ln>
+          </p:spPr>
+          <p:style>
+            <a:lnRef idx="1">
+              <a:schemeClr val="accent1"/>
+            </a:lnRef>
+            <a:fillRef idx="0">
+              <a:schemeClr val="accent1"/>
+            </a:fillRef>
+            <a:effectRef idx="0">
+              <a:schemeClr val="accent1"/>
+            </a:effectRef>
+            <a:fontRef idx="minor">
+              <a:schemeClr val="tx1"/>
+            </a:fontRef>
+          </p:style>
+        </p:cxnSp>
+        <p:cxnSp>
+          <p:nvCxnSpPr>
+            <p:cNvPr id="13" name="直接连接符 12"/>
+            <p:cNvCxnSpPr>
+              <a:stCxn id="4" idx="4"/>
+              <a:endCxn id="7" idx="0"/>
+            </p:cNvCxnSpPr>
+            <p:nvPr/>
+          </p:nvCxnSpPr>
+          <p:spPr>
+            <a:xfrm flipH="true">
+              <a:off x="5312" y="5676"/>
+              <a:ext cx="184" cy="1063"/>
+            </a:xfrm>
+            <a:prstGeom prst="line">
+              <a:avLst/>
+            </a:prstGeom>
+            <a:ln w="38100">
+              <a:solidFill>
+                <a:srgbClr val="3EAF7C"/>
+              </a:solidFill>
+            </a:ln>
+          </p:spPr>
+          <p:style>
+            <a:lnRef idx="1">
+              <a:schemeClr val="accent1"/>
+            </a:lnRef>
+            <a:fillRef idx="0">
+              <a:schemeClr val="accent1"/>
+            </a:fillRef>
+            <a:effectRef idx="0">
+              <a:schemeClr val="accent1"/>
+            </a:effectRef>
+            <a:fontRef idx="minor">
+              <a:schemeClr val="tx1"/>
+            </a:fontRef>
+          </p:style>
+        </p:cxnSp>
+        <p:cxnSp>
+          <p:nvCxnSpPr>
+            <p:cNvPr id="14" name="直接连接符 13"/>
+            <p:cNvCxnSpPr>
+              <a:stCxn id="4" idx="5"/>
+            </p:cNvCxnSpPr>
+            <p:nvPr/>
+          </p:nvCxnSpPr>
+          <p:spPr>
+            <a:xfrm>
+              <a:off x="5755" y="5574"/>
+              <a:ext cx="935" cy="1225"/>
+            </a:xfrm>
+            <a:prstGeom prst="line">
+              <a:avLst/>
+            </a:prstGeom>
+            <a:ln w="38100">
+              <a:solidFill>
+                <a:srgbClr val="3EAF7C"/>
+              </a:solidFill>
+            </a:ln>
+          </p:spPr>
+          <p:style>
+            <a:lnRef idx="1">
+              <a:schemeClr val="accent1"/>
+            </a:lnRef>
+            <a:fillRef idx="0">
+              <a:schemeClr val="accent1"/>
+            </a:fillRef>
+            <a:effectRef idx="0">
+              <a:schemeClr val="accent1"/>
+            </a:effectRef>
+            <a:fontRef idx="minor">
+              <a:schemeClr val="tx1"/>
+            </a:fontRef>
+          </p:style>
+        </p:cxnSp>
+        <p:cxnSp>
+          <p:nvCxnSpPr>
+            <p:cNvPr id="15" name="直接连接符 14"/>
+            <p:cNvCxnSpPr>
+              <a:stCxn id="7" idx="3"/>
+              <a:endCxn id="6" idx="7"/>
+            </p:cNvCxnSpPr>
+            <p:nvPr/>
+          </p:nvCxnSpPr>
+          <p:spPr>
+            <a:xfrm flipH="true">
+              <a:off x="4245" y="7329"/>
+              <a:ext cx="809" cy="953"/>
+            </a:xfrm>
+            <a:prstGeom prst="line">
+              <a:avLst/>
+            </a:prstGeom>
+            <a:ln w="38100">
+              <a:solidFill>
+                <a:srgbClr val="3EAF7C"/>
+              </a:solidFill>
+            </a:ln>
+          </p:spPr>
+          <p:style>
+            <a:lnRef idx="1">
+              <a:schemeClr val="accent1"/>
+            </a:lnRef>
+            <a:fillRef idx="0">
+              <a:schemeClr val="accent1"/>
+            </a:fillRef>
+            <a:effectRef idx="0">
+              <a:schemeClr val="accent1"/>
+            </a:effectRef>
+            <a:fontRef idx="minor">
+              <a:schemeClr val="tx1"/>
+            </a:fontRef>
+          </p:style>
+        </p:cxnSp>
+        <p:sp>
+          <p:nvSpPr>
+            <p:cNvPr id="29" name="椭圆 28"/>
+            <p:cNvSpPr/>
+            <p:nvPr/>
+          </p:nvSpPr>
+          <p:spPr>
+            <a:xfrm>
+              <a:off x="10624" y="3856"/>
+              <a:ext cx="732" cy="692"/>
+            </a:xfrm>
+            <a:prstGeom prst="ellipse">
+              <a:avLst/>
+            </a:prstGeom>
+            <a:noFill/>
+            <a:ln w="38100">
+              <a:solidFill>
+                <a:srgbClr val="2C3E50"/>
+              </a:solidFill>
+            </a:ln>
+            <a:extLst>
+              <a:ext uri="{909E8E84-426E-40DD-AFC4-6F175D3DCCD1}">
+                <a14:hiddenFill xmlns:a14="http://schemas.microsoft.com/office/drawing/2010/main">
+                  <a:solidFill>
+                    <a:schemeClr val="accent1"/>
+                  </a:solidFill>
+                </a14:hiddenFill>
+              </a:ext>
+            </a:extLst>
+          </p:spPr>
+          <p:style>
+            <a:lnRef idx="2">
+              <a:schemeClr val="accent1">
+                <a:shade val="50000"/>
+              </a:schemeClr>
+            </a:lnRef>
+            <a:fillRef idx="1">
+              <a:schemeClr val="accent1"/>
+            </a:fillRef>
+            <a:effectRef idx="0">
+              <a:schemeClr val="accent1"/>
+            </a:effectRef>
+            <a:fontRef idx="minor">
+              <a:schemeClr val="lt1"/>
+            </a:fontRef>
+          </p:style>
+          <p:txBody>
+            <a:bodyPr rtlCol="0" anchor="ctr"/>
+            <a:p>
+              <a:pPr algn="ctr"/>
+              <a:r>
+                <a:rPr lang="en-US" altLang="zh-CN" sz="800" b="1">
+                  <a:solidFill>
+                    <a:srgbClr val="2C3E50"/>
+                  </a:solidFill>
+                </a:rPr>
+                <a:t>13</a:t>
+              </a:r>
+              <a:endParaRPr lang="en-US" altLang="zh-CN" sz="800" b="1">
+                <a:solidFill>
+                  <a:srgbClr val="2C3E50"/>
+                </a:solidFill>
+              </a:endParaRPr>
+            </a:p>
+          </p:txBody>
+        </p:sp>
+        <p:sp>
+          <p:nvSpPr>
+            <p:cNvPr id="30" name="椭圆 29"/>
+            <p:cNvSpPr/>
+            <p:nvPr/>
+          </p:nvSpPr>
+          <p:spPr>
+            <a:xfrm>
+              <a:off x="9805" y="5130"/>
+              <a:ext cx="732" cy="692"/>
+            </a:xfrm>
+            <a:prstGeom prst="ellipse">
+              <a:avLst/>
+            </a:prstGeom>
+            <a:noFill/>
+            <a:ln w="38100">
+              <a:solidFill>
+                <a:srgbClr val="2C3E50"/>
+              </a:solidFill>
+            </a:ln>
+            <a:extLst>
+              <a:ext uri="{909E8E84-426E-40DD-AFC4-6F175D3DCCD1}">
+                <a14:hiddenFill xmlns:a14="http://schemas.microsoft.com/office/drawing/2010/main">
+                  <a:solidFill>
+                    <a:schemeClr val="accent1"/>
+                  </a:solidFill>
+                </a14:hiddenFill>
+              </a:ext>
+            </a:extLst>
+          </p:spPr>
+          <p:style>
+            <a:lnRef idx="2">
+              <a:schemeClr val="accent1">
+                <a:shade val="50000"/>
+              </a:schemeClr>
+            </a:lnRef>
+            <a:fillRef idx="1">
+              <a:schemeClr val="accent1"/>
+            </a:fillRef>
+            <a:effectRef idx="0">
+              <a:schemeClr val="accent1"/>
+            </a:effectRef>
+            <a:fontRef idx="minor">
+              <a:schemeClr val="lt1"/>
+            </a:fontRef>
+          </p:style>
+          <p:txBody>
+            <a:bodyPr rtlCol="0" anchor="ctr"/>
+            <a:p>
+              <a:pPr algn="ctr"/>
+              <a:r>
+                <a:rPr lang="en-US" altLang="zh-CN" sz="800" b="1">
+                  <a:solidFill>
+                    <a:srgbClr val="2C3E50"/>
+                  </a:solidFill>
+                </a:rPr>
+                <a:t>10</a:t>
+              </a:r>
+              <a:endParaRPr lang="en-US" altLang="zh-CN" sz="800" b="1">
+                <a:solidFill>
+                  <a:srgbClr val="2C3E50"/>
+                </a:solidFill>
+              </a:endParaRPr>
+            </a:p>
+          </p:txBody>
+        </p:sp>
+        <p:sp>
+          <p:nvSpPr>
+            <p:cNvPr id="31" name="椭圆 30"/>
+            <p:cNvSpPr/>
+            <p:nvPr/>
+          </p:nvSpPr>
+          <p:spPr>
+            <a:xfrm>
+              <a:off x="11451" y="5036"/>
+              <a:ext cx="732" cy="692"/>
+            </a:xfrm>
+            <a:prstGeom prst="ellipse">
+              <a:avLst/>
+            </a:prstGeom>
+            <a:noFill/>
+            <a:ln w="38100">
+              <a:solidFill>
+                <a:srgbClr val="2C3E50"/>
+              </a:solidFill>
+            </a:ln>
+            <a:extLst>
+              <a:ext uri="{909E8E84-426E-40DD-AFC4-6F175D3DCCD1}">
+                <a14:hiddenFill xmlns:a14="http://schemas.microsoft.com/office/drawing/2010/main">
+                  <a:solidFill>
+                    <a:schemeClr val="accent1"/>
+                  </a:solidFill>
+                </a14:hiddenFill>
+              </a:ext>
+            </a:extLst>
+          </p:spPr>
+          <p:style>
+            <a:lnRef idx="2">
+              <a:schemeClr val="accent1">
+                <a:shade val="50000"/>
+              </a:schemeClr>
+            </a:lnRef>
+            <a:fillRef idx="1">
+              <a:schemeClr val="accent1"/>
+            </a:fillRef>
+            <a:effectRef idx="0">
+              <a:schemeClr val="accent1"/>
+            </a:effectRef>
+            <a:fontRef idx="minor">
+              <a:schemeClr val="lt1"/>
+            </a:fontRef>
+          </p:style>
+          <p:txBody>
+            <a:bodyPr rtlCol="0" anchor="ctr"/>
+            <a:p>
+              <a:pPr algn="ctr"/>
+              <a:r>
+                <a:rPr lang="en-US" altLang="zh-CN" sz="800" b="1">
+                  <a:solidFill>
+                    <a:srgbClr val="2C3E50"/>
+                  </a:solidFill>
+                </a:rPr>
+                <a:t>19</a:t>
+              </a:r>
+              <a:endParaRPr lang="en-US" altLang="zh-CN" sz="800" b="1">
+                <a:solidFill>
+                  <a:srgbClr val="2C3E50"/>
+                </a:solidFill>
+              </a:endParaRPr>
+            </a:p>
+          </p:txBody>
+        </p:sp>
+        <p:sp>
+          <p:nvSpPr>
+            <p:cNvPr id="32" name="椭圆 31"/>
+            <p:cNvSpPr/>
+            <p:nvPr/>
+          </p:nvSpPr>
+          <p:spPr>
+            <a:xfrm>
+              <a:off x="8994" y="6791"/>
+              <a:ext cx="732" cy="692"/>
+            </a:xfrm>
+            <a:prstGeom prst="ellipse">
+              <a:avLst/>
+            </a:prstGeom>
+            <a:noFill/>
+            <a:ln w="38100">
+              <a:solidFill>
+                <a:srgbClr val="2C3E50"/>
+              </a:solidFill>
+            </a:ln>
+            <a:extLst>
+              <a:ext uri="{909E8E84-426E-40DD-AFC4-6F175D3DCCD1}">
+                <a14:hiddenFill xmlns:a14="http://schemas.microsoft.com/office/drawing/2010/main">
+                  <a:solidFill>
+                    <a:schemeClr val="accent1"/>
+                  </a:solidFill>
+                </a14:hiddenFill>
+              </a:ext>
+            </a:extLst>
+          </p:spPr>
+          <p:style>
+            <a:lnRef idx="2">
+              <a:schemeClr val="accent1">
+                <a:shade val="50000"/>
+              </a:schemeClr>
+            </a:lnRef>
+            <a:fillRef idx="1">
+              <a:schemeClr val="accent1"/>
+            </a:fillRef>
+            <a:effectRef idx="0">
+              <a:schemeClr val="accent1"/>
+            </a:effectRef>
+            <a:fontRef idx="minor">
+              <a:schemeClr val="lt1"/>
+            </a:fontRef>
+          </p:style>
+          <p:txBody>
+            <a:bodyPr rtlCol="0" anchor="ctr"/>
+            <a:p>
+              <a:pPr algn="ctr"/>
+              <a:r>
+                <a:rPr lang="en-US" altLang="zh-CN" sz="800" b="1">
+                  <a:solidFill>
+                    <a:srgbClr val="2C3E50"/>
+                  </a:solidFill>
+                </a:rPr>
+                <a:t>8</a:t>
+              </a:r>
+              <a:endParaRPr lang="en-US" altLang="zh-CN" sz="800" b="1">
+                <a:solidFill>
+                  <a:srgbClr val="2C3E50"/>
+                </a:solidFill>
+              </a:endParaRPr>
+            </a:p>
+          </p:txBody>
+        </p:sp>
+        <p:sp>
+          <p:nvSpPr>
+            <p:cNvPr id="33" name="椭圆 32"/>
+            <p:cNvSpPr/>
+            <p:nvPr/>
+          </p:nvSpPr>
+          <p:spPr>
+            <a:xfrm>
+              <a:off x="9940" y="8234"/>
+              <a:ext cx="732" cy="692"/>
+            </a:xfrm>
+            <a:prstGeom prst="ellipse">
+              <a:avLst/>
+            </a:prstGeom>
+            <a:noFill/>
+            <a:ln w="38100">
+              <a:solidFill>
+                <a:srgbClr val="2C3E50"/>
+              </a:solidFill>
+            </a:ln>
+            <a:extLst>
+              <a:ext uri="{909E8E84-426E-40DD-AFC4-6F175D3DCCD1}">
+                <a14:hiddenFill xmlns:a14="http://schemas.microsoft.com/office/drawing/2010/main">
+                  <a:solidFill>
+                    <a:schemeClr val="accent1"/>
+                  </a:solidFill>
+                </a14:hiddenFill>
+              </a:ext>
+            </a:extLst>
+          </p:spPr>
+          <p:style>
+            <a:lnRef idx="2">
+              <a:schemeClr val="accent1">
+                <a:shade val="50000"/>
+              </a:schemeClr>
+            </a:lnRef>
+            <a:fillRef idx="1">
+              <a:schemeClr val="accent1"/>
+            </a:fillRef>
+            <a:effectRef idx="0">
+              <a:schemeClr val="accent1"/>
+            </a:effectRef>
+            <a:fontRef idx="minor">
+              <a:schemeClr val="lt1"/>
+            </a:fontRef>
+          </p:style>
+          <p:txBody>
+            <a:bodyPr rtlCol="0" anchor="ctr"/>
+            <a:p>
+              <a:pPr algn="ctr"/>
+              <a:r>
+                <a:rPr lang="en-US" altLang="zh-CN" sz="800" b="1">
+                  <a:solidFill>
+                    <a:srgbClr val="2C3E50"/>
+                  </a:solidFill>
+                </a:rPr>
+                <a:t>12</a:t>
+              </a:r>
+              <a:endParaRPr lang="en-US" altLang="zh-CN" sz="800" b="1">
+                <a:solidFill>
+                  <a:srgbClr val="2C3E50"/>
+                </a:solidFill>
+              </a:endParaRPr>
+            </a:p>
+          </p:txBody>
+        </p:sp>
+        <p:sp>
+          <p:nvSpPr>
+            <p:cNvPr id="34" name="椭圆 33"/>
+            <p:cNvSpPr/>
+            <p:nvPr/>
+          </p:nvSpPr>
+          <p:spPr>
+            <a:xfrm>
+              <a:off x="11267" y="6791"/>
+              <a:ext cx="732" cy="692"/>
+            </a:xfrm>
+            <a:prstGeom prst="ellipse">
+              <a:avLst/>
+            </a:prstGeom>
+            <a:noFill/>
+            <a:ln w="38100">
+              <a:solidFill>
+                <a:srgbClr val="2C3E50"/>
+              </a:solidFill>
+            </a:ln>
+            <a:extLst>
+              <a:ext uri="{909E8E84-426E-40DD-AFC4-6F175D3DCCD1}">
+                <a14:hiddenFill xmlns:a14="http://schemas.microsoft.com/office/drawing/2010/main">
+                  <a:solidFill>
+                    <a:schemeClr val="accent1"/>
+                  </a:solidFill>
+                </a14:hiddenFill>
+              </a:ext>
+            </a:extLst>
+          </p:spPr>
+          <p:style>
+            <a:lnRef idx="2">
+              <a:schemeClr val="accent1">
+                <a:shade val="50000"/>
+              </a:schemeClr>
+            </a:lnRef>
+            <a:fillRef idx="1">
+              <a:schemeClr val="accent1"/>
+            </a:fillRef>
+            <a:effectRef idx="0">
+              <a:schemeClr val="accent1"/>
+            </a:effectRef>
+            <a:fontRef idx="minor">
+              <a:schemeClr val="lt1"/>
+            </a:fontRef>
+          </p:style>
+          <p:txBody>
+            <a:bodyPr rtlCol="0" anchor="ctr"/>
+            <a:p>
+              <a:pPr algn="ctr"/>
+              <a:r>
+                <a:rPr lang="en-US" altLang="zh-CN" sz="800" b="1">
+                  <a:solidFill>
+                    <a:srgbClr val="2C3E50"/>
+                  </a:solidFill>
+                </a:rPr>
+                <a:t>16</a:t>
+              </a:r>
+              <a:endParaRPr lang="en-US" altLang="zh-CN" sz="800" b="1">
+                <a:solidFill>
+                  <a:srgbClr val="2C3E50"/>
+                </a:solidFill>
+              </a:endParaRPr>
+            </a:p>
+          </p:txBody>
+        </p:sp>
+        <p:sp>
+          <p:nvSpPr>
+            <p:cNvPr id="35" name="椭圆 34"/>
+            <p:cNvSpPr/>
+            <p:nvPr/>
+          </p:nvSpPr>
+          <p:spPr>
+            <a:xfrm>
+              <a:off x="12757" y="6791"/>
+              <a:ext cx="732" cy="692"/>
+            </a:xfrm>
+            <a:prstGeom prst="ellipse">
+              <a:avLst/>
+            </a:prstGeom>
+            <a:noFill/>
+            <a:ln w="38100">
+              <a:solidFill>
+                <a:srgbClr val="2C3E50"/>
+              </a:solidFill>
+            </a:ln>
+            <a:extLst>
+              <a:ext uri="{909E8E84-426E-40DD-AFC4-6F175D3DCCD1}">
+                <a14:hiddenFill xmlns:a14="http://schemas.microsoft.com/office/drawing/2010/main">
+                  <a:solidFill>
+                    <a:schemeClr val="accent1"/>
+                  </a:solidFill>
+                </a14:hiddenFill>
+              </a:ext>
+            </a:extLst>
+          </p:spPr>
+          <p:style>
+            <a:lnRef idx="2">
+              <a:schemeClr val="accent1">
+                <a:shade val="50000"/>
+              </a:schemeClr>
+            </a:lnRef>
+            <a:fillRef idx="1">
+              <a:schemeClr val="accent1"/>
+            </a:fillRef>
+            <a:effectRef idx="0">
+              <a:schemeClr val="accent1"/>
+            </a:effectRef>
+            <a:fontRef idx="minor">
+              <a:schemeClr val="lt1"/>
+            </a:fontRef>
+          </p:style>
+          <p:txBody>
+            <a:bodyPr rtlCol="0" anchor="ctr"/>
+            <a:p>
+              <a:pPr algn="ctr"/>
+              <a:r>
+                <a:rPr lang="en-US" altLang="zh-CN" sz="800" b="1">
+                  <a:solidFill>
+                    <a:srgbClr val="2C3E50"/>
+                  </a:solidFill>
+                </a:rPr>
+                <a:t>21</a:t>
+              </a:r>
+              <a:endParaRPr lang="en-US" altLang="zh-CN" sz="800" b="1">
+                <a:solidFill>
+                  <a:srgbClr val="2C3E50"/>
+                </a:solidFill>
+              </a:endParaRPr>
+            </a:p>
+          </p:txBody>
+        </p:sp>
+        <p:cxnSp>
+          <p:nvCxnSpPr>
+            <p:cNvPr id="36" name="直接连接符 35"/>
+            <p:cNvCxnSpPr>
+              <a:endCxn id="30" idx="7"/>
+            </p:cNvCxnSpPr>
+            <p:nvPr/>
+          </p:nvCxnSpPr>
+          <p:spPr>
+            <a:xfrm flipH="true">
+              <a:off x="10429" y="4541"/>
+              <a:ext cx="378" cy="691"/>
+            </a:xfrm>
+            <a:prstGeom prst="line">
+              <a:avLst/>
+            </a:prstGeom>
+            <a:ln w="38100">
+              <a:solidFill>
+                <a:srgbClr val="3EAF7C"/>
+              </a:solidFill>
+            </a:ln>
+          </p:spPr>
+          <p:style>
+            <a:lnRef idx="1">
+              <a:schemeClr val="accent1"/>
+            </a:lnRef>
+            <a:fillRef idx="0">
+              <a:schemeClr val="accent1"/>
+            </a:fillRef>
+            <a:effectRef idx="0">
+              <a:schemeClr val="accent1"/>
+            </a:effectRef>
+            <a:fontRef idx="minor">
+              <a:schemeClr val="tx1"/>
+            </a:fontRef>
+          </p:style>
+        </p:cxnSp>
+        <p:cxnSp>
+          <p:nvCxnSpPr>
+            <p:cNvPr id="37" name="直接连接符 36"/>
+            <p:cNvCxnSpPr>
+              <a:stCxn id="30" idx="3"/>
+            </p:cNvCxnSpPr>
+            <p:nvPr/>
+          </p:nvCxnSpPr>
+          <p:spPr>
+            <a:xfrm flipH="true">
+              <a:off x="9466" y="5721"/>
+              <a:ext cx="446" cy="1122"/>
+            </a:xfrm>
+            <a:prstGeom prst="line">
+              <a:avLst/>
+            </a:prstGeom>
+            <a:ln w="38100">
+              <a:solidFill>
+                <a:srgbClr val="3EAF7C"/>
+              </a:solidFill>
+            </a:ln>
+          </p:spPr>
+          <p:style>
+            <a:lnRef idx="1">
+              <a:schemeClr val="accent1"/>
+            </a:lnRef>
+            <a:fillRef idx="0">
+              <a:schemeClr val="accent1"/>
+            </a:fillRef>
+            <a:effectRef idx="0">
+              <a:schemeClr val="accent1"/>
+            </a:effectRef>
+            <a:fontRef idx="minor">
+              <a:schemeClr val="tx1"/>
+            </a:fontRef>
+          </p:style>
+        </p:cxnSp>
+        <p:cxnSp>
+          <p:nvCxnSpPr>
+            <p:cNvPr id="38" name="直接连接符 37"/>
+            <p:cNvCxnSpPr>
+              <a:stCxn id="29" idx="5"/>
+            </p:cNvCxnSpPr>
+            <p:nvPr/>
+          </p:nvCxnSpPr>
+          <p:spPr>
+            <a:xfrm>
+              <a:off x="11248" y="4447"/>
+              <a:ext cx="456" cy="634"/>
+            </a:xfrm>
+            <a:prstGeom prst="line">
+              <a:avLst/>
+            </a:prstGeom>
+            <a:ln w="38100">
+              <a:solidFill>
+                <a:srgbClr val="3EAF7C"/>
+              </a:solidFill>
+            </a:ln>
+          </p:spPr>
+          <p:style>
+            <a:lnRef idx="1">
+              <a:schemeClr val="accent1"/>
+            </a:lnRef>
+            <a:fillRef idx="0">
+              <a:schemeClr val="accent1"/>
+            </a:fillRef>
+            <a:effectRef idx="0">
+              <a:schemeClr val="accent1"/>
+            </a:effectRef>
+            <a:fontRef idx="minor">
+              <a:schemeClr val="tx1"/>
+            </a:fontRef>
+          </p:style>
+        </p:cxnSp>
+        <p:cxnSp>
+          <p:nvCxnSpPr>
+            <p:cNvPr id="39" name="直接连接符 38"/>
+            <p:cNvCxnSpPr>
+              <a:stCxn id="31" idx="4"/>
+              <a:endCxn id="34" idx="0"/>
+            </p:cNvCxnSpPr>
+            <p:nvPr/>
+          </p:nvCxnSpPr>
+          <p:spPr>
+            <a:xfrm flipH="true">
+              <a:off x="11632" y="5728"/>
+              <a:ext cx="184" cy="1063"/>
+            </a:xfrm>
+            <a:prstGeom prst="line">
+              <a:avLst/>
+            </a:prstGeom>
+            <a:ln w="38100">
+              <a:solidFill>
+                <a:srgbClr val="3EAF7C"/>
+              </a:solidFill>
+            </a:ln>
+          </p:spPr>
+          <p:style>
+            <a:lnRef idx="1">
+              <a:schemeClr val="accent1"/>
+            </a:lnRef>
+            <a:fillRef idx="0">
+              <a:schemeClr val="accent1"/>
+            </a:fillRef>
+            <a:effectRef idx="0">
+              <a:schemeClr val="accent1"/>
+            </a:effectRef>
+            <a:fontRef idx="minor">
+              <a:schemeClr val="tx1"/>
+            </a:fontRef>
+          </p:style>
+        </p:cxnSp>
+        <p:cxnSp>
+          <p:nvCxnSpPr>
+            <p:cNvPr id="40" name="直接连接符 39"/>
+            <p:cNvCxnSpPr>
+              <a:stCxn id="31" idx="5"/>
+            </p:cNvCxnSpPr>
+            <p:nvPr/>
+          </p:nvCxnSpPr>
+          <p:spPr>
+            <a:xfrm>
+              <a:off x="12075" y="5627"/>
+              <a:ext cx="935" cy="1225"/>
+            </a:xfrm>
+            <a:prstGeom prst="line">
+              <a:avLst/>
+            </a:prstGeom>
+            <a:ln w="38100">
+              <a:solidFill>
+                <a:srgbClr val="3EAF7C"/>
+              </a:solidFill>
+            </a:ln>
+          </p:spPr>
+          <p:style>
+            <a:lnRef idx="1">
+              <a:schemeClr val="accent1"/>
+            </a:lnRef>
+            <a:fillRef idx="0">
+              <a:schemeClr val="accent1"/>
+            </a:fillRef>
+            <a:effectRef idx="0">
+              <a:schemeClr val="accent1"/>
+            </a:effectRef>
+            <a:fontRef idx="minor">
+              <a:schemeClr val="tx1"/>
+            </a:fontRef>
+          </p:style>
+        </p:cxnSp>
+        <p:cxnSp>
+          <p:nvCxnSpPr>
+            <p:cNvPr id="41" name="直接连接符 40"/>
+            <p:cNvCxnSpPr>
+              <a:stCxn id="34" idx="3"/>
+              <a:endCxn id="33" idx="7"/>
+            </p:cNvCxnSpPr>
+            <p:nvPr/>
+          </p:nvCxnSpPr>
+          <p:spPr>
+            <a:xfrm flipH="true">
+              <a:off x="10565" y="7382"/>
+              <a:ext cx="809" cy="953"/>
+            </a:xfrm>
+            <a:prstGeom prst="line">
+              <a:avLst/>
+            </a:prstGeom>
+            <a:ln w="38100">
+              <a:solidFill>
+                <a:srgbClr val="3EAF7C"/>
+              </a:solidFill>
+            </a:ln>
+          </p:spPr>
+          <p:style>
+            <a:lnRef idx="1">
+              <a:schemeClr val="accent1"/>
+            </a:lnRef>
+            <a:fillRef idx="0">
+              <a:schemeClr val="accent1"/>
+            </a:fillRef>
+            <a:effectRef idx="0">
+              <a:schemeClr val="accent1"/>
+            </a:effectRef>
+            <a:fontRef idx="minor">
+              <a:schemeClr val="tx1"/>
+            </a:fontRef>
+          </p:style>
+        </p:cxnSp>
+      </p:grpSp>
+    </p:spTree>
+  </p:cSld>
+  <p:clrMapOvr>
+    <a:masterClrMapping/>
+  </p:clrMapOvr>
+</p:sld>
+</file>
+
+<file path=ppt/slides/slide17.xml><?xml version="1.0" encoding="utf-8"?>
+<p:sld xmlns:a="http://schemas.openxmlformats.org/drawingml/2006/main" xmlns:r="http://schemas.openxmlformats.org/officeDocument/2006/relationships" xmlns:p="http://schemas.openxmlformats.org/presentationml/2006/main">
+  <p:cSld>
+    <p:spTree>
+      <p:nvGrpSpPr>
+        <p:cNvPr id="1" name=""/>
+        <p:cNvGrpSpPr/>
+        <p:nvPr/>
+      </p:nvGrpSpPr>
+      <p:grpSpPr/>
     </p:spTree>
   </p:cSld>
   <p:clrMapOvr>

--- a/picture/datastruct/datastruct.pptx
+++ b/picture/datastruct/datastruct.pptx
@@ -6986,7 +6986,7 @@
           </a:bodyPr>
           <a:p>
             <a:r>
-              <a:rPr lang="" altLang="zh-CN" sz="2800" b="1">
+              <a:rPr lang="en-US" altLang="zh-CN" sz="2800" b="1">
                 <a:solidFill>
                   <a:srgbClr val="2C3E50"/>
                 </a:solidFill>
@@ -6994,14 +6994,14 @@
               <a:t>BST </a:t>
             </a:r>
             <a:r>
-              <a:rPr lang="zh-CN" altLang="" sz="2800" b="1">
+              <a:rPr lang="zh-CN" altLang="en-US" sz="2800" b="1">
                 <a:solidFill>
                   <a:srgbClr val="2C3E50"/>
                 </a:solidFill>
               </a:rPr>
               <a:t>二叉搜索树</a:t>
             </a:r>
-            <a:endParaRPr lang="zh-CN" altLang="" sz="2800" b="1">
+            <a:endParaRPr lang="zh-CN" altLang="en-US" sz="2800" b="1">
               <a:solidFill>
                 <a:srgbClr val="2C3E50"/>
               </a:solidFill>
